--- a/HW7_sobel_BRam/N06-Tutorial/專案進度報告-Sobel_VGA-吳東穎-20230531.pptx
+++ b/HW7_sobel_BRam/N06-Tutorial/專案進度報告-Sobel_VGA-吳東穎-20230531.pptx
@@ -310,7 +310,7 @@
               <a:rPr lang="zh-TW" altLang="en-US" smtClean="0">
                 <a:ea typeface="標楷體" panose="03000509000000000000" pitchFamily="65" charset="-120"/>
               </a:rPr>
-              <a:t>2023/5/28</a:t>
+              <a:t>2023/5/29</a:t>
             </a:fld>
             <a:endParaRPr lang="zh-TW" altLang="en-US" dirty="0">
               <a:ea typeface="標楷體" panose="03000509000000000000" pitchFamily="65" charset="-120"/>
@@ -488,7 +488,7 @@
             <a:fld id="{2CB905C5-9D54-40E2-B40C-7996280CAB02}" type="datetimeFigureOut">
               <a:rPr lang="zh-TW" altLang="en-US" smtClean="0"/>
               <a:pPr/>
-              <a:t>2023/5/28</a:t>
+              <a:t>2023/5/29</a:t>
             </a:fld>
             <a:endParaRPr lang="zh-TW" altLang="en-US" dirty="0"/>
           </a:p>
@@ -1986,7 +1986,7 @@
           <a:p>
             <a:fld id="{0C0CC965-A63A-473D-BEFB-C8F9714D5269}" type="datetimeFigureOut">
               <a:rPr lang="zh-TW" altLang="en-US" smtClean="0"/>
-              <a:t>2023/5/28</a:t>
+              <a:t>2023/5/29</a:t>
             </a:fld>
             <a:endParaRPr lang="zh-TW" altLang="en-US"/>
           </a:p>
@@ -2154,7 +2154,7 @@
           <a:p>
             <a:fld id="{0C0CC965-A63A-473D-BEFB-C8F9714D5269}" type="datetimeFigureOut">
               <a:rPr lang="zh-TW" altLang="en-US" smtClean="0"/>
-              <a:t>2023/5/28</a:t>
+              <a:t>2023/5/29</a:t>
             </a:fld>
             <a:endParaRPr lang="zh-TW" altLang="en-US"/>
           </a:p>
@@ -2332,7 +2332,7 @@
           <a:p>
             <a:fld id="{0C0CC965-A63A-473D-BEFB-C8F9714D5269}" type="datetimeFigureOut">
               <a:rPr lang="zh-TW" altLang="en-US" smtClean="0"/>
-              <a:t>2023/5/28</a:t>
+              <a:t>2023/5/29</a:t>
             </a:fld>
             <a:endParaRPr lang="zh-TW" altLang="en-US"/>
           </a:p>
@@ -2554,7 +2554,7 @@
           <a:p>
             <a:fld id="{0C0CC965-A63A-473D-BEFB-C8F9714D5269}" type="datetimeFigureOut">
               <a:rPr lang="zh-TW" altLang="en-US" smtClean="0"/>
-              <a:t>2023/5/28</a:t>
+              <a:t>2023/5/29</a:t>
             </a:fld>
             <a:endParaRPr lang="zh-TW" altLang="en-US"/>
           </a:p>
@@ -2749,7 +2749,7 @@
           <a:p>
             <a:fld id="{0C0CC965-A63A-473D-BEFB-C8F9714D5269}" type="datetimeFigureOut">
               <a:rPr lang="zh-TW" altLang="en-US" smtClean="0"/>
-              <a:t>2023/5/28</a:t>
+              <a:t>2023/5/29</a:t>
             </a:fld>
             <a:endParaRPr lang="zh-TW" altLang="en-US"/>
           </a:p>
@@ -2994,7 +2994,7 @@
           <a:p>
             <a:fld id="{0C0CC965-A63A-473D-BEFB-C8F9714D5269}" type="datetimeFigureOut">
               <a:rPr lang="zh-TW" altLang="en-US" smtClean="0"/>
-              <a:t>2023/5/28</a:t>
+              <a:t>2023/5/29</a:t>
             </a:fld>
             <a:endParaRPr lang="zh-TW" altLang="en-US"/>
           </a:p>
@@ -3223,7 +3223,7 @@
           <a:p>
             <a:fld id="{0C0CC965-A63A-473D-BEFB-C8F9714D5269}" type="datetimeFigureOut">
               <a:rPr lang="zh-TW" altLang="en-US" smtClean="0"/>
-              <a:t>2023/5/28</a:t>
+              <a:t>2023/5/29</a:t>
             </a:fld>
             <a:endParaRPr lang="zh-TW" altLang="en-US"/>
           </a:p>
@@ -3587,7 +3587,7 @@
           <a:p>
             <a:fld id="{0C0CC965-A63A-473D-BEFB-C8F9714D5269}" type="datetimeFigureOut">
               <a:rPr lang="zh-TW" altLang="en-US" smtClean="0"/>
-              <a:t>2023/5/28</a:t>
+              <a:t>2023/5/29</a:t>
             </a:fld>
             <a:endParaRPr lang="zh-TW" altLang="en-US"/>
           </a:p>
@@ -3704,7 +3704,7 @@
           <a:p>
             <a:fld id="{0C0CC965-A63A-473D-BEFB-C8F9714D5269}" type="datetimeFigureOut">
               <a:rPr lang="zh-TW" altLang="en-US" smtClean="0"/>
-              <a:t>2023/5/28</a:t>
+              <a:t>2023/5/29</a:t>
             </a:fld>
             <a:endParaRPr lang="zh-TW" altLang="en-US"/>
           </a:p>
@@ -3799,7 +3799,7 @@
           <a:p>
             <a:fld id="{0C0CC965-A63A-473D-BEFB-C8F9714D5269}" type="datetimeFigureOut">
               <a:rPr lang="zh-TW" altLang="en-US" smtClean="0"/>
-              <a:t>2023/5/28</a:t>
+              <a:t>2023/5/29</a:t>
             </a:fld>
             <a:endParaRPr lang="zh-TW" altLang="en-US"/>
           </a:p>
@@ -4074,7 +4074,7 @@
           <a:p>
             <a:fld id="{0C0CC965-A63A-473D-BEFB-C8F9714D5269}" type="datetimeFigureOut">
               <a:rPr lang="zh-TW" altLang="en-US" smtClean="0"/>
-              <a:t>2023/5/28</a:t>
+              <a:t>2023/5/29</a:t>
             </a:fld>
             <a:endParaRPr lang="zh-TW" altLang="en-US"/>
           </a:p>
@@ -4326,7 +4326,7 @@
           <a:p>
             <a:fld id="{0C0CC965-A63A-473D-BEFB-C8F9714D5269}" type="datetimeFigureOut">
               <a:rPr lang="zh-TW" altLang="en-US" smtClean="0"/>
-              <a:t>2023/5/28</a:t>
+              <a:t>2023/5/29</a:t>
             </a:fld>
             <a:endParaRPr lang="zh-TW" altLang="en-US"/>
           </a:p>
@@ -4540,7 +4540,7 @@
             <a:fld id="{0C0CC965-A63A-473D-BEFB-C8F9714D5269}" type="datetimeFigureOut">
               <a:rPr lang="zh-TW" altLang="en-US" smtClean="0"/>
               <a:pPr/>
-              <a:t>2023/5/28</a:t>
+              <a:t>2023/5/29</a:t>
             </a:fld>
             <a:endParaRPr lang="zh-TW" altLang="en-US"/>
           </a:p>
@@ -12823,6 +12823,30 @@
           </a:p>
           <a:p>
             <a:pPr marL="742950" lvl="2" indent="-285750"/>
+            <a:r>
+              <a:rPr lang="zh-TW" altLang="en-US" dirty="0"/>
+              <a:t>按鈕調變</a:t>
+            </a:r>
+            <a:r>
+              <a:rPr lang="en-US" altLang="zh-TW" dirty="0" err="1"/>
+              <a:t>sobel</a:t>
+            </a:r>
+            <a:r>
+              <a:rPr lang="zh-TW" altLang="en-US" dirty="0"/>
+              <a:t>的</a:t>
+            </a:r>
+            <a:r>
+              <a:rPr lang="en-US" altLang="zh-TW" dirty="0"/>
+              <a:t>threshold</a:t>
+            </a:r>
+            <a:r>
+              <a:rPr lang="zh-TW" altLang="en-US" dirty="0"/>
+              <a:t>數值</a:t>
+            </a:r>
+            <a:endParaRPr lang="en-US" altLang="zh-TW" dirty="0"/>
+          </a:p>
+          <a:p>
+            <a:pPr marL="742950" lvl="2" indent="-285750"/>
             <a:endParaRPr lang="en-US" altLang="zh-TW" dirty="0"/>
           </a:p>
           <a:p>
@@ -13592,6 +13616,23 @@
             </a:pPr>
             <a:r>
               <a:rPr lang="en-US" altLang="zh-TW" dirty="0"/>
+              <a:t>	</a:t>
+            </a:r>
+            <a:r>
+              <a:rPr lang="zh-TW" altLang="en-US" dirty="0"/>
+              <a:t>  </a:t>
+            </a:r>
+            <a:r>
+              <a:rPr lang="en-US" altLang="zh-TW" dirty="0"/>
+              <a:t>notepad++</a:t>
+            </a:r>
+          </a:p>
+          <a:p>
+            <a:pPr marL="0" indent="0">
+              <a:buNone/>
+            </a:pPr>
+            <a:r>
+              <a:rPr lang="en-US" altLang="zh-TW" dirty="0"/>
               <a:t>	  BMP2Mif.exe </a:t>
             </a:r>
             <a:endParaRPr lang="en-US" altLang="zh-TW" dirty="0">
@@ -14199,8 +14240,8 @@
         </p:blipFill>
         <p:spPr>
           <a:xfrm>
-            <a:off x="732476" y="2624396"/>
-            <a:ext cx="5251720" cy="2514729"/>
+            <a:off x="469890" y="2498659"/>
+            <a:ext cx="5776892" cy="2766202"/>
           </a:xfrm>
           <a:prstGeom prst="rect">
             <a:avLst/>
@@ -14221,8 +14262,8 @@
         </p:nvSpPr>
         <p:spPr>
           <a:xfrm>
-            <a:off x="1802165" y="5228007"/>
-            <a:ext cx="745725" cy="369332"/>
+            <a:off x="1642367" y="5255571"/>
+            <a:ext cx="745725" cy="406265"/>
           </a:xfrm>
           <a:prstGeom prst="rect">
             <a:avLst/>

--- a/HW7_sobel_BRam/N06-Tutorial/專案進度報告-Sobel_VGA-吳東穎-20230531.pptx
+++ b/HW7_sobel_BRam/N06-Tutorial/專案進度報告-Sobel_VGA-吳東穎-20230531.pptx
@@ -5,36 +5,43 @@
     <p:sldMasterId id="2147483648" r:id="rId1"/>
   </p:sldMasterIdLst>
   <p:notesMasterIdLst>
-    <p:notesMasterId r:id="rId26"/>
+    <p:notesMasterId r:id="rId33"/>
   </p:notesMasterIdLst>
   <p:handoutMasterIdLst>
-    <p:handoutMasterId r:id="rId27"/>
+    <p:handoutMasterId r:id="rId34"/>
   </p:handoutMasterIdLst>
   <p:sldIdLst>
     <p:sldId id="259" r:id="rId2"/>
     <p:sldId id="1257" r:id="rId3"/>
-    <p:sldId id="1280" r:id="rId4"/>
-    <p:sldId id="1267" r:id="rId5"/>
-    <p:sldId id="1142" r:id="rId6"/>
-    <p:sldId id="269" r:id="rId7"/>
-    <p:sldId id="614" r:id="rId8"/>
-    <p:sldId id="1250" r:id="rId9"/>
-    <p:sldId id="1293" r:id="rId10"/>
-    <p:sldId id="1296" r:id="rId11"/>
-    <p:sldId id="1294" r:id="rId12"/>
-    <p:sldId id="1301" r:id="rId13"/>
-    <p:sldId id="261" r:id="rId14"/>
-    <p:sldId id="1287" r:id="rId15"/>
-    <p:sldId id="1304" r:id="rId16"/>
-    <p:sldId id="1305" r:id="rId17"/>
-    <p:sldId id="1306" r:id="rId18"/>
-    <p:sldId id="1307" r:id="rId19"/>
-    <p:sldId id="1300" r:id="rId20"/>
-    <p:sldId id="1258" r:id="rId21"/>
-    <p:sldId id="1282" r:id="rId22"/>
-    <p:sldId id="1303" r:id="rId23"/>
-    <p:sldId id="1302" r:id="rId24"/>
-    <p:sldId id="271" r:id="rId25"/>
+    <p:sldId id="1313" r:id="rId4"/>
+    <p:sldId id="1280" r:id="rId5"/>
+    <p:sldId id="1267" r:id="rId6"/>
+    <p:sldId id="1142" r:id="rId7"/>
+    <p:sldId id="269" r:id="rId8"/>
+    <p:sldId id="614" r:id="rId9"/>
+    <p:sldId id="1250" r:id="rId10"/>
+    <p:sldId id="1293" r:id="rId11"/>
+    <p:sldId id="1296" r:id="rId12"/>
+    <p:sldId id="1294" r:id="rId13"/>
+    <p:sldId id="1301" r:id="rId14"/>
+    <p:sldId id="1316" r:id="rId15"/>
+    <p:sldId id="261" r:id="rId16"/>
+    <p:sldId id="1287" r:id="rId17"/>
+    <p:sldId id="1304" r:id="rId18"/>
+    <p:sldId id="1305" r:id="rId19"/>
+    <p:sldId id="1306" r:id="rId20"/>
+    <p:sldId id="1307" r:id="rId21"/>
+    <p:sldId id="1300" r:id="rId22"/>
+    <p:sldId id="1310" r:id="rId23"/>
+    <p:sldId id="1311" r:id="rId24"/>
+    <p:sldId id="1315" r:id="rId25"/>
+    <p:sldId id="1258" r:id="rId26"/>
+    <p:sldId id="1282" r:id="rId27"/>
+    <p:sldId id="1303" r:id="rId28"/>
+    <p:sldId id="1302" r:id="rId29"/>
+    <p:sldId id="1308" r:id="rId30"/>
+    <p:sldId id="1312" r:id="rId31"/>
+    <p:sldId id="271" r:id="rId32"/>
   </p:sldIdLst>
   <p:sldSz cx="12192000" cy="6858000"/>
   <p:notesSz cx="6858000" cy="9144000"/>
@@ -144,6 +151,7 @@
         <p14:section name="控管紀錄(NAS)" id="{2E5D7665-38B7-4012-891B-65C37992EB9E}">
           <p14:sldIdLst>
             <p14:sldId id="1257"/>
+            <p14:sldId id="1313"/>
           </p14:sldIdLst>
         </p14:section>
         <p14:section name="控管紀錄(Git)" id="{6A277EEA-9672-4024-8708-20A0F39A99C0}">
@@ -178,6 +186,7 @@
             <p14:sldId id="1296"/>
             <p14:sldId id="1294"/>
             <p14:sldId id="1301"/>
+            <p14:sldId id="1316"/>
           </p14:sldIdLst>
         </p14:section>
         <p14:section name="成果展示(2023/5/31)" id="{70DC3051-68F9-4DEC-9A31-AFAFBB0B0227}">
@@ -197,6 +206,13 @@
           <p14:sldIdLst>
             <p14:sldId id="1307"/>
             <p14:sldId id="1300"/>
+          </p14:sldIdLst>
+        </p14:section>
+        <p14:section name="BRAM+Sobel" id="{2AF5666A-11D4-4EE5-A071-64CF2679CD10}">
+          <p14:sldIdLst>
+            <p14:sldId id="1310"/>
+            <p14:sldId id="1311"/>
+            <p14:sldId id="1315"/>
             <p14:sldId id="1258"/>
           </p14:sldIdLst>
         </p14:section>
@@ -205,6 +221,8 @@
             <p14:sldId id="1282"/>
             <p14:sldId id="1303"/>
             <p14:sldId id="1302"/>
+            <p14:sldId id="1308"/>
+            <p14:sldId id="1312"/>
           </p14:sldIdLst>
         </p14:section>
         <p14:section name="參考資料" id="{45BCF316-EF51-4D48-B1BE-363829FB5D01}">
@@ -310,7 +328,7 @@
               <a:rPr lang="zh-TW" altLang="en-US" smtClean="0">
                 <a:ea typeface="標楷體" panose="03000509000000000000" pitchFamily="65" charset="-120"/>
               </a:rPr>
-              <a:t>2023/5/29</a:t>
+              <a:t>2023/6/2</a:t>
             </a:fld>
             <a:endParaRPr lang="zh-TW" altLang="en-US" dirty="0">
               <a:ea typeface="標楷體" panose="03000509000000000000" pitchFamily="65" charset="-120"/>
@@ -488,7 +506,7 @@
             <a:fld id="{2CB905C5-9D54-40E2-B40C-7996280CAB02}" type="datetimeFigureOut">
               <a:rPr lang="zh-TW" altLang="en-US" smtClean="0"/>
               <a:pPr/>
-              <a:t>2023/5/29</a:t>
+              <a:t>2023/6/2</a:t>
             </a:fld>
             <a:endParaRPr lang="zh-TW" altLang="en-US" dirty="0"/>
           </a:p>
@@ -909,7 +927,7 @@
           <a:p>
             <a:fld id="{EF8A6B0B-A5FB-4629-B823-69B1A9EB3A43}" type="slidenum">
               <a:rPr lang="zh-TW" altLang="en-US" smtClean="0"/>
-              <a:t>20</a:t>
+              <a:t>22</a:t>
             </a:fld>
             <a:endParaRPr lang="zh-TW" altLang="en-US"/>
           </a:p>
@@ -918,7 +936,7 @@
     </p:spTree>
     <p:extLst>
       <p:ext uri="{BB962C8B-B14F-4D97-AF65-F5344CB8AC3E}">
-        <p14:creationId xmlns:p14="http://schemas.microsoft.com/office/powerpoint/2010/main" val="1813557240"/>
+        <p14:creationId xmlns:p14="http://schemas.microsoft.com/office/powerpoint/2010/main" val="2267245453"/>
       </p:ext>
     </p:extLst>
   </p:cSld>
@@ -993,7 +1011,7 @@
           <a:p>
             <a:fld id="{EF8A6B0B-A5FB-4629-B823-69B1A9EB3A43}" type="slidenum">
               <a:rPr lang="zh-TW" altLang="en-US" smtClean="0"/>
-              <a:t>21</a:t>
+              <a:t>23</a:t>
             </a:fld>
             <a:endParaRPr lang="zh-TW" altLang="en-US"/>
           </a:p>
@@ -1002,7 +1020,7 @@
     </p:spTree>
     <p:extLst>
       <p:ext uri="{BB962C8B-B14F-4D97-AF65-F5344CB8AC3E}">
-        <p14:creationId xmlns:p14="http://schemas.microsoft.com/office/powerpoint/2010/main" val="800052063"/>
+        <p14:creationId xmlns:p14="http://schemas.microsoft.com/office/powerpoint/2010/main" val="3382032742"/>
       </p:ext>
     </p:extLst>
   </p:cSld>
@@ -1077,7 +1095,7 @@
           <a:p>
             <a:fld id="{EF8A6B0B-A5FB-4629-B823-69B1A9EB3A43}" type="slidenum">
               <a:rPr lang="zh-TW" altLang="en-US" smtClean="0"/>
-              <a:t>22</a:t>
+              <a:t>24</a:t>
             </a:fld>
             <a:endParaRPr lang="zh-TW" altLang="en-US"/>
           </a:p>
@@ -1086,7 +1104,7 @@
     </p:spTree>
     <p:extLst>
       <p:ext uri="{BB962C8B-B14F-4D97-AF65-F5344CB8AC3E}">
-        <p14:creationId xmlns:p14="http://schemas.microsoft.com/office/powerpoint/2010/main" val="2790496170"/>
+        <p14:creationId xmlns:p14="http://schemas.microsoft.com/office/powerpoint/2010/main" val="129211701"/>
       </p:ext>
     </p:extLst>
   </p:cSld>
@@ -1161,7 +1179,259 @@
           <a:p>
             <a:fld id="{EF8A6B0B-A5FB-4629-B823-69B1A9EB3A43}" type="slidenum">
               <a:rPr lang="zh-TW" altLang="en-US" smtClean="0"/>
-              <a:t>23</a:t>
+              <a:t>25</a:t>
+            </a:fld>
+            <a:endParaRPr lang="zh-TW" altLang="en-US"/>
+          </a:p>
+        </p:txBody>
+      </p:sp>
+    </p:spTree>
+    <p:extLst>
+      <p:ext uri="{BB962C8B-B14F-4D97-AF65-F5344CB8AC3E}">
+        <p14:creationId xmlns:p14="http://schemas.microsoft.com/office/powerpoint/2010/main" val="1813557240"/>
+      </p:ext>
+    </p:extLst>
+  </p:cSld>
+  <p:clrMapOvr>
+    <a:masterClrMapping/>
+  </p:clrMapOvr>
+</p:notes>
+</file>
+
+<file path=ppt/notesSlides/notesSlide14.xml><?xml version="1.0" encoding="utf-8"?>
+<p:notes xmlns:a="http://schemas.openxmlformats.org/drawingml/2006/main" xmlns:r="http://schemas.openxmlformats.org/officeDocument/2006/relationships" xmlns:p="http://schemas.openxmlformats.org/presentationml/2006/main">
+  <p:cSld>
+    <p:spTree>
+      <p:nvGrpSpPr>
+        <p:cNvPr id="1" name=""/>
+        <p:cNvGrpSpPr/>
+        <p:nvPr/>
+      </p:nvGrpSpPr>
+      <p:grpSpPr>
+        <a:xfrm>
+          <a:off x="0" y="0"/>
+          <a:ext cx="0" cy="0"/>
+          <a:chOff x="0" y="0"/>
+          <a:chExt cx="0" cy="0"/>
+        </a:xfrm>
+      </p:grpSpPr>
+      <p:sp>
+        <p:nvSpPr>
+          <p:cNvPr id="2" name="投影片圖像版面配置區 1"/>
+          <p:cNvSpPr>
+            <a:spLocks noGrp="1" noRot="1" noChangeAspect="1"/>
+          </p:cNvSpPr>
+          <p:nvPr>
+            <p:ph type="sldImg"/>
+          </p:nvPr>
+        </p:nvSpPr>
+        <p:spPr/>
+      </p:sp>
+      <p:sp>
+        <p:nvSpPr>
+          <p:cNvPr id="3" name="備忘稿版面配置區 2"/>
+          <p:cNvSpPr>
+            <a:spLocks noGrp="1"/>
+          </p:cNvSpPr>
+          <p:nvPr>
+            <p:ph type="body" idx="1"/>
+          </p:nvPr>
+        </p:nvSpPr>
+        <p:spPr/>
+        <p:txBody>
+          <a:bodyPr/>
+          <a:lstStyle/>
+          <a:p>
+            <a:endParaRPr lang="zh-TW" altLang="en-US" dirty="0"/>
+          </a:p>
+        </p:txBody>
+      </p:sp>
+      <p:sp>
+        <p:nvSpPr>
+          <p:cNvPr id="4" name="投影片編號版面配置區 3"/>
+          <p:cNvSpPr>
+            <a:spLocks noGrp="1"/>
+          </p:cNvSpPr>
+          <p:nvPr>
+            <p:ph type="sldNum" sz="quarter" idx="10"/>
+          </p:nvPr>
+        </p:nvSpPr>
+        <p:spPr/>
+        <p:txBody>
+          <a:bodyPr/>
+          <a:lstStyle/>
+          <a:p>
+            <a:fld id="{EF8A6B0B-A5FB-4629-B823-69B1A9EB3A43}" type="slidenum">
+              <a:rPr lang="zh-TW" altLang="en-US" smtClean="0"/>
+              <a:t>26</a:t>
+            </a:fld>
+            <a:endParaRPr lang="zh-TW" altLang="en-US"/>
+          </a:p>
+        </p:txBody>
+      </p:sp>
+    </p:spTree>
+    <p:extLst>
+      <p:ext uri="{BB962C8B-B14F-4D97-AF65-F5344CB8AC3E}">
+        <p14:creationId xmlns:p14="http://schemas.microsoft.com/office/powerpoint/2010/main" val="800052063"/>
+      </p:ext>
+    </p:extLst>
+  </p:cSld>
+  <p:clrMapOvr>
+    <a:masterClrMapping/>
+  </p:clrMapOvr>
+</p:notes>
+</file>
+
+<file path=ppt/notesSlides/notesSlide15.xml><?xml version="1.0" encoding="utf-8"?>
+<p:notes xmlns:a="http://schemas.openxmlformats.org/drawingml/2006/main" xmlns:r="http://schemas.openxmlformats.org/officeDocument/2006/relationships" xmlns:p="http://schemas.openxmlformats.org/presentationml/2006/main">
+  <p:cSld>
+    <p:spTree>
+      <p:nvGrpSpPr>
+        <p:cNvPr id="1" name=""/>
+        <p:cNvGrpSpPr/>
+        <p:nvPr/>
+      </p:nvGrpSpPr>
+      <p:grpSpPr>
+        <a:xfrm>
+          <a:off x="0" y="0"/>
+          <a:ext cx="0" cy="0"/>
+          <a:chOff x="0" y="0"/>
+          <a:chExt cx="0" cy="0"/>
+        </a:xfrm>
+      </p:grpSpPr>
+      <p:sp>
+        <p:nvSpPr>
+          <p:cNvPr id="2" name="投影片圖像版面配置區 1"/>
+          <p:cNvSpPr>
+            <a:spLocks noGrp="1" noRot="1" noChangeAspect="1"/>
+          </p:cNvSpPr>
+          <p:nvPr>
+            <p:ph type="sldImg"/>
+          </p:nvPr>
+        </p:nvSpPr>
+        <p:spPr/>
+      </p:sp>
+      <p:sp>
+        <p:nvSpPr>
+          <p:cNvPr id="3" name="備忘稿版面配置區 2"/>
+          <p:cNvSpPr>
+            <a:spLocks noGrp="1"/>
+          </p:cNvSpPr>
+          <p:nvPr>
+            <p:ph type="body" idx="1"/>
+          </p:nvPr>
+        </p:nvSpPr>
+        <p:spPr/>
+        <p:txBody>
+          <a:bodyPr/>
+          <a:lstStyle/>
+          <a:p>
+            <a:endParaRPr lang="zh-TW" altLang="en-US" dirty="0"/>
+          </a:p>
+        </p:txBody>
+      </p:sp>
+      <p:sp>
+        <p:nvSpPr>
+          <p:cNvPr id="4" name="投影片編號版面配置區 3"/>
+          <p:cNvSpPr>
+            <a:spLocks noGrp="1"/>
+          </p:cNvSpPr>
+          <p:nvPr>
+            <p:ph type="sldNum" sz="quarter" idx="10"/>
+          </p:nvPr>
+        </p:nvSpPr>
+        <p:spPr/>
+        <p:txBody>
+          <a:bodyPr/>
+          <a:lstStyle/>
+          <a:p>
+            <a:fld id="{EF8A6B0B-A5FB-4629-B823-69B1A9EB3A43}" type="slidenum">
+              <a:rPr lang="zh-TW" altLang="en-US" smtClean="0"/>
+              <a:t>27</a:t>
+            </a:fld>
+            <a:endParaRPr lang="zh-TW" altLang="en-US"/>
+          </a:p>
+        </p:txBody>
+      </p:sp>
+    </p:spTree>
+    <p:extLst>
+      <p:ext uri="{BB962C8B-B14F-4D97-AF65-F5344CB8AC3E}">
+        <p14:creationId xmlns:p14="http://schemas.microsoft.com/office/powerpoint/2010/main" val="2790496170"/>
+      </p:ext>
+    </p:extLst>
+  </p:cSld>
+  <p:clrMapOvr>
+    <a:masterClrMapping/>
+  </p:clrMapOvr>
+</p:notes>
+</file>
+
+<file path=ppt/notesSlides/notesSlide16.xml><?xml version="1.0" encoding="utf-8"?>
+<p:notes xmlns:a="http://schemas.openxmlformats.org/drawingml/2006/main" xmlns:r="http://schemas.openxmlformats.org/officeDocument/2006/relationships" xmlns:p="http://schemas.openxmlformats.org/presentationml/2006/main">
+  <p:cSld>
+    <p:spTree>
+      <p:nvGrpSpPr>
+        <p:cNvPr id="1" name=""/>
+        <p:cNvGrpSpPr/>
+        <p:nvPr/>
+      </p:nvGrpSpPr>
+      <p:grpSpPr>
+        <a:xfrm>
+          <a:off x="0" y="0"/>
+          <a:ext cx="0" cy="0"/>
+          <a:chOff x="0" y="0"/>
+          <a:chExt cx="0" cy="0"/>
+        </a:xfrm>
+      </p:grpSpPr>
+      <p:sp>
+        <p:nvSpPr>
+          <p:cNvPr id="2" name="投影片圖像版面配置區 1"/>
+          <p:cNvSpPr>
+            <a:spLocks noGrp="1" noRot="1" noChangeAspect="1"/>
+          </p:cNvSpPr>
+          <p:nvPr>
+            <p:ph type="sldImg"/>
+          </p:nvPr>
+        </p:nvSpPr>
+        <p:spPr/>
+      </p:sp>
+      <p:sp>
+        <p:nvSpPr>
+          <p:cNvPr id="3" name="備忘稿版面配置區 2"/>
+          <p:cNvSpPr>
+            <a:spLocks noGrp="1"/>
+          </p:cNvSpPr>
+          <p:nvPr>
+            <p:ph type="body" idx="1"/>
+          </p:nvPr>
+        </p:nvSpPr>
+        <p:spPr/>
+        <p:txBody>
+          <a:bodyPr/>
+          <a:lstStyle/>
+          <a:p>
+            <a:endParaRPr lang="zh-TW" altLang="en-US" dirty="0"/>
+          </a:p>
+        </p:txBody>
+      </p:sp>
+      <p:sp>
+        <p:nvSpPr>
+          <p:cNvPr id="4" name="投影片編號版面配置區 3"/>
+          <p:cNvSpPr>
+            <a:spLocks noGrp="1"/>
+          </p:cNvSpPr>
+          <p:nvPr>
+            <p:ph type="sldNum" sz="quarter" idx="10"/>
+          </p:nvPr>
+        </p:nvSpPr>
+        <p:spPr/>
+        <p:txBody>
+          <a:bodyPr/>
+          <a:lstStyle/>
+          <a:p>
+            <a:fld id="{EF8A6B0B-A5FB-4629-B823-69B1A9EB3A43}" type="slidenum">
+              <a:rPr lang="zh-TW" altLang="en-US" smtClean="0"/>
+              <a:t>28</a:t>
             </a:fld>
             <a:endParaRPr lang="zh-TW" altLang="en-US"/>
           </a:p>
@@ -1171,6 +1441,174 @@
     <p:extLst>
       <p:ext uri="{BB962C8B-B14F-4D97-AF65-F5344CB8AC3E}">
         <p14:creationId xmlns:p14="http://schemas.microsoft.com/office/powerpoint/2010/main" val="702336876"/>
+      </p:ext>
+    </p:extLst>
+  </p:cSld>
+  <p:clrMapOvr>
+    <a:masterClrMapping/>
+  </p:clrMapOvr>
+</p:notes>
+</file>
+
+<file path=ppt/notesSlides/notesSlide17.xml><?xml version="1.0" encoding="utf-8"?>
+<p:notes xmlns:a="http://schemas.openxmlformats.org/drawingml/2006/main" xmlns:r="http://schemas.openxmlformats.org/officeDocument/2006/relationships" xmlns:p="http://schemas.openxmlformats.org/presentationml/2006/main">
+  <p:cSld>
+    <p:spTree>
+      <p:nvGrpSpPr>
+        <p:cNvPr id="1" name=""/>
+        <p:cNvGrpSpPr/>
+        <p:nvPr/>
+      </p:nvGrpSpPr>
+      <p:grpSpPr>
+        <a:xfrm>
+          <a:off x="0" y="0"/>
+          <a:ext cx="0" cy="0"/>
+          <a:chOff x="0" y="0"/>
+          <a:chExt cx="0" cy="0"/>
+        </a:xfrm>
+      </p:grpSpPr>
+      <p:sp>
+        <p:nvSpPr>
+          <p:cNvPr id="2" name="投影片圖像版面配置區 1"/>
+          <p:cNvSpPr>
+            <a:spLocks noGrp="1" noRot="1" noChangeAspect="1"/>
+          </p:cNvSpPr>
+          <p:nvPr>
+            <p:ph type="sldImg"/>
+          </p:nvPr>
+        </p:nvSpPr>
+        <p:spPr/>
+      </p:sp>
+      <p:sp>
+        <p:nvSpPr>
+          <p:cNvPr id="3" name="備忘稿版面配置區 2"/>
+          <p:cNvSpPr>
+            <a:spLocks noGrp="1"/>
+          </p:cNvSpPr>
+          <p:nvPr>
+            <p:ph type="body" idx="1"/>
+          </p:nvPr>
+        </p:nvSpPr>
+        <p:spPr/>
+        <p:txBody>
+          <a:bodyPr/>
+          <a:lstStyle/>
+          <a:p>
+            <a:endParaRPr lang="zh-TW" altLang="en-US" dirty="0"/>
+          </a:p>
+        </p:txBody>
+      </p:sp>
+      <p:sp>
+        <p:nvSpPr>
+          <p:cNvPr id="4" name="投影片編號版面配置區 3"/>
+          <p:cNvSpPr>
+            <a:spLocks noGrp="1"/>
+          </p:cNvSpPr>
+          <p:nvPr>
+            <p:ph type="sldNum" sz="quarter" idx="10"/>
+          </p:nvPr>
+        </p:nvSpPr>
+        <p:spPr/>
+        <p:txBody>
+          <a:bodyPr/>
+          <a:lstStyle/>
+          <a:p>
+            <a:fld id="{EF8A6B0B-A5FB-4629-B823-69B1A9EB3A43}" type="slidenum">
+              <a:rPr lang="zh-TW" altLang="en-US" smtClean="0"/>
+              <a:t>29</a:t>
+            </a:fld>
+            <a:endParaRPr lang="zh-TW" altLang="en-US"/>
+          </a:p>
+        </p:txBody>
+      </p:sp>
+    </p:spTree>
+    <p:extLst>
+      <p:ext uri="{BB962C8B-B14F-4D97-AF65-F5344CB8AC3E}">
+        <p14:creationId xmlns:p14="http://schemas.microsoft.com/office/powerpoint/2010/main" val="1974810248"/>
+      </p:ext>
+    </p:extLst>
+  </p:cSld>
+  <p:clrMapOvr>
+    <a:masterClrMapping/>
+  </p:clrMapOvr>
+</p:notes>
+</file>
+
+<file path=ppt/notesSlides/notesSlide18.xml><?xml version="1.0" encoding="utf-8"?>
+<p:notes xmlns:a="http://schemas.openxmlformats.org/drawingml/2006/main" xmlns:r="http://schemas.openxmlformats.org/officeDocument/2006/relationships" xmlns:p="http://schemas.openxmlformats.org/presentationml/2006/main">
+  <p:cSld>
+    <p:spTree>
+      <p:nvGrpSpPr>
+        <p:cNvPr id="1" name=""/>
+        <p:cNvGrpSpPr/>
+        <p:nvPr/>
+      </p:nvGrpSpPr>
+      <p:grpSpPr>
+        <a:xfrm>
+          <a:off x="0" y="0"/>
+          <a:ext cx="0" cy="0"/>
+          <a:chOff x="0" y="0"/>
+          <a:chExt cx="0" cy="0"/>
+        </a:xfrm>
+      </p:grpSpPr>
+      <p:sp>
+        <p:nvSpPr>
+          <p:cNvPr id="2" name="投影片圖像版面配置區 1"/>
+          <p:cNvSpPr>
+            <a:spLocks noGrp="1" noRot="1" noChangeAspect="1"/>
+          </p:cNvSpPr>
+          <p:nvPr>
+            <p:ph type="sldImg"/>
+          </p:nvPr>
+        </p:nvSpPr>
+        <p:spPr/>
+      </p:sp>
+      <p:sp>
+        <p:nvSpPr>
+          <p:cNvPr id="3" name="備忘稿版面配置區 2"/>
+          <p:cNvSpPr>
+            <a:spLocks noGrp="1"/>
+          </p:cNvSpPr>
+          <p:nvPr>
+            <p:ph type="body" idx="1"/>
+          </p:nvPr>
+        </p:nvSpPr>
+        <p:spPr/>
+        <p:txBody>
+          <a:bodyPr/>
+          <a:lstStyle/>
+          <a:p>
+            <a:endParaRPr lang="zh-TW" altLang="en-US" dirty="0"/>
+          </a:p>
+        </p:txBody>
+      </p:sp>
+      <p:sp>
+        <p:nvSpPr>
+          <p:cNvPr id="4" name="投影片編號版面配置區 3"/>
+          <p:cNvSpPr>
+            <a:spLocks noGrp="1"/>
+          </p:cNvSpPr>
+          <p:nvPr>
+            <p:ph type="sldNum" sz="quarter" idx="10"/>
+          </p:nvPr>
+        </p:nvSpPr>
+        <p:spPr/>
+        <p:txBody>
+          <a:bodyPr/>
+          <a:lstStyle/>
+          <a:p>
+            <a:fld id="{EF8A6B0B-A5FB-4629-B823-69B1A9EB3A43}" type="slidenum">
+              <a:rPr lang="zh-TW" altLang="en-US" smtClean="0"/>
+              <a:t>30</a:t>
+            </a:fld>
+            <a:endParaRPr lang="zh-TW" altLang="en-US"/>
+          </a:p>
+        </p:txBody>
+      </p:sp>
+    </p:spTree>
+    <p:extLst>
+      <p:ext uri="{BB962C8B-B14F-4D97-AF65-F5344CB8AC3E}">
+        <p14:creationId xmlns:p14="http://schemas.microsoft.com/office/powerpoint/2010/main" val="2739591269"/>
       </p:ext>
     </p:extLst>
   </p:cSld>
@@ -1245,7 +1683,7 @@
           <a:p>
             <a:fld id="{EF8A6B0B-A5FB-4629-B823-69B1A9EB3A43}" type="slidenum">
               <a:rPr lang="zh-TW" altLang="en-US" smtClean="0"/>
-              <a:t>4</a:t>
+              <a:t>5</a:t>
             </a:fld>
             <a:endParaRPr lang="zh-TW" altLang="en-US"/>
           </a:p>
@@ -1329,7 +1767,7 @@
           <a:p>
             <a:fld id="{EF8A6B0B-A5FB-4629-B823-69B1A9EB3A43}" type="slidenum">
               <a:rPr lang="zh-TW" altLang="en-US" smtClean="0"/>
-              <a:t>13</a:t>
+              <a:t>15</a:t>
             </a:fld>
             <a:endParaRPr lang="zh-TW" altLang="en-US"/>
           </a:p>
@@ -1413,7 +1851,7 @@
           <a:p>
             <a:fld id="{EF8A6B0B-A5FB-4629-B823-69B1A9EB3A43}" type="slidenum">
               <a:rPr lang="zh-TW" altLang="en-US" smtClean="0"/>
-              <a:t>14</a:t>
+              <a:t>16</a:t>
             </a:fld>
             <a:endParaRPr lang="zh-TW" altLang="en-US"/>
           </a:p>
@@ -1497,7 +1935,7 @@
           <a:p>
             <a:fld id="{EF8A6B0B-A5FB-4629-B823-69B1A9EB3A43}" type="slidenum">
               <a:rPr lang="zh-TW" altLang="en-US" smtClean="0"/>
-              <a:t>15</a:t>
+              <a:t>17</a:t>
             </a:fld>
             <a:endParaRPr lang="zh-TW" altLang="en-US"/>
           </a:p>
@@ -1581,7 +2019,7 @@
           <a:p>
             <a:fld id="{EF8A6B0B-A5FB-4629-B823-69B1A9EB3A43}" type="slidenum">
               <a:rPr lang="zh-TW" altLang="en-US" smtClean="0"/>
-              <a:t>16</a:t>
+              <a:t>18</a:t>
             </a:fld>
             <a:endParaRPr lang="zh-TW" altLang="en-US"/>
           </a:p>
@@ -1665,7 +2103,7 @@
           <a:p>
             <a:fld id="{EF8A6B0B-A5FB-4629-B823-69B1A9EB3A43}" type="slidenum">
               <a:rPr lang="zh-TW" altLang="en-US" smtClean="0"/>
-              <a:t>17</a:t>
+              <a:t>19</a:t>
             </a:fld>
             <a:endParaRPr lang="zh-TW" altLang="en-US"/>
           </a:p>
@@ -1749,7 +2187,7 @@
           <a:p>
             <a:fld id="{EF8A6B0B-A5FB-4629-B823-69B1A9EB3A43}" type="slidenum">
               <a:rPr lang="zh-TW" altLang="en-US" smtClean="0"/>
-              <a:t>18</a:t>
+              <a:t>20</a:t>
             </a:fld>
             <a:endParaRPr lang="zh-TW" altLang="en-US"/>
           </a:p>
@@ -1833,7 +2271,7 @@
           <a:p>
             <a:fld id="{EF8A6B0B-A5FB-4629-B823-69B1A9EB3A43}" type="slidenum">
               <a:rPr lang="zh-TW" altLang="en-US" smtClean="0"/>
-              <a:t>19</a:t>
+              <a:t>21</a:t>
             </a:fld>
             <a:endParaRPr lang="zh-TW" altLang="en-US"/>
           </a:p>
@@ -1986,7 +2424,7 @@
           <a:p>
             <a:fld id="{0C0CC965-A63A-473D-BEFB-C8F9714D5269}" type="datetimeFigureOut">
               <a:rPr lang="zh-TW" altLang="en-US" smtClean="0"/>
-              <a:t>2023/5/29</a:t>
+              <a:t>2023/6/2</a:t>
             </a:fld>
             <a:endParaRPr lang="zh-TW" altLang="en-US"/>
           </a:p>
@@ -2154,7 +2592,7 @@
           <a:p>
             <a:fld id="{0C0CC965-A63A-473D-BEFB-C8F9714D5269}" type="datetimeFigureOut">
               <a:rPr lang="zh-TW" altLang="en-US" smtClean="0"/>
-              <a:t>2023/5/29</a:t>
+              <a:t>2023/6/2</a:t>
             </a:fld>
             <a:endParaRPr lang="zh-TW" altLang="en-US"/>
           </a:p>
@@ -2332,7 +2770,7 @@
           <a:p>
             <a:fld id="{0C0CC965-A63A-473D-BEFB-C8F9714D5269}" type="datetimeFigureOut">
               <a:rPr lang="zh-TW" altLang="en-US" smtClean="0"/>
-              <a:t>2023/5/29</a:t>
+              <a:t>2023/6/2</a:t>
             </a:fld>
             <a:endParaRPr lang="zh-TW" altLang="en-US"/>
           </a:p>
@@ -2554,7 +2992,7 @@
           <a:p>
             <a:fld id="{0C0CC965-A63A-473D-BEFB-C8F9714D5269}" type="datetimeFigureOut">
               <a:rPr lang="zh-TW" altLang="en-US" smtClean="0"/>
-              <a:t>2023/5/29</a:t>
+              <a:t>2023/6/2</a:t>
             </a:fld>
             <a:endParaRPr lang="zh-TW" altLang="en-US"/>
           </a:p>
@@ -2749,7 +3187,7 @@
           <a:p>
             <a:fld id="{0C0CC965-A63A-473D-BEFB-C8F9714D5269}" type="datetimeFigureOut">
               <a:rPr lang="zh-TW" altLang="en-US" smtClean="0"/>
-              <a:t>2023/5/29</a:t>
+              <a:t>2023/6/2</a:t>
             </a:fld>
             <a:endParaRPr lang="zh-TW" altLang="en-US"/>
           </a:p>
@@ -2994,7 +3432,7 @@
           <a:p>
             <a:fld id="{0C0CC965-A63A-473D-BEFB-C8F9714D5269}" type="datetimeFigureOut">
               <a:rPr lang="zh-TW" altLang="en-US" smtClean="0"/>
-              <a:t>2023/5/29</a:t>
+              <a:t>2023/6/2</a:t>
             </a:fld>
             <a:endParaRPr lang="zh-TW" altLang="en-US"/>
           </a:p>
@@ -3223,7 +3661,7 @@
           <a:p>
             <a:fld id="{0C0CC965-A63A-473D-BEFB-C8F9714D5269}" type="datetimeFigureOut">
               <a:rPr lang="zh-TW" altLang="en-US" smtClean="0"/>
-              <a:t>2023/5/29</a:t>
+              <a:t>2023/6/2</a:t>
             </a:fld>
             <a:endParaRPr lang="zh-TW" altLang="en-US"/>
           </a:p>
@@ -3587,7 +4025,7 @@
           <a:p>
             <a:fld id="{0C0CC965-A63A-473D-BEFB-C8F9714D5269}" type="datetimeFigureOut">
               <a:rPr lang="zh-TW" altLang="en-US" smtClean="0"/>
-              <a:t>2023/5/29</a:t>
+              <a:t>2023/6/2</a:t>
             </a:fld>
             <a:endParaRPr lang="zh-TW" altLang="en-US"/>
           </a:p>
@@ -3704,7 +4142,7 @@
           <a:p>
             <a:fld id="{0C0CC965-A63A-473D-BEFB-C8F9714D5269}" type="datetimeFigureOut">
               <a:rPr lang="zh-TW" altLang="en-US" smtClean="0"/>
-              <a:t>2023/5/29</a:t>
+              <a:t>2023/6/2</a:t>
             </a:fld>
             <a:endParaRPr lang="zh-TW" altLang="en-US"/>
           </a:p>
@@ -3799,7 +4237,7 @@
           <a:p>
             <a:fld id="{0C0CC965-A63A-473D-BEFB-C8F9714D5269}" type="datetimeFigureOut">
               <a:rPr lang="zh-TW" altLang="en-US" smtClean="0"/>
-              <a:t>2023/5/29</a:t>
+              <a:t>2023/6/2</a:t>
             </a:fld>
             <a:endParaRPr lang="zh-TW" altLang="en-US"/>
           </a:p>
@@ -4074,7 +4512,7 @@
           <a:p>
             <a:fld id="{0C0CC965-A63A-473D-BEFB-C8F9714D5269}" type="datetimeFigureOut">
               <a:rPr lang="zh-TW" altLang="en-US" smtClean="0"/>
-              <a:t>2023/5/29</a:t>
+              <a:t>2023/6/2</a:t>
             </a:fld>
             <a:endParaRPr lang="zh-TW" altLang="en-US"/>
           </a:p>
@@ -4326,7 +4764,7 @@
           <a:p>
             <a:fld id="{0C0CC965-A63A-473D-BEFB-C8F9714D5269}" type="datetimeFigureOut">
               <a:rPr lang="zh-TW" altLang="en-US" smtClean="0"/>
-              <a:t>2023/5/29</a:t>
+              <a:t>2023/6/2</a:t>
             </a:fld>
             <a:endParaRPr lang="zh-TW" altLang="en-US"/>
           </a:p>
@@ -4540,7 +4978,7 @@
             <a:fld id="{0C0CC965-A63A-473D-BEFB-C8F9714D5269}" type="datetimeFigureOut">
               <a:rPr lang="zh-TW" altLang="en-US" smtClean="0"/>
               <a:pPr/>
-              <a:t>2023/5/29</a:t>
+              <a:t>2023/6/2</a:t>
             </a:fld>
             <a:endParaRPr lang="zh-TW" altLang="en-US"/>
           </a:p>
@@ -5205,6 +5643,117 @@
       </p:grpSpPr>
       <p:sp>
         <p:nvSpPr>
+          <p:cNvPr id="4" name="標題 3"/>
+          <p:cNvSpPr>
+            <a:spLocks noGrp="1"/>
+          </p:cNvSpPr>
+          <p:nvPr>
+            <p:ph type="title"/>
+          </p:nvPr>
+        </p:nvSpPr>
+        <p:spPr/>
+        <p:txBody>
+          <a:bodyPr/>
+          <a:lstStyle/>
+          <a:p>
+            <a:r>
+              <a:rPr lang="zh-TW" altLang="en-US" dirty="0"/>
+              <a:t>系統分析 </a:t>
+            </a:r>
+            <a:r>
+              <a:rPr lang="en-US" altLang="zh-TW" dirty="0"/>
+              <a:t>–</a:t>
+            </a:r>
+            <a:r>
+              <a:rPr lang="zh-TW" altLang="en-US" dirty="0"/>
+              <a:t> </a:t>
+            </a:r>
+            <a:r>
+              <a:rPr lang="en-US" altLang="zh-TW" dirty="0"/>
+              <a:t>Break down</a:t>
+            </a:r>
+            <a:r>
+              <a:rPr lang="zh-TW" altLang="en-US" dirty="0"/>
+              <a:t> </a:t>
+            </a:r>
+            <a:r>
+              <a:rPr lang="en-US" altLang="zh-TW" dirty="0"/>
+              <a:t>(2023/5/27</a:t>
+            </a:r>
+            <a:r>
+              <a:rPr lang="zh-TW" altLang="en-US" dirty="0"/>
+              <a:t>更新</a:t>
+            </a:r>
+            <a:r>
+              <a:rPr lang="en-US" altLang="zh-TW" dirty="0"/>
+              <a:t>)</a:t>
+            </a:r>
+            <a:endParaRPr lang="zh-TW" altLang="en-US" dirty="0"/>
+          </a:p>
+        </p:txBody>
+      </p:sp>
+      <p:pic>
+        <p:nvPicPr>
+          <p:cNvPr id="6" name="圖片 5">
+            <a:extLst>
+              <a:ext uri="{FF2B5EF4-FFF2-40B4-BE49-F238E27FC236}">
+                <a16:creationId xmlns:a16="http://schemas.microsoft.com/office/drawing/2014/main" id="{E920E155-3D70-495F-9287-FA35CD85D409}"/>
+              </a:ext>
+            </a:extLst>
+          </p:cNvPr>
+          <p:cNvPicPr>
+            <a:picLocks noChangeAspect="1"/>
+          </p:cNvPicPr>
+          <p:nvPr/>
+        </p:nvPicPr>
+        <p:blipFill>
+          <a:blip r:embed="rId2"/>
+          <a:stretch>
+            <a:fillRect/>
+          </a:stretch>
+        </p:blipFill>
+        <p:spPr>
+          <a:xfrm>
+            <a:off x="3032920" y="1223099"/>
+            <a:ext cx="6126160" cy="5015487"/>
+          </a:xfrm>
+          <a:prstGeom prst="rect">
+            <a:avLst/>
+          </a:prstGeom>
+        </p:spPr>
+      </p:pic>
+    </p:spTree>
+    <p:extLst>
+      <p:ext uri="{BB962C8B-B14F-4D97-AF65-F5344CB8AC3E}">
+        <p14:creationId xmlns:p14="http://schemas.microsoft.com/office/powerpoint/2010/main" val="4097681233"/>
+      </p:ext>
+    </p:extLst>
+  </p:cSld>
+  <p:clrMapOvr>
+    <a:masterClrMapping/>
+  </p:clrMapOvr>
+</p:sld>
+</file>
+
+<file path=ppt/slides/slide11.xml><?xml version="1.0" encoding="utf-8"?>
+<p:sld xmlns:a="http://schemas.openxmlformats.org/drawingml/2006/main" xmlns:r="http://schemas.openxmlformats.org/officeDocument/2006/relationships" xmlns:p="http://schemas.openxmlformats.org/presentationml/2006/main">
+  <p:cSld>
+    <p:spTree>
+      <p:nvGrpSpPr>
+        <p:cNvPr id="1" name=""/>
+        <p:cNvGrpSpPr/>
+        <p:nvPr/>
+      </p:nvGrpSpPr>
+      <p:grpSpPr>
+        <a:xfrm>
+          <a:off x="0" y="0"/>
+          <a:ext cx="0" cy="0"/>
+          <a:chOff x="0" y="0"/>
+          <a:chExt cx="0" cy="0"/>
+        </a:xfrm>
+      </p:grpSpPr>
+      <p:sp>
+        <p:nvSpPr>
           <p:cNvPr id="3" name="標題 2"/>
           <p:cNvSpPr>
             <a:spLocks noGrp="1"/>
@@ -6148,7 +6697,7 @@
 </p:sld>
 </file>
 
-<file path=ppt/slides/slide11.xml><?xml version="1.0" encoding="utf-8"?>
+<file path=ppt/slides/slide12.xml><?xml version="1.0" encoding="utf-8"?>
 <p:sld xmlns:a="http://schemas.openxmlformats.org/drawingml/2006/main" xmlns:r="http://schemas.openxmlformats.org/officeDocument/2006/relationships" xmlns:p="http://schemas.openxmlformats.org/presentationml/2006/main">
   <p:cSld>
     <p:spTree>
@@ -6228,1228 +6777,1261 @@
           </a:p>
         </p:txBody>
       </p:sp>
-      <p:sp>
-        <p:nvSpPr>
-          <p:cNvPr id="5" name="文字方塊 4">
+      <p:grpSp>
+        <p:nvGrpSpPr>
+          <p:cNvPr id="4" name="群組 3">
             <a:extLst>
               <a:ext uri="{FF2B5EF4-FFF2-40B4-BE49-F238E27FC236}">
-                <a16:creationId xmlns:a16="http://schemas.microsoft.com/office/drawing/2014/main" id="{E1A9D167-B30C-413D-934D-81D80A8792EE}"/>
+                <a16:creationId xmlns:a16="http://schemas.microsoft.com/office/drawing/2014/main" id="{650F6EF5-BB92-4DEE-B1DE-F54746450E9C}"/>
               </a:ext>
             </a:extLst>
           </p:cNvPr>
-          <p:cNvSpPr txBox="1"/>
+          <p:cNvGrpSpPr/>
           <p:nvPr/>
-        </p:nvSpPr>
-        <p:spPr>
+        </p:nvGrpSpPr>
+        <p:grpSpPr>
           <a:xfrm>
-            <a:off x="1240404" y="1713966"/>
-            <a:ext cx="1349405" cy="584775"/>
+            <a:off x="682751" y="1656118"/>
+            <a:ext cx="10679927" cy="4034492"/>
+            <a:chOff x="682751" y="1656118"/>
+            <a:chExt cx="10679927" cy="4034492"/>
           </a:xfrm>
-          <a:prstGeom prst="rect">
-            <a:avLst/>
-          </a:prstGeom>
-          <a:noFill/>
-        </p:spPr>
-        <p:txBody>
-          <a:bodyPr wrap="square" rtlCol="0">
-            <a:spAutoFit/>
-          </a:bodyPr>
-          <a:lstStyle/>
-          <a:p>
-            <a:pPr lvl="1"/>
-            <a:r>
-              <a:rPr lang="en-US" altLang="zh-TW" sz="1600" dirty="0">
+        </p:grpSpPr>
+        <p:sp>
+          <p:nvSpPr>
+            <p:cNvPr id="5" name="文字方塊 4">
+              <a:extLst>
+                <a:ext uri="{FF2B5EF4-FFF2-40B4-BE49-F238E27FC236}">
+                  <a16:creationId xmlns:a16="http://schemas.microsoft.com/office/drawing/2014/main" id="{E1A9D167-B30C-413D-934D-81D80A8792EE}"/>
+                </a:ext>
+              </a:extLst>
+            </p:cNvPr>
+            <p:cNvSpPr txBox="1"/>
+            <p:nvPr/>
+          </p:nvSpPr>
+          <p:spPr>
+            <a:xfrm>
+              <a:off x="1240404" y="1713966"/>
+              <a:ext cx="1349405" cy="584775"/>
+            </a:xfrm>
+            <a:prstGeom prst="rect">
+              <a:avLst/>
+            </a:prstGeom>
+            <a:noFill/>
+          </p:spPr>
+          <p:txBody>
+            <a:bodyPr wrap="square" rtlCol="0">
+              <a:spAutoFit/>
+            </a:bodyPr>
+            <a:lstStyle/>
+            <a:p>
+              <a:pPr lvl="1"/>
+              <a:r>
+                <a:rPr lang="en-US" altLang="zh-TW" sz="1600" dirty="0">
+                  <a:latin typeface="Times New Roman" panose="02020603050405020304" pitchFamily="18" charset="0"/>
+                  <a:ea typeface="標楷體" panose="03000509000000000000" pitchFamily="65" charset="-120"/>
+                </a:rPr>
+                <a:t>PC</a:t>
+              </a:r>
+              <a:endParaRPr lang="zh-TW" altLang="en-US" sz="1600" dirty="0">
                 <a:latin typeface="Times New Roman" panose="02020603050405020304" pitchFamily="18" charset="0"/>
                 <a:ea typeface="標楷體" panose="03000509000000000000" pitchFamily="65" charset="-120"/>
-              </a:rPr>
-              <a:t>PC</a:t>
-            </a:r>
-            <a:endParaRPr lang="zh-TW" altLang="en-US" sz="1600" dirty="0">
-              <a:latin typeface="Times New Roman" panose="02020603050405020304" pitchFamily="18" charset="0"/>
-              <a:ea typeface="標楷體" panose="03000509000000000000" pitchFamily="65" charset="-120"/>
-            </a:endParaRPr>
-          </a:p>
-          <a:p>
-            <a:pPr lvl="1"/>
-            <a:endParaRPr lang="zh-TW" altLang="en-US" sz="1600" dirty="0">
-              <a:latin typeface="Times New Roman" panose="02020603050405020304" pitchFamily="18" charset="0"/>
-              <a:ea typeface="標楷體" panose="03000509000000000000" pitchFamily="65" charset="-120"/>
-            </a:endParaRPr>
-          </a:p>
-        </p:txBody>
-      </p:sp>
-      <p:sp>
-        <p:nvSpPr>
-          <p:cNvPr id="6" name="文字方塊 5">
-            <a:extLst>
-              <a:ext uri="{FF2B5EF4-FFF2-40B4-BE49-F238E27FC236}">
-                <a16:creationId xmlns:a16="http://schemas.microsoft.com/office/drawing/2014/main" id="{CDDAFC5D-1C23-41E6-AAD1-E6AD62CD72DC}"/>
-              </a:ext>
-            </a:extLst>
-          </p:cNvPr>
-          <p:cNvSpPr txBox="1"/>
-          <p:nvPr/>
-        </p:nvSpPr>
-        <p:spPr>
-          <a:xfrm>
-            <a:off x="4661206" y="2008300"/>
-            <a:ext cx="1349405" cy="450615"/>
-          </a:xfrm>
-          <a:prstGeom prst="rect">
-            <a:avLst/>
-          </a:prstGeom>
-          <a:noFill/>
-        </p:spPr>
-        <p:txBody>
-          <a:bodyPr wrap="square" rtlCol="0">
-            <a:spAutoFit/>
-          </a:bodyPr>
-          <a:lstStyle/>
-          <a:p>
-            <a:pPr lvl="1"/>
-            <a:r>
-              <a:rPr lang="en-US" altLang="zh-TW" sz="1600" dirty="0">
+              </a:endParaRPr>
+            </a:p>
+            <a:p>
+              <a:pPr lvl="1"/>
+              <a:endParaRPr lang="zh-TW" altLang="en-US" sz="1600" dirty="0">
                 <a:latin typeface="Times New Roman" panose="02020603050405020304" pitchFamily="18" charset="0"/>
                 <a:ea typeface="標楷體" panose="03000509000000000000" pitchFamily="65" charset="-120"/>
-              </a:rPr>
-              <a:t>FPGA</a:t>
-            </a:r>
-            <a:endParaRPr lang="zh-TW" altLang="en-US" sz="1600" dirty="0">
-              <a:latin typeface="Times New Roman" panose="02020603050405020304" pitchFamily="18" charset="0"/>
-              <a:ea typeface="標楷體" panose="03000509000000000000" pitchFamily="65" charset="-120"/>
-            </a:endParaRPr>
-          </a:p>
-        </p:txBody>
-      </p:sp>
-      <p:sp>
-        <p:nvSpPr>
-          <p:cNvPr id="7" name="矩形: 圓角 6">
-            <a:extLst>
-              <a:ext uri="{FF2B5EF4-FFF2-40B4-BE49-F238E27FC236}">
-                <a16:creationId xmlns:a16="http://schemas.microsoft.com/office/drawing/2014/main" id="{093A8E29-38EF-43CB-9E5C-6B5DCBC61876}"/>
-              </a:ext>
-            </a:extLst>
-          </p:cNvPr>
-          <p:cNvSpPr/>
-          <p:nvPr/>
-        </p:nvSpPr>
-        <p:spPr>
-          <a:xfrm>
-            <a:off x="682751" y="2096910"/>
-            <a:ext cx="2464708" cy="2721847"/>
-          </a:xfrm>
-          <a:prstGeom prst="roundRect">
-            <a:avLst/>
-          </a:prstGeom>
-          <a:ln w="28575"/>
-        </p:spPr>
-        <p:style>
-          <a:lnRef idx="2">
-            <a:schemeClr val="accent6"/>
-          </a:lnRef>
-          <a:fillRef idx="1">
-            <a:schemeClr val="lt1"/>
-          </a:fillRef>
-          <a:effectRef idx="0">
-            <a:schemeClr val="accent6"/>
-          </a:effectRef>
-          <a:fontRef idx="minor">
-            <a:schemeClr val="dk1"/>
-          </a:fontRef>
-        </p:style>
-        <p:txBody>
-          <a:bodyPr rtlCol="0" anchor="t"/>
-          <a:lstStyle/>
-          <a:p>
-            <a:endParaRPr lang="zh-TW" altLang="en-US" dirty="0"/>
-          </a:p>
-        </p:txBody>
-      </p:sp>
-      <p:sp>
-        <p:nvSpPr>
-          <p:cNvPr id="8" name="矩形: 圓角 7">
-            <a:extLst>
-              <a:ext uri="{FF2B5EF4-FFF2-40B4-BE49-F238E27FC236}">
-                <a16:creationId xmlns:a16="http://schemas.microsoft.com/office/drawing/2014/main" id="{A53C9118-DEC7-4442-B7F8-ECA3431D5D30}"/>
-              </a:ext>
-            </a:extLst>
-          </p:cNvPr>
-          <p:cNvSpPr/>
-          <p:nvPr/>
-        </p:nvSpPr>
-        <p:spPr>
-          <a:xfrm>
-            <a:off x="3375521" y="2067831"/>
-            <a:ext cx="5223100" cy="3622779"/>
-          </a:xfrm>
-          <a:prstGeom prst="roundRect">
-            <a:avLst/>
-          </a:prstGeom>
-          <a:ln w="28575"/>
-        </p:spPr>
-        <p:style>
-          <a:lnRef idx="2">
-            <a:schemeClr val="accent6"/>
-          </a:lnRef>
-          <a:fillRef idx="1">
-            <a:schemeClr val="lt1"/>
-          </a:fillRef>
-          <a:effectRef idx="0">
-            <a:schemeClr val="accent6"/>
-          </a:effectRef>
-          <a:fontRef idx="minor">
-            <a:schemeClr val="dk1"/>
-          </a:fontRef>
-        </p:style>
-        <p:txBody>
-          <a:bodyPr rtlCol="0" anchor="t"/>
-          <a:lstStyle/>
-          <a:p>
-            <a:endParaRPr lang="zh-TW" altLang="en-US" dirty="0"/>
-          </a:p>
-        </p:txBody>
-      </p:sp>
-      <p:sp>
-        <p:nvSpPr>
-          <p:cNvPr id="9" name="矩形: 圓角 8">
-            <a:extLst>
-              <a:ext uri="{FF2B5EF4-FFF2-40B4-BE49-F238E27FC236}">
-                <a16:creationId xmlns:a16="http://schemas.microsoft.com/office/drawing/2014/main" id="{2583892E-AFE7-428C-BFF1-80E2982096A4}"/>
-              </a:ext>
-            </a:extLst>
-          </p:cNvPr>
-          <p:cNvSpPr/>
-          <p:nvPr/>
-        </p:nvSpPr>
-        <p:spPr>
-          <a:xfrm>
-            <a:off x="1028688" y="2781587"/>
-            <a:ext cx="1755078" cy="491415"/>
-          </a:xfrm>
-          <a:prstGeom prst="roundRect">
-            <a:avLst/>
-          </a:prstGeom>
-          <a:ln w="28575"/>
-        </p:spPr>
-        <p:style>
-          <a:lnRef idx="2">
-            <a:schemeClr val="accent6"/>
-          </a:lnRef>
-          <a:fillRef idx="1">
-            <a:schemeClr val="lt1"/>
-          </a:fillRef>
-          <a:effectRef idx="0">
-            <a:schemeClr val="accent6"/>
-          </a:effectRef>
-          <a:fontRef idx="minor">
-            <a:schemeClr val="dk1"/>
-          </a:fontRef>
-        </p:style>
-        <p:txBody>
-          <a:bodyPr rtlCol="0" anchor="t"/>
-          <a:lstStyle/>
-          <a:p>
-            <a:r>
-              <a:rPr lang="en-US" altLang="zh-TW" dirty="0"/>
-              <a:t>.bmp </a:t>
-            </a:r>
-            <a:r>
-              <a:rPr lang="zh-TW" altLang="en-US" dirty="0">
-                <a:ea typeface="標楷體" panose="03000509000000000000" pitchFamily="65" charset="-120"/>
-              </a:rPr>
-              <a:t>轉檔 </a:t>
-            </a:r>
-            <a:r>
-              <a:rPr lang="en-US" altLang="zh-TW" dirty="0">
-                <a:ea typeface="標楷體" panose="03000509000000000000" pitchFamily="65" charset="-120"/>
-              </a:rPr>
-              <a:t>.COE</a:t>
-            </a:r>
-            <a:endParaRPr lang="zh-TW" altLang="en-US" dirty="0">
-              <a:ea typeface="標楷體" panose="03000509000000000000" pitchFamily="65" charset="-120"/>
-            </a:endParaRPr>
-          </a:p>
-        </p:txBody>
-      </p:sp>
-      <p:sp>
-        <p:nvSpPr>
-          <p:cNvPr id="10" name="矩形: 圓角 9">
-            <a:extLst>
-              <a:ext uri="{FF2B5EF4-FFF2-40B4-BE49-F238E27FC236}">
-                <a16:creationId xmlns:a16="http://schemas.microsoft.com/office/drawing/2014/main" id="{E3D4FD11-8070-4A10-BCE8-203CF4F8A7D3}"/>
-              </a:ext>
-            </a:extLst>
-          </p:cNvPr>
-          <p:cNvSpPr/>
-          <p:nvPr/>
-        </p:nvSpPr>
-        <p:spPr>
-          <a:xfrm>
-            <a:off x="835138" y="3738136"/>
-            <a:ext cx="2159933" cy="450327"/>
-          </a:xfrm>
-          <a:prstGeom prst="roundRect">
-            <a:avLst/>
-          </a:prstGeom>
-          <a:ln w="28575"/>
-        </p:spPr>
-        <p:style>
-          <a:lnRef idx="2">
-            <a:schemeClr val="accent6"/>
-          </a:lnRef>
-          <a:fillRef idx="1">
-            <a:schemeClr val="lt1"/>
-          </a:fillRef>
-          <a:effectRef idx="0">
-            <a:schemeClr val="accent6"/>
-          </a:effectRef>
-          <a:fontRef idx="minor">
-            <a:schemeClr val="dk1"/>
-          </a:fontRef>
-        </p:style>
-        <p:txBody>
-          <a:bodyPr rtlCol="0" anchor="t"/>
-          <a:lstStyle/>
-          <a:p>
-            <a:r>
-              <a:rPr lang="en-US" altLang="zh-TW" dirty="0"/>
-              <a:t>.COE</a:t>
-            </a:r>
-            <a:r>
-              <a:rPr lang="zh-TW" altLang="en-US" dirty="0"/>
-              <a:t> </a:t>
-            </a:r>
-            <a:r>
-              <a:rPr lang="zh-TW" altLang="en-US" dirty="0">
-                <a:ea typeface="標楷體" panose="03000509000000000000" pitchFamily="65" charset="-120"/>
-              </a:rPr>
-              <a:t>生成</a:t>
-            </a:r>
-            <a:r>
-              <a:rPr lang="en-US" altLang="zh-TW" dirty="0">
-                <a:ea typeface="標楷體" panose="03000509000000000000" pitchFamily="65" charset="-120"/>
-              </a:rPr>
-              <a:t>Bram IP</a:t>
-            </a:r>
-            <a:r>
-              <a:rPr lang="zh-TW" altLang="en-US" dirty="0">
-                <a:ea typeface="標楷體" panose="03000509000000000000" pitchFamily="65" charset="-120"/>
-              </a:rPr>
-              <a:t>核</a:t>
-            </a:r>
-          </a:p>
-        </p:txBody>
-      </p:sp>
-      <p:sp>
-        <p:nvSpPr>
-          <p:cNvPr id="11" name="矩形: 圓角 10">
-            <a:extLst>
-              <a:ext uri="{FF2B5EF4-FFF2-40B4-BE49-F238E27FC236}">
-                <a16:creationId xmlns:a16="http://schemas.microsoft.com/office/drawing/2014/main" id="{E47C8300-AD69-4444-A5EB-590379672FCB}"/>
-              </a:ext>
-            </a:extLst>
-          </p:cNvPr>
-          <p:cNvSpPr/>
-          <p:nvPr/>
-        </p:nvSpPr>
-        <p:spPr>
-          <a:xfrm>
-            <a:off x="4114638" y="2359775"/>
-            <a:ext cx="1598790" cy="708477"/>
-          </a:xfrm>
-          <a:prstGeom prst="roundRect">
-            <a:avLst/>
-          </a:prstGeom>
-          <a:ln w="28575"/>
-        </p:spPr>
-        <p:style>
-          <a:lnRef idx="2">
-            <a:schemeClr val="accent6"/>
-          </a:lnRef>
-          <a:fillRef idx="1">
-            <a:schemeClr val="lt1"/>
-          </a:fillRef>
-          <a:effectRef idx="0">
-            <a:schemeClr val="accent6"/>
-          </a:effectRef>
-          <a:fontRef idx="minor">
-            <a:schemeClr val="dk1"/>
-          </a:fontRef>
-        </p:style>
-        <p:txBody>
-          <a:bodyPr rtlCol="0" anchor="t"/>
-          <a:lstStyle/>
-          <a:p>
-            <a:r>
-              <a:rPr lang="zh-TW" altLang="en-US" dirty="0">
-                <a:ea typeface="標楷體" panose="03000509000000000000" pitchFamily="65" charset="-120"/>
-              </a:rPr>
-              <a:t>計數器同步</a:t>
-            </a:r>
-            <a:r>
-              <a:rPr lang="en-US" altLang="zh-TW" dirty="0">
-                <a:ea typeface="標楷體" panose="03000509000000000000" pitchFamily="65" charset="-120"/>
-              </a:rPr>
-              <a:t>VGA</a:t>
-            </a:r>
-            <a:r>
-              <a:rPr lang="zh-TW" altLang="en-US" dirty="0">
-                <a:ea typeface="標楷體" panose="03000509000000000000" pitchFamily="65" charset="-120"/>
-              </a:rPr>
-              <a:t>時脈上數</a:t>
-            </a:r>
-          </a:p>
-        </p:txBody>
-      </p:sp>
-      <p:sp>
-        <p:nvSpPr>
-          <p:cNvPr id="12" name="矩形: 圓角 11">
-            <a:extLst>
-              <a:ext uri="{FF2B5EF4-FFF2-40B4-BE49-F238E27FC236}">
-                <a16:creationId xmlns:a16="http://schemas.microsoft.com/office/drawing/2014/main" id="{556B928B-90F0-4BAB-AB08-6B72BEE40FBE}"/>
-              </a:ext>
-            </a:extLst>
-          </p:cNvPr>
-          <p:cNvSpPr/>
-          <p:nvPr/>
-        </p:nvSpPr>
-        <p:spPr>
-          <a:xfrm>
-            <a:off x="3841200" y="3560935"/>
-            <a:ext cx="2053701" cy="708477"/>
-          </a:xfrm>
-          <a:prstGeom prst="roundRect">
-            <a:avLst/>
-          </a:prstGeom>
-          <a:ln w="28575"/>
-        </p:spPr>
-        <p:style>
-          <a:lnRef idx="2">
-            <a:schemeClr val="accent6"/>
-          </a:lnRef>
-          <a:fillRef idx="1">
-            <a:schemeClr val="lt1"/>
-          </a:fillRef>
-          <a:effectRef idx="0">
-            <a:schemeClr val="accent6"/>
-          </a:effectRef>
-          <a:fontRef idx="minor">
-            <a:schemeClr val="dk1"/>
-          </a:fontRef>
-        </p:style>
-        <p:txBody>
-          <a:bodyPr rtlCol="0" anchor="t"/>
-          <a:lstStyle/>
-          <a:p>
-            <a:r>
-              <a:rPr lang="zh-TW" altLang="en-US" dirty="0">
-                <a:ea typeface="標楷體" panose="03000509000000000000" pitchFamily="65" charset="-120"/>
-              </a:rPr>
-              <a:t>輸出計數器對應</a:t>
-            </a:r>
-            <a:r>
-              <a:rPr lang="en-US" altLang="zh-TW" dirty="0" err="1">
-                <a:ea typeface="標楷體" panose="03000509000000000000" pitchFamily="65" charset="-120"/>
-              </a:rPr>
-              <a:t>BRam</a:t>
-            </a:r>
-            <a:r>
-              <a:rPr lang="zh-TW" altLang="en-US" dirty="0">
-                <a:ea typeface="標楷體" panose="03000509000000000000" pitchFamily="65" charset="-120"/>
-              </a:rPr>
-              <a:t>位址之資料</a:t>
-            </a:r>
-          </a:p>
-        </p:txBody>
-      </p:sp>
-      <p:sp>
-        <p:nvSpPr>
-          <p:cNvPr id="13" name="文字方塊 12">
-            <a:extLst>
-              <a:ext uri="{FF2B5EF4-FFF2-40B4-BE49-F238E27FC236}">
-                <a16:creationId xmlns:a16="http://schemas.microsoft.com/office/drawing/2014/main" id="{6C95C8D7-6D43-43B4-AE16-0C6A933C33D6}"/>
-              </a:ext>
-            </a:extLst>
-          </p:cNvPr>
-          <p:cNvSpPr txBox="1"/>
-          <p:nvPr/>
-        </p:nvSpPr>
-        <p:spPr>
-          <a:xfrm>
-            <a:off x="9335611" y="1688537"/>
-            <a:ext cx="1349405" cy="338554"/>
-          </a:xfrm>
-          <a:prstGeom prst="rect">
-            <a:avLst/>
-          </a:prstGeom>
-          <a:noFill/>
-        </p:spPr>
-        <p:txBody>
-          <a:bodyPr wrap="square" rtlCol="0">
-            <a:spAutoFit/>
-          </a:bodyPr>
-          <a:lstStyle/>
-          <a:p>
-            <a:pPr lvl="1"/>
-            <a:r>
-              <a:rPr lang="en-US" altLang="zh-TW" sz="1600" dirty="0">
+              </a:endParaRPr>
+            </a:p>
+          </p:txBody>
+        </p:sp>
+        <p:sp>
+          <p:nvSpPr>
+            <p:cNvPr id="6" name="文字方塊 5">
+              <a:extLst>
+                <a:ext uri="{FF2B5EF4-FFF2-40B4-BE49-F238E27FC236}">
+                  <a16:creationId xmlns:a16="http://schemas.microsoft.com/office/drawing/2014/main" id="{CDDAFC5D-1C23-41E6-AAD1-E6AD62CD72DC}"/>
+                </a:ext>
+              </a:extLst>
+            </p:cNvPr>
+            <p:cNvSpPr txBox="1"/>
+            <p:nvPr/>
+          </p:nvSpPr>
+          <p:spPr>
+            <a:xfrm>
+              <a:off x="4661206" y="2008300"/>
+              <a:ext cx="1349405" cy="450615"/>
+            </a:xfrm>
+            <a:prstGeom prst="rect">
+              <a:avLst/>
+            </a:prstGeom>
+            <a:noFill/>
+          </p:spPr>
+          <p:txBody>
+            <a:bodyPr wrap="square" rtlCol="0">
+              <a:spAutoFit/>
+            </a:bodyPr>
+            <a:lstStyle/>
+            <a:p>
+              <a:pPr lvl="1"/>
+              <a:r>
+                <a:rPr lang="en-US" altLang="zh-TW" sz="1600" dirty="0">
+                  <a:latin typeface="Times New Roman" panose="02020603050405020304" pitchFamily="18" charset="0"/>
+                  <a:ea typeface="標楷體" panose="03000509000000000000" pitchFamily="65" charset="-120"/>
+                </a:rPr>
+                <a:t>FPGA</a:t>
+              </a:r>
+              <a:endParaRPr lang="zh-TW" altLang="en-US" sz="1600" dirty="0">
                 <a:latin typeface="Times New Roman" panose="02020603050405020304" pitchFamily="18" charset="0"/>
                 <a:ea typeface="標楷體" panose="03000509000000000000" pitchFamily="65" charset="-120"/>
-              </a:rPr>
-              <a:t>VGA</a:t>
-            </a:r>
-            <a:endParaRPr lang="zh-TW" altLang="en-US" sz="1600" dirty="0">
-              <a:latin typeface="Times New Roman" panose="02020603050405020304" pitchFamily="18" charset="0"/>
-              <a:ea typeface="標楷體" panose="03000509000000000000" pitchFamily="65" charset="-120"/>
-            </a:endParaRPr>
-          </a:p>
-        </p:txBody>
-      </p:sp>
-      <p:sp>
-        <p:nvSpPr>
-          <p:cNvPr id="14" name="矩形: 圓角 13">
-            <a:extLst>
-              <a:ext uri="{FF2B5EF4-FFF2-40B4-BE49-F238E27FC236}">
-                <a16:creationId xmlns:a16="http://schemas.microsoft.com/office/drawing/2014/main" id="{0793F9E0-9E15-42FC-92EE-F2D47D93FD75}"/>
-              </a:ext>
-            </a:extLst>
-          </p:cNvPr>
-          <p:cNvSpPr/>
-          <p:nvPr/>
-        </p:nvSpPr>
-        <p:spPr>
-          <a:xfrm>
-            <a:off x="8897970" y="2077021"/>
-            <a:ext cx="2464708" cy="2721847"/>
-          </a:xfrm>
-          <a:prstGeom prst="roundRect">
-            <a:avLst/>
-          </a:prstGeom>
-          <a:ln w="28575"/>
-        </p:spPr>
-        <p:style>
-          <a:lnRef idx="2">
-            <a:schemeClr val="accent6"/>
-          </a:lnRef>
-          <a:fillRef idx="1">
-            <a:schemeClr val="lt1"/>
-          </a:fillRef>
-          <a:effectRef idx="0">
-            <a:schemeClr val="accent6"/>
-          </a:effectRef>
-          <a:fontRef idx="minor">
-            <a:schemeClr val="dk1"/>
-          </a:fontRef>
-        </p:style>
-        <p:txBody>
-          <a:bodyPr rtlCol="0" anchor="t"/>
-          <a:lstStyle/>
-          <a:p>
-            <a:endParaRPr lang="zh-TW" altLang="en-US" dirty="0"/>
-          </a:p>
-        </p:txBody>
-      </p:sp>
-      <p:sp>
-        <p:nvSpPr>
-          <p:cNvPr id="15" name="箭號: 向下 14">
-            <a:extLst>
-              <a:ext uri="{FF2B5EF4-FFF2-40B4-BE49-F238E27FC236}">
-                <a16:creationId xmlns:a16="http://schemas.microsoft.com/office/drawing/2014/main" id="{9F248009-1BEF-4325-804D-D7AF5FB0C483}"/>
-              </a:ext>
-            </a:extLst>
-          </p:cNvPr>
-          <p:cNvSpPr/>
-          <p:nvPr/>
-        </p:nvSpPr>
-        <p:spPr>
-          <a:xfrm>
-            <a:off x="1786380" y="3283022"/>
-            <a:ext cx="292963" cy="450326"/>
-          </a:xfrm>
-          <a:prstGeom prst="downArrow">
-            <a:avLst/>
-          </a:prstGeom>
-          <a:ln>
+              </a:endParaRPr>
+            </a:p>
+          </p:txBody>
+        </p:sp>
+        <p:sp>
+          <p:nvSpPr>
+            <p:cNvPr id="7" name="矩形: 圓角 6">
+              <a:extLst>
+                <a:ext uri="{FF2B5EF4-FFF2-40B4-BE49-F238E27FC236}">
+                  <a16:creationId xmlns:a16="http://schemas.microsoft.com/office/drawing/2014/main" id="{093A8E29-38EF-43CB-9E5C-6B5DCBC61876}"/>
+                </a:ext>
+              </a:extLst>
+            </p:cNvPr>
+            <p:cNvSpPr/>
+            <p:nvPr/>
+          </p:nvSpPr>
+          <p:spPr>
+            <a:xfrm>
+              <a:off x="682751" y="2096910"/>
+              <a:ext cx="2464708" cy="2721847"/>
+            </a:xfrm>
+            <a:prstGeom prst="roundRect">
+              <a:avLst/>
+            </a:prstGeom>
+            <a:ln w="28575"/>
+          </p:spPr>
+          <p:style>
+            <a:lnRef idx="2">
+              <a:schemeClr val="accent6"/>
+            </a:lnRef>
+            <a:fillRef idx="1">
+              <a:schemeClr val="lt1"/>
+            </a:fillRef>
+            <a:effectRef idx="0">
+              <a:schemeClr val="accent6"/>
+            </a:effectRef>
+            <a:fontRef idx="minor">
+              <a:schemeClr val="dk1"/>
+            </a:fontRef>
+          </p:style>
+          <p:txBody>
+            <a:bodyPr rtlCol="0" anchor="t"/>
+            <a:lstStyle/>
+            <a:p>
+              <a:endParaRPr lang="zh-TW" altLang="en-US" dirty="0"/>
+            </a:p>
+          </p:txBody>
+        </p:sp>
+        <p:sp>
+          <p:nvSpPr>
+            <p:cNvPr id="8" name="矩形: 圓角 7">
+              <a:extLst>
+                <a:ext uri="{FF2B5EF4-FFF2-40B4-BE49-F238E27FC236}">
+                  <a16:creationId xmlns:a16="http://schemas.microsoft.com/office/drawing/2014/main" id="{A53C9118-DEC7-4442-B7F8-ECA3431D5D30}"/>
+                </a:ext>
+              </a:extLst>
+            </p:cNvPr>
+            <p:cNvSpPr/>
+            <p:nvPr/>
+          </p:nvSpPr>
+          <p:spPr>
+            <a:xfrm>
+              <a:off x="3375521" y="2067831"/>
+              <a:ext cx="5223100" cy="3622779"/>
+            </a:xfrm>
+            <a:prstGeom prst="roundRect">
+              <a:avLst/>
+            </a:prstGeom>
+            <a:ln w="28575"/>
+          </p:spPr>
+          <p:style>
+            <a:lnRef idx="2">
+              <a:schemeClr val="accent6"/>
+            </a:lnRef>
+            <a:fillRef idx="1">
+              <a:schemeClr val="lt1"/>
+            </a:fillRef>
+            <a:effectRef idx="0">
+              <a:schemeClr val="accent6"/>
+            </a:effectRef>
+            <a:fontRef idx="minor">
+              <a:schemeClr val="dk1"/>
+            </a:fontRef>
+          </p:style>
+          <p:txBody>
+            <a:bodyPr rtlCol="0" anchor="t"/>
+            <a:lstStyle/>
+            <a:p>
+              <a:endParaRPr lang="zh-TW" altLang="en-US" dirty="0"/>
+            </a:p>
+          </p:txBody>
+        </p:sp>
+        <p:sp>
+          <p:nvSpPr>
+            <p:cNvPr id="9" name="矩形: 圓角 8">
+              <a:extLst>
+                <a:ext uri="{FF2B5EF4-FFF2-40B4-BE49-F238E27FC236}">
+                  <a16:creationId xmlns:a16="http://schemas.microsoft.com/office/drawing/2014/main" id="{2583892E-AFE7-428C-BFF1-80E2982096A4}"/>
+                </a:ext>
+              </a:extLst>
+            </p:cNvPr>
+            <p:cNvSpPr/>
+            <p:nvPr/>
+          </p:nvSpPr>
+          <p:spPr>
+            <a:xfrm>
+              <a:off x="1028688" y="2781587"/>
+              <a:ext cx="1755078" cy="491415"/>
+            </a:xfrm>
+            <a:prstGeom prst="roundRect">
+              <a:avLst/>
+            </a:prstGeom>
+            <a:ln w="28575"/>
+          </p:spPr>
+          <p:style>
+            <a:lnRef idx="2">
+              <a:schemeClr val="accent6"/>
+            </a:lnRef>
+            <a:fillRef idx="1">
+              <a:schemeClr val="lt1"/>
+            </a:fillRef>
+            <a:effectRef idx="0">
+              <a:schemeClr val="accent6"/>
+            </a:effectRef>
+            <a:fontRef idx="minor">
+              <a:schemeClr val="dk1"/>
+            </a:fontRef>
+          </p:style>
+          <p:txBody>
+            <a:bodyPr rtlCol="0" anchor="t"/>
+            <a:lstStyle/>
+            <a:p>
+              <a:r>
+                <a:rPr lang="en-US" altLang="zh-TW" dirty="0"/>
+                <a:t>.bmp </a:t>
+              </a:r>
+              <a:r>
+                <a:rPr lang="zh-TW" altLang="en-US" dirty="0">
+                  <a:ea typeface="標楷體" panose="03000509000000000000" pitchFamily="65" charset="-120"/>
+                </a:rPr>
+                <a:t>轉檔 </a:t>
+              </a:r>
+              <a:r>
+                <a:rPr lang="en-US" altLang="zh-TW" dirty="0">
+                  <a:ea typeface="標楷體" panose="03000509000000000000" pitchFamily="65" charset="-120"/>
+                </a:rPr>
+                <a:t>.COE</a:t>
+              </a:r>
+              <a:endParaRPr lang="zh-TW" altLang="en-US" dirty="0">
+                <a:ea typeface="標楷體" panose="03000509000000000000" pitchFamily="65" charset="-120"/>
+              </a:endParaRPr>
+            </a:p>
+          </p:txBody>
+        </p:sp>
+        <p:sp>
+          <p:nvSpPr>
+            <p:cNvPr id="10" name="矩形: 圓角 9">
+              <a:extLst>
+                <a:ext uri="{FF2B5EF4-FFF2-40B4-BE49-F238E27FC236}">
+                  <a16:creationId xmlns:a16="http://schemas.microsoft.com/office/drawing/2014/main" id="{E3D4FD11-8070-4A10-BCE8-203CF4F8A7D3}"/>
+                </a:ext>
+              </a:extLst>
+            </p:cNvPr>
+            <p:cNvSpPr/>
+            <p:nvPr/>
+          </p:nvSpPr>
+          <p:spPr>
+            <a:xfrm>
+              <a:off x="835138" y="3738136"/>
+              <a:ext cx="2159933" cy="450327"/>
+            </a:xfrm>
+            <a:prstGeom prst="roundRect">
+              <a:avLst/>
+            </a:prstGeom>
+            <a:ln w="28575"/>
+          </p:spPr>
+          <p:style>
+            <a:lnRef idx="2">
+              <a:schemeClr val="accent6"/>
+            </a:lnRef>
+            <a:fillRef idx="1">
+              <a:schemeClr val="lt1"/>
+            </a:fillRef>
+            <a:effectRef idx="0">
+              <a:schemeClr val="accent6"/>
+            </a:effectRef>
+            <a:fontRef idx="minor">
+              <a:schemeClr val="dk1"/>
+            </a:fontRef>
+          </p:style>
+          <p:txBody>
+            <a:bodyPr rtlCol="0" anchor="t"/>
+            <a:lstStyle/>
+            <a:p>
+              <a:r>
+                <a:rPr lang="en-US" altLang="zh-TW" dirty="0"/>
+                <a:t>.COE</a:t>
+              </a:r>
+              <a:r>
+                <a:rPr lang="zh-TW" altLang="en-US" dirty="0"/>
+                <a:t> </a:t>
+              </a:r>
+              <a:r>
+                <a:rPr lang="zh-TW" altLang="en-US" dirty="0">
+                  <a:ea typeface="標楷體" panose="03000509000000000000" pitchFamily="65" charset="-120"/>
+                </a:rPr>
+                <a:t>生成</a:t>
+              </a:r>
+              <a:r>
+                <a:rPr lang="en-US" altLang="zh-TW" dirty="0">
+                  <a:ea typeface="標楷體" panose="03000509000000000000" pitchFamily="65" charset="-120"/>
+                </a:rPr>
+                <a:t>Bram IP</a:t>
+              </a:r>
+              <a:r>
+                <a:rPr lang="zh-TW" altLang="en-US" dirty="0">
+                  <a:ea typeface="標楷體" panose="03000509000000000000" pitchFamily="65" charset="-120"/>
+                </a:rPr>
+                <a:t>核</a:t>
+              </a:r>
+            </a:p>
+          </p:txBody>
+        </p:sp>
+        <p:sp>
+          <p:nvSpPr>
+            <p:cNvPr id="11" name="矩形: 圓角 10">
+              <a:extLst>
+                <a:ext uri="{FF2B5EF4-FFF2-40B4-BE49-F238E27FC236}">
+                  <a16:creationId xmlns:a16="http://schemas.microsoft.com/office/drawing/2014/main" id="{E47C8300-AD69-4444-A5EB-590379672FCB}"/>
+                </a:ext>
+              </a:extLst>
+            </p:cNvPr>
+            <p:cNvSpPr/>
+            <p:nvPr/>
+          </p:nvSpPr>
+          <p:spPr>
+            <a:xfrm>
+              <a:off x="4114638" y="2359775"/>
+              <a:ext cx="1598790" cy="708477"/>
+            </a:xfrm>
+            <a:prstGeom prst="roundRect">
+              <a:avLst/>
+            </a:prstGeom>
+            <a:ln w="28575"/>
+          </p:spPr>
+          <p:style>
+            <a:lnRef idx="2">
+              <a:schemeClr val="accent6"/>
+            </a:lnRef>
+            <a:fillRef idx="1">
+              <a:schemeClr val="lt1"/>
+            </a:fillRef>
+            <a:effectRef idx="0">
+              <a:schemeClr val="accent6"/>
+            </a:effectRef>
+            <a:fontRef idx="minor">
+              <a:schemeClr val="dk1"/>
+            </a:fontRef>
+          </p:style>
+          <p:txBody>
+            <a:bodyPr rtlCol="0" anchor="t"/>
+            <a:lstStyle/>
+            <a:p>
+              <a:r>
+                <a:rPr lang="zh-TW" altLang="en-US" dirty="0">
+                  <a:ea typeface="標楷體" panose="03000509000000000000" pitchFamily="65" charset="-120"/>
+                </a:rPr>
+                <a:t>計數器同步</a:t>
+              </a:r>
+              <a:r>
+                <a:rPr lang="en-US" altLang="zh-TW" dirty="0">
+                  <a:ea typeface="標楷體" panose="03000509000000000000" pitchFamily="65" charset="-120"/>
+                </a:rPr>
+                <a:t>VGA</a:t>
+              </a:r>
+              <a:r>
+                <a:rPr lang="zh-TW" altLang="en-US" dirty="0">
+                  <a:ea typeface="標楷體" panose="03000509000000000000" pitchFamily="65" charset="-120"/>
+                </a:rPr>
+                <a:t>時脈上數</a:t>
+              </a:r>
+            </a:p>
+          </p:txBody>
+        </p:sp>
+        <p:sp>
+          <p:nvSpPr>
+            <p:cNvPr id="12" name="矩形: 圓角 11">
+              <a:extLst>
+                <a:ext uri="{FF2B5EF4-FFF2-40B4-BE49-F238E27FC236}">
+                  <a16:creationId xmlns:a16="http://schemas.microsoft.com/office/drawing/2014/main" id="{556B928B-90F0-4BAB-AB08-6B72BEE40FBE}"/>
+                </a:ext>
+              </a:extLst>
+            </p:cNvPr>
+            <p:cNvSpPr/>
+            <p:nvPr/>
+          </p:nvSpPr>
+          <p:spPr>
+            <a:xfrm>
+              <a:off x="3841200" y="3560935"/>
+              <a:ext cx="2053701" cy="708477"/>
+            </a:xfrm>
+            <a:prstGeom prst="roundRect">
+              <a:avLst/>
+            </a:prstGeom>
+            <a:ln w="28575"/>
+          </p:spPr>
+          <p:style>
+            <a:lnRef idx="2">
+              <a:schemeClr val="accent6"/>
+            </a:lnRef>
+            <a:fillRef idx="1">
+              <a:schemeClr val="lt1"/>
+            </a:fillRef>
+            <a:effectRef idx="0">
+              <a:schemeClr val="accent6"/>
+            </a:effectRef>
+            <a:fontRef idx="minor">
+              <a:schemeClr val="dk1"/>
+            </a:fontRef>
+          </p:style>
+          <p:txBody>
+            <a:bodyPr rtlCol="0" anchor="t"/>
+            <a:lstStyle/>
+            <a:p>
+              <a:r>
+                <a:rPr lang="zh-TW" altLang="en-US" dirty="0">
+                  <a:ea typeface="標楷體" panose="03000509000000000000" pitchFamily="65" charset="-120"/>
+                </a:rPr>
+                <a:t>輸出計數器對應</a:t>
+              </a:r>
+              <a:r>
+                <a:rPr lang="en-US" altLang="zh-TW" dirty="0" err="1">
+                  <a:ea typeface="標楷體" panose="03000509000000000000" pitchFamily="65" charset="-120"/>
+                </a:rPr>
+                <a:t>BRam</a:t>
+              </a:r>
+              <a:r>
+                <a:rPr lang="zh-TW" altLang="en-US" dirty="0">
+                  <a:ea typeface="標楷體" panose="03000509000000000000" pitchFamily="65" charset="-120"/>
+                </a:rPr>
+                <a:t>位址之資料</a:t>
+              </a:r>
+            </a:p>
+          </p:txBody>
+        </p:sp>
+        <p:sp>
+          <p:nvSpPr>
+            <p:cNvPr id="13" name="文字方塊 12">
+              <a:extLst>
+                <a:ext uri="{FF2B5EF4-FFF2-40B4-BE49-F238E27FC236}">
+                  <a16:creationId xmlns:a16="http://schemas.microsoft.com/office/drawing/2014/main" id="{6C95C8D7-6D43-43B4-AE16-0C6A933C33D6}"/>
+                </a:ext>
+              </a:extLst>
+            </p:cNvPr>
+            <p:cNvSpPr txBox="1"/>
+            <p:nvPr/>
+          </p:nvSpPr>
+          <p:spPr>
+            <a:xfrm>
+              <a:off x="9335611" y="1688537"/>
+              <a:ext cx="1349405" cy="338554"/>
+            </a:xfrm>
+            <a:prstGeom prst="rect">
+              <a:avLst/>
+            </a:prstGeom>
             <a:noFill/>
-          </a:ln>
-        </p:spPr>
-        <p:style>
-          <a:lnRef idx="3">
-            <a:schemeClr val="lt1"/>
-          </a:lnRef>
-          <a:fillRef idx="1">
-            <a:schemeClr val="accent6"/>
-          </a:fillRef>
-          <a:effectRef idx="1">
-            <a:schemeClr val="accent6"/>
-          </a:effectRef>
-          <a:fontRef idx="minor">
-            <a:schemeClr val="lt1"/>
-          </a:fontRef>
-        </p:style>
-        <p:txBody>
-          <a:bodyPr rtlCol="0" anchor="ctr"/>
-          <a:lstStyle/>
-          <a:p>
-            <a:pPr algn="ctr"/>
-            <a:endParaRPr lang="zh-TW" altLang="en-US"/>
-          </a:p>
-        </p:txBody>
-      </p:sp>
-      <p:sp>
-        <p:nvSpPr>
-          <p:cNvPr id="16" name="箭號: 向下 15">
-            <a:extLst>
-              <a:ext uri="{FF2B5EF4-FFF2-40B4-BE49-F238E27FC236}">
-                <a16:creationId xmlns:a16="http://schemas.microsoft.com/office/drawing/2014/main" id="{9ABC023A-A4F9-47DB-9481-6822B7CBDE01}"/>
-              </a:ext>
-            </a:extLst>
-          </p:cNvPr>
-          <p:cNvSpPr/>
-          <p:nvPr/>
-        </p:nvSpPr>
-        <p:spPr>
-          <a:xfrm rot="16200000">
-            <a:off x="3262527" y="3520688"/>
-            <a:ext cx="333744" cy="816903"/>
-          </a:xfrm>
-          <a:prstGeom prst="downArrow">
-            <a:avLst/>
-          </a:prstGeom>
-          <a:ln>
+          </p:spPr>
+          <p:txBody>
+            <a:bodyPr wrap="square" rtlCol="0">
+              <a:spAutoFit/>
+            </a:bodyPr>
+            <a:lstStyle/>
+            <a:p>
+              <a:pPr lvl="1"/>
+              <a:r>
+                <a:rPr lang="en-US" altLang="zh-TW" sz="1600" dirty="0">
+                  <a:latin typeface="Times New Roman" panose="02020603050405020304" pitchFamily="18" charset="0"/>
+                  <a:ea typeface="標楷體" panose="03000509000000000000" pitchFamily="65" charset="-120"/>
+                </a:rPr>
+                <a:t>VGA</a:t>
+              </a:r>
+              <a:endParaRPr lang="zh-TW" altLang="en-US" sz="1600" dirty="0">
+                <a:latin typeface="Times New Roman" panose="02020603050405020304" pitchFamily="18" charset="0"/>
+                <a:ea typeface="標楷體" panose="03000509000000000000" pitchFamily="65" charset="-120"/>
+              </a:endParaRPr>
+            </a:p>
+          </p:txBody>
+        </p:sp>
+        <p:sp>
+          <p:nvSpPr>
+            <p:cNvPr id="14" name="矩形: 圓角 13">
+              <a:extLst>
+                <a:ext uri="{FF2B5EF4-FFF2-40B4-BE49-F238E27FC236}">
+                  <a16:creationId xmlns:a16="http://schemas.microsoft.com/office/drawing/2014/main" id="{0793F9E0-9E15-42FC-92EE-F2D47D93FD75}"/>
+                </a:ext>
+              </a:extLst>
+            </p:cNvPr>
+            <p:cNvSpPr/>
+            <p:nvPr/>
+          </p:nvSpPr>
+          <p:spPr>
+            <a:xfrm>
+              <a:off x="8897970" y="2077021"/>
+              <a:ext cx="2464708" cy="2721847"/>
+            </a:xfrm>
+            <a:prstGeom prst="roundRect">
+              <a:avLst/>
+            </a:prstGeom>
+            <a:ln w="28575"/>
+          </p:spPr>
+          <p:style>
+            <a:lnRef idx="2">
+              <a:schemeClr val="accent6"/>
+            </a:lnRef>
+            <a:fillRef idx="1">
+              <a:schemeClr val="lt1"/>
+            </a:fillRef>
+            <a:effectRef idx="0">
+              <a:schemeClr val="accent6"/>
+            </a:effectRef>
+            <a:fontRef idx="minor">
+              <a:schemeClr val="dk1"/>
+            </a:fontRef>
+          </p:style>
+          <p:txBody>
+            <a:bodyPr rtlCol="0" anchor="t"/>
+            <a:lstStyle/>
+            <a:p>
+              <a:endParaRPr lang="zh-TW" altLang="en-US" dirty="0"/>
+            </a:p>
+          </p:txBody>
+        </p:sp>
+        <p:sp>
+          <p:nvSpPr>
+            <p:cNvPr id="15" name="箭號: 向下 14">
+              <a:extLst>
+                <a:ext uri="{FF2B5EF4-FFF2-40B4-BE49-F238E27FC236}">
+                  <a16:creationId xmlns:a16="http://schemas.microsoft.com/office/drawing/2014/main" id="{9F248009-1BEF-4325-804D-D7AF5FB0C483}"/>
+                </a:ext>
+              </a:extLst>
+            </p:cNvPr>
+            <p:cNvSpPr/>
+            <p:nvPr/>
+          </p:nvSpPr>
+          <p:spPr>
+            <a:xfrm>
+              <a:off x="1786380" y="3283022"/>
+              <a:ext cx="292963" cy="450326"/>
+            </a:xfrm>
+            <a:prstGeom prst="downArrow">
+              <a:avLst/>
+            </a:prstGeom>
+            <a:ln>
+              <a:noFill/>
+            </a:ln>
+          </p:spPr>
+          <p:style>
+            <a:lnRef idx="3">
+              <a:schemeClr val="lt1"/>
+            </a:lnRef>
+            <a:fillRef idx="1">
+              <a:schemeClr val="accent6"/>
+            </a:fillRef>
+            <a:effectRef idx="1">
+              <a:schemeClr val="accent6"/>
+            </a:effectRef>
+            <a:fontRef idx="minor">
+              <a:schemeClr val="lt1"/>
+            </a:fontRef>
+          </p:style>
+          <p:txBody>
+            <a:bodyPr rtlCol="0" anchor="ctr"/>
+            <a:lstStyle/>
+            <a:p>
+              <a:pPr algn="ctr"/>
+              <a:endParaRPr lang="zh-TW" altLang="en-US"/>
+            </a:p>
+          </p:txBody>
+        </p:sp>
+        <p:sp>
+          <p:nvSpPr>
+            <p:cNvPr id="16" name="箭號: 向下 15">
+              <a:extLst>
+                <a:ext uri="{FF2B5EF4-FFF2-40B4-BE49-F238E27FC236}">
+                  <a16:creationId xmlns:a16="http://schemas.microsoft.com/office/drawing/2014/main" id="{9ABC023A-A4F9-47DB-9481-6822B7CBDE01}"/>
+                </a:ext>
+              </a:extLst>
+            </p:cNvPr>
+            <p:cNvSpPr/>
+            <p:nvPr/>
+          </p:nvSpPr>
+          <p:spPr>
+            <a:xfrm rot="16200000">
+              <a:off x="3262527" y="3520688"/>
+              <a:ext cx="333744" cy="816903"/>
+            </a:xfrm>
+            <a:prstGeom prst="downArrow">
+              <a:avLst/>
+            </a:prstGeom>
+            <a:ln>
+              <a:noFill/>
+            </a:ln>
+          </p:spPr>
+          <p:style>
+            <a:lnRef idx="3">
+              <a:schemeClr val="lt1"/>
+            </a:lnRef>
+            <a:fillRef idx="1">
+              <a:schemeClr val="accent6"/>
+            </a:fillRef>
+            <a:effectRef idx="1">
+              <a:schemeClr val="accent6"/>
+            </a:effectRef>
+            <a:fontRef idx="minor">
+              <a:schemeClr val="lt1"/>
+            </a:fontRef>
+          </p:style>
+          <p:txBody>
+            <a:bodyPr rtlCol="0" anchor="ctr"/>
+            <a:lstStyle/>
+            <a:p>
+              <a:pPr algn="ctr"/>
+              <a:endParaRPr lang="zh-TW" altLang="en-US"/>
+            </a:p>
+          </p:txBody>
+        </p:sp>
+        <p:sp>
+          <p:nvSpPr>
+            <p:cNvPr id="17" name="箭號: 向下 16">
+              <a:extLst>
+                <a:ext uri="{FF2B5EF4-FFF2-40B4-BE49-F238E27FC236}">
+                  <a16:creationId xmlns:a16="http://schemas.microsoft.com/office/drawing/2014/main" id="{ABDE700D-8183-4279-9481-B497130722CB}"/>
+                </a:ext>
+              </a:extLst>
+            </p:cNvPr>
+            <p:cNvSpPr/>
+            <p:nvPr/>
+          </p:nvSpPr>
+          <p:spPr>
+            <a:xfrm>
+              <a:off x="4758542" y="3087193"/>
+              <a:ext cx="337352" cy="450809"/>
+            </a:xfrm>
+            <a:prstGeom prst="downArrow">
+              <a:avLst/>
+            </a:prstGeom>
+            <a:ln>
+              <a:noFill/>
+            </a:ln>
+          </p:spPr>
+          <p:style>
+            <a:lnRef idx="3">
+              <a:schemeClr val="lt1"/>
+            </a:lnRef>
+            <a:fillRef idx="1">
+              <a:schemeClr val="accent6"/>
+            </a:fillRef>
+            <a:effectRef idx="1">
+              <a:schemeClr val="accent6"/>
+            </a:effectRef>
+            <a:fontRef idx="minor">
+              <a:schemeClr val="lt1"/>
+            </a:fontRef>
+          </p:style>
+          <p:txBody>
+            <a:bodyPr rtlCol="0" anchor="ctr"/>
+            <a:lstStyle/>
+            <a:p>
+              <a:pPr algn="ctr"/>
+              <a:endParaRPr lang="zh-TW" altLang="en-US"/>
+            </a:p>
+          </p:txBody>
+        </p:sp>
+        <p:sp>
+          <p:nvSpPr>
+            <p:cNvPr id="19" name="箭號: 向下 18">
+              <a:extLst>
+                <a:ext uri="{FF2B5EF4-FFF2-40B4-BE49-F238E27FC236}">
+                  <a16:creationId xmlns:a16="http://schemas.microsoft.com/office/drawing/2014/main" id="{BCA188D4-791C-4BE1-86A5-F9DCA0D77F68}"/>
+                </a:ext>
+              </a:extLst>
+            </p:cNvPr>
+            <p:cNvSpPr/>
+            <p:nvPr/>
+          </p:nvSpPr>
+          <p:spPr>
+            <a:xfrm rot="16200000">
+              <a:off x="7513189" y="732587"/>
+              <a:ext cx="337823" cy="3882794"/>
+            </a:xfrm>
+            <a:prstGeom prst="downArrow">
+              <a:avLst/>
+            </a:prstGeom>
+            <a:ln>
+              <a:noFill/>
+            </a:ln>
+          </p:spPr>
+          <p:style>
+            <a:lnRef idx="3">
+              <a:schemeClr val="lt1"/>
+            </a:lnRef>
+            <a:fillRef idx="1">
+              <a:schemeClr val="accent6"/>
+            </a:fillRef>
+            <a:effectRef idx="1">
+              <a:schemeClr val="accent6"/>
+            </a:effectRef>
+            <a:fontRef idx="minor">
+              <a:schemeClr val="lt1"/>
+            </a:fontRef>
+          </p:style>
+          <p:txBody>
+            <a:bodyPr rtlCol="0" anchor="ctr"/>
+            <a:lstStyle/>
+            <a:p>
+              <a:pPr algn="ctr"/>
+              <a:endParaRPr lang="zh-TW" altLang="en-US"/>
+            </a:p>
+          </p:txBody>
+        </p:sp>
+        <p:sp>
+          <p:nvSpPr>
+            <p:cNvPr id="20" name="矩形: 圓角 19">
+              <a:extLst>
+                <a:ext uri="{FF2B5EF4-FFF2-40B4-BE49-F238E27FC236}">
+                  <a16:creationId xmlns:a16="http://schemas.microsoft.com/office/drawing/2014/main" id="{31857E2A-CE72-4393-A726-7188FA6BAF6B}"/>
+                </a:ext>
+              </a:extLst>
+            </p:cNvPr>
+            <p:cNvSpPr/>
+            <p:nvPr/>
+          </p:nvSpPr>
+          <p:spPr>
+            <a:xfrm>
+              <a:off x="9650773" y="2378716"/>
+              <a:ext cx="992723" cy="708477"/>
+            </a:xfrm>
+            <a:prstGeom prst="roundRect">
+              <a:avLst/>
+            </a:prstGeom>
+            <a:ln w="28575"/>
+          </p:spPr>
+          <p:style>
+            <a:lnRef idx="2">
+              <a:schemeClr val="accent6"/>
+            </a:lnRef>
+            <a:fillRef idx="1">
+              <a:schemeClr val="lt1"/>
+            </a:fillRef>
+            <a:effectRef idx="0">
+              <a:schemeClr val="accent6"/>
+            </a:effectRef>
+            <a:fontRef idx="minor">
+              <a:schemeClr val="dk1"/>
+            </a:fontRef>
+          </p:style>
+          <p:txBody>
+            <a:bodyPr rtlCol="0" anchor="t"/>
+            <a:lstStyle/>
+            <a:p>
+              <a:pPr algn="ctr"/>
+              <a:r>
+                <a:rPr lang="en-US" altLang="zh-TW" dirty="0" err="1">
+                  <a:ea typeface="標楷體" panose="03000509000000000000" pitchFamily="65" charset="-120"/>
+                </a:rPr>
+                <a:t>Hsync</a:t>
+              </a:r>
+              <a:r>
+                <a:rPr lang="en-US" altLang="zh-TW" dirty="0">
+                  <a:ea typeface="標楷體" panose="03000509000000000000" pitchFamily="65" charset="-120"/>
+                </a:rPr>
+                <a:t>,</a:t>
+              </a:r>
+            </a:p>
+            <a:p>
+              <a:pPr algn="ctr"/>
+              <a:r>
+                <a:rPr lang="en-US" altLang="zh-TW" dirty="0" err="1">
+                  <a:ea typeface="標楷體" panose="03000509000000000000" pitchFamily="65" charset="-120"/>
+                </a:rPr>
+                <a:t>Vsync</a:t>
+              </a:r>
+              <a:endParaRPr lang="en-US" altLang="zh-TW" dirty="0">
+                <a:ea typeface="標楷體" panose="03000509000000000000" pitchFamily="65" charset="-120"/>
+              </a:endParaRPr>
+            </a:p>
+          </p:txBody>
+        </p:sp>
+        <p:sp>
+          <p:nvSpPr>
+            <p:cNvPr id="21" name="矩形: 圓角 20">
+              <a:extLst>
+                <a:ext uri="{FF2B5EF4-FFF2-40B4-BE49-F238E27FC236}">
+                  <a16:creationId xmlns:a16="http://schemas.microsoft.com/office/drawing/2014/main" id="{6D14840B-B536-4728-9608-04CC50AEEA86}"/>
+                </a:ext>
+              </a:extLst>
+            </p:cNvPr>
+            <p:cNvSpPr/>
+            <p:nvPr/>
+          </p:nvSpPr>
+          <p:spPr>
+            <a:xfrm>
+              <a:off x="9367774" y="3429372"/>
+              <a:ext cx="1639956" cy="1003391"/>
+            </a:xfrm>
+            <a:prstGeom prst="roundRect">
+              <a:avLst/>
+            </a:prstGeom>
+            <a:ln w="28575"/>
+          </p:spPr>
+          <p:style>
+            <a:lnRef idx="2">
+              <a:schemeClr val="accent6"/>
+            </a:lnRef>
+            <a:fillRef idx="1">
+              <a:schemeClr val="lt1"/>
+            </a:fillRef>
+            <a:effectRef idx="0">
+              <a:schemeClr val="accent6"/>
+            </a:effectRef>
+            <a:fontRef idx="minor">
+              <a:schemeClr val="dk1"/>
+            </a:fontRef>
+          </p:style>
+          <p:txBody>
+            <a:bodyPr rtlCol="0" anchor="t"/>
+            <a:lstStyle/>
+            <a:p>
+              <a:r>
+                <a:rPr lang="en-US" altLang="zh-TW" dirty="0" err="1">
+                  <a:ea typeface="標楷體" panose="03000509000000000000" pitchFamily="65" charset="-120"/>
+                </a:rPr>
+                <a:t>VGA_Red</a:t>
+              </a:r>
+              <a:r>
+                <a:rPr lang="en-US" altLang="zh-TW" dirty="0">
+                  <a:ea typeface="標楷體" panose="03000509000000000000" pitchFamily="65" charset="-120"/>
+                </a:rPr>
+                <a:t>[3],</a:t>
+              </a:r>
+            </a:p>
+            <a:p>
+              <a:r>
+                <a:rPr lang="en-US" altLang="zh-TW" dirty="0" err="1">
+                  <a:ea typeface="標楷體" panose="03000509000000000000" pitchFamily="65" charset="-120"/>
+                </a:rPr>
+                <a:t>VGA_Grn</a:t>
+              </a:r>
+              <a:r>
+                <a:rPr lang="en-US" altLang="zh-TW" dirty="0">
+                  <a:ea typeface="標楷體" panose="03000509000000000000" pitchFamily="65" charset="-120"/>
+                </a:rPr>
+                <a:t>[3],</a:t>
+              </a:r>
+            </a:p>
+            <a:p>
+              <a:r>
+                <a:rPr lang="en-US" altLang="zh-TW" dirty="0">
+                  <a:ea typeface="標楷體" panose="03000509000000000000" pitchFamily="65" charset="-120"/>
+                </a:rPr>
+                <a:t> </a:t>
+              </a:r>
+              <a:r>
+                <a:rPr lang="en-US" altLang="zh-TW" dirty="0" err="1">
+                  <a:ea typeface="標楷體" panose="03000509000000000000" pitchFamily="65" charset="-120"/>
+                </a:rPr>
+                <a:t>VGA_Blu</a:t>
+              </a:r>
+              <a:r>
+                <a:rPr lang="en-US" altLang="zh-TW" dirty="0">
+                  <a:ea typeface="標楷體" panose="03000509000000000000" pitchFamily="65" charset="-120"/>
+                </a:rPr>
+                <a:t>[2],</a:t>
+              </a:r>
+            </a:p>
+            <a:p>
+              <a:endParaRPr lang="zh-TW" altLang="en-US" dirty="0">
+                <a:ea typeface="標楷體" panose="03000509000000000000" pitchFamily="65" charset="-120"/>
+              </a:endParaRPr>
+            </a:p>
+          </p:txBody>
+        </p:sp>
+        <p:sp>
+          <p:nvSpPr>
+            <p:cNvPr id="23" name="矩形: 圓角 22">
+              <a:extLst>
+                <a:ext uri="{FF2B5EF4-FFF2-40B4-BE49-F238E27FC236}">
+                  <a16:creationId xmlns:a16="http://schemas.microsoft.com/office/drawing/2014/main" id="{C8D313AA-BE73-427F-846A-5B32E79686D5}"/>
+                </a:ext>
+              </a:extLst>
+            </p:cNvPr>
+            <p:cNvSpPr/>
+            <p:nvPr/>
+          </p:nvSpPr>
+          <p:spPr>
+            <a:xfrm>
+              <a:off x="3739946" y="4748036"/>
+              <a:ext cx="2374544" cy="696087"/>
+            </a:xfrm>
+            <a:prstGeom prst="roundRect">
+              <a:avLst/>
+            </a:prstGeom>
+            <a:ln w="28575"/>
+          </p:spPr>
+          <p:style>
+            <a:lnRef idx="2">
+              <a:schemeClr val="accent6"/>
+            </a:lnRef>
+            <a:fillRef idx="1">
+              <a:schemeClr val="lt1"/>
+            </a:fillRef>
+            <a:effectRef idx="0">
+              <a:schemeClr val="accent6"/>
+            </a:effectRef>
+            <a:fontRef idx="minor">
+              <a:schemeClr val="dk1"/>
+            </a:fontRef>
+          </p:style>
+          <p:txBody>
+            <a:bodyPr rtlCol="0" anchor="t"/>
+            <a:lstStyle/>
+            <a:p>
+              <a:r>
+                <a:rPr lang="en-US" altLang="zh-TW" dirty="0">
+                  <a:ea typeface="標楷體" panose="03000509000000000000" pitchFamily="65" charset="-120"/>
+                </a:rPr>
+                <a:t>padding</a:t>
+              </a:r>
+              <a:r>
+                <a:rPr lang="zh-TW" altLang="en-US" dirty="0">
+                  <a:ea typeface="標楷體" panose="03000509000000000000" pitchFamily="65" charset="-120"/>
+                </a:rPr>
+                <a:t> </a:t>
+              </a:r>
+              <a:r>
+                <a:rPr lang="en-US" altLang="zh-TW">
+                  <a:ea typeface="標楷體" panose="03000509000000000000" pitchFamily="65" charset="-120"/>
+                </a:rPr>
+                <a:t>‘1’</a:t>
+              </a:r>
+              <a:r>
+                <a:rPr lang="zh-TW" altLang="en-US" dirty="0">
+                  <a:ea typeface="標楷體" panose="03000509000000000000" pitchFamily="65" charset="-120"/>
+                </a:rPr>
+                <a:t>並依序</a:t>
+              </a:r>
+              <a:endParaRPr lang="en-US" altLang="zh-TW" dirty="0">
+                <a:ea typeface="標楷體" panose="03000509000000000000" pitchFamily="65" charset="-120"/>
+              </a:endParaRPr>
+            </a:p>
+            <a:p>
+              <a:r>
+                <a:rPr lang="zh-TW" altLang="en-US" dirty="0">
+                  <a:ea typeface="標楷體" panose="03000509000000000000" pitchFamily="65" charset="-120"/>
+                </a:rPr>
+                <a:t>存進</a:t>
+              </a:r>
+              <a:r>
+                <a:rPr lang="en-US" altLang="zh-TW" dirty="0" err="1">
+                  <a:ea typeface="標楷體" panose="03000509000000000000" pitchFamily="65" charset="-120"/>
+                </a:rPr>
+                <a:t>cachesystem</a:t>
+              </a:r>
+              <a:endParaRPr lang="zh-TW" altLang="en-US" dirty="0">
+                <a:ea typeface="標楷體" panose="03000509000000000000" pitchFamily="65" charset="-120"/>
+              </a:endParaRPr>
+            </a:p>
+          </p:txBody>
+        </p:sp>
+        <p:sp>
+          <p:nvSpPr>
+            <p:cNvPr id="24" name="箭號: 向下 23">
+              <a:extLst>
+                <a:ext uri="{FF2B5EF4-FFF2-40B4-BE49-F238E27FC236}">
+                  <a16:creationId xmlns:a16="http://schemas.microsoft.com/office/drawing/2014/main" id="{33ECE748-26F5-4AB8-AB53-6147AB0079A5}"/>
+                </a:ext>
+              </a:extLst>
+            </p:cNvPr>
+            <p:cNvSpPr/>
+            <p:nvPr/>
+          </p:nvSpPr>
+          <p:spPr>
+            <a:xfrm rot="16200000">
+              <a:off x="8759797" y="3447272"/>
+              <a:ext cx="318822" cy="963735"/>
+            </a:xfrm>
+            <a:prstGeom prst="downArrow">
+              <a:avLst/>
+            </a:prstGeom>
+            <a:ln>
+              <a:noFill/>
+            </a:ln>
+          </p:spPr>
+          <p:style>
+            <a:lnRef idx="3">
+              <a:schemeClr val="lt1"/>
+            </a:lnRef>
+            <a:fillRef idx="1">
+              <a:schemeClr val="accent6"/>
+            </a:fillRef>
+            <a:effectRef idx="1">
+              <a:schemeClr val="accent6"/>
+            </a:effectRef>
+            <a:fontRef idx="minor">
+              <a:schemeClr val="lt1"/>
+            </a:fontRef>
+          </p:style>
+          <p:txBody>
+            <a:bodyPr rtlCol="0" anchor="ctr"/>
+            <a:lstStyle/>
+            <a:p>
+              <a:pPr algn="ctr"/>
+              <a:endParaRPr lang="zh-TW" altLang="en-US"/>
+            </a:p>
+          </p:txBody>
+        </p:sp>
+        <p:sp>
+          <p:nvSpPr>
+            <p:cNvPr id="25" name="矩形: 圓角 24">
+              <a:extLst>
+                <a:ext uri="{FF2B5EF4-FFF2-40B4-BE49-F238E27FC236}">
+                  <a16:creationId xmlns:a16="http://schemas.microsoft.com/office/drawing/2014/main" id="{9C7C26B2-77D2-4A43-9144-EA912F7A579B}"/>
+                </a:ext>
+              </a:extLst>
+            </p:cNvPr>
+            <p:cNvSpPr/>
+            <p:nvPr/>
+          </p:nvSpPr>
+          <p:spPr>
+            <a:xfrm>
+              <a:off x="5986254" y="3438041"/>
+              <a:ext cx="2444763" cy="961988"/>
+            </a:xfrm>
+            <a:prstGeom prst="roundRect">
+              <a:avLst/>
+            </a:prstGeom>
+            <a:ln w="28575"/>
+          </p:spPr>
+          <p:style>
+            <a:lnRef idx="2">
+              <a:schemeClr val="accent6"/>
+            </a:lnRef>
+            <a:fillRef idx="1">
+              <a:schemeClr val="lt1"/>
+            </a:fillRef>
+            <a:effectRef idx="0">
+              <a:schemeClr val="accent6"/>
+            </a:effectRef>
+            <a:fontRef idx="minor">
+              <a:schemeClr val="dk1"/>
+            </a:fontRef>
+          </p:style>
+          <p:txBody>
+            <a:bodyPr rtlCol="0" anchor="t"/>
+            <a:lstStyle/>
+            <a:p>
+              <a:r>
+                <a:rPr lang="zh-TW" altLang="en-US" dirty="0">
+                  <a:ea typeface="標楷體" panose="03000509000000000000" pitchFamily="65" charset="-120"/>
+                </a:rPr>
+                <a:t>依計數器對應之位置</a:t>
+              </a:r>
+              <a:endParaRPr lang="en-US" altLang="zh-TW" dirty="0">
+                <a:ea typeface="標楷體" panose="03000509000000000000" pitchFamily="65" charset="-120"/>
+              </a:endParaRPr>
+            </a:p>
+            <a:p>
+              <a:r>
+                <a:rPr lang="zh-TW" altLang="en-US" dirty="0">
+                  <a:ea typeface="標楷體" panose="03000509000000000000" pitchFamily="65" charset="-120"/>
+                </a:rPr>
+                <a:t>對</a:t>
+              </a:r>
+              <a:r>
+                <a:rPr lang="en-US" altLang="zh-TW" dirty="0">
+                  <a:ea typeface="標楷體" panose="03000509000000000000" pitchFamily="65" charset="-120"/>
+                </a:rPr>
+                <a:t>Sobel kernel</a:t>
+              </a:r>
+              <a:r>
+                <a:rPr lang="zh-TW" altLang="en-US" dirty="0">
+                  <a:ea typeface="標楷體" panose="03000509000000000000" pitchFamily="65" charset="-120"/>
+                </a:rPr>
+                <a:t>、</a:t>
+              </a:r>
+              <a:endParaRPr lang="en-US" altLang="zh-TW" dirty="0">
+                <a:ea typeface="標楷體" panose="03000509000000000000" pitchFamily="65" charset="-120"/>
+              </a:endParaRPr>
+            </a:p>
+            <a:p>
+              <a:r>
+                <a:rPr lang="en-US" altLang="zh-TW" dirty="0" err="1">
+                  <a:ea typeface="標楷體" panose="03000509000000000000" pitchFamily="65" charset="-120"/>
+                </a:rPr>
+                <a:t>cachesystem</a:t>
+              </a:r>
+              <a:r>
+                <a:rPr lang="zh-TW" altLang="en-US" dirty="0">
+                  <a:ea typeface="標楷體" panose="03000509000000000000" pitchFamily="65" charset="-120"/>
+                </a:rPr>
+                <a:t>做卷積</a:t>
+              </a:r>
+            </a:p>
+          </p:txBody>
+        </p:sp>
+        <p:sp>
+          <p:nvSpPr>
+            <p:cNvPr id="28" name="文字方塊 27">
+              <a:extLst>
+                <a:ext uri="{FF2B5EF4-FFF2-40B4-BE49-F238E27FC236}">
+                  <a16:creationId xmlns:a16="http://schemas.microsoft.com/office/drawing/2014/main" id="{4EAC2321-91CF-4F2A-9B5F-49EE4E4762CF}"/>
+                </a:ext>
+              </a:extLst>
+            </p:cNvPr>
+            <p:cNvSpPr txBox="1"/>
+            <p:nvPr/>
+          </p:nvSpPr>
+          <p:spPr>
+            <a:xfrm>
+              <a:off x="5152962" y="1656118"/>
+              <a:ext cx="1349405" cy="338554"/>
+            </a:xfrm>
+            <a:prstGeom prst="rect">
+              <a:avLst/>
+            </a:prstGeom>
             <a:noFill/>
-          </a:ln>
-        </p:spPr>
-        <p:style>
-          <a:lnRef idx="3">
-            <a:schemeClr val="lt1"/>
-          </a:lnRef>
-          <a:fillRef idx="1">
-            <a:schemeClr val="accent6"/>
-          </a:fillRef>
-          <a:effectRef idx="1">
-            <a:schemeClr val="accent6"/>
-          </a:effectRef>
-          <a:fontRef idx="minor">
-            <a:schemeClr val="lt1"/>
-          </a:fontRef>
-        </p:style>
-        <p:txBody>
-          <a:bodyPr rtlCol="0" anchor="ctr"/>
-          <a:lstStyle/>
-          <a:p>
-            <a:pPr algn="ctr"/>
-            <a:endParaRPr lang="zh-TW" altLang="en-US"/>
-          </a:p>
-        </p:txBody>
-      </p:sp>
-      <p:sp>
-        <p:nvSpPr>
-          <p:cNvPr id="17" name="箭號: 向下 16">
-            <a:extLst>
-              <a:ext uri="{FF2B5EF4-FFF2-40B4-BE49-F238E27FC236}">
-                <a16:creationId xmlns:a16="http://schemas.microsoft.com/office/drawing/2014/main" id="{ABDE700D-8183-4279-9481-B497130722CB}"/>
-              </a:ext>
-            </a:extLst>
-          </p:cNvPr>
-          <p:cNvSpPr/>
-          <p:nvPr/>
-        </p:nvSpPr>
-        <p:spPr>
-          <a:xfrm>
-            <a:off x="4758542" y="3087193"/>
-            <a:ext cx="337352" cy="450809"/>
-          </a:xfrm>
-          <a:prstGeom prst="downArrow">
-            <a:avLst/>
-          </a:prstGeom>
-          <a:ln>
-            <a:noFill/>
-          </a:ln>
-        </p:spPr>
-        <p:style>
-          <a:lnRef idx="3">
-            <a:schemeClr val="lt1"/>
-          </a:lnRef>
-          <a:fillRef idx="1">
-            <a:schemeClr val="accent6"/>
-          </a:fillRef>
-          <a:effectRef idx="1">
-            <a:schemeClr val="accent6"/>
-          </a:effectRef>
-          <a:fontRef idx="minor">
-            <a:schemeClr val="lt1"/>
-          </a:fontRef>
-        </p:style>
-        <p:txBody>
-          <a:bodyPr rtlCol="0" anchor="ctr"/>
-          <a:lstStyle/>
-          <a:p>
-            <a:pPr algn="ctr"/>
-            <a:endParaRPr lang="zh-TW" altLang="en-US"/>
-          </a:p>
-        </p:txBody>
-      </p:sp>
-      <p:sp>
-        <p:nvSpPr>
-          <p:cNvPr id="19" name="箭號: 向下 18">
-            <a:extLst>
-              <a:ext uri="{FF2B5EF4-FFF2-40B4-BE49-F238E27FC236}">
-                <a16:creationId xmlns:a16="http://schemas.microsoft.com/office/drawing/2014/main" id="{BCA188D4-791C-4BE1-86A5-F9DCA0D77F68}"/>
-              </a:ext>
-            </a:extLst>
-          </p:cNvPr>
-          <p:cNvSpPr/>
-          <p:nvPr/>
-        </p:nvSpPr>
-        <p:spPr>
-          <a:xfrm rot="16200000">
-            <a:off x="7513189" y="732587"/>
-            <a:ext cx="337823" cy="3882794"/>
-          </a:xfrm>
-          <a:prstGeom prst="downArrow">
-            <a:avLst/>
-          </a:prstGeom>
-          <a:ln>
-            <a:noFill/>
-          </a:ln>
-        </p:spPr>
-        <p:style>
-          <a:lnRef idx="3">
-            <a:schemeClr val="lt1"/>
-          </a:lnRef>
-          <a:fillRef idx="1">
-            <a:schemeClr val="accent6"/>
-          </a:fillRef>
-          <a:effectRef idx="1">
-            <a:schemeClr val="accent6"/>
-          </a:effectRef>
-          <a:fontRef idx="minor">
-            <a:schemeClr val="lt1"/>
-          </a:fontRef>
-        </p:style>
-        <p:txBody>
-          <a:bodyPr rtlCol="0" anchor="ctr"/>
-          <a:lstStyle/>
-          <a:p>
-            <a:pPr algn="ctr"/>
-            <a:endParaRPr lang="zh-TW" altLang="en-US"/>
-          </a:p>
-        </p:txBody>
-      </p:sp>
-      <p:sp>
-        <p:nvSpPr>
-          <p:cNvPr id="20" name="矩形: 圓角 19">
-            <a:extLst>
-              <a:ext uri="{FF2B5EF4-FFF2-40B4-BE49-F238E27FC236}">
-                <a16:creationId xmlns:a16="http://schemas.microsoft.com/office/drawing/2014/main" id="{31857E2A-CE72-4393-A726-7188FA6BAF6B}"/>
-              </a:ext>
-            </a:extLst>
-          </p:cNvPr>
-          <p:cNvSpPr/>
-          <p:nvPr/>
-        </p:nvSpPr>
-        <p:spPr>
-          <a:xfrm>
-            <a:off x="9650773" y="2378716"/>
-            <a:ext cx="992723" cy="708477"/>
-          </a:xfrm>
-          <a:prstGeom prst="roundRect">
-            <a:avLst/>
-          </a:prstGeom>
-          <a:ln w="28575"/>
-        </p:spPr>
-        <p:style>
-          <a:lnRef idx="2">
-            <a:schemeClr val="accent6"/>
-          </a:lnRef>
-          <a:fillRef idx="1">
-            <a:schemeClr val="lt1"/>
-          </a:fillRef>
-          <a:effectRef idx="0">
-            <a:schemeClr val="accent6"/>
-          </a:effectRef>
-          <a:fontRef idx="minor">
-            <a:schemeClr val="dk1"/>
-          </a:fontRef>
-        </p:style>
-        <p:txBody>
-          <a:bodyPr rtlCol="0" anchor="t"/>
-          <a:lstStyle/>
-          <a:p>
-            <a:pPr algn="ctr"/>
-            <a:r>
-              <a:rPr lang="en-US" altLang="zh-TW" dirty="0" err="1">
-                <a:ea typeface="標楷體" panose="03000509000000000000" pitchFamily="65" charset="-120"/>
-              </a:rPr>
-              <a:t>Hsync</a:t>
-            </a:r>
-            <a:r>
-              <a:rPr lang="en-US" altLang="zh-TW" dirty="0">
-                <a:ea typeface="標楷體" panose="03000509000000000000" pitchFamily="65" charset="-120"/>
-              </a:rPr>
-              <a:t>,</a:t>
-            </a:r>
-          </a:p>
-          <a:p>
-            <a:pPr algn="ctr"/>
-            <a:r>
-              <a:rPr lang="en-US" altLang="zh-TW" dirty="0" err="1">
-                <a:ea typeface="標楷體" panose="03000509000000000000" pitchFamily="65" charset="-120"/>
-              </a:rPr>
-              <a:t>Vsync</a:t>
-            </a:r>
-            <a:endParaRPr lang="en-US" altLang="zh-TW" dirty="0">
-              <a:ea typeface="標楷體" panose="03000509000000000000" pitchFamily="65" charset="-120"/>
-            </a:endParaRPr>
-          </a:p>
-        </p:txBody>
-      </p:sp>
-      <p:sp>
-        <p:nvSpPr>
-          <p:cNvPr id="21" name="矩形: 圓角 20">
-            <a:extLst>
-              <a:ext uri="{FF2B5EF4-FFF2-40B4-BE49-F238E27FC236}">
-                <a16:creationId xmlns:a16="http://schemas.microsoft.com/office/drawing/2014/main" id="{6D14840B-B536-4728-9608-04CC50AEEA86}"/>
-              </a:ext>
-            </a:extLst>
-          </p:cNvPr>
-          <p:cNvSpPr/>
-          <p:nvPr/>
-        </p:nvSpPr>
-        <p:spPr>
-          <a:xfrm>
-            <a:off x="9367774" y="3429372"/>
-            <a:ext cx="1639956" cy="1003391"/>
-          </a:xfrm>
-          <a:prstGeom prst="roundRect">
-            <a:avLst/>
-          </a:prstGeom>
-          <a:ln w="28575"/>
-        </p:spPr>
-        <p:style>
-          <a:lnRef idx="2">
-            <a:schemeClr val="accent6"/>
-          </a:lnRef>
-          <a:fillRef idx="1">
-            <a:schemeClr val="lt1"/>
-          </a:fillRef>
-          <a:effectRef idx="0">
-            <a:schemeClr val="accent6"/>
-          </a:effectRef>
-          <a:fontRef idx="minor">
-            <a:schemeClr val="dk1"/>
-          </a:fontRef>
-        </p:style>
-        <p:txBody>
-          <a:bodyPr rtlCol="0" anchor="t"/>
-          <a:lstStyle/>
-          <a:p>
-            <a:r>
-              <a:rPr lang="en-US" altLang="zh-TW" dirty="0" err="1">
-                <a:ea typeface="標楷體" panose="03000509000000000000" pitchFamily="65" charset="-120"/>
-              </a:rPr>
-              <a:t>VGA_Red</a:t>
-            </a:r>
-            <a:r>
-              <a:rPr lang="en-US" altLang="zh-TW" dirty="0">
-                <a:ea typeface="標楷體" panose="03000509000000000000" pitchFamily="65" charset="-120"/>
-              </a:rPr>
-              <a:t>[3],</a:t>
-            </a:r>
-          </a:p>
-          <a:p>
-            <a:r>
-              <a:rPr lang="en-US" altLang="zh-TW" dirty="0" err="1">
-                <a:ea typeface="標楷體" panose="03000509000000000000" pitchFamily="65" charset="-120"/>
-              </a:rPr>
-              <a:t>VGA_Grn</a:t>
-            </a:r>
-            <a:r>
-              <a:rPr lang="en-US" altLang="zh-TW" dirty="0">
-                <a:ea typeface="標楷體" panose="03000509000000000000" pitchFamily="65" charset="-120"/>
-              </a:rPr>
-              <a:t>[3],</a:t>
-            </a:r>
-          </a:p>
-          <a:p>
-            <a:r>
-              <a:rPr lang="en-US" altLang="zh-TW" dirty="0">
-                <a:ea typeface="標楷體" panose="03000509000000000000" pitchFamily="65" charset="-120"/>
-              </a:rPr>
-              <a:t> </a:t>
-            </a:r>
-            <a:r>
-              <a:rPr lang="en-US" altLang="zh-TW" dirty="0" err="1">
-                <a:ea typeface="標楷體" panose="03000509000000000000" pitchFamily="65" charset="-120"/>
-              </a:rPr>
-              <a:t>VGA_Blu</a:t>
-            </a:r>
-            <a:r>
-              <a:rPr lang="en-US" altLang="zh-TW" dirty="0">
-                <a:ea typeface="標楷體" panose="03000509000000000000" pitchFamily="65" charset="-120"/>
-              </a:rPr>
-              <a:t>[2],</a:t>
-            </a:r>
-          </a:p>
-          <a:p>
-            <a:endParaRPr lang="zh-TW" altLang="en-US" dirty="0">
-              <a:ea typeface="標楷體" panose="03000509000000000000" pitchFamily="65" charset="-120"/>
-            </a:endParaRPr>
-          </a:p>
-        </p:txBody>
-      </p:sp>
-      <p:sp>
-        <p:nvSpPr>
-          <p:cNvPr id="23" name="矩形: 圓角 22">
-            <a:extLst>
-              <a:ext uri="{FF2B5EF4-FFF2-40B4-BE49-F238E27FC236}">
-                <a16:creationId xmlns:a16="http://schemas.microsoft.com/office/drawing/2014/main" id="{C8D313AA-BE73-427F-846A-5B32E79686D5}"/>
-              </a:ext>
-            </a:extLst>
-          </p:cNvPr>
-          <p:cNvSpPr/>
-          <p:nvPr/>
-        </p:nvSpPr>
-        <p:spPr>
-          <a:xfrm>
-            <a:off x="3739946" y="4748036"/>
-            <a:ext cx="2374544" cy="696087"/>
-          </a:xfrm>
-          <a:prstGeom prst="roundRect">
-            <a:avLst/>
-          </a:prstGeom>
-          <a:ln w="28575"/>
-        </p:spPr>
-        <p:style>
-          <a:lnRef idx="2">
-            <a:schemeClr val="accent6"/>
-          </a:lnRef>
-          <a:fillRef idx="1">
-            <a:schemeClr val="lt1"/>
-          </a:fillRef>
-          <a:effectRef idx="0">
-            <a:schemeClr val="accent6"/>
-          </a:effectRef>
-          <a:fontRef idx="minor">
-            <a:schemeClr val="dk1"/>
-          </a:fontRef>
-        </p:style>
-        <p:txBody>
-          <a:bodyPr rtlCol="0" anchor="t"/>
-          <a:lstStyle/>
-          <a:p>
-            <a:r>
-              <a:rPr lang="en-US" altLang="zh-TW" dirty="0">
-                <a:ea typeface="標楷體" panose="03000509000000000000" pitchFamily="65" charset="-120"/>
-              </a:rPr>
-              <a:t>padding</a:t>
-            </a:r>
-            <a:r>
-              <a:rPr lang="zh-TW" altLang="en-US" dirty="0">
-                <a:ea typeface="標楷體" panose="03000509000000000000" pitchFamily="65" charset="-120"/>
-              </a:rPr>
-              <a:t>並依序</a:t>
-            </a:r>
-            <a:endParaRPr lang="en-US" altLang="zh-TW" dirty="0">
-              <a:ea typeface="標楷體" panose="03000509000000000000" pitchFamily="65" charset="-120"/>
-            </a:endParaRPr>
-          </a:p>
-          <a:p>
-            <a:r>
-              <a:rPr lang="zh-TW" altLang="en-US" dirty="0">
-                <a:ea typeface="標楷體" panose="03000509000000000000" pitchFamily="65" charset="-120"/>
-              </a:rPr>
-              <a:t>存進</a:t>
-            </a:r>
-            <a:r>
-              <a:rPr lang="en-US" altLang="zh-TW" dirty="0" err="1">
-                <a:ea typeface="標楷體" panose="03000509000000000000" pitchFamily="65" charset="-120"/>
-              </a:rPr>
-              <a:t>cachesystem</a:t>
-            </a:r>
-            <a:endParaRPr lang="zh-TW" altLang="en-US" dirty="0">
-              <a:ea typeface="標楷體" panose="03000509000000000000" pitchFamily="65" charset="-120"/>
-            </a:endParaRPr>
-          </a:p>
-        </p:txBody>
-      </p:sp>
-      <p:sp>
-        <p:nvSpPr>
-          <p:cNvPr id="24" name="箭號: 向下 23">
-            <a:extLst>
-              <a:ext uri="{FF2B5EF4-FFF2-40B4-BE49-F238E27FC236}">
-                <a16:creationId xmlns:a16="http://schemas.microsoft.com/office/drawing/2014/main" id="{33ECE748-26F5-4AB8-AB53-6147AB0079A5}"/>
-              </a:ext>
-            </a:extLst>
-          </p:cNvPr>
-          <p:cNvSpPr/>
-          <p:nvPr/>
-        </p:nvSpPr>
-        <p:spPr>
-          <a:xfrm rot="16200000">
-            <a:off x="8759797" y="3447272"/>
-            <a:ext cx="318822" cy="963735"/>
-          </a:xfrm>
-          <a:prstGeom prst="downArrow">
-            <a:avLst/>
-          </a:prstGeom>
-          <a:ln>
-            <a:noFill/>
-          </a:ln>
-        </p:spPr>
-        <p:style>
-          <a:lnRef idx="3">
-            <a:schemeClr val="lt1"/>
-          </a:lnRef>
-          <a:fillRef idx="1">
-            <a:schemeClr val="accent6"/>
-          </a:fillRef>
-          <a:effectRef idx="1">
-            <a:schemeClr val="accent6"/>
-          </a:effectRef>
-          <a:fontRef idx="minor">
-            <a:schemeClr val="lt1"/>
-          </a:fontRef>
-        </p:style>
-        <p:txBody>
-          <a:bodyPr rtlCol="0" anchor="ctr"/>
-          <a:lstStyle/>
-          <a:p>
-            <a:pPr algn="ctr"/>
-            <a:endParaRPr lang="zh-TW" altLang="en-US"/>
-          </a:p>
-        </p:txBody>
-      </p:sp>
-      <p:sp>
-        <p:nvSpPr>
-          <p:cNvPr id="25" name="矩形: 圓角 24">
-            <a:extLst>
-              <a:ext uri="{FF2B5EF4-FFF2-40B4-BE49-F238E27FC236}">
-                <a16:creationId xmlns:a16="http://schemas.microsoft.com/office/drawing/2014/main" id="{9C7C26B2-77D2-4A43-9144-EA912F7A579B}"/>
-              </a:ext>
-            </a:extLst>
-          </p:cNvPr>
-          <p:cNvSpPr/>
-          <p:nvPr/>
-        </p:nvSpPr>
-        <p:spPr>
-          <a:xfrm>
-            <a:off x="5986254" y="3438041"/>
-            <a:ext cx="2444763" cy="961988"/>
-          </a:xfrm>
-          <a:prstGeom prst="roundRect">
-            <a:avLst/>
-          </a:prstGeom>
-          <a:ln w="28575"/>
-        </p:spPr>
-        <p:style>
-          <a:lnRef idx="2">
-            <a:schemeClr val="accent6"/>
-          </a:lnRef>
-          <a:fillRef idx="1">
-            <a:schemeClr val="lt1"/>
-          </a:fillRef>
-          <a:effectRef idx="0">
-            <a:schemeClr val="accent6"/>
-          </a:effectRef>
-          <a:fontRef idx="minor">
-            <a:schemeClr val="dk1"/>
-          </a:fontRef>
-        </p:style>
-        <p:txBody>
-          <a:bodyPr rtlCol="0" anchor="t"/>
-          <a:lstStyle/>
-          <a:p>
-            <a:r>
-              <a:rPr lang="zh-TW" altLang="en-US" dirty="0">
-                <a:ea typeface="標楷體" panose="03000509000000000000" pitchFamily="65" charset="-120"/>
-              </a:rPr>
-              <a:t>依計數器對應之位置</a:t>
-            </a:r>
-            <a:endParaRPr lang="en-US" altLang="zh-TW" dirty="0">
-              <a:ea typeface="標楷體" panose="03000509000000000000" pitchFamily="65" charset="-120"/>
-            </a:endParaRPr>
-          </a:p>
-          <a:p>
-            <a:r>
-              <a:rPr lang="zh-TW" altLang="en-US" dirty="0">
-                <a:ea typeface="標楷體" panose="03000509000000000000" pitchFamily="65" charset="-120"/>
-              </a:rPr>
-              <a:t>對</a:t>
-            </a:r>
-            <a:r>
-              <a:rPr lang="en-US" altLang="zh-TW" dirty="0">
-                <a:ea typeface="標楷體" panose="03000509000000000000" pitchFamily="65" charset="-120"/>
-              </a:rPr>
-              <a:t>Sobel kernel</a:t>
-            </a:r>
-            <a:r>
-              <a:rPr lang="zh-TW" altLang="en-US" dirty="0">
-                <a:ea typeface="標楷體" panose="03000509000000000000" pitchFamily="65" charset="-120"/>
-              </a:rPr>
-              <a:t>、</a:t>
-            </a:r>
-            <a:endParaRPr lang="en-US" altLang="zh-TW" dirty="0">
-              <a:ea typeface="標楷體" panose="03000509000000000000" pitchFamily="65" charset="-120"/>
-            </a:endParaRPr>
-          </a:p>
-          <a:p>
-            <a:r>
-              <a:rPr lang="en-US" altLang="zh-TW" dirty="0" err="1">
-                <a:ea typeface="標楷體" panose="03000509000000000000" pitchFamily="65" charset="-120"/>
-              </a:rPr>
-              <a:t>cachesystem</a:t>
-            </a:r>
-            <a:r>
-              <a:rPr lang="zh-TW" altLang="en-US" dirty="0">
-                <a:ea typeface="標楷體" panose="03000509000000000000" pitchFamily="65" charset="-120"/>
-              </a:rPr>
-              <a:t>做卷積</a:t>
-            </a:r>
-          </a:p>
-        </p:txBody>
-      </p:sp>
-      <p:sp>
-        <p:nvSpPr>
-          <p:cNvPr id="28" name="文字方塊 27">
-            <a:extLst>
-              <a:ext uri="{FF2B5EF4-FFF2-40B4-BE49-F238E27FC236}">
-                <a16:creationId xmlns:a16="http://schemas.microsoft.com/office/drawing/2014/main" id="{4EAC2321-91CF-4F2A-9B5F-49EE4E4762CF}"/>
-              </a:ext>
-            </a:extLst>
-          </p:cNvPr>
-          <p:cNvSpPr txBox="1"/>
-          <p:nvPr/>
-        </p:nvSpPr>
-        <p:spPr>
-          <a:xfrm>
-            <a:off x="5152962" y="1656118"/>
-            <a:ext cx="1349405" cy="338554"/>
-          </a:xfrm>
-          <a:prstGeom prst="rect">
-            <a:avLst/>
-          </a:prstGeom>
-          <a:noFill/>
-        </p:spPr>
-        <p:txBody>
-          <a:bodyPr wrap="square" rtlCol="0">
-            <a:spAutoFit/>
-          </a:bodyPr>
-          <a:lstStyle/>
-          <a:p>
-            <a:pPr lvl="1"/>
-            <a:r>
-              <a:rPr lang="en-US" altLang="zh-TW" sz="1600" dirty="0">
+          </p:spPr>
+          <p:txBody>
+            <a:bodyPr wrap="square" rtlCol="0">
+              <a:spAutoFit/>
+            </a:bodyPr>
+            <a:lstStyle/>
+            <a:p>
+              <a:pPr lvl="1"/>
+              <a:r>
+                <a:rPr lang="en-US" altLang="zh-TW" sz="1600" dirty="0">
+                  <a:latin typeface="Times New Roman" panose="02020603050405020304" pitchFamily="18" charset="0"/>
+                  <a:ea typeface="標楷體" panose="03000509000000000000" pitchFamily="65" charset="-120"/>
+                </a:rPr>
+                <a:t>FPGA</a:t>
+              </a:r>
+              <a:endParaRPr lang="zh-TW" altLang="en-US" sz="1600" dirty="0">
                 <a:latin typeface="Times New Roman" panose="02020603050405020304" pitchFamily="18" charset="0"/>
                 <a:ea typeface="標楷體" panose="03000509000000000000" pitchFamily="65" charset="-120"/>
-              </a:rPr>
-              <a:t>FPGA</a:t>
-            </a:r>
-            <a:endParaRPr lang="zh-TW" altLang="en-US" sz="1600" dirty="0">
-              <a:latin typeface="Times New Roman" panose="02020603050405020304" pitchFamily="18" charset="0"/>
-              <a:ea typeface="標楷體" panose="03000509000000000000" pitchFamily="65" charset="-120"/>
-            </a:endParaRPr>
-          </a:p>
-        </p:txBody>
-      </p:sp>
-      <p:sp>
-        <p:nvSpPr>
-          <p:cNvPr id="29" name="箭號: 向下 28">
-            <a:extLst>
-              <a:ext uri="{FF2B5EF4-FFF2-40B4-BE49-F238E27FC236}">
-                <a16:creationId xmlns:a16="http://schemas.microsoft.com/office/drawing/2014/main" id="{96944051-808C-45B4-8CCC-03A048F0190A}"/>
-              </a:ext>
-            </a:extLst>
-          </p:cNvPr>
-          <p:cNvSpPr/>
-          <p:nvPr/>
-        </p:nvSpPr>
-        <p:spPr>
-          <a:xfrm>
-            <a:off x="4731560" y="4294197"/>
-            <a:ext cx="337352" cy="428840"/>
-          </a:xfrm>
-          <a:prstGeom prst="downArrow">
-            <a:avLst/>
-          </a:prstGeom>
-          <a:ln>
-            <a:noFill/>
-          </a:ln>
-        </p:spPr>
-        <p:style>
-          <a:lnRef idx="3">
-            <a:schemeClr val="lt1"/>
-          </a:lnRef>
-          <a:fillRef idx="1">
-            <a:schemeClr val="accent6"/>
-          </a:fillRef>
-          <a:effectRef idx="1">
-            <a:schemeClr val="accent6"/>
-          </a:effectRef>
-          <a:fontRef idx="minor">
-            <a:schemeClr val="lt1"/>
-          </a:fontRef>
-        </p:style>
-        <p:txBody>
-          <a:bodyPr rtlCol="0" anchor="ctr"/>
-          <a:lstStyle/>
-          <a:p>
-            <a:pPr algn="ctr"/>
-            <a:endParaRPr lang="zh-TW" altLang="en-US"/>
-          </a:p>
-        </p:txBody>
-      </p:sp>
-      <p:sp>
-        <p:nvSpPr>
-          <p:cNvPr id="2" name="箭號: 彎曲 1">
-            <a:extLst>
-              <a:ext uri="{FF2B5EF4-FFF2-40B4-BE49-F238E27FC236}">
-                <a16:creationId xmlns:a16="http://schemas.microsoft.com/office/drawing/2014/main" id="{97321324-E2FD-4046-BB97-01798CB47FFE}"/>
-              </a:ext>
-            </a:extLst>
-          </p:cNvPr>
-          <p:cNvSpPr/>
-          <p:nvPr/>
-        </p:nvSpPr>
-        <p:spPr>
-          <a:xfrm rot="5400000" flipH="1">
-            <a:off x="6312463" y="4202999"/>
-            <a:ext cx="836420" cy="1232369"/>
-          </a:xfrm>
-          <a:prstGeom prst="bentArrow">
-            <a:avLst/>
-          </a:prstGeom>
-        </p:spPr>
-        <p:style>
-          <a:lnRef idx="2">
-            <a:schemeClr val="accent1">
-              <a:shade val="50000"/>
-            </a:schemeClr>
-          </a:lnRef>
-          <a:fillRef idx="1">
-            <a:schemeClr val="accent1"/>
-          </a:fillRef>
-          <a:effectRef idx="0">
-            <a:schemeClr val="accent1"/>
-          </a:effectRef>
-          <a:fontRef idx="minor">
-            <a:schemeClr val="lt1"/>
-          </a:fontRef>
-        </p:style>
-        <p:txBody>
-          <a:bodyPr rtlCol="0" anchor="ctr"/>
-          <a:lstStyle/>
-          <a:p>
-            <a:pPr algn="ctr"/>
-            <a:endParaRPr lang="zh-TW" altLang="en-US">
-              <a:solidFill>
-                <a:schemeClr val="tx1"/>
-              </a:solidFill>
-            </a:endParaRPr>
-          </a:p>
-        </p:txBody>
-      </p:sp>
+              </a:endParaRPr>
+            </a:p>
+          </p:txBody>
+        </p:sp>
+        <p:sp>
+          <p:nvSpPr>
+            <p:cNvPr id="29" name="箭號: 向下 28">
+              <a:extLst>
+                <a:ext uri="{FF2B5EF4-FFF2-40B4-BE49-F238E27FC236}">
+                  <a16:creationId xmlns:a16="http://schemas.microsoft.com/office/drawing/2014/main" id="{96944051-808C-45B4-8CCC-03A048F0190A}"/>
+                </a:ext>
+              </a:extLst>
+            </p:cNvPr>
+            <p:cNvSpPr/>
+            <p:nvPr/>
+          </p:nvSpPr>
+          <p:spPr>
+            <a:xfrm>
+              <a:off x="4731560" y="4294197"/>
+              <a:ext cx="337352" cy="428840"/>
+            </a:xfrm>
+            <a:prstGeom prst="downArrow">
+              <a:avLst/>
+            </a:prstGeom>
+            <a:ln>
+              <a:noFill/>
+            </a:ln>
+          </p:spPr>
+          <p:style>
+            <a:lnRef idx="3">
+              <a:schemeClr val="lt1"/>
+            </a:lnRef>
+            <a:fillRef idx="1">
+              <a:schemeClr val="accent6"/>
+            </a:fillRef>
+            <a:effectRef idx="1">
+              <a:schemeClr val="accent6"/>
+            </a:effectRef>
+            <a:fontRef idx="minor">
+              <a:schemeClr val="lt1"/>
+            </a:fontRef>
+          </p:style>
+          <p:txBody>
+            <a:bodyPr rtlCol="0" anchor="ctr"/>
+            <a:lstStyle/>
+            <a:p>
+              <a:pPr algn="ctr"/>
+              <a:endParaRPr lang="zh-TW" altLang="en-US"/>
+            </a:p>
+          </p:txBody>
+        </p:sp>
+        <p:sp>
+          <p:nvSpPr>
+            <p:cNvPr id="2" name="箭號: 彎曲 1">
+              <a:extLst>
+                <a:ext uri="{FF2B5EF4-FFF2-40B4-BE49-F238E27FC236}">
+                  <a16:creationId xmlns:a16="http://schemas.microsoft.com/office/drawing/2014/main" id="{97321324-E2FD-4046-BB97-01798CB47FFE}"/>
+                </a:ext>
+              </a:extLst>
+            </p:cNvPr>
+            <p:cNvSpPr/>
+            <p:nvPr/>
+          </p:nvSpPr>
+          <p:spPr>
+            <a:xfrm rot="5400000" flipH="1">
+              <a:off x="6312463" y="4202999"/>
+              <a:ext cx="836420" cy="1232369"/>
+            </a:xfrm>
+            <a:prstGeom prst="bentArrow">
+              <a:avLst/>
+            </a:prstGeom>
+          </p:spPr>
+          <p:style>
+            <a:lnRef idx="2">
+              <a:schemeClr val="accent1">
+                <a:shade val="50000"/>
+              </a:schemeClr>
+            </a:lnRef>
+            <a:fillRef idx="1">
+              <a:schemeClr val="accent1"/>
+            </a:fillRef>
+            <a:effectRef idx="0">
+              <a:schemeClr val="accent1"/>
+            </a:effectRef>
+            <a:fontRef idx="minor">
+              <a:schemeClr val="lt1"/>
+            </a:fontRef>
+          </p:style>
+          <p:txBody>
+            <a:bodyPr rtlCol="0" anchor="ctr"/>
+            <a:lstStyle/>
+            <a:p>
+              <a:pPr algn="ctr"/>
+              <a:endParaRPr lang="zh-TW" altLang="en-US">
+                <a:solidFill>
+                  <a:schemeClr val="tx1"/>
+                </a:solidFill>
+              </a:endParaRPr>
+            </a:p>
+          </p:txBody>
+        </p:sp>
+      </p:grpSp>
     </p:spTree>
     <p:extLst>
       <p:ext uri="{BB962C8B-B14F-4D97-AF65-F5344CB8AC3E}">
@@ -7463,7 +8045,7 @@
 </p:sld>
 </file>
 
-<file path=ppt/slides/slide12.xml><?xml version="1.0" encoding="utf-8"?>
+<file path=ppt/slides/slide13.xml><?xml version="1.0" encoding="utf-8"?>
 <p:sld xmlns:a="http://schemas.openxmlformats.org/drawingml/2006/main" xmlns:r="http://schemas.openxmlformats.org/officeDocument/2006/relationships" xmlns:p="http://schemas.openxmlformats.org/presentationml/2006/main">
   <p:cSld>
     <p:spTree>
@@ -7836,7 +8418,397 @@
 </p:sld>
 </file>
 
-<file path=ppt/slides/slide13.xml><?xml version="1.0" encoding="utf-8"?>
+<file path=ppt/slides/slide14.xml><?xml version="1.0" encoding="utf-8"?>
+<p:sld xmlns:a="http://schemas.openxmlformats.org/drawingml/2006/main" xmlns:r="http://schemas.openxmlformats.org/officeDocument/2006/relationships" xmlns:p="http://schemas.openxmlformats.org/presentationml/2006/main">
+  <p:cSld>
+    <p:spTree>
+      <p:nvGrpSpPr>
+        <p:cNvPr id="1" name=""/>
+        <p:cNvGrpSpPr/>
+        <p:nvPr/>
+      </p:nvGrpSpPr>
+      <p:grpSpPr>
+        <a:xfrm>
+          <a:off x="0" y="0"/>
+          <a:ext cx="0" cy="0"/>
+          <a:chOff x="0" y="0"/>
+          <a:chExt cx="0" cy="0"/>
+        </a:xfrm>
+      </p:grpSpPr>
+      <p:sp>
+        <p:nvSpPr>
+          <p:cNvPr id="3" name="標題 2"/>
+          <p:cNvSpPr>
+            <a:spLocks noGrp="1"/>
+          </p:cNvSpPr>
+          <p:nvPr>
+            <p:ph type="title"/>
+          </p:nvPr>
+        </p:nvSpPr>
+        <p:spPr>
+          <a:xfrm>
+            <a:off x="838200" y="329614"/>
+            <a:ext cx="10515600" cy="720000"/>
+          </a:xfrm>
+        </p:spPr>
+        <p:txBody>
+          <a:bodyPr>
+            <a:normAutofit/>
+          </a:bodyPr>
+          <a:lstStyle/>
+          <a:p>
+            <a:r>
+              <a:rPr lang="zh-TW" altLang="en-US" sz="4000" dirty="0"/>
+              <a:t>專案架構圖 </a:t>
+            </a:r>
+            <a:r>
+              <a:rPr lang="en-US" altLang="zh-TW" sz="4000" dirty="0"/>
+              <a:t>–</a:t>
+            </a:r>
+            <a:r>
+              <a:rPr lang="zh-TW" altLang="en-US" sz="4000" dirty="0"/>
+              <a:t> </a:t>
+            </a:r>
+            <a:r>
+              <a:rPr lang="zh-TW" altLang="en-US" sz="4000" dirty="0">
+                <a:latin typeface="標楷體" panose="03000509000000000000" pitchFamily="65" charset="-120"/>
+                <a:ea typeface="標楷體" panose="03000509000000000000" pitchFamily="65" charset="-120"/>
+              </a:rPr>
+              <a:t>方塊圖</a:t>
+            </a:r>
+            <a:r>
+              <a:rPr lang="en-US" altLang="zh-TW" sz="4000" dirty="0"/>
+              <a:t>(2023/5/31</a:t>
+            </a:r>
+            <a:r>
+              <a:rPr lang="zh-TW" altLang="en-US" sz="4000" dirty="0"/>
+              <a:t>更新</a:t>
+            </a:r>
+            <a:r>
+              <a:rPr lang="en-US" altLang="zh-TW" sz="4000" dirty="0"/>
+              <a:t>)</a:t>
+            </a:r>
+            <a:endParaRPr lang="zh-TW" altLang="en-US" sz="4000" dirty="0"/>
+          </a:p>
+        </p:txBody>
+      </p:sp>
+      <p:sp>
+        <p:nvSpPr>
+          <p:cNvPr id="4" name="文字方塊 3">
+            <a:extLst>
+              <a:ext uri="{FF2B5EF4-FFF2-40B4-BE49-F238E27FC236}">
+                <a16:creationId xmlns:a16="http://schemas.microsoft.com/office/drawing/2014/main" id="{3B666394-AEC8-471C-8F95-8308C72E30DF}"/>
+              </a:ext>
+            </a:extLst>
+          </p:cNvPr>
+          <p:cNvSpPr txBox="1"/>
+          <p:nvPr/>
+        </p:nvSpPr>
+        <p:spPr>
+          <a:xfrm>
+            <a:off x="1509205" y="1459059"/>
+            <a:ext cx="3808520" cy="1815882"/>
+          </a:xfrm>
+          <a:prstGeom prst="rect">
+            <a:avLst/>
+          </a:prstGeom>
+          <a:noFill/>
+        </p:spPr>
+        <p:txBody>
+          <a:bodyPr wrap="square" rtlCol="0">
+            <a:spAutoFit/>
+          </a:bodyPr>
+          <a:lstStyle/>
+          <a:p>
+            <a:pPr marL="742950" lvl="1" indent="-285750">
+              <a:buFont typeface="Arial" panose="020B0604020202020204" pitchFamily="34" charset="0"/>
+              <a:buChar char="•"/>
+            </a:pPr>
+            <a:r>
+              <a:rPr lang="en-US" altLang="zh-TW" sz="1600" dirty="0">
+                <a:latin typeface="Times New Roman" panose="02020603050405020304" pitchFamily="18" charset="0"/>
+                <a:ea typeface="標楷體" panose="03000509000000000000" pitchFamily="65" charset="-120"/>
+              </a:rPr>
+              <a:t>RTL</a:t>
+            </a:r>
+          </a:p>
+          <a:p>
+            <a:pPr marL="1200150" lvl="2" indent="-285750">
+              <a:buFont typeface="Arial" panose="020B0604020202020204" pitchFamily="34" charset="0"/>
+              <a:buChar char="•"/>
+            </a:pPr>
+            <a:r>
+              <a:rPr lang="zh-TW" altLang="en-US" sz="1600" dirty="0">
+                <a:latin typeface="Times New Roman" panose="02020603050405020304" pitchFamily="18" charset="0"/>
+                <a:ea typeface="標楷體" panose="03000509000000000000" pitchFamily="65" charset="-120"/>
+              </a:rPr>
+              <a:t>除頻</a:t>
+            </a:r>
+            <a:endParaRPr lang="en-US" altLang="zh-TW" sz="1600" dirty="0">
+              <a:latin typeface="Times New Roman" panose="02020603050405020304" pitchFamily="18" charset="0"/>
+              <a:ea typeface="標楷體" panose="03000509000000000000" pitchFamily="65" charset="-120"/>
+            </a:endParaRPr>
+          </a:p>
+          <a:p>
+            <a:pPr marL="1200150" lvl="2" indent="-285750">
+              <a:buFont typeface="Arial" panose="020B0604020202020204" pitchFamily="34" charset="0"/>
+              <a:buChar char="•"/>
+            </a:pPr>
+            <a:r>
+              <a:rPr lang="en-US" altLang="zh-TW" sz="1600" dirty="0" err="1">
+                <a:latin typeface="Times New Roman" panose="02020603050405020304" pitchFamily="18" charset="0"/>
+                <a:ea typeface="標楷體" panose="03000509000000000000" pitchFamily="65" charset="-120"/>
+              </a:rPr>
+              <a:t>sync_pulse</a:t>
+            </a:r>
+            <a:endParaRPr lang="en-US" altLang="zh-TW" sz="1600" dirty="0">
+              <a:latin typeface="Times New Roman" panose="02020603050405020304" pitchFamily="18" charset="0"/>
+              <a:ea typeface="標楷體" panose="03000509000000000000" pitchFamily="65" charset="-120"/>
+            </a:endParaRPr>
+          </a:p>
+          <a:p>
+            <a:pPr marL="1200150" lvl="2" indent="-285750">
+              <a:buFont typeface="Arial" panose="020B0604020202020204" pitchFamily="34" charset="0"/>
+              <a:buChar char="•"/>
+            </a:pPr>
+            <a:r>
+              <a:rPr lang="en-US" altLang="zh-TW" sz="1600" dirty="0" err="1">
+                <a:latin typeface="Times New Roman" panose="02020603050405020304" pitchFamily="18" charset="0"/>
+                <a:ea typeface="標楷體" panose="03000509000000000000" pitchFamily="65" charset="-120"/>
+              </a:rPr>
+              <a:t>sync_to_count</a:t>
+            </a:r>
+            <a:endParaRPr lang="en-US" altLang="zh-TW" sz="1600" dirty="0">
+              <a:latin typeface="Times New Roman" panose="02020603050405020304" pitchFamily="18" charset="0"/>
+              <a:ea typeface="標楷體" panose="03000509000000000000" pitchFamily="65" charset="-120"/>
+            </a:endParaRPr>
+          </a:p>
+          <a:p>
+            <a:pPr marL="1200150" lvl="2" indent="-285750">
+              <a:buFont typeface="Arial" panose="020B0604020202020204" pitchFamily="34" charset="0"/>
+              <a:buChar char="•"/>
+            </a:pPr>
+            <a:r>
+              <a:rPr lang="en-US" altLang="zh-TW" sz="1600" dirty="0" err="1">
+                <a:latin typeface="Times New Roman" panose="02020603050405020304" pitchFamily="18" charset="0"/>
+                <a:ea typeface="標楷體" panose="03000509000000000000" pitchFamily="65" charset="-120"/>
+              </a:rPr>
+              <a:t>Bram_gary</a:t>
+            </a:r>
+            <a:r>
+              <a:rPr lang="en-US" altLang="zh-TW" sz="1600" dirty="0">
+                <a:latin typeface="Times New Roman" panose="02020603050405020304" pitchFamily="18" charset="0"/>
+                <a:ea typeface="標楷體" panose="03000509000000000000" pitchFamily="65" charset="-120"/>
+              </a:rPr>
+              <a:t> (.COE)</a:t>
+            </a:r>
+          </a:p>
+          <a:p>
+            <a:pPr marL="1200150" lvl="2" indent="-285750">
+              <a:buFont typeface="Arial" panose="020B0604020202020204" pitchFamily="34" charset="0"/>
+              <a:buChar char="•"/>
+            </a:pPr>
+            <a:endParaRPr lang="en-US" altLang="zh-TW" sz="1600" dirty="0">
+              <a:latin typeface="Times New Roman" panose="02020603050405020304" pitchFamily="18" charset="0"/>
+              <a:ea typeface="標楷體" panose="03000509000000000000" pitchFamily="65" charset="-120"/>
+            </a:endParaRPr>
+          </a:p>
+          <a:p>
+            <a:pPr marL="1200150" lvl="2" indent="-285750">
+              <a:buFont typeface="Arial" panose="020B0604020202020204" pitchFamily="34" charset="0"/>
+              <a:buChar char="•"/>
+            </a:pPr>
+            <a:endParaRPr lang="en-US" altLang="zh-TW" sz="1600" dirty="0">
+              <a:latin typeface="Times New Roman" panose="02020603050405020304" pitchFamily="18" charset="0"/>
+              <a:ea typeface="標楷體" panose="03000509000000000000" pitchFamily="65" charset="-120"/>
+            </a:endParaRPr>
+          </a:p>
+        </p:txBody>
+      </p:sp>
+      <p:pic>
+        <p:nvPicPr>
+          <p:cNvPr id="8" name="圖片 7">
+            <a:extLst>
+              <a:ext uri="{FF2B5EF4-FFF2-40B4-BE49-F238E27FC236}">
+                <a16:creationId xmlns:a16="http://schemas.microsoft.com/office/drawing/2014/main" id="{0CE1B584-442C-4682-8203-BB033110CACE}"/>
+              </a:ext>
+            </a:extLst>
+          </p:cNvPr>
+          <p:cNvPicPr>
+            <a:picLocks noChangeAspect="1"/>
+          </p:cNvPicPr>
+          <p:nvPr/>
+        </p:nvPicPr>
+        <p:blipFill>
+          <a:blip r:embed="rId2"/>
+          <a:stretch>
+            <a:fillRect/>
+          </a:stretch>
+        </p:blipFill>
+        <p:spPr>
+          <a:xfrm rot="5400000" flipH="1">
+            <a:off x="172653" y="1849651"/>
+            <a:ext cx="162090" cy="468581"/>
+          </a:xfrm>
+          <a:prstGeom prst="rect">
+            <a:avLst/>
+          </a:prstGeom>
+        </p:spPr>
+      </p:pic>
+      <p:sp>
+        <p:nvSpPr>
+          <p:cNvPr id="7" name="文字方塊 6">
+            <a:extLst>
+              <a:ext uri="{FF2B5EF4-FFF2-40B4-BE49-F238E27FC236}">
+                <a16:creationId xmlns:a16="http://schemas.microsoft.com/office/drawing/2014/main" id="{6414C650-64EC-4B6F-8D8A-23165979C40A}"/>
+              </a:ext>
+            </a:extLst>
+          </p:cNvPr>
+          <p:cNvSpPr txBox="1"/>
+          <p:nvPr/>
+        </p:nvSpPr>
+        <p:spPr>
+          <a:xfrm>
+            <a:off x="3413465" y="1722284"/>
+            <a:ext cx="6094520" cy="1323439"/>
+          </a:xfrm>
+          <a:prstGeom prst="rect">
+            <a:avLst/>
+          </a:prstGeom>
+          <a:noFill/>
+        </p:spPr>
+        <p:txBody>
+          <a:bodyPr wrap="square">
+            <a:spAutoFit/>
+          </a:bodyPr>
+          <a:lstStyle/>
+          <a:p>
+            <a:pPr marL="1200150" lvl="2" indent="-285750">
+              <a:buFont typeface="Arial" panose="020B0604020202020204" pitchFamily="34" charset="0"/>
+              <a:buChar char="•"/>
+            </a:pPr>
+            <a:r>
+              <a:rPr lang="en-US" altLang="zh-TW" sz="1600" dirty="0" err="1">
+                <a:latin typeface="Times New Roman" panose="02020603050405020304" pitchFamily="18" charset="0"/>
+                <a:ea typeface="標楷體" panose="03000509000000000000" pitchFamily="65" charset="-120"/>
+              </a:rPr>
+              <a:t>sobel_warpper</a:t>
+            </a:r>
+            <a:endParaRPr lang="en-US" altLang="zh-TW" sz="1600" dirty="0">
+              <a:latin typeface="Times New Roman" panose="02020603050405020304" pitchFamily="18" charset="0"/>
+              <a:ea typeface="標楷體" panose="03000509000000000000" pitchFamily="65" charset="-120"/>
+            </a:endParaRPr>
+          </a:p>
+          <a:p>
+            <a:pPr marL="1657350" lvl="3" indent="-285750">
+              <a:buFont typeface="Arial" panose="020B0604020202020204" pitchFamily="34" charset="0"/>
+              <a:buChar char="•"/>
+            </a:pPr>
+            <a:r>
+              <a:rPr lang="en-US" altLang="zh-TW" sz="1600" dirty="0" err="1">
+                <a:latin typeface="Times New Roman" panose="02020603050405020304" pitchFamily="18" charset="0"/>
+                <a:ea typeface="標楷體" panose="03000509000000000000" pitchFamily="65" charset="-120"/>
+              </a:rPr>
+              <a:t>CacheSystem</a:t>
+            </a:r>
+            <a:endParaRPr lang="en-US" altLang="zh-TW" sz="1600" dirty="0">
+              <a:latin typeface="Times New Roman" panose="02020603050405020304" pitchFamily="18" charset="0"/>
+              <a:ea typeface="標楷體" panose="03000509000000000000" pitchFamily="65" charset="-120"/>
+            </a:endParaRPr>
+          </a:p>
+          <a:p>
+            <a:pPr marL="2114550" lvl="4" indent="-285750">
+              <a:buFont typeface="Arial" panose="020B0604020202020204" pitchFamily="34" charset="0"/>
+              <a:buChar char="•"/>
+            </a:pPr>
+            <a:r>
+              <a:rPr lang="en-US" altLang="zh-TW" sz="1600" dirty="0">
+                <a:latin typeface="Times New Roman" panose="02020603050405020304" pitchFamily="18" charset="0"/>
+                <a:ea typeface="標楷體" panose="03000509000000000000" pitchFamily="65" charset="-120"/>
+              </a:rPr>
+              <a:t>line buffer x3</a:t>
+            </a:r>
+          </a:p>
+          <a:p>
+            <a:pPr marL="1657350" lvl="3" indent="-285750">
+              <a:buFont typeface="Arial" panose="020B0604020202020204" pitchFamily="34" charset="0"/>
+              <a:buChar char="•"/>
+            </a:pPr>
+            <a:r>
+              <a:rPr lang="en-US" altLang="zh-TW" sz="1600" dirty="0" err="1">
+                <a:latin typeface="Times New Roman" panose="02020603050405020304" pitchFamily="18" charset="0"/>
+                <a:ea typeface="標楷體" panose="03000509000000000000" pitchFamily="65" charset="-120"/>
+              </a:rPr>
+              <a:t>edge_sobel</a:t>
+            </a:r>
+            <a:endParaRPr lang="en-US" altLang="zh-TW" sz="1600" dirty="0">
+              <a:latin typeface="Times New Roman" panose="02020603050405020304" pitchFamily="18" charset="0"/>
+              <a:ea typeface="標楷體" panose="03000509000000000000" pitchFamily="65" charset="-120"/>
+            </a:endParaRPr>
+          </a:p>
+          <a:p>
+            <a:pPr marL="1200150" lvl="2" indent="-285750">
+              <a:buFont typeface="Arial" panose="020B0604020202020204" pitchFamily="34" charset="0"/>
+              <a:buChar char="•"/>
+            </a:pPr>
+            <a:r>
+              <a:rPr lang="en-US" altLang="zh-TW" sz="1600" dirty="0" err="1">
+                <a:latin typeface="Times New Roman" panose="02020603050405020304" pitchFamily="18" charset="0"/>
+                <a:ea typeface="標楷體" panose="03000509000000000000" pitchFamily="65" charset="-120"/>
+              </a:rPr>
+              <a:t>sync_to_porch</a:t>
+            </a:r>
+            <a:endParaRPr lang="en-US" altLang="zh-TW" sz="1600" dirty="0">
+              <a:latin typeface="Times New Roman" panose="02020603050405020304" pitchFamily="18" charset="0"/>
+              <a:ea typeface="標楷體" panose="03000509000000000000" pitchFamily="65" charset="-120"/>
+            </a:endParaRPr>
+          </a:p>
+        </p:txBody>
+      </p:sp>
+      <p:pic>
+        <p:nvPicPr>
+          <p:cNvPr id="5" name="圖片 4">
+            <a:extLst>
+              <a:ext uri="{FF2B5EF4-FFF2-40B4-BE49-F238E27FC236}">
+                <a16:creationId xmlns:a16="http://schemas.microsoft.com/office/drawing/2014/main" id="{FF4E15A1-B723-46D8-BFF0-8A89D873391C}"/>
+              </a:ext>
+            </a:extLst>
+          </p:cNvPr>
+          <p:cNvPicPr>
+            <a:picLocks noChangeAspect="1"/>
+          </p:cNvPicPr>
+          <p:nvPr/>
+        </p:nvPicPr>
+        <p:blipFill>
+          <a:blip r:embed="rId3"/>
+          <a:stretch>
+            <a:fillRect/>
+          </a:stretch>
+        </p:blipFill>
+        <p:spPr>
+          <a:xfrm>
+            <a:off x="993194" y="3125444"/>
+            <a:ext cx="10205610" cy="2738261"/>
+          </a:xfrm>
+          <a:prstGeom prst="rect">
+            <a:avLst/>
+          </a:prstGeom>
+        </p:spPr>
+      </p:pic>
+    </p:spTree>
+    <p:extLst>
+      <p:ext uri="{BB962C8B-B14F-4D97-AF65-F5344CB8AC3E}">
+        <p14:creationId xmlns:p14="http://schemas.microsoft.com/office/powerpoint/2010/main" val="1951452622"/>
+      </p:ext>
+    </p:extLst>
+  </p:cSld>
+  <p:clrMapOvr>
+    <a:masterClrMapping/>
+  </p:clrMapOvr>
+</p:sld>
+</file>
+
+<file path=ppt/slides/slide15.xml><?xml version="1.0" encoding="utf-8"?>
 <p:sld xmlns:a="http://schemas.openxmlformats.org/drawingml/2006/main" xmlns:r="http://schemas.openxmlformats.org/officeDocument/2006/relationships" xmlns:p="http://schemas.openxmlformats.org/presentationml/2006/main">
   <p:cSld>
     <p:spTree>
@@ -8172,6 +9144,13 @@
             </a:r>
           </a:p>
           <a:p>
+            <a:pPr marL="1200150" lvl="3" indent="-285750"/>
+            <a:r>
+              <a:rPr lang="en-US" altLang="zh-TW" sz="1800" dirty="0"/>
+              <a:t>line buffer</a:t>
+            </a:r>
+          </a:p>
+          <a:p>
             <a:pPr marL="742950" lvl="2" indent="-285750"/>
             <a:r>
               <a:rPr lang="en-US" altLang="zh-TW" sz="1800" dirty="0" err="1">
@@ -8250,7 +9229,7 @@
 </p:sld>
 </file>
 
-<file path=ppt/slides/slide14.xml><?xml version="1.0" encoding="utf-8"?>
+<file path=ppt/slides/slide16.xml><?xml version="1.0" encoding="utf-8"?>
 <p:sld xmlns:a="http://schemas.openxmlformats.org/drawingml/2006/main" xmlns:r="http://schemas.openxmlformats.org/officeDocument/2006/relationships" xmlns:p="http://schemas.openxmlformats.org/presentationml/2006/main">
   <p:cSld>
     <p:spTree>
@@ -8381,7 +9360,21 @@
                 <a:latin typeface="標楷體" panose="03000509000000000000" pitchFamily="65" charset="-120"/>
                 <a:ea typeface="標楷體" panose="03000509000000000000" pitchFamily="65" charset="-120"/>
               </a:rPr>
-              <a:t>: 200x200 (8bits)</a:t>
+              <a:t>: 200x200 (8</a:t>
+            </a:r>
+            <a:r>
+              <a:rPr lang="en-US" altLang="zh-TW" dirty="0">
+                <a:latin typeface="Times New Roman" panose="02020603050405020304" pitchFamily="18" charset="0"/>
+                <a:ea typeface="標楷體" panose="03000509000000000000" pitchFamily="65" charset="-120"/>
+              </a:rPr>
+              <a:t>bits</a:t>
+            </a:r>
+            <a:r>
+              <a:rPr lang="en-US" altLang="zh-TW" dirty="0">
+                <a:latin typeface="標楷體" panose="03000509000000000000" pitchFamily="65" charset="-120"/>
+                <a:ea typeface="標楷體" panose="03000509000000000000" pitchFamily="65" charset="-120"/>
+              </a:rPr>
+              <a:t>)</a:t>
             </a:r>
           </a:p>
           <a:p>
@@ -8492,6 +9485,172 @@
           </a:prstGeom>
         </p:spPr>
       </p:pic>
+      <p:sp>
+        <p:nvSpPr>
+          <p:cNvPr id="6" name="文字方塊 5">
+            <a:extLst>
+              <a:ext uri="{FF2B5EF4-FFF2-40B4-BE49-F238E27FC236}">
+                <a16:creationId xmlns:a16="http://schemas.microsoft.com/office/drawing/2014/main" id="{66A40BB8-D78D-42B6-B36F-19BCB3689F58}"/>
+              </a:ext>
+            </a:extLst>
+          </p:cNvPr>
+          <p:cNvSpPr txBox="1"/>
+          <p:nvPr/>
+        </p:nvSpPr>
+        <p:spPr>
+          <a:xfrm>
+            <a:off x="6877961" y="1552520"/>
+            <a:ext cx="5373306" cy="646331"/>
+          </a:xfrm>
+          <a:prstGeom prst="rect">
+            <a:avLst/>
+          </a:prstGeom>
+          <a:noFill/>
+        </p:spPr>
+        <p:txBody>
+          <a:bodyPr wrap="square">
+            <a:spAutoFit/>
+          </a:bodyPr>
+          <a:lstStyle/>
+          <a:p>
+            <a:pPr marL="285750" indent="-285750">
+              <a:buFont typeface="Arial" panose="020B0604020202020204" pitchFamily="34" charset="0"/>
+              <a:buChar char="•"/>
+            </a:pPr>
+            <a:r>
+              <a:rPr lang="en-US" altLang="zh-TW" sz="1800" dirty="0">
+                <a:ea typeface="Tahoma" panose="020B0604030504040204" pitchFamily="34" charset="0"/>
+              </a:rPr>
+              <a:t>Sobel</a:t>
+            </a:r>
+            <a:endParaRPr lang="en-US" altLang="zh-TW" dirty="0">
+              <a:latin typeface="Times New Roman" panose="02020603050405020304" pitchFamily="18" charset="0"/>
+              <a:ea typeface="Tahoma" panose="020B0604030504040204" pitchFamily="34" charset="0"/>
+            </a:endParaRPr>
+          </a:p>
+          <a:p>
+            <a:pPr marL="742950" lvl="1" indent="-285750">
+              <a:buFont typeface="Arial" panose="020B0604020202020204" pitchFamily="34" charset="0"/>
+              <a:buChar char="•"/>
+            </a:pPr>
+            <a:r>
+              <a:rPr lang="zh-TW" altLang="en-US" dirty="0">
+                <a:latin typeface="標楷體" panose="03000509000000000000" pitchFamily="65" charset="-120"/>
+                <a:ea typeface="標楷體" panose="03000509000000000000" pitchFamily="65" charset="-120"/>
+              </a:rPr>
+              <a:t>頭兩行有加強邊線厚度</a:t>
+            </a:r>
+          </a:p>
+        </p:txBody>
+      </p:sp>
+      <p:sp>
+        <p:nvSpPr>
+          <p:cNvPr id="7" name="矩形 6">
+            <a:extLst>
+              <a:ext uri="{FF2B5EF4-FFF2-40B4-BE49-F238E27FC236}">
+                <a16:creationId xmlns:a16="http://schemas.microsoft.com/office/drawing/2014/main" id="{40EFB5A5-0A95-4E2D-8BF0-572456D65E3C}"/>
+              </a:ext>
+            </a:extLst>
+          </p:cNvPr>
+          <p:cNvSpPr/>
+          <p:nvPr/>
+        </p:nvSpPr>
+        <p:spPr>
+          <a:xfrm rot="5400000">
+            <a:off x="4892845" y="3842981"/>
+            <a:ext cx="1219203" cy="391239"/>
+          </a:xfrm>
+          <a:prstGeom prst="rect">
+            <a:avLst/>
+          </a:prstGeom>
+          <a:noFill/>
+          <a:ln w="28575">
+            <a:solidFill>
+              <a:srgbClr val="FF0000"/>
+            </a:solidFill>
+          </a:ln>
+        </p:spPr>
+        <p:style>
+          <a:lnRef idx="2">
+            <a:schemeClr val="accent1">
+              <a:shade val="50000"/>
+            </a:schemeClr>
+          </a:lnRef>
+          <a:fillRef idx="1">
+            <a:schemeClr val="accent1"/>
+          </a:fillRef>
+          <a:effectRef idx="0">
+            <a:schemeClr val="accent1"/>
+          </a:effectRef>
+          <a:fontRef idx="minor">
+            <a:schemeClr val="lt1"/>
+          </a:fontRef>
+        </p:style>
+        <p:txBody>
+          <a:bodyPr rtlCol="0" anchor="ctr"/>
+          <a:lstStyle/>
+          <a:p>
+            <a:pPr algn="ctr"/>
+            <a:endParaRPr lang="zh-TW" altLang="en-US" dirty="0">
+              <a:noFill/>
+            </a:endParaRPr>
+          </a:p>
+        </p:txBody>
+      </p:sp>
+      <p:sp>
+        <p:nvSpPr>
+          <p:cNvPr id="9" name="矩形 8">
+            <a:extLst>
+              <a:ext uri="{FF2B5EF4-FFF2-40B4-BE49-F238E27FC236}">
+                <a16:creationId xmlns:a16="http://schemas.microsoft.com/office/drawing/2014/main" id="{18F3B7A8-D849-42B6-8EE3-B04782717833}"/>
+              </a:ext>
+            </a:extLst>
+          </p:cNvPr>
+          <p:cNvSpPr/>
+          <p:nvPr/>
+        </p:nvSpPr>
+        <p:spPr>
+          <a:xfrm rot="5400000">
+            <a:off x="7584100" y="3906591"/>
+            <a:ext cx="1219202" cy="391239"/>
+          </a:xfrm>
+          <a:prstGeom prst="rect">
+            <a:avLst/>
+          </a:prstGeom>
+          <a:noFill/>
+          <a:ln w="28575">
+            <a:solidFill>
+              <a:srgbClr val="FF0000"/>
+            </a:solidFill>
+          </a:ln>
+        </p:spPr>
+        <p:style>
+          <a:lnRef idx="2">
+            <a:schemeClr val="accent1">
+              <a:shade val="50000"/>
+            </a:schemeClr>
+          </a:lnRef>
+          <a:fillRef idx="1">
+            <a:schemeClr val="accent1"/>
+          </a:fillRef>
+          <a:effectRef idx="0">
+            <a:schemeClr val="accent1"/>
+          </a:effectRef>
+          <a:fontRef idx="minor">
+            <a:schemeClr val="lt1"/>
+          </a:fontRef>
+        </p:style>
+        <p:txBody>
+          <a:bodyPr rtlCol="0" anchor="ctr"/>
+          <a:lstStyle/>
+          <a:p>
+            <a:pPr algn="ctr"/>
+            <a:endParaRPr lang="zh-TW" altLang="en-US" dirty="0">
+              <a:noFill/>
+            </a:endParaRPr>
+          </a:p>
+        </p:txBody>
+      </p:sp>
     </p:spTree>
     <p:extLst>
       <p:ext uri="{BB962C8B-B14F-4D97-AF65-F5344CB8AC3E}">
@@ -8505,7 +9664,7 @@
 </p:sld>
 </file>
 
-<file path=ppt/slides/slide15.xml><?xml version="1.0" encoding="utf-8"?>
+<file path=ppt/slides/slide17.xml><?xml version="1.0" encoding="utf-8"?>
 <p:sld xmlns:a="http://schemas.openxmlformats.org/drawingml/2006/main" xmlns:r="http://schemas.openxmlformats.org/officeDocument/2006/relationships" xmlns:p="http://schemas.openxmlformats.org/presentationml/2006/main">
   <p:cSld>
     <p:spTree>
@@ -8636,7 +9795,21 @@
                 <a:latin typeface="標楷體" panose="03000509000000000000" pitchFamily="65" charset="-120"/>
                 <a:ea typeface="標楷體" panose="03000509000000000000" pitchFamily="65" charset="-120"/>
               </a:rPr>
-              <a:t>: 200x200 (8bits)</a:t>
+              <a:t>: 200x200 (8</a:t>
+            </a:r>
+            <a:r>
+              <a:rPr lang="en-US" altLang="zh-TW" dirty="0">
+                <a:latin typeface="Times New Roman" panose="02020603050405020304" pitchFamily="18" charset="0"/>
+                <a:ea typeface="標楷體" panose="03000509000000000000" pitchFamily="65" charset="-120"/>
+              </a:rPr>
+              <a:t>bits</a:t>
+            </a:r>
+            <a:r>
+              <a:rPr lang="en-US" altLang="zh-TW" dirty="0">
+                <a:latin typeface="標楷體" panose="03000509000000000000" pitchFamily="65" charset="-120"/>
+                <a:ea typeface="標楷體" panose="03000509000000000000" pitchFamily="65" charset="-120"/>
+              </a:rPr>
+              <a:t>)</a:t>
             </a:r>
           </a:p>
           <a:p>
@@ -8739,7 +9912,7 @@
         </p:blipFill>
         <p:spPr>
           <a:xfrm>
-            <a:off x="1304679" y="2417129"/>
+            <a:off x="1304679" y="2488153"/>
             <a:ext cx="9582642" cy="2749691"/>
           </a:xfrm>
           <a:prstGeom prst="rect">
@@ -8747,6 +9920,172 @@
           </a:prstGeom>
         </p:spPr>
       </p:pic>
+      <p:sp>
+        <p:nvSpPr>
+          <p:cNvPr id="6" name="文字方塊 5">
+            <a:extLst>
+              <a:ext uri="{FF2B5EF4-FFF2-40B4-BE49-F238E27FC236}">
+                <a16:creationId xmlns:a16="http://schemas.microsoft.com/office/drawing/2014/main" id="{B94E81B3-C79D-40DD-8583-AFA1F99C3D58}"/>
+              </a:ext>
+            </a:extLst>
+          </p:cNvPr>
+          <p:cNvSpPr txBox="1"/>
+          <p:nvPr/>
+        </p:nvSpPr>
+        <p:spPr>
+          <a:xfrm>
+            <a:off x="6623961" y="1566461"/>
+            <a:ext cx="5373306" cy="646331"/>
+          </a:xfrm>
+          <a:prstGeom prst="rect">
+            <a:avLst/>
+          </a:prstGeom>
+          <a:noFill/>
+        </p:spPr>
+        <p:txBody>
+          <a:bodyPr wrap="square">
+            <a:spAutoFit/>
+          </a:bodyPr>
+          <a:lstStyle/>
+          <a:p>
+            <a:pPr marL="285750" indent="-285750">
+              <a:buFont typeface="Arial" panose="020B0604020202020204" pitchFamily="34" charset="0"/>
+              <a:buChar char="•"/>
+            </a:pPr>
+            <a:r>
+              <a:rPr lang="en-US" altLang="zh-TW" sz="1800" dirty="0">
+                <a:ea typeface="Tahoma" panose="020B0604030504040204" pitchFamily="34" charset="0"/>
+              </a:rPr>
+              <a:t>Sobel</a:t>
+            </a:r>
+            <a:endParaRPr lang="en-US" altLang="zh-TW" dirty="0">
+              <a:latin typeface="Times New Roman" panose="02020603050405020304" pitchFamily="18" charset="0"/>
+              <a:ea typeface="Tahoma" panose="020B0604030504040204" pitchFamily="34" charset="0"/>
+            </a:endParaRPr>
+          </a:p>
+          <a:p>
+            <a:pPr marL="742950" lvl="1" indent="-285750">
+              <a:buFont typeface="Arial" panose="020B0604020202020204" pitchFamily="34" charset="0"/>
+              <a:buChar char="•"/>
+            </a:pPr>
+            <a:r>
+              <a:rPr lang="zh-TW" altLang="en-US" dirty="0">
+                <a:latin typeface="標楷體" panose="03000509000000000000" pitchFamily="65" charset="-120"/>
+                <a:ea typeface="標楷體" panose="03000509000000000000" pitchFamily="65" charset="-120"/>
+              </a:rPr>
+              <a:t>尾頭兩行有加強邊線厚度</a:t>
+            </a:r>
+          </a:p>
+        </p:txBody>
+      </p:sp>
+      <p:sp>
+        <p:nvSpPr>
+          <p:cNvPr id="7" name="矩形 6">
+            <a:extLst>
+              <a:ext uri="{FF2B5EF4-FFF2-40B4-BE49-F238E27FC236}">
+                <a16:creationId xmlns:a16="http://schemas.microsoft.com/office/drawing/2014/main" id="{226C5D2E-AB12-490F-842A-FF41A55C5F65}"/>
+              </a:ext>
+            </a:extLst>
+          </p:cNvPr>
+          <p:cNvSpPr/>
+          <p:nvPr/>
+        </p:nvSpPr>
+        <p:spPr>
+          <a:xfrm rot="5400000">
+            <a:off x="5885507" y="3802710"/>
+            <a:ext cx="1265880" cy="391239"/>
+          </a:xfrm>
+          <a:prstGeom prst="rect">
+            <a:avLst/>
+          </a:prstGeom>
+          <a:noFill/>
+          <a:ln w="28575">
+            <a:solidFill>
+              <a:srgbClr val="FF0000"/>
+            </a:solidFill>
+          </a:ln>
+        </p:spPr>
+        <p:style>
+          <a:lnRef idx="2">
+            <a:schemeClr val="accent1">
+              <a:shade val="50000"/>
+            </a:schemeClr>
+          </a:lnRef>
+          <a:fillRef idx="1">
+            <a:schemeClr val="accent1"/>
+          </a:fillRef>
+          <a:effectRef idx="0">
+            <a:schemeClr val="accent1"/>
+          </a:effectRef>
+          <a:fontRef idx="minor">
+            <a:schemeClr val="lt1"/>
+          </a:fontRef>
+        </p:style>
+        <p:txBody>
+          <a:bodyPr rtlCol="0" anchor="ctr"/>
+          <a:lstStyle/>
+          <a:p>
+            <a:pPr algn="ctr"/>
+            <a:endParaRPr lang="zh-TW" altLang="en-US" dirty="0">
+              <a:noFill/>
+            </a:endParaRPr>
+          </a:p>
+        </p:txBody>
+      </p:sp>
+      <p:sp>
+        <p:nvSpPr>
+          <p:cNvPr id="9" name="矩形 8">
+            <a:extLst>
+              <a:ext uri="{FF2B5EF4-FFF2-40B4-BE49-F238E27FC236}">
+                <a16:creationId xmlns:a16="http://schemas.microsoft.com/office/drawing/2014/main" id="{E4E66692-73E5-4094-BE62-76AA8079A5E5}"/>
+              </a:ext>
+            </a:extLst>
+          </p:cNvPr>
+          <p:cNvSpPr/>
+          <p:nvPr/>
+        </p:nvSpPr>
+        <p:spPr>
+          <a:xfrm rot="5400000">
+            <a:off x="8642435" y="3834514"/>
+            <a:ext cx="1202267" cy="391240"/>
+          </a:xfrm>
+          <a:prstGeom prst="rect">
+            <a:avLst/>
+          </a:prstGeom>
+          <a:noFill/>
+          <a:ln w="28575">
+            <a:solidFill>
+              <a:srgbClr val="FF0000"/>
+            </a:solidFill>
+          </a:ln>
+        </p:spPr>
+        <p:style>
+          <a:lnRef idx="2">
+            <a:schemeClr val="accent1">
+              <a:shade val="50000"/>
+            </a:schemeClr>
+          </a:lnRef>
+          <a:fillRef idx="1">
+            <a:schemeClr val="accent1"/>
+          </a:fillRef>
+          <a:effectRef idx="0">
+            <a:schemeClr val="accent1"/>
+          </a:effectRef>
+          <a:fontRef idx="minor">
+            <a:schemeClr val="lt1"/>
+          </a:fontRef>
+        </p:style>
+        <p:txBody>
+          <a:bodyPr rtlCol="0" anchor="ctr"/>
+          <a:lstStyle/>
+          <a:p>
+            <a:pPr algn="ctr"/>
+            <a:endParaRPr lang="zh-TW" altLang="en-US" dirty="0">
+              <a:noFill/>
+            </a:endParaRPr>
+          </a:p>
+        </p:txBody>
+      </p:sp>
     </p:spTree>
     <p:extLst>
       <p:ext uri="{BB962C8B-B14F-4D97-AF65-F5344CB8AC3E}">
@@ -8760,7 +10099,7 @@
 </p:sld>
 </file>
 
-<file path=ppt/slides/slide16.xml><?xml version="1.0" encoding="utf-8"?>
+<file path=ppt/slides/slide18.xml><?xml version="1.0" encoding="utf-8"?>
 <p:sld xmlns:a="http://schemas.openxmlformats.org/drawingml/2006/main" xmlns:r="http://schemas.openxmlformats.org/officeDocument/2006/relationships" xmlns:p="http://schemas.openxmlformats.org/presentationml/2006/main">
   <p:cSld>
     <p:spTree>
@@ -8891,7 +10230,21 @@
                 <a:latin typeface="標楷體" panose="03000509000000000000" pitchFamily="65" charset="-120"/>
                 <a:ea typeface="標楷體" panose="03000509000000000000" pitchFamily="65" charset="-120"/>
               </a:rPr>
-              <a:t>: 200x200 (8bits)</a:t>
+              <a:t>: 200x200 (8</a:t>
+            </a:r>
+            <a:r>
+              <a:rPr lang="en-US" altLang="zh-TW" dirty="0">
+                <a:latin typeface="Times New Roman" panose="02020603050405020304" pitchFamily="18" charset="0"/>
+                <a:ea typeface="標楷體" panose="03000509000000000000" pitchFamily="65" charset="-120"/>
+              </a:rPr>
+              <a:t>bits</a:t>
+            </a:r>
+            <a:r>
+              <a:rPr lang="en-US" altLang="zh-TW" dirty="0">
+                <a:latin typeface="標楷體" panose="03000509000000000000" pitchFamily="65" charset="-120"/>
+                <a:ea typeface="標楷體" panose="03000509000000000000" pitchFamily="65" charset="-120"/>
+              </a:rPr>
+              <a:t>)</a:t>
             </a:r>
           </a:p>
           <a:p>
@@ -9015,7 +10368,7 @@
 </p:sld>
 </file>
 
-<file path=ppt/slides/slide17.xml><?xml version="1.0" encoding="utf-8"?>
+<file path=ppt/slides/slide19.xml><?xml version="1.0" encoding="utf-8"?>
 <p:sld xmlns:a="http://schemas.openxmlformats.org/drawingml/2006/main" xmlns:r="http://schemas.openxmlformats.org/officeDocument/2006/relationships" xmlns:p="http://schemas.openxmlformats.org/presentationml/2006/main">
   <p:cSld>
     <p:spTree>
@@ -9146,7 +10499,21 @@
                 <a:latin typeface="標楷體" panose="03000509000000000000" pitchFamily="65" charset="-120"/>
                 <a:ea typeface="標楷體" panose="03000509000000000000" pitchFamily="65" charset="-120"/>
               </a:rPr>
-              <a:t>: 200x200 (8bits)</a:t>
+              <a:t>: 200x200 (8</a:t>
+            </a:r>
+            <a:r>
+              <a:rPr lang="en-US" altLang="zh-TW" dirty="0">
+                <a:latin typeface="Times New Roman" panose="02020603050405020304" pitchFamily="18" charset="0"/>
+                <a:ea typeface="標楷體" panose="03000509000000000000" pitchFamily="65" charset="-120"/>
+              </a:rPr>
+              <a:t>bits</a:t>
+            </a:r>
+            <a:r>
+              <a:rPr lang="en-US" altLang="zh-TW" dirty="0">
+                <a:latin typeface="標楷體" panose="03000509000000000000" pitchFamily="65" charset="-120"/>
+                <a:ea typeface="標楷體" panose="03000509000000000000" pitchFamily="65" charset="-120"/>
+              </a:rPr>
+              <a:t>)</a:t>
             </a:r>
           </a:p>
           <a:p>
@@ -9270,7 +10637,7 @@
 </p:sld>
 </file>
 
-<file path=ppt/slides/slide18.xml><?xml version="1.0" encoding="utf-8"?>
+<file path=ppt/slides/slide2.xml><?xml version="1.0" encoding="utf-8"?>
 <p:sld xmlns:a="http://schemas.openxmlformats.org/drawingml/2006/main" xmlns:r="http://schemas.openxmlformats.org/officeDocument/2006/relationships" xmlns:p="http://schemas.openxmlformats.org/presentationml/2006/main">
   <p:cSld>
     <p:spTree>
@@ -9297,6 +10664,186 @@
             <p:ph type="title"/>
           </p:nvPr>
         </p:nvSpPr>
+        <p:spPr/>
+        <p:txBody>
+          <a:bodyPr/>
+          <a:lstStyle/>
+          <a:p>
+            <a:r>
+              <a:rPr lang="zh-TW" altLang="en-US" dirty="0"/>
+              <a:t>控管記錄 </a:t>
+            </a:r>
+            <a:r>
+              <a:rPr lang="en-US" altLang="zh-TW" dirty="0"/>
+              <a:t>–</a:t>
+            </a:r>
+            <a:r>
+              <a:rPr lang="zh-TW" altLang="en-US" dirty="0"/>
+              <a:t> </a:t>
+            </a:r>
+            <a:r>
+              <a:rPr lang="en-US" altLang="zh-TW" dirty="0"/>
+              <a:t>NAS</a:t>
+            </a:r>
+            <a:r>
+              <a:rPr lang="zh-TW" altLang="en-US" dirty="0"/>
+              <a:t> </a:t>
+            </a:r>
+            <a:r>
+              <a:rPr lang="en-US" altLang="zh-TW" dirty="0"/>
+              <a:t>(</a:t>
+            </a:r>
+            <a:r>
+              <a:rPr lang="en-US" altLang="zh-TW" sz="4400" dirty="0"/>
+              <a:t>2023/6/1</a:t>
+            </a:r>
+            <a:r>
+              <a:rPr lang="en-US" altLang="zh-TW" dirty="0"/>
+              <a:t>)</a:t>
+            </a:r>
+            <a:endParaRPr lang="zh-TW" altLang="en-US" dirty="0"/>
+          </a:p>
+        </p:txBody>
+      </p:sp>
+      <p:sp>
+        <p:nvSpPr>
+          <p:cNvPr id="9" name="矩形 8">
+            <a:extLst>
+              <a:ext uri="{FF2B5EF4-FFF2-40B4-BE49-F238E27FC236}">
+                <a16:creationId xmlns:a16="http://schemas.microsoft.com/office/drawing/2014/main" id="{1F596EB5-194B-41DD-9405-83C981B5180E}"/>
+              </a:ext>
+            </a:extLst>
+          </p:cNvPr>
+          <p:cNvSpPr/>
+          <p:nvPr/>
+        </p:nvSpPr>
+        <p:spPr>
+          <a:xfrm>
+            <a:off x="92279" y="1235933"/>
+            <a:ext cx="3120704" cy="1323439"/>
+          </a:xfrm>
+          <a:prstGeom prst="rect">
+            <a:avLst/>
+          </a:prstGeom>
+        </p:spPr>
+        <p:txBody>
+          <a:bodyPr wrap="square">
+            <a:spAutoFit/>
+          </a:bodyPr>
+          <a:lstStyle/>
+          <a:p>
+            <a:pPr marL="285750" lvl="1" indent="-285750"/>
+            <a:r>
+              <a:rPr lang="zh-TW" altLang="en-US" sz="2000" dirty="0">
+                <a:latin typeface="Times New Roman" panose="02020603050405020304" pitchFamily="18" charset="0"/>
+                <a:ea typeface="標楷體" panose="03000509000000000000" pitchFamily="65" charset="-120"/>
+              </a:rPr>
+              <a:t>本週更新：</a:t>
+            </a:r>
+            <a:endParaRPr lang="en-US" altLang="zh-TW" sz="2000" dirty="0">
+              <a:latin typeface="Times New Roman" panose="02020603050405020304" pitchFamily="18" charset="0"/>
+              <a:ea typeface="標楷體" panose="03000509000000000000" pitchFamily="65" charset="-120"/>
+            </a:endParaRPr>
+          </a:p>
+          <a:p>
+            <a:pPr marL="285750" lvl="1" indent="-285750"/>
+            <a:r>
+              <a:rPr lang="en-US" altLang="zh-TW" sz="2000" dirty="0">
+                <a:latin typeface="Times New Roman" panose="02020603050405020304" pitchFamily="18" charset="0"/>
+                <a:ea typeface="標楷體" panose="03000509000000000000" pitchFamily="65" charset="-120"/>
+              </a:rPr>
+              <a:t>N02-Architecture</a:t>
+            </a:r>
+          </a:p>
+          <a:p>
+            <a:pPr marL="285750" lvl="1" indent="-285750"/>
+            <a:r>
+              <a:rPr lang="en-US" altLang="zh-TW" sz="2000" dirty="0">
+                <a:latin typeface="Times New Roman" panose="02020603050405020304" pitchFamily="18" charset="0"/>
+                <a:ea typeface="標楷體" panose="03000509000000000000" pitchFamily="65" charset="-120"/>
+              </a:rPr>
+              <a:t>N06-Demo&amp;ppt</a:t>
+            </a:r>
+          </a:p>
+          <a:p>
+            <a:pPr marL="285750" lvl="1" indent="-285750"/>
+            <a:endParaRPr lang="en-US" altLang="zh-TW" sz="2000" dirty="0">
+              <a:latin typeface="Times New Roman" panose="02020603050405020304" pitchFamily="18" charset="0"/>
+              <a:ea typeface="標楷體" panose="03000509000000000000" pitchFamily="65" charset="-120"/>
+            </a:endParaRPr>
+          </a:p>
+        </p:txBody>
+      </p:sp>
+      <p:pic>
+        <p:nvPicPr>
+          <p:cNvPr id="4" name="圖片 3">
+            <a:extLst>
+              <a:ext uri="{FF2B5EF4-FFF2-40B4-BE49-F238E27FC236}">
+                <a16:creationId xmlns:a16="http://schemas.microsoft.com/office/drawing/2014/main" id="{8DD9349E-FE39-43E2-82B1-E650B7391A82}"/>
+              </a:ext>
+            </a:extLst>
+          </p:cNvPr>
+          <p:cNvPicPr>
+            <a:picLocks noChangeAspect="1"/>
+          </p:cNvPicPr>
+          <p:nvPr/>
+        </p:nvPicPr>
+        <p:blipFill>
+          <a:blip r:embed="rId2"/>
+          <a:stretch>
+            <a:fillRect/>
+          </a:stretch>
+        </p:blipFill>
+        <p:spPr>
+          <a:xfrm>
+            <a:off x="2077237" y="1554192"/>
+            <a:ext cx="8492118" cy="4335541"/>
+          </a:xfrm>
+          <a:prstGeom prst="rect">
+            <a:avLst/>
+          </a:prstGeom>
+        </p:spPr>
+      </p:pic>
+    </p:spTree>
+    <p:extLst>
+      <p:ext uri="{BB962C8B-B14F-4D97-AF65-F5344CB8AC3E}">
+        <p14:creationId xmlns:p14="http://schemas.microsoft.com/office/powerpoint/2010/main" val="3556275576"/>
+      </p:ext>
+    </p:extLst>
+  </p:cSld>
+  <p:clrMapOvr>
+    <a:masterClrMapping/>
+  </p:clrMapOvr>
+</p:sld>
+</file>
+
+<file path=ppt/slides/slide20.xml><?xml version="1.0" encoding="utf-8"?>
+<p:sld xmlns:a="http://schemas.openxmlformats.org/drawingml/2006/main" xmlns:r="http://schemas.openxmlformats.org/officeDocument/2006/relationships" xmlns:p="http://schemas.openxmlformats.org/presentationml/2006/main">
+  <p:cSld>
+    <p:spTree>
+      <p:nvGrpSpPr>
+        <p:cNvPr id="1" name=""/>
+        <p:cNvGrpSpPr/>
+        <p:nvPr/>
+      </p:nvGrpSpPr>
+      <p:grpSpPr>
+        <a:xfrm>
+          <a:off x="0" y="0"/>
+          <a:ext cx="0" cy="0"/>
+          <a:chOff x="0" y="0"/>
+          <a:chExt cx="0" cy="0"/>
+        </a:xfrm>
+      </p:grpSpPr>
+      <p:sp>
+        <p:nvSpPr>
+          <p:cNvPr id="3" name="標題 2"/>
+          <p:cNvSpPr>
+            <a:spLocks noGrp="1"/>
+          </p:cNvSpPr>
+          <p:nvPr>
+            <p:ph type="title"/>
+          </p:nvPr>
+        </p:nvSpPr>
         <p:spPr>
           <a:xfrm>
             <a:off x="838200" y="365125"/>
@@ -9413,7 +10960,21 @@
                 <a:latin typeface="標楷體" panose="03000509000000000000" pitchFamily="65" charset="-120"/>
                 <a:ea typeface="標楷體" panose="03000509000000000000" pitchFamily="65" charset="-120"/>
               </a:rPr>
-              <a:t>: 200x200 (8bits)</a:t>
+              <a:t>: 200x200 (8</a:t>
+            </a:r>
+            <a:r>
+              <a:rPr lang="en-US" altLang="zh-TW" dirty="0">
+                <a:latin typeface="Times New Roman" panose="02020603050405020304" pitchFamily="18" charset="0"/>
+                <a:ea typeface="標楷體" panose="03000509000000000000" pitchFamily="65" charset="-120"/>
+              </a:rPr>
+              <a:t>bits</a:t>
+            </a:r>
+            <a:r>
+              <a:rPr lang="en-US" altLang="zh-TW" dirty="0">
+                <a:latin typeface="標楷體" panose="03000509000000000000" pitchFamily="65" charset="-120"/>
+                <a:ea typeface="標楷體" panose="03000509000000000000" pitchFamily="65" charset="-120"/>
+              </a:rPr>
+              <a:t>)</a:t>
             </a:r>
           </a:p>
           <a:p>
@@ -9456,8 +11017,8 @@
         </p:nvSpPr>
         <p:spPr>
           <a:xfrm>
-            <a:off x="5069020" y="5834226"/>
-            <a:ext cx="2339092" cy="369332"/>
+            <a:off x="5069019" y="5834226"/>
+            <a:ext cx="2694913" cy="369332"/>
           </a:xfrm>
           <a:prstGeom prst="rect">
             <a:avLst/>
@@ -9496,21 +11057,7 @@
                 <a:latin typeface="Times New Roman" panose="02020603050405020304" pitchFamily="18" charset="0"/>
                 <a:ea typeface="標楷體" panose="03000509000000000000" pitchFamily="65" charset="-120"/>
               </a:rPr>
-              <a:t> </a:t>
-            </a:r>
-            <a:r>
-              <a:rPr lang="en-US" altLang="zh-TW" dirty="0">
-                <a:latin typeface="Times New Roman" panose="02020603050405020304" pitchFamily="18" charset="0"/>
-                <a:ea typeface="標楷體" panose="03000509000000000000" pitchFamily="65" charset="-120"/>
-              </a:rPr>
-              <a:t>I/O </a:t>
-            </a:r>
-            <a:r>
-              <a:rPr lang="zh-TW" altLang="en-US" dirty="0">
-                <a:latin typeface="Times New Roman" panose="02020603050405020304" pitchFamily="18" charset="0"/>
-                <a:ea typeface="標楷體" panose="03000509000000000000" pitchFamily="65" charset="-120"/>
-              </a:rPr>
-              <a:t>波型</a:t>
+              <a:t> 單張畫面波型</a:t>
             </a:r>
             <a:endParaRPr lang="zh-TW" altLang="en-US" dirty="0">
               <a:latin typeface="標楷體" panose="03000509000000000000" pitchFamily="65" charset="-120"/>
@@ -9562,7 +11109,7 @@
 </p:sld>
 </file>
 
-<file path=ppt/slides/slide19.xml><?xml version="1.0" encoding="utf-8"?>
+<file path=ppt/slides/slide21.xml><?xml version="1.0" encoding="utf-8"?>
 <p:sld xmlns:a="http://schemas.openxmlformats.org/drawingml/2006/main" xmlns:r="http://schemas.openxmlformats.org/officeDocument/2006/relationships" xmlns:p="http://schemas.openxmlformats.org/presentationml/2006/main">
   <p:cSld>
     <p:spTree>
@@ -9579,6 +11126,36 @@
           <a:chExt cx="0" cy="0"/>
         </a:xfrm>
       </p:grpSpPr>
+      <p:pic>
+        <p:nvPicPr>
+          <p:cNvPr id="11" name="圖片 10">
+            <a:extLst>
+              <a:ext uri="{FF2B5EF4-FFF2-40B4-BE49-F238E27FC236}">
+                <a16:creationId xmlns:a16="http://schemas.microsoft.com/office/drawing/2014/main" id="{EABA8C5D-5F6F-4FFC-99C2-E68F240CCFB0}"/>
+              </a:ext>
+            </a:extLst>
+          </p:cNvPr>
+          <p:cNvPicPr>
+            <a:picLocks noChangeAspect="1"/>
+          </p:cNvPicPr>
+          <p:nvPr/>
+        </p:nvPicPr>
+        <p:blipFill>
+          <a:blip r:embed="rId3"/>
+          <a:stretch>
+            <a:fillRect/>
+          </a:stretch>
+        </p:blipFill>
+        <p:spPr>
+          <a:xfrm>
+            <a:off x="135468" y="2648221"/>
+            <a:ext cx="6527799" cy="2312449"/>
+          </a:xfrm>
+          <a:prstGeom prst="rect">
+            <a:avLst/>
+          </a:prstGeom>
+        </p:spPr>
+      </p:pic>
       <p:sp>
         <p:nvSpPr>
           <p:cNvPr id="3" name="標題 2"/>
@@ -9713,7 +11290,21 @@
                 <a:latin typeface="標楷體" panose="03000509000000000000" pitchFamily="65" charset="-120"/>
                 <a:ea typeface="標楷體" panose="03000509000000000000" pitchFamily="65" charset="-120"/>
               </a:rPr>
-              <a:t>: 640x480 (8bits)</a:t>
+              <a:t>: 640x480 (8</a:t>
+            </a:r>
+            <a:r>
+              <a:rPr lang="en-US" altLang="zh-TW" dirty="0">
+                <a:latin typeface="Times New Roman" panose="02020603050405020304" pitchFamily="18" charset="0"/>
+                <a:ea typeface="標楷體" panose="03000509000000000000" pitchFamily="65" charset="-120"/>
+              </a:rPr>
+              <a:t>bits</a:t>
+            </a:r>
+            <a:r>
+              <a:rPr lang="en-US" altLang="zh-TW" dirty="0">
+                <a:latin typeface="標楷體" panose="03000509000000000000" pitchFamily="65" charset="-120"/>
+                <a:ea typeface="標楷體" panose="03000509000000000000" pitchFamily="65" charset="-120"/>
+              </a:rPr>
+              <a:t>)</a:t>
             </a:r>
             <a:endParaRPr lang="zh-TW" altLang="en-US" dirty="0">
               <a:latin typeface="標楷體" panose="03000509000000000000" pitchFamily="65" charset="-120"/>
@@ -9736,8 +11327,8 @@
         </p:nvSpPr>
         <p:spPr>
           <a:xfrm>
-            <a:off x="4634705" y="5680911"/>
-            <a:ext cx="2922590" cy="441453"/>
+            <a:off x="7395752" y="5533577"/>
+            <a:ext cx="2922590" cy="369332"/>
           </a:xfrm>
           <a:prstGeom prst="rect">
             <a:avLst/>
@@ -9762,7 +11353,7 @@
                 <a:latin typeface="標楷體" panose="03000509000000000000" pitchFamily="65" charset="-120"/>
                 <a:ea typeface="標楷體" panose="03000509000000000000" pitchFamily="65" charset="-120"/>
               </a:rPr>
-              <a:t>4.</a:t>
+              <a:t>4-2.</a:t>
             </a:r>
             <a:r>
               <a:rPr lang="en-US" altLang="zh-TW" dirty="0">
@@ -9776,17 +11367,47 @@
                 <a:latin typeface="標楷體" panose="03000509000000000000" pitchFamily="65" charset="-120"/>
                 <a:ea typeface="標楷體" panose="03000509000000000000" pitchFamily="65" charset="-120"/>
               </a:rPr>
-              <a:t>單幀全圖</a:t>
-            </a:r>
-          </a:p>
-        </p:txBody>
-      </p:sp>
-      <p:sp>
-        <p:nvSpPr>
-          <p:cNvPr id="6" name="文字方塊 5">
+              <a:t>起點</a:t>
+            </a:r>
+          </a:p>
+        </p:txBody>
+      </p:sp>
+      <p:pic>
+        <p:nvPicPr>
+          <p:cNvPr id="4" name="圖片 3">
             <a:extLst>
               <a:ext uri="{FF2B5EF4-FFF2-40B4-BE49-F238E27FC236}">
-                <a16:creationId xmlns:a16="http://schemas.microsoft.com/office/drawing/2014/main" id="{2F3346EE-318A-4DF8-8A3C-51A3B2C14DD6}"/>
+                <a16:creationId xmlns:a16="http://schemas.microsoft.com/office/drawing/2014/main" id="{662C37D1-9DD5-4CBC-B0CC-C158ABD97524}"/>
+              </a:ext>
+            </a:extLst>
+          </p:cNvPr>
+          <p:cNvPicPr>
+            <a:picLocks noChangeAspect="1"/>
+          </p:cNvPicPr>
+          <p:nvPr/>
+        </p:nvPicPr>
+        <p:blipFill>
+          <a:blip r:embed="rId4"/>
+          <a:stretch>
+            <a:fillRect/>
+          </a:stretch>
+        </p:blipFill>
+        <p:spPr>
+          <a:xfrm>
+            <a:off x="5664199" y="2514845"/>
+            <a:ext cx="6392333" cy="2579199"/>
+          </a:xfrm>
+          <a:prstGeom prst="rect">
+            <a:avLst/>
+          </a:prstGeom>
+        </p:spPr>
+      </p:pic>
+      <p:sp>
+        <p:nvSpPr>
+          <p:cNvPr id="8" name="文字方塊 7">
+            <a:extLst>
+              <a:ext uri="{FF2B5EF4-FFF2-40B4-BE49-F238E27FC236}">
+                <a16:creationId xmlns:a16="http://schemas.microsoft.com/office/drawing/2014/main" id="{A24530DF-B795-4130-8846-712A6E2DF2D5}"/>
               </a:ext>
             </a:extLst>
           </p:cNvPr>
@@ -9795,8 +11416,8 @@
         </p:nvSpPr>
         <p:spPr>
           <a:xfrm>
-            <a:off x="7374597" y="1411839"/>
-            <a:ext cx="3126801" cy="1754326"/>
+            <a:off x="2391952" y="5530564"/>
+            <a:ext cx="2922590" cy="369332"/>
           </a:xfrm>
           <a:prstGeom prst="rect">
             <a:avLst/>
@@ -9814,247 +11435,29 @@
                 <a:latin typeface="標楷體" panose="03000509000000000000" pitchFamily="65" charset="-120"/>
                 <a:ea typeface="標楷體" panose="03000509000000000000" pitchFamily="65" charset="-120"/>
               </a:rPr>
-              <a:t>每個像素</a:t>
+              <a:t>圖</a:t>
             </a:r>
             <a:r>
               <a:rPr lang="en-US" altLang="zh-TW" dirty="0">
                 <a:latin typeface="標楷體" panose="03000509000000000000" pitchFamily="65" charset="-120"/>
                 <a:ea typeface="標楷體" panose="03000509000000000000" pitchFamily="65" charset="-120"/>
               </a:rPr>
-              <a:t>:</a:t>
+              <a:t>4-1.</a:t>
+            </a:r>
+            <a:r>
+              <a:rPr lang="en-US" altLang="zh-TW" dirty="0">
+                <a:latin typeface="Times New Roman" panose="02020603050405020304" pitchFamily="18" charset="0"/>
+                <a:ea typeface="標楷體" panose="03000509000000000000" pitchFamily="65" charset="-120"/>
+              </a:rPr>
+              <a:t>Bram</a:t>
             </a:r>
             <a:r>
               <a:rPr lang="zh-TW" altLang="en-US" dirty="0">
                 <a:latin typeface="標楷體" panose="03000509000000000000" pitchFamily="65" charset="-120"/>
                 <a:ea typeface="標楷體" panose="03000509000000000000" pitchFamily="65" charset="-120"/>
               </a:rPr>
-              <a:t> </a:t>
-            </a:r>
-            <a:r>
-              <a:rPr lang="en-US" altLang="zh-TW" dirty="0">
-                <a:latin typeface="標楷體" panose="03000509000000000000" pitchFamily="65" charset="-120"/>
-                <a:ea typeface="標楷體" panose="03000509000000000000" pitchFamily="65" charset="-120"/>
-              </a:rPr>
-              <a:t>1/50</a:t>
-            </a:r>
-            <a:r>
-              <a:rPr lang="en-US" altLang="zh-TW" dirty="0">
-                <a:latin typeface="Times New Roman" panose="02020603050405020304" pitchFamily="18" charset="0"/>
-                <a:ea typeface="標楷體" panose="03000509000000000000" pitchFamily="65" charset="-120"/>
-                <a:cs typeface="Times New Roman" panose="02020603050405020304" pitchFamily="18" charset="0"/>
-              </a:rPr>
-              <a:t>M</a:t>
-            </a:r>
-            <a:r>
-              <a:rPr lang="en-US" altLang="zh-TW" dirty="0">
-                <a:latin typeface="標楷體" panose="03000509000000000000" pitchFamily="65" charset="-120"/>
-                <a:ea typeface="標楷體" panose="03000509000000000000" pitchFamily="65" charset="-120"/>
-              </a:rPr>
-              <a:t> </a:t>
-            </a:r>
-            <a:r>
-              <a:rPr lang="en-US" altLang="zh-TW" dirty="0">
-                <a:latin typeface="Times New Roman" panose="02020603050405020304" pitchFamily="18" charset="0"/>
-                <a:ea typeface="標楷體" panose="03000509000000000000" pitchFamily="65" charset="-120"/>
-                <a:cs typeface="Times New Roman" panose="02020603050405020304" pitchFamily="18" charset="0"/>
-              </a:rPr>
-              <a:t>sec</a:t>
-            </a:r>
-          </a:p>
-          <a:p>
-            <a:r>
-              <a:rPr lang="zh-TW" altLang="en-US" dirty="0">
-                <a:latin typeface="標楷體" panose="03000509000000000000" pitchFamily="65" charset="-120"/>
-                <a:ea typeface="標楷體" panose="03000509000000000000" pitchFamily="65" charset="-120"/>
-              </a:rPr>
-              <a:t>每張圖</a:t>
-            </a:r>
-            <a:r>
-              <a:rPr lang="en-US" altLang="zh-TW" dirty="0">
-                <a:latin typeface="標楷體" panose="03000509000000000000" pitchFamily="65" charset="-120"/>
-                <a:ea typeface="標楷體" panose="03000509000000000000" pitchFamily="65" charset="-120"/>
-              </a:rPr>
-              <a:t>:</a:t>
-            </a:r>
-            <a:r>
-              <a:rPr lang="zh-TW" altLang="en-US" dirty="0">
-                <a:latin typeface="標楷體" panose="03000509000000000000" pitchFamily="65" charset="-120"/>
-                <a:ea typeface="標楷體" panose="03000509000000000000" pitchFamily="65" charset="-120"/>
-              </a:rPr>
-              <a:t> </a:t>
-            </a:r>
-            <a:r>
-              <a:rPr lang="en-US" altLang="zh-TW" dirty="0">
-                <a:latin typeface="標楷體" panose="03000509000000000000" pitchFamily="65" charset="-120"/>
-                <a:ea typeface="標楷體" panose="03000509000000000000" pitchFamily="65" charset="-120"/>
-              </a:rPr>
-              <a:t>800x525x1/50</a:t>
-            </a:r>
-            <a:r>
-              <a:rPr lang="en-US" altLang="zh-TW" dirty="0">
-                <a:latin typeface="Times New Roman" panose="02020603050405020304" pitchFamily="18" charset="0"/>
-                <a:ea typeface="標楷體" panose="03000509000000000000" pitchFamily="65" charset="-120"/>
-                <a:cs typeface="Times New Roman" panose="02020603050405020304" pitchFamily="18" charset="0"/>
-              </a:rPr>
-              <a:t>M</a:t>
-            </a:r>
-            <a:r>
-              <a:rPr lang="en-US" altLang="zh-TW" dirty="0">
-                <a:latin typeface="標楷體" panose="03000509000000000000" pitchFamily="65" charset="-120"/>
-                <a:ea typeface="標楷體" panose="03000509000000000000" pitchFamily="65" charset="-120"/>
-              </a:rPr>
-              <a:t> </a:t>
-            </a:r>
-            <a:r>
-              <a:rPr lang="en-US" altLang="zh-TW" dirty="0">
-                <a:latin typeface="Times New Roman" panose="02020603050405020304" pitchFamily="18" charset="0"/>
-                <a:ea typeface="標楷體" panose="03000509000000000000" pitchFamily="65" charset="-120"/>
-                <a:cs typeface="Times New Roman" panose="02020603050405020304" pitchFamily="18" charset="0"/>
-              </a:rPr>
-              <a:t>sec</a:t>
-            </a:r>
-          </a:p>
-          <a:p>
-            <a:r>
-              <a:rPr lang="en-US" altLang="zh-TW" dirty="0">
-                <a:latin typeface="Times New Roman" panose="02020603050405020304" pitchFamily="18" charset="0"/>
-                <a:ea typeface="標楷體" panose="03000509000000000000" pitchFamily="65" charset="-120"/>
-                <a:cs typeface="Times New Roman" panose="02020603050405020304" pitchFamily="18" charset="0"/>
-              </a:rPr>
-              <a:t>	≈16.8ms</a:t>
-            </a:r>
-            <a:endParaRPr lang="en-US" altLang="zh-TW" dirty="0">
-              <a:latin typeface="標楷體" panose="03000509000000000000" pitchFamily="65" charset="-120"/>
-              <a:ea typeface="標楷體" panose="03000509000000000000" pitchFamily="65" charset="-120"/>
-            </a:endParaRPr>
-          </a:p>
-          <a:p>
-            <a:r>
-              <a:rPr lang="en-US" altLang="zh-TW" dirty="0" err="1">
-                <a:latin typeface="標楷體" panose="03000509000000000000" pitchFamily="65" charset="-120"/>
-                <a:ea typeface="標楷體" panose="03000509000000000000" pitchFamily="65" charset="-120"/>
-              </a:rPr>
-              <a:t>T</a:t>
-            </a:r>
-            <a:r>
-              <a:rPr lang="en-US" altLang="zh-TW" sz="1400" dirty="0" err="1">
-                <a:latin typeface="Times New Roman" panose="02020603050405020304" pitchFamily="18" charset="0"/>
-                <a:ea typeface="標楷體" panose="03000509000000000000" pitchFamily="65" charset="-120"/>
-                <a:cs typeface="Times New Roman" panose="02020603050405020304" pitchFamily="18" charset="0"/>
-              </a:rPr>
-              <a:t>move</a:t>
-            </a:r>
-            <a:r>
-              <a:rPr lang="en-US" altLang="zh-TW" sz="1400" dirty="0">
-                <a:latin typeface="標楷體" panose="03000509000000000000" pitchFamily="65" charset="-120"/>
-                <a:ea typeface="標楷體" panose="03000509000000000000" pitchFamily="65" charset="-120"/>
-              </a:rPr>
-              <a:t> </a:t>
-            </a:r>
-            <a:r>
-              <a:rPr lang="en-US" altLang="zh-TW" dirty="0">
-                <a:latin typeface="標楷體" panose="03000509000000000000" pitchFamily="65" charset="-120"/>
-                <a:ea typeface="標楷體" panose="03000509000000000000" pitchFamily="65" charset="-120"/>
-              </a:rPr>
-              <a:t>&gt; </a:t>
-            </a:r>
-            <a:r>
-              <a:rPr lang="zh-TW" altLang="en-US" dirty="0">
-                <a:latin typeface="標楷體" panose="03000509000000000000" pitchFamily="65" charset="-120"/>
-                <a:ea typeface="標楷體" panose="03000509000000000000" pitchFamily="65" charset="-120"/>
-              </a:rPr>
-              <a:t>單張圖</a:t>
-            </a:r>
-            <a:r>
-              <a:rPr lang="en-US" altLang="zh-TW" dirty="0">
-                <a:latin typeface="標楷體" panose="03000509000000000000" pitchFamily="65" charset="-120"/>
-                <a:ea typeface="標楷體" panose="03000509000000000000" pitchFamily="65" charset="-120"/>
-              </a:rPr>
-              <a:t>(16.8</a:t>
-            </a:r>
-            <a:r>
-              <a:rPr lang="en-US" altLang="zh-TW" dirty="0">
-                <a:latin typeface="Times New Roman" panose="02020603050405020304" pitchFamily="18" charset="0"/>
-                <a:ea typeface="標楷體" panose="03000509000000000000" pitchFamily="65" charset="-120"/>
-                <a:cs typeface="Times New Roman" panose="02020603050405020304" pitchFamily="18" charset="0"/>
-              </a:rPr>
-              <a:t>ms</a:t>
-            </a:r>
-            <a:r>
-              <a:rPr lang="en-US" altLang="zh-TW" dirty="0">
-                <a:latin typeface="標楷體" panose="03000509000000000000" pitchFamily="65" charset="-120"/>
-                <a:ea typeface="標楷體" panose="03000509000000000000" pitchFamily="65" charset="-120"/>
-              </a:rPr>
-              <a:t>)</a:t>
-            </a:r>
-          </a:p>
-          <a:p>
-            <a:r>
-              <a:rPr lang="en-US" altLang="zh-TW" dirty="0" err="1">
-                <a:latin typeface="Times New Roman" panose="02020603050405020304" pitchFamily="18" charset="0"/>
-                <a:ea typeface="標楷體" panose="03000509000000000000" pitchFamily="65" charset="-120"/>
-                <a:cs typeface="Times New Roman" panose="02020603050405020304" pitchFamily="18" charset="0"/>
-              </a:rPr>
-              <a:t>move_clk</a:t>
-            </a:r>
-            <a:r>
-              <a:rPr lang="en-US" altLang="zh-TW" dirty="0">
-                <a:latin typeface="Times New Roman" panose="02020603050405020304" pitchFamily="18" charset="0"/>
-                <a:ea typeface="標楷體" panose="03000509000000000000" pitchFamily="65" charset="-120"/>
-                <a:cs typeface="Times New Roman" panose="02020603050405020304" pitchFamily="18" charset="0"/>
-              </a:rPr>
-              <a:t> </a:t>
-            </a:r>
-            <a:r>
-              <a:rPr lang="en-US" altLang="zh-TW" dirty="0">
-                <a:latin typeface="標楷體" panose="03000509000000000000" pitchFamily="65" charset="-120"/>
-                <a:ea typeface="標楷體" panose="03000509000000000000" pitchFamily="65" charset="-120"/>
-              </a:rPr>
-              <a:t>≦ 59.524(</a:t>
-            </a:r>
-            <a:r>
-              <a:rPr lang="en-US" altLang="zh-TW" dirty="0">
-                <a:latin typeface="Times New Roman" panose="02020603050405020304" pitchFamily="18" charset="0"/>
-                <a:ea typeface="標楷體" panose="03000509000000000000" pitchFamily="65" charset="-120"/>
-                <a:cs typeface="Times New Roman" panose="02020603050405020304" pitchFamily="18" charset="0"/>
-              </a:rPr>
-              <a:t>Hz</a:t>
-            </a:r>
-            <a:r>
-              <a:rPr lang="en-US" altLang="zh-TW" dirty="0">
-                <a:latin typeface="標楷體" panose="03000509000000000000" pitchFamily="65" charset="-120"/>
-                <a:ea typeface="標楷體" panose="03000509000000000000" pitchFamily="65" charset="-120"/>
-              </a:rPr>
-              <a:t>) </a:t>
-            </a:r>
-          </a:p>
-          <a:p>
-            <a:r>
-              <a:rPr lang="en-US" altLang="zh-TW" dirty="0">
-                <a:latin typeface="標楷體" panose="03000509000000000000" pitchFamily="65" charset="-120"/>
-                <a:ea typeface="標楷體" panose="03000509000000000000" pitchFamily="65" charset="-120"/>
-              </a:rPr>
-              <a:t>=&gt;100M/2^21 = 47.683(</a:t>
-            </a:r>
-            <a:r>
-              <a:rPr lang="en-US" altLang="zh-TW" dirty="0">
-                <a:latin typeface="Times New Roman" panose="02020603050405020304" pitchFamily="18" charset="0"/>
-                <a:ea typeface="標楷體" panose="03000509000000000000" pitchFamily="65" charset="-120"/>
-                <a:cs typeface="Times New Roman" panose="02020603050405020304" pitchFamily="18" charset="0"/>
-              </a:rPr>
-              <a:t>Hz</a:t>
-            </a:r>
-            <a:r>
-              <a:rPr lang="en-US" altLang="zh-TW" dirty="0">
-                <a:latin typeface="標楷體" panose="03000509000000000000" pitchFamily="65" charset="-120"/>
-                <a:ea typeface="標楷體" panose="03000509000000000000" pitchFamily="65" charset="-120"/>
-              </a:rPr>
-              <a:t>)</a:t>
-            </a:r>
-            <a:endParaRPr lang="zh-TW" altLang="en-US" dirty="0">
-              <a:latin typeface="標楷體" panose="03000509000000000000" pitchFamily="65" charset="-120"/>
-              <a:ea typeface="標楷體" panose="03000509000000000000" pitchFamily="65" charset="-120"/>
-            </a:endParaRPr>
+              <a:t>起點</a:t>
+            </a:r>
           </a:p>
         </p:txBody>
       </p:sp>
@@ -10071,7 +11474,7 @@
 </p:sld>
 </file>
 
-<file path=ppt/slides/slide2.xml><?xml version="1.0" encoding="utf-8"?>
+<file path=ppt/slides/slide22.xml><?xml version="1.0" encoding="utf-8"?>
 <p:sld xmlns:a="http://schemas.openxmlformats.org/drawingml/2006/main" xmlns:r="http://schemas.openxmlformats.org/officeDocument/2006/relationships" xmlns:p="http://schemas.openxmlformats.org/presentationml/2006/main">
   <p:cSld>
     <p:spTree>
@@ -10098,53 +11501,267 @@
             <p:ph type="title"/>
           </p:nvPr>
         </p:nvSpPr>
-        <p:spPr/>
-        <p:txBody>
-          <a:bodyPr/>
-          <a:lstStyle/>
-          <a:p>
-            <a:r>
-              <a:rPr lang="zh-TW" altLang="en-US" dirty="0"/>
-              <a:t>控管記錄 </a:t>
-            </a:r>
-            <a:r>
-              <a:rPr lang="en-US" altLang="zh-TW" dirty="0"/>
-              <a:t>–</a:t>
-            </a:r>
-            <a:r>
-              <a:rPr lang="zh-TW" altLang="en-US" dirty="0"/>
-              <a:t> </a:t>
-            </a:r>
-            <a:r>
-              <a:rPr lang="en-US" altLang="zh-TW" dirty="0"/>
-              <a:t>NAS</a:t>
-            </a:r>
-            <a:r>
-              <a:rPr lang="zh-TW" altLang="en-US" dirty="0"/>
-              <a:t> </a:t>
-            </a:r>
-            <a:r>
-              <a:rPr lang="en-US" altLang="zh-TW" dirty="0"/>
-              <a:t>(</a:t>
-            </a:r>
-            <a:r>
-              <a:rPr lang="en-US" altLang="zh-TW" sz="4400" dirty="0"/>
-              <a:t>2023/6/1</a:t>
-            </a:r>
-            <a:r>
-              <a:rPr lang="en-US" altLang="zh-TW" dirty="0"/>
-              <a:t>)</a:t>
-            </a:r>
-            <a:endParaRPr lang="zh-TW" altLang="en-US" dirty="0"/>
-          </a:p>
-        </p:txBody>
-      </p:sp>
-      <p:sp>
-        <p:nvSpPr>
-          <p:cNvPr id="9" name="矩形 8">
+        <p:spPr>
+          <a:xfrm>
+            <a:off x="838200" y="365125"/>
+            <a:ext cx="10515600" cy="720000"/>
+          </a:xfrm>
+        </p:spPr>
+        <p:txBody>
+          <a:bodyPr>
+            <a:noAutofit/>
+          </a:bodyPr>
+          <a:lstStyle/>
+          <a:p>
+            <a:r>
+              <a:rPr lang="zh-TW" altLang="en-US" sz="3200" dirty="0"/>
+              <a:t>成果展示 </a:t>
+            </a:r>
+            <a:r>
+              <a:rPr lang="en-US" altLang="zh-TW" sz="3200" dirty="0"/>
+              <a:t>– </a:t>
+            </a:r>
+            <a:r>
+              <a:rPr lang="en-US" altLang="zh-TW" sz="3200" dirty="0">
+                <a:latin typeface="標楷體" panose="03000509000000000000" pitchFamily="65" charset="-120"/>
+              </a:rPr>
+              <a:t>Bram(640x480) + Sobel </a:t>
+            </a:r>
+            <a:r>
+              <a:rPr lang="zh-TW" altLang="en-US" sz="3200" dirty="0">
+                <a:latin typeface="標楷體" panose="03000509000000000000" pitchFamily="65" charset="-120"/>
+              </a:rPr>
+              <a:t>燒錄驗證功能</a:t>
+            </a:r>
+            <a:r>
+              <a:rPr lang="en-US" altLang="zh-TW" sz="3200" dirty="0"/>
+              <a:t>(1/2)</a:t>
+            </a:r>
+            <a:endParaRPr lang="zh-TW" altLang="en-US" sz="3200" dirty="0"/>
+          </a:p>
+        </p:txBody>
+      </p:sp>
+      <p:sp>
+        <p:nvSpPr>
+          <p:cNvPr id="14" name="文字方塊 13">
             <a:extLst>
               <a:ext uri="{FF2B5EF4-FFF2-40B4-BE49-F238E27FC236}">
-                <a16:creationId xmlns:a16="http://schemas.microsoft.com/office/drawing/2014/main" id="{1F596EB5-194B-41DD-9405-83C981B5180E}"/>
+                <a16:creationId xmlns:a16="http://schemas.microsoft.com/office/drawing/2014/main" id="{E4E592F9-FC71-4DD1-9118-16844995CC7F}"/>
+              </a:ext>
+            </a:extLst>
+          </p:cNvPr>
+          <p:cNvSpPr txBox="1"/>
+          <p:nvPr/>
+        </p:nvSpPr>
+        <p:spPr>
+          <a:xfrm>
+            <a:off x="2013569" y="1289462"/>
+            <a:ext cx="5373306" cy="1200329"/>
+          </a:xfrm>
+          <a:prstGeom prst="rect">
+            <a:avLst/>
+          </a:prstGeom>
+          <a:noFill/>
+        </p:spPr>
+        <p:txBody>
+          <a:bodyPr wrap="square">
+            <a:spAutoFit/>
+          </a:bodyPr>
+          <a:lstStyle/>
+          <a:p>
+            <a:pPr marL="285750" indent="-285750">
+              <a:buFont typeface="Arial" panose="020B0604020202020204" pitchFamily="34" charset="0"/>
+              <a:buChar char="•"/>
+            </a:pPr>
+            <a:r>
+              <a:rPr lang="zh-TW" altLang="en-US" dirty="0">
+                <a:latin typeface="標楷體" panose="03000509000000000000" pitchFamily="65" charset="-120"/>
+                <a:ea typeface="標楷體" panose="03000509000000000000" pitchFamily="65" charset="-120"/>
+              </a:rPr>
+              <a:t>手繪方型</a:t>
+            </a:r>
+            <a:endParaRPr lang="en-US" altLang="zh-TW" dirty="0">
+              <a:latin typeface="標楷體" panose="03000509000000000000" pitchFamily="65" charset="-120"/>
+              <a:ea typeface="標楷體" panose="03000509000000000000" pitchFamily="65" charset="-120"/>
+            </a:endParaRPr>
+          </a:p>
+          <a:p>
+            <a:pPr marL="742950" lvl="1" indent="-285750">
+              <a:buFont typeface="Arial" panose="020B0604020202020204" pitchFamily="34" charset="0"/>
+              <a:buChar char="•"/>
+            </a:pPr>
+            <a:r>
+              <a:rPr lang="zh-TW" altLang="en-US" dirty="0">
+                <a:latin typeface="標楷體" panose="03000509000000000000" pitchFamily="65" charset="-120"/>
+                <a:ea typeface="標楷體" panose="03000509000000000000" pitchFamily="65" charset="-120"/>
+              </a:rPr>
+              <a:t>方型</a:t>
+            </a:r>
+            <a:r>
+              <a:rPr lang="en-US" altLang="zh-TW" dirty="0">
+                <a:latin typeface="標楷體" panose="03000509000000000000" pitchFamily="65" charset="-120"/>
+                <a:ea typeface="標楷體" panose="03000509000000000000" pitchFamily="65" charset="-120"/>
+              </a:rPr>
+              <a:t>: 200x200 (8</a:t>
+            </a:r>
+            <a:r>
+              <a:rPr lang="en-US" altLang="zh-TW" dirty="0">
+                <a:latin typeface="Times New Roman" panose="02020603050405020304" pitchFamily="18" charset="0"/>
+                <a:ea typeface="標楷體" panose="03000509000000000000" pitchFamily="65" charset="-120"/>
+              </a:rPr>
+              <a:t>bits</a:t>
+            </a:r>
+            <a:r>
+              <a:rPr lang="en-US" altLang="zh-TW" dirty="0">
+                <a:latin typeface="標楷體" panose="03000509000000000000" pitchFamily="65" charset="-120"/>
+                <a:ea typeface="標楷體" panose="03000509000000000000" pitchFamily="65" charset="-120"/>
+              </a:rPr>
+              <a:t>)</a:t>
+            </a:r>
+          </a:p>
+          <a:p>
+            <a:pPr marL="742950" lvl="1" indent="-285750">
+              <a:buFont typeface="Arial" panose="020B0604020202020204" pitchFamily="34" charset="0"/>
+              <a:buChar char="•"/>
+            </a:pPr>
+            <a:r>
+              <a:rPr lang="zh-TW" altLang="en-US" dirty="0">
+                <a:latin typeface="標楷體" panose="03000509000000000000" pitchFamily="65" charset="-120"/>
+                <a:ea typeface="標楷體" panose="03000509000000000000" pitchFamily="65" charset="-120"/>
+              </a:rPr>
+              <a:t>起點</a:t>
+            </a:r>
+            <a:r>
+              <a:rPr lang="en-US" altLang="zh-TW" dirty="0">
+                <a:latin typeface="標楷體" panose="03000509000000000000" pitchFamily="65" charset="-120"/>
+                <a:ea typeface="標楷體" panose="03000509000000000000" pitchFamily="65" charset="-120"/>
+              </a:rPr>
+              <a:t>: 200,200</a:t>
+            </a:r>
+            <a:endParaRPr lang="zh-TW" altLang="en-US" dirty="0">
+              <a:latin typeface="標楷體" panose="03000509000000000000" pitchFamily="65" charset="-120"/>
+              <a:ea typeface="標楷體" panose="03000509000000000000" pitchFamily="65" charset="-120"/>
+            </a:endParaRPr>
+          </a:p>
+          <a:p>
+            <a:pPr marL="285750" indent="-285750">
+              <a:buFont typeface="Arial" panose="020B0604020202020204" pitchFamily="34" charset="0"/>
+              <a:buChar char="•"/>
+            </a:pPr>
+            <a:endParaRPr lang="zh-TW" altLang="en-US" dirty="0">
+              <a:latin typeface="標楷體" panose="03000509000000000000" pitchFamily="65" charset="-120"/>
+              <a:ea typeface="標楷體" panose="03000509000000000000" pitchFamily="65" charset="-120"/>
+            </a:endParaRPr>
+          </a:p>
+        </p:txBody>
+      </p:sp>
+      <p:sp>
+        <p:nvSpPr>
+          <p:cNvPr id="8" name="文字方塊 7">
+            <a:extLst>
+              <a:ext uri="{FF2B5EF4-FFF2-40B4-BE49-F238E27FC236}">
+                <a16:creationId xmlns:a16="http://schemas.microsoft.com/office/drawing/2014/main" id="{86B8A071-0D2B-4145-B391-8D88BAA75209}"/>
+              </a:ext>
+            </a:extLst>
+          </p:cNvPr>
+          <p:cNvSpPr txBox="1"/>
+          <p:nvPr/>
+        </p:nvSpPr>
+        <p:spPr>
+          <a:xfrm>
+            <a:off x="5431388" y="5379372"/>
+            <a:ext cx="1648002" cy="401321"/>
+          </a:xfrm>
+          <a:prstGeom prst="rect">
+            <a:avLst/>
+          </a:prstGeom>
+          <a:noFill/>
+        </p:spPr>
+        <p:txBody>
+          <a:bodyPr wrap="square">
+            <a:spAutoFit/>
+          </a:bodyPr>
+          <a:lstStyle/>
+          <a:p>
+            <a:r>
+              <a:rPr lang="zh-TW" altLang="en-US" dirty="0">
+                <a:latin typeface="標楷體" panose="03000509000000000000" pitchFamily="65" charset="-120"/>
+                <a:ea typeface="標楷體" panose="03000509000000000000" pitchFamily="65" charset="-120"/>
+              </a:rPr>
+              <a:t>圖</a:t>
+            </a:r>
+            <a:r>
+              <a:rPr lang="en-US" altLang="zh-TW" dirty="0">
+                <a:latin typeface="標楷體" panose="03000509000000000000" pitchFamily="65" charset="-120"/>
+                <a:ea typeface="標楷體" panose="03000509000000000000" pitchFamily="65" charset="-120"/>
+              </a:rPr>
+              <a:t>1.</a:t>
+            </a:r>
+            <a:r>
+              <a:rPr lang="zh-TW" altLang="en-US" dirty="0">
+                <a:latin typeface="標楷體" panose="03000509000000000000" pitchFamily="65" charset="-120"/>
+                <a:ea typeface="標楷體" panose="03000509000000000000" pitchFamily="65" charset="-120"/>
+              </a:rPr>
+              <a:t>圖形起點</a:t>
+            </a:r>
+          </a:p>
+        </p:txBody>
+      </p:sp>
+      <p:sp>
+        <p:nvSpPr>
+          <p:cNvPr id="6" name="文字方塊 5">
+            <a:extLst>
+              <a:ext uri="{FF2B5EF4-FFF2-40B4-BE49-F238E27FC236}">
+                <a16:creationId xmlns:a16="http://schemas.microsoft.com/office/drawing/2014/main" id="{66A40BB8-D78D-42B6-B36F-19BCB3689F58}"/>
+              </a:ext>
+            </a:extLst>
+          </p:cNvPr>
+          <p:cNvSpPr txBox="1"/>
+          <p:nvPr/>
+        </p:nvSpPr>
+        <p:spPr>
+          <a:xfrm>
+            <a:off x="6877961" y="1552520"/>
+            <a:ext cx="5373306" cy="369332"/>
+          </a:xfrm>
+          <a:prstGeom prst="rect">
+            <a:avLst/>
+          </a:prstGeom>
+          <a:noFill/>
+        </p:spPr>
+        <p:txBody>
+          <a:bodyPr wrap="square">
+            <a:spAutoFit/>
+          </a:bodyPr>
+          <a:lstStyle/>
+          <a:p>
+            <a:pPr marL="285750" indent="-285750">
+              <a:buFont typeface="Arial" panose="020B0604020202020204" pitchFamily="34" charset="0"/>
+              <a:buChar char="•"/>
+            </a:pPr>
+            <a:r>
+              <a:rPr lang="en-US" altLang="zh-TW" dirty="0">
+                <a:latin typeface="Times New Roman" panose="02020603050405020304" pitchFamily="18" charset="0"/>
+                <a:ea typeface="Tahoma" panose="020B0604030504040204" pitchFamily="34" charset="0"/>
+              </a:rPr>
+              <a:t>Sobel</a:t>
+            </a:r>
+            <a:r>
+              <a:rPr lang="zh-TW" altLang="en-US" dirty="0">
+                <a:latin typeface="標楷體" panose="03000509000000000000" pitchFamily="65" charset="-120"/>
+                <a:ea typeface="標楷體" panose="03000509000000000000" pitchFamily="65" charset="-120"/>
+              </a:rPr>
+              <a:t>頭兩行有加強邊線厚度</a:t>
+            </a:r>
+          </a:p>
+        </p:txBody>
+      </p:sp>
+      <p:sp>
+        <p:nvSpPr>
+          <p:cNvPr id="7" name="矩形 6">
+            <a:extLst>
+              <a:ext uri="{FF2B5EF4-FFF2-40B4-BE49-F238E27FC236}">
+                <a16:creationId xmlns:a16="http://schemas.microsoft.com/office/drawing/2014/main" id="{40EFB5A5-0A95-4E2D-8BF0-572456D65E3C}"/>
               </a:ext>
             </a:extLst>
           </p:cNvPr>
@@ -10152,58 +11769,97 @@
           <p:nvPr/>
         </p:nvSpPr>
         <p:spPr>
-          <a:xfrm>
-            <a:off x="92279" y="1235933"/>
-            <a:ext cx="3120704" cy="1323439"/>
+          <a:xfrm rot="5400000">
+            <a:off x="4892845" y="3842981"/>
+            <a:ext cx="1219203" cy="391239"/>
           </a:xfrm>
           <a:prstGeom prst="rect">
             <a:avLst/>
           </a:prstGeom>
+          <a:noFill/>
+          <a:ln w="28575">
+            <a:solidFill>
+              <a:srgbClr val="FF0000"/>
+            </a:solidFill>
+          </a:ln>
         </p:spPr>
-        <p:txBody>
-          <a:bodyPr wrap="square">
-            <a:spAutoFit/>
-          </a:bodyPr>
-          <a:lstStyle/>
-          <a:p>
-            <a:pPr marL="285750" lvl="1" indent="-285750"/>
-            <a:r>
-              <a:rPr lang="zh-TW" altLang="en-US" sz="2000" dirty="0">
-                <a:latin typeface="Times New Roman" panose="02020603050405020304" pitchFamily="18" charset="0"/>
-                <a:ea typeface="標楷體" panose="03000509000000000000" pitchFamily="65" charset="-120"/>
-              </a:rPr>
-              <a:t>本週更新：</a:t>
-            </a:r>
-            <a:endParaRPr lang="en-US" altLang="zh-TW" sz="2000" dirty="0">
-              <a:latin typeface="Times New Roman" panose="02020603050405020304" pitchFamily="18" charset="0"/>
-              <a:ea typeface="標楷體" panose="03000509000000000000" pitchFamily="65" charset="-120"/>
+        <p:style>
+          <a:lnRef idx="2">
+            <a:schemeClr val="accent1">
+              <a:shade val="50000"/>
+            </a:schemeClr>
+          </a:lnRef>
+          <a:fillRef idx="1">
+            <a:schemeClr val="accent1"/>
+          </a:fillRef>
+          <a:effectRef idx="0">
+            <a:schemeClr val="accent1"/>
+          </a:effectRef>
+          <a:fontRef idx="minor">
+            <a:schemeClr val="lt1"/>
+          </a:fontRef>
+        </p:style>
+        <p:txBody>
+          <a:bodyPr rtlCol="0" anchor="ctr"/>
+          <a:lstStyle/>
+          <a:p>
+            <a:pPr algn="ctr"/>
+            <a:endParaRPr lang="zh-TW" altLang="en-US" dirty="0">
+              <a:noFill/>
             </a:endParaRPr>
           </a:p>
-          <a:p>
-            <a:pPr marL="285750" lvl="1" indent="-285750"/>
-            <a:r>
-              <a:rPr lang="en-US" altLang="zh-TW" sz="2000" dirty="0">
-                <a:latin typeface="Times New Roman" panose="02020603050405020304" pitchFamily="18" charset="0"/>
-                <a:ea typeface="標楷體" panose="03000509000000000000" pitchFamily="65" charset="-120"/>
-              </a:rPr>
-              <a:t>N02-Architecture</a:t>
-            </a:r>
-          </a:p>
-          <a:p>
-            <a:pPr marL="285750" lvl="1" indent="-285750"/>
-            <a:r>
-              <a:rPr lang="en-US" altLang="zh-TW" sz="2000" dirty="0">
-                <a:latin typeface="Times New Roman" panose="02020603050405020304" pitchFamily="18" charset="0"/>
-                <a:ea typeface="標楷體" panose="03000509000000000000" pitchFamily="65" charset="-120"/>
-              </a:rPr>
-              <a:t>N06-Demo&amp;ppt</a:t>
-            </a:r>
-          </a:p>
-          <a:p>
-            <a:pPr marL="285750" lvl="1" indent="-285750"/>
-            <a:endParaRPr lang="en-US" altLang="zh-TW" sz="2000" dirty="0">
-              <a:latin typeface="Times New Roman" panose="02020603050405020304" pitchFamily="18" charset="0"/>
-              <a:ea typeface="標楷體" panose="03000509000000000000" pitchFamily="65" charset="-120"/>
+        </p:txBody>
+      </p:sp>
+      <p:sp>
+        <p:nvSpPr>
+          <p:cNvPr id="9" name="矩形 8">
+            <a:extLst>
+              <a:ext uri="{FF2B5EF4-FFF2-40B4-BE49-F238E27FC236}">
+                <a16:creationId xmlns:a16="http://schemas.microsoft.com/office/drawing/2014/main" id="{18F3B7A8-D849-42B6-8EE3-B04782717833}"/>
+              </a:ext>
+            </a:extLst>
+          </p:cNvPr>
+          <p:cNvSpPr/>
+          <p:nvPr/>
+        </p:nvSpPr>
+        <p:spPr>
+          <a:xfrm rot="5400000">
+            <a:off x="7584100" y="3906591"/>
+            <a:ext cx="1219202" cy="391239"/>
+          </a:xfrm>
+          <a:prstGeom prst="rect">
+            <a:avLst/>
+          </a:prstGeom>
+          <a:noFill/>
+          <a:ln w="28575">
+            <a:solidFill>
+              <a:srgbClr val="FF0000"/>
+            </a:solidFill>
+          </a:ln>
+        </p:spPr>
+        <p:style>
+          <a:lnRef idx="2">
+            <a:schemeClr val="accent1">
+              <a:shade val="50000"/>
+            </a:schemeClr>
+          </a:lnRef>
+          <a:fillRef idx="1">
+            <a:schemeClr val="accent1"/>
+          </a:fillRef>
+          <a:effectRef idx="0">
+            <a:schemeClr val="accent1"/>
+          </a:effectRef>
+          <a:fontRef idx="minor">
+            <a:schemeClr val="lt1"/>
+          </a:fontRef>
+        </p:style>
+        <p:txBody>
+          <a:bodyPr rtlCol="0" anchor="ctr"/>
+          <a:lstStyle/>
+          <a:p>
+            <a:pPr algn="ctr"/>
+            <a:endParaRPr lang="zh-TW" altLang="en-US" dirty="0">
+              <a:noFill/>
             </a:endParaRPr>
           </a:p>
         </p:txBody>
@@ -10211,7 +11867,7 @@
     </p:spTree>
     <p:extLst>
       <p:ext uri="{BB962C8B-B14F-4D97-AF65-F5344CB8AC3E}">
-        <p14:creationId xmlns:p14="http://schemas.microsoft.com/office/powerpoint/2010/main" val="3556275576"/>
+        <p14:creationId xmlns:p14="http://schemas.microsoft.com/office/powerpoint/2010/main" val="2809026845"/>
       </p:ext>
     </p:extLst>
   </p:cSld>
@@ -10221,7 +11877,7 @@
 </p:sld>
 </file>
 
-<file path=ppt/slides/slide20.xml><?xml version="1.0" encoding="utf-8"?>
+<file path=ppt/slides/slide23.xml><?xml version="1.0" encoding="utf-8"?>
 <p:sld xmlns:a="http://schemas.openxmlformats.org/drawingml/2006/main" xmlns:r="http://schemas.openxmlformats.org/officeDocument/2006/relationships" xmlns:p="http://schemas.openxmlformats.org/presentationml/2006/main">
   <p:cSld>
     <p:spTree>
@@ -10240,6 +11896,796 @@
       </p:grpSpPr>
       <p:sp>
         <p:nvSpPr>
+          <p:cNvPr id="3" name="標題 2"/>
+          <p:cNvSpPr>
+            <a:spLocks noGrp="1"/>
+          </p:cNvSpPr>
+          <p:nvPr>
+            <p:ph type="title"/>
+          </p:nvPr>
+        </p:nvSpPr>
+        <p:spPr>
+          <a:xfrm>
+            <a:off x="838200" y="365125"/>
+            <a:ext cx="10515600" cy="720000"/>
+          </a:xfrm>
+        </p:spPr>
+        <p:txBody>
+          <a:bodyPr>
+            <a:noAutofit/>
+          </a:bodyPr>
+          <a:lstStyle/>
+          <a:p>
+            <a:r>
+              <a:rPr lang="zh-TW" altLang="en-US" sz="3200" dirty="0"/>
+              <a:t>成果展示 </a:t>
+            </a:r>
+            <a:r>
+              <a:rPr lang="en-US" altLang="zh-TW" sz="3200" dirty="0"/>
+              <a:t>– </a:t>
+            </a:r>
+            <a:r>
+              <a:rPr lang="en-US" altLang="zh-TW" sz="3200" dirty="0">
+                <a:latin typeface="標楷體" panose="03000509000000000000" pitchFamily="65" charset="-120"/>
+              </a:rPr>
+              <a:t>Bram(640x480) + Sobel </a:t>
+            </a:r>
+            <a:r>
+              <a:rPr lang="zh-TW" altLang="en-US" sz="3200" dirty="0">
+                <a:latin typeface="標楷體" panose="03000509000000000000" pitchFamily="65" charset="-120"/>
+              </a:rPr>
+              <a:t>燒錄驗證功能</a:t>
+            </a:r>
+            <a:r>
+              <a:rPr lang="en-US" altLang="zh-TW" sz="3200" dirty="0"/>
+              <a:t>(1/2)</a:t>
+            </a:r>
+            <a:endParaRPr lang="zh-TW" altLang="en-US" sz="3200" dirty="0"/>
+          </a:p>
+        </p:txBody>
+      </p:sp>
+      <p:sp>
+        <p:nvSpPr>
+          <p:cNvPr id="14" name="文字方塊 13">
+            <a:extLst>
+              <a:ext uri="{FF2B5EF4-FFF2-40B4-BE49-F238E27FC236}">
+                <a16:creationId xmlns:a16="http://schemas.microsoft.com/office/drawing/2014/main" id="{E4E592F9-FC71-4DD1-9118-16844995CC7F}"/>
+              </a:ext>
+            </a:extLst>
+          </p:cNvPr>
+          <p:cNvSpPr txBox="1"/>
+          <p:nvPr/>
+        </p:nvSpPr>
+        <p:spPr>
+          <a:xfrm>
+            <a:off x="2013569" y="1289462"/>
+            <a:ext cx="5373306" cy="923330"/>
+          </a:xfrm>
+          <a:prstGeom prst="rect">
+            <a:avLst/>
+          </a:prstGeom>
+          <a:noFill/>
+        </p:spPr>
+        <p:txBody>
+          <a:bodyPr wrap="square">
+            <a:spAutoFit/>
+          </a:bodyPr>
+          <a:lstStyle/>
+          <a:p>
+            <a:pPr marL="285750" indent="-285750">
+              <a:buFont typeface="Arial" panose="020B0604020202020204" pitchFamily="34" charset="0"/>
+              <a:buChar char="•"/>
+            </a:pPr>
+            <a:r>
+              <a:rPr lang="en-US" altLang="zh-TW" dirty="0">
+                <a:latin typeface="標楷體" panose="03000509000000000000" pitchFamily="65" charset="-120"/>
+                <a:ea typeface="標楷體" panose="03000509000000000000" pitchFamily="65" charset="-120"/>
+              </a:rPr>
+              <a:t>BRAM:</a:t>
+            </a:r>
+          </a:p>
+          <a:p>
+            <a:pPr marL="742950" lvl="1" indent="-285750">
+              <a:buFont typeface="Arial" panose="020B0604020202020204" pitchFamily="34" charset="0"/>
+              <a:buChar char="•"/>
+            </a:pPr>
+            <a:r>
+              <a:rPr lang="zh-TW" altLang="en-US" dirty="0">
+                <a:latin typeface="標楷體" panose="03000509000000000000" pitchFamily="65" charset="-120"/>
+                <a:ea typeface="標楷體" panose="03000509000000000000" pitchFamily="65" charset="-120"/>
+              </a:rPr>
+              <a:t>方型</a:t>
+            </a:r>
+            <a:r>
+              <a:rPr lang="en-US" altLang="zh-TW" dirty="0">
+                <a:latin typeface="標楷體" panose="03000509000000000000" pitchFamily="65" charset="-120"/>
+                <a:ea typeface="標楷體" panose="03000509000000000000" pitchFamily="65" charset="-120"/>
+              </a:rPr>
+              <a:t>: 640x480 (8</a:t>
+            </a:r>
+            <a:r>
+              <a:rPr lang="en-US" altLang="zh-TW" dirty="0">
+                <a:latin typeface="Times New Roman" panose="02020603050405020304" pitchFamily="18" charset="0"/>
+                <a:ea typeface="標楷體" panose="03000509000000000000" pitchFamily="65" charset="-120"/>
+              </a:rPr>
+              <a:t>bits</a:t>
+            </a:r>
+            <a:r>
+              <a:rPr lang="en-US" altLang="zh-TW" dirty="0">
+                <a:latin typeface="標楷體" panose="03000509000000000000" pitchFamily="65" charset="-120"/>
+                <a:ea typeface="標楷體" panose="03000509000000000000" pitchFamily="65" charset="-120"/>
+              </a:rPr>
+              <a:t>)</a:t>
+            </a:r>
+          </a:p>
+          <a:p>
+            <a:pPr marL="742950" lvl="1" indent="-285750">
+              <a:buFont typeface="Arial" panose="020B0604020202020204" pitchFamily="34" charset="0"/>
+              <a:buChar char="•"/>
+            </a:pPr>
+            <a:r>
+              <a:rPr lang="zh-TW" altLang="en-US" dirty="0">
+                <a:latin typeface="標楷體" panose="03000509000000000000" pitchFamily="65" charset="-120"/>
+                <a:ea typeface="標楷體" panose="03000509000000000000" pitchFamily="65" charset="-120"/>
+              </a:rPr>
+              <a:t>起點</a:t>
+            </a:r>
+            <a:r>
+              <a:rPr lang="en-US" altLang="zh-TW" dirty="0">
+                <a:latin typeface="標楷體" panose="03000509000000000000" pitchFamily="65" charset="-120"/>
+                <a:ea typeface="標楷體" panose="03000509000000000000" pitchFamily="65" charset="-120"/>
+              </a:rPr>
+              <a:t>: 0,0</a:t>
+            </a:r>
+            <a:endParaRPr lang="zh-TW" altLang="en-US" dirty="0">
+              <a:latin typeface="標楷體" panose="03000509000000000000" pitchFamily="65" charset="-120"/>
+              <a:ea typeface="標楷體" panose="03000509000000000000" pitchFamily="65" charset="-120"/>
+            </a:endParaRPr>
+          </a:p>
+        </p:txBody>
+      </p:sp>
+      <p:sp>
+        <p:nvSpPr>
+          <p:cNvPr id="8" name="文字方塊 7">
+            <a:extLst>
+              <a:ext uri="{FF2B5EF4-FFF2-40B4-BE49-F238E27FC236}">
+                <a16:creationId xmlns:a16="http://schemas.microsoft.com/office/drawing/2014/main" id="{86B8A071-0D2B-4145-B391-8D88BAA75209}"/>
+              </a:ext>
+            </a:extLst>
+          </p:cNvPr>
+          <p:cNvSpPr txBox="1"/>
+          <p:nvPr/>
+        </p:nvSpPr>
+        <p:spPr>
+          <a:xfrm>
+            <a:off x="5348988" y="5501877"/>
+            <a:ext cx="1812802" cy="401321"/>
+          </a:xfrm>
+          <a:prstGeom prst="rect">
+            <a:avLst/>
+          </a:prstGeom>
+          <a:noFill/>
+        </p:spPr>
+        <p:txBody>
+          <a:bodyPr wrap="square">
+            <a:spAutoFit/>
+          </a:bodyPr>
+          <a:lstStyle/>
+          <a:p>
+            <a:r>
+              <a:rPr lang="zh-TW" altLang="en-US" dirty="0">
+                <a:latin typeface="標楷體" panose="03000509000000000000" pitchFamily="65" charset="-120"/>
+                <a:ea typeface="標楷體" panose="03000509000000000000" pitchFamily="65" charset="-120"/>
+              </a:rPr>
+              <a:t>圖</a:t>
+            </a:r>
+            <a:r>
+              <a:rPr lang="en-US" altLang="zh-TW" dirty="0">
+                <a:latin typeface="標楷體" panose="03000509000000000000" pitchFamily="65" charset="-120"/>
+                <a:ea typeface="標楷體" panose="03000509000000000000" pitchFamily="65" charset="-120"/>
+              </a:rPr>
+              <a:t>2.</a:t>
+            </a:r>
+            <a:r>
+              <a:rPr lang="zh-TW" altLang="en-US" dirty="0">
+                <a:latin typeface="標楷體" panose="03000509000000000000" pitchFamily="65" charset="-120"/>
+                <a:ea typeface="標楷體" panose="03000509000000000000" pitchFamily="65" charset="-120"/>
+              </a:rPr>
+              <a:t>麵包板接線</a:t>
+            </a:r>
+          </a:p>
+        </p:txBody>
+      </p:sp>
+      <p:sp>
+        <p:nvSpPr>
+          <p:cNvPr id="6" name="文字方塊 5">
+            <a:extLst>
+              <a:ext uri="{FF2B5EF4-FFF2-40B4-BE49-F238E27FC236}">
+                <a16:creationId xmlns:a16="http://schemas.microsoft.com/office/drawing/2014/main" id="{66A40BB8-D78D-42B6-B36F-19BCB3689F58}"/>
+              </a:ext>
+            </a:extLst>
+          </p:cNvPr>
+          <p:cNvSpPr txBox="1"/>
+          <p:nvPr/>
+        </p:nvSpPr>
+        <p:spPr>
+          <a:xfrm>
+            <a:off x="6877961" y="1552520"/>
+            <a:ext cx="5373306" cy="646331"/>
+          </a:xfrm>
+          <a:prstGeom prst="rect">
+            <a:avLst/>
+          </a:prstGeom>
+          <a:noFill/>
+        </p:spPr>
+        <p:txBody>
+          <a:bodyPr wrap="square">
+            <a:spAutoFit/>
+          </a:bodyPr>
+          <a:lstStyle/>
+          <a:p>
+            <a:pPr marL="285750" indent="-285750">
+              <a:buFont typeface="Arial" panose="020B0604020202020204" pitchFamily="34" charset="0"/>
+              <a:buChar char="•"/>
+            </a:pPr>
+            <a:r>
+              <a:rPr lang="en-US" altLang="zh-TW" dirty="0">
+                <a:latin typeface="Times New Roman" panose="02020603050405020304" pitchFamily="18" charset="0"/>
+                <a:ea typeface="Tahoma" panose="020B0604030504040204" pitchFamily="34" charset="0"/>
+              </a:rPr>
+              <a:t>Sobel</a:t>
+            </a:r>
+          </a:p>
+          <a:p>
+            <a:pPr marL="742950" lvl="1" indent="-285750">
+              <a:buFont typeface="Arial" panose="020B0604020202020204" pitchFamily="34" charset="0"/>
+              <a:buChar char="•"/>
+            </a:pPr>
+            <a:r>
+              <a:rPr lang="zh-TW" altLang="en-US" dirty="0">
+                <a:latin typeface="標楷體" panose="03000509000000000000" pitchFamily="65" charset="-120"/>
+                <a:ea typeface="標楷體" panose="03000509000000000000" pitchFamily="65" charset="-120"/>
+              </a:rPr>
+              <a:t>有加強邊線厚度</a:t>
+            </a:r>
+          </a:p>
+        </p:txBody>
+      </p:sp>
+      <p:sp>
+        <p:nvSpPr>
+          <p:cNvPr id="7" name="矩形 6">
+            <a:extLst>
+              <a:ext uri="{FF2B5EF4-FFF2-40B4-BE49-F238E27FC236}">
+                <a16:creationId xmlns:a16="http://schemas.microsoft.com/office/drawing/2014/main" id="{40EFB5A5-0A95-4E2D-8BF0-572456D65E3C}"/>
+              </a:ext>
+            </a:extLst>
+          </p:cNvPr>
+          <p:cNvSpPr/>
+          <p:nvPr/>
+        </p:nvSpPr>
+        <p:spPr>
+          <a:xfrm rot="5400000">
+            <a:off x="4892845" y="3842981"/>
+            <a:ext cx="1219203" cy="391239"/>
+          </a:xfrm>
+          <a:prstGeom prst="rect">
+            <a:avLst/>
+          </a:prstGeom>
+          <a:noFill/>
+          <a:ln w="28575">
+            <a:solidFill>
+              <a:srgbClr val="FF0000"/>
+            </a:solidFill>
+          </a:ln>
+        </p:spPr>
+        <p:style>
+          <a:lnRef idx="2">
+            <a:schemeClr val="accent1">
+              <a:shade val="50000"/>
+            </a:schemeClr>
+          </a:lnRef>
+          <a:fillRef idx="1">
+            <a:schemeClr val="accent1"/>
+          </a:fillRef>
+          <a:effectRef idx="0">
+            <a:schemeClr val="accent1"/>
+          </a:effectRef>
+          <a:fontRef idx="minor">
+            <a:schemeClr val="lt1"/>
+          </a:fontRef>
+        </p:style>
+        <p:txBody>
+          <a:bodyPr rtlCol="0" anchor="ctr"/>
+          <a:lstStyle/>
+          <a:p>
+            <a:pPr algn="ctr"/>
+            <a:endParaRPr lang="zh-TW" altLang="en-US" dirty="0">
+              <a:noFill/>
+            </a:endParaRPr>
+          </a:p>
+        </p:txBody>
+      </p:sp>
+      <p:sp>
+        <p:nvSpPr>
+          <p:cNvPr id="9" name="矩形 8">
+            <a:extLst>
+              <a:ext uri="{FF2B5EF4-FFF2-40B4-BE49-F238E27FC236}">
+                <a16:creationId xmlns:a16="http://schemas.microsoft.com/office/drawing/2014/main" id="{18F3B7A8-D849-42B6-8EE3-B04782717833}"/>
+              </a:ext>
+            </a:extLst>
+          </p:cNvPr>
+          <p:cNvSpPr/>
+          <p:nvPr/>
+        </p:nvSpPr>
+        <p:spPr>
+          <a:xfrm rot="5400000">
+            <a:off x="7584100" y="3906591"/>
+            <a:ext cx="1219202" cy="391239"/>
+          </a:xfrm>
+          <a:prstGeom prst="rect">
+            <a:avLst/>
+          </a:prstGeom>
+          <a:noFill/>
+          <a:ln w="28575">
+            <a:solidFill>
+              <a:srgbClr val="FF0000"/>
+            </a:solidFill>
+          </a:ln>
+        </p:spPr>
+        <p:style>
+          <a:lnRef idx="2">
+            <a:schemeClr val="accent1">
+              <a:shade val="50000"/>
+            </a:schemeClr>
+          </a:lnRef>
+          <a:fillRef idx="1">
+            <a:schemeClr val="accent1"/>
+          </a:fillRef>
+          <a:effectRef idx="0">
+            <a:schemeClr val="accent1"/>
+          </a:effectRef>
+          <a:fontRef idx="minor">
+            <a:schemeClr val="lt1"/>
+          </a:fontRef>
+        </p:style>
+        <p:txBody>
+          <a:bodyPr rtlCol="0" anchor="ctr"/>
+          <a:lstStyle/>
+          <a:p>
+            <a:pPr algn="ctr"/>
+            <a:endParaRPr lang="zh-TW" altLang="en-US" dirty="0">
+              <a:noFill/>
+            </a:endParaRPr>
+          </a:p>
+        </p:txBody>
+      </p:sp>
+    </p:spTree>
+    <p:extLst>
+      <p:ext uri="{BB962C8B-B14F-4D97-AF65-F5344CB8AC3E}">
+        <p14:creationId xmlns:p14="http://schemas.microsoft.com/office/powerpoint/2010/main" val="1946347575"/>
+      </p:ext>
+    </p:extLst>
+  </p:cSld>
+  <p:clrMapOvr>
+    <a:masterClrMapping/>
+  </p:clrMapOvr>
+</p:sld>
+</file>
+
+<file path=ppt/slides/slide24.xml><?xml version="1.0" encoding="utf-8"?>
+<p:sld xmlns:a="http://schemas.openxmlformats.org/drawingml/2006/main" xmlns:r="http://schemas.openxmlformats.org/officeDocument/2006/relationships" xmlns:p="http://schemas.openxmlformats.org/presentationml/2006/main">
+  <p:cSld>
+    <p:spTree>
+      <p:nvGrpSpPr>
+        <p:cNvPr id="1" name=""/>
+        <p:cNvGrpSpPr/>
+        <p:nvPr/>
+      </p:nvGrpSpPr>
+      <p:grpSpPr>
+        <a:xfrm>
+          <a:off x="0" y="0"/>
+          <a:ext cx="0" cy="0"/>
+          <a:chOff x="0" y="0"/>
+          <a:chExt cx="0" cy="0"/>
+        </a:xfrm>
+      </p:grpSpPr>
+      <p:sp>
+        <p:nvSpPr>
+          <p:cNvPr id="3" name="標題 2"/>
+          <p:cNvSpPr>
+            <a:spLocks noGrp="1"/>
+          </p:cNvSpPr>
+          <p:nvPr>
+            <p:ph type="title"/>
+          </p:nvPr>
+        </p:nvSpPr>
+        <p:spPr>
+          <a:xfrm>
+            <a:off x="838200" y="365125"/>
+            <a:ext cx="10515600" cy="720000"/>
+          </a:xfrm>
+        </p:spPr>
+        <p:txBody>
+          <a:bodyPr>
+            <a:noAutofit/>
+          </a:bodyPr>
+          <a:lstStyle/>
+          <a:p>
+            <a:r>
+              <a:rPr lang="zh-TW" altLang="en-US" sz="3200" dirty="0"/>
+              <a:t>成果展示 </a:t>
+            </a:r>
+            <a:r>
+              <a:rPr lang="en-US" altLang="zh-TW" sz="3200" dirty="0"/>
+              <a:t>– </a:t>
+            </a:r>
+            <a:r>
+              <a:rPr lang="en-US" altLang="zh-TW" sz="3200" dirty="0">
+                <a:latin typeface="標楷體" panose="03000509000000000000" pitchFamily="65" charset="-120"/>
+              </a:rPr>
+              <a:t>Bram(640x480) + Sobel </a:t>
+            </a:r>
+            <a:r>
+              <a:rPr lang="zh-TW" altLang="en-US" sz="3200" dirty="0">
+                <a:latin typeface="標楷體" panose="03000509000000000000" pitchFamily="65" charset="-120"/>
+              </a:rPr>
+              <a:t>燒錄驗證功能</a:t>
+            </a:r>
+            <a:r>
+              <a:rPr lang="en-US" altLang="zh-TW" sz="3200" dirty="0"/>
+              <a:t>(1/2)</a:t>
+            </a:r>
+            <a:endParaRPr lang="zh-TW" altLang="en-US" sz="3200" dirty="0"/>
+          </a:p>
+        </p:txBody>
+      </p:sp>
+      <p:sp>
+        <p:nvSpPr>
+          <p:cNvPr id="14" name="文字方塊 13">
+            <a:extLst>
+              <a:ext uri="{FF2B5EF4-FFF2-40B4-BE49-F238E27FC236}">
+                <a16:creationId xmlns:a16="http://schemas.microsoft.com/office/drawing/2014/main" id="{E4E592F9-FC71-4DD1-9118-16844995CC7F}"/>
+              </a:ext>
+            </a:extLst>
+          </p:cNvPr>
+          <p:cNvSpPr txBox="1"/>
+          <p:nvPr/>
+        </p:nvSpPr>
+        <p:spPr>
+          <a:xfrm>
+            <a:off x="2013569" y="1289462"/>
+            <a:ext cx="5373306" cy="923330"/>
+          </a:xfrm>
+          <a:prstGeom prst="rect">
+            <a:avLst/>
+          </a:prstGeom>
+          <a:noFill/>
+        </p:spPr>
+        <p:txBody>
+          <a:bodyPr wrap="square">
+            <a:spAutoFit/>
+          </a:bodyPr>
+          <a:lstStyle/>
+          <a:p>
+            <a:pPr marL="285750" indent="-285750">
+              <a:buFont typeface="Arial" panose="020B0604020202020204" pitchFamily="34" charset="0"/>
+              <a:buChar char="•"/>
+            </a:pPr>
+            <a:r>
+              <a:rPr lang="en-US" altLang="zh-TW" dirty="0">
+                <a:latin typeface="標楷體" panose="03000509000000000000" pitchFamily="65" charset="-120"/>
+                <a:ea typeface="標楷體" panose="03000509000000000000" pitchFamily="65" charset="-120"/>
+              </a:rPr>
+              <a:t>BRAM:</a:t>
+            </a:r>
+          </a:p>
+          <a:p>
+            <a:pPr marL="742950" lvl="1" indent="-285750">
+              <a:buFont typeface="Arial" panose="020B0604020202020204" pitchFamily="34" charset="0"/>
+              <a:buChar char="•"/>
+            </a:pPr>
+            <a:r>
+              <a:rPr lang="zh-TW" altLang="en-US" dirty="0">
+                <a:latin typeface="標楷體" panose="03000509000000000000" pitchFamily="65" charset="-120"/>
+                <a:ea typeface="標楷體" panose="03000509000000000000" pitchFamily="65" charset="-120"/>
+              </a:rPr>
+              <a:t>方型</a:t>
+            </a:r>
+            <a:r>
+              <a:rPr lang="en-US" altLang="zh-TW" dirty="0">
+                <a:latin typeface="標楷體" panose="03000509000000000000" pitchFamily="65" charset="-120"/>
+                <a:ea typeface="標楷體" panose="03000509000000000000" pitchFamily="65" charset="-120"/>
+              </a:rPr>
+              <a:t>: 640x480 (8</a:t>
+            </a:r>
+            <a:r>
+              <a:rPr lang="en-US" altLang="zh-TW" dirty="0">
+                <a:latin typeface="Times New Roman" panose="02020603050405020304" pitchFamily="18" charset="0"/>
+                <a:ea typeface="標楷體" panose="03000509000000000000" pitchFamily="65" charset="-120"/>
+              </a:rPr>
+              <a:t>bits</a:t>
+            </a:r>
+            <a:r>
+              <a:rPr lang="en-US" altLang="zh-TW" dirty="0">
+                <a:latin typeface="標楷體" panose="03000509000000000000" pitchFamily="65" charset="-120"/>
+                <a:ea typeface="標楷體" panose="03000509000000000000" pitchFamily="65" charset="-120"/>
+              </a:rPr>
+              <a:t>)</a:t>
+            </a:r>
+          </a:p>
+          <a:p>
+            <a:pPr marL="742950" lvl="1" indent="-285750">
+              <a:buFont typeface="Arial" panose="020B0604020202020204" pitchFamily="34" charset="0"/>
+              <a:buChar char="•"/>
+            </a:pPr>
+            <a:r>
+              <a:rPr lang="zh-TW" altLang="en-US" dirty="0">
+                <a:latin typeface="標楷體" panose="03000509000000000000" pitchFamily="65" charset="-120"/>
+                <a:ea typeface="標楷體" panose="03000509000000000000" pitchFamily="65" charset="-120"/>
+              </a:rPr>
+              <a:t>起點</a:t>
+            </a:r>
+            <a:r>
+              <a:rPr lang="en-US" altLang="zh-TW" dirty="0">
+                <a:latin typeface="標楷體" panose="03000509000000000000" pitchFamily="65" charset="-120"/>
+                <a:ea typeface="標楷體" panose="03000509000000000000" pitchFamily="65" charset="-120"/>
+              </a:rPr>
+              <a:t>: 0,0</a:t>
+            </a:r>
+            <a:endParaRPr lang="zh-TW" altLang="en-US" dirty="0">
+              <a:latin typeface="標楷體" panose="03000509000000000000" pitchFamily="65" charset="-120"/>
+              <a:ea typeface="標楷體" panose="03000509000000000000" pitchFamily="65" charset="-120"/>
+            </a:endParaRPr>
+          </a:p>
+        </p:txBody>
+      </p:sp>
+      <p:sp>
+        <p:nvSpPr>
+          <p:cNvPr id="8" name="文字方塊 7">
+            <a:extLst>
+              <a:ext uri="{FF2B5EF4-FFF2-40B4-BE49-F238E27FC236}">
+                <a16:creationId xmlns:a16="http://schemas.microsoft.com/office/drawing/2014/main" id="{86B8A071-0D2B-4145-B391-8D88BAA75209}"/>
+              </a:ext>
+            </a:extLst>
+          </p:cNvPr>
+          <p:cNvSpPr txBox="1"/>
+          <p:nvPr/>
+        </p:nvSpPr>
+        <p:spPr>
+          <a:xfrm>
+            <a:off x="5431388" y="5379372"/>
+            <a:ext cx="1648002" cy="369332"/>
+          </a:xfrm>
+          <a:prstGeom prst="rect">
+            <a:avLst/>
+          </a:prstGeom>
+          <a:noFill/>
+        </p:spPr>
+        <p:txBody>
+          <a:bodyPr wrap="square">
+            <a:spAutoFit/>
+          </a:bodyPr>
+          <a:lstStyle/>
+          <a:p>
+            <a:r>
+              <a:rPr lang="zh-TW" altLang="en-US" dirty="0">
+                <a:latin typeface="標楷體" panose="03000509000000000000" pitchFamily="65" charset="-120"/>
+                <a:ea typeface="標楷體" panose="03000509000000000000" pitchFamily="65" charset="-120"/>
+              </a:rPr>
+              <a:t>圖</a:t>
+            </a:r>
+            <a:r>
+              <a:rPr lang="en-US" altLang="zh-TW" dirty="0">
+                <a:latin typeface="標楷體" panose="03000509000000000000" pitchFamily="65" charset="-120"/>
+                <a:ea typeface="標楷體" panose="03000509000000000000" pitchFamily="65" charset="-120"/>
+              </a:rPr>
+              <a:t>3.</a:t>
+            </a:r>
+            <a:r>
+              <a:rPr lang="zh-TW" altLang="en-US" dirty="0">
+                <a:latin typeface="標楷體" panose="03000509000000000000" pitchFamily="65" charset="-120"/>
+                <a:ea typeface="標楷體" panose="03000509000000000000" pitchFamily="65" charset="-120"/>
+              </a:rPr>
+              <a:t>圖形起點</a:t>
+            </a:r>
+          </a:p>
+        </p:txBody>
+      </p:sp>
+      <p:sp>
+        <p:nvSpPr>
+          <p:cNvPr id="6" name="文字方塊 5">
+            <a:extLst>
+              <a:ext uri="{FF2B5EF4-FFF2-40B4-BE49-F238E27FC236}">
+                <a16:creationId xmlns:a16="http://schemas.microsoft.com/office/drawing/2014/main" id="{66A40BB8-D78D-42B6-B36F-19BCB3689F58}"/>
+              </a:ext>
+            </a:extLst>
+          </p:cNvPr>
+          <p:cNvSpPr txBox="1"/>
+          <p:nvPr/>
+        </p:nvSpPr>
+        <p:spPr>
+          <a:xfrm>
+            <a:off x="6877961" y="1552520"/>
+            <a:ext cx="5373306" cy="646331"/>
+          </a:xfrm>
+          <a:prstGeom prst="rect">
+            <a:avLst/>
+          </a:prstGeom>
+          <a:noFill/>
+        </p:spPr>
+        <p:txBody>
+          <a:bodyPr wrap="square">
+            <a:spAutoFit/>
+          </a:bodyPr>
+          <a:lstStyle/>
+          <a:p>
+            <a:pPr marL="285750" indent="-285750">
+              <a:buFont typeface="Arial" panose="020B0604020202020204" pitchFamily="34" charset="0"/>
+              <a:buChar char="•"/>
+            </a:pPr>
+            <a:r>
+              <a:rPr lang="en-US" altLang="zh-TW" dirty="0">
+                <a:latin typeface="Times New Roman" panose="02020603050405020304" pitchFamily="18" charset="0"/>
+                <a:ea typeface="Tahoma" panose="020B0604030504040204" pitchFamily="34" charset="0"/>
+              </a:rPr>
+              <a:t>Sobel</a:t>
+            </a:r>
+          </a:p>
+          <a:p>
+            <a:pPr marL="742950" lvl="1" indent="-285750">
+              <a:buFont typeface="Arial" panose="020B0604020202020204" pitchFamily="34" charset="0"/>
+              <a:buChar char="•"/>
+            </a:pPr>
+            <a:r>
+              <a:rPr lang="zh-TW" altLang="en-US" dirty="0">
+                <a:latin typeface="標楷體" panose="03000509000000000000" pitchFamily="65" charset="-120"/>
+                <a:ea typeface="標楷體" panose="03000509000000000000" pitchFamily="65" charset="-120"/>
+              </a:rPr>
+              <a:t>有加強邊線厚度</a:t>
+            </a:r>
+          </a:p>
+        </p:txBody>
+      </p:sp>
+      <p:sp>
+        <p:nvSpPr>
+          <p:cNvPr id="7" name="矩形 6">
+            <a:extLst>
+              <a:ext uri="{FF2B5EF4-FFF2-40B4-BE49-F238E27FC236}">
+                <a16:creationId xmlns:a16="http://schemas.microsoft.com/office/drawing/2014/main" id="{40EFB5A5-0A95-4E2D-8BF0-572456D65E3C}"/>
+              </a:ext>
+            </a:extLst>
+          </p:cNvPr>
+          <p:cNvSpPr/>
+          <p:nvPr/>
+        </p:nvSpPr>
+        <p:spPr>
+          <a:xfrm rot="5400000">
+            <a:off x="4892845" y="3842981"/>
+            <a:ext cx="1219203" cy="391239"/>
+          </a:xfrm>
+          <a:prstGeom prst="rect">
+            <a:avLst/>
+          </a:prstGeom>
+          <a:noFill/>
+          <a:ln w="28575">
+            <a:solidFill>
+              <a:srgbClr val="FF0000"/>
+            </a:solidFill>
+          </a:ln>
+        </p:spPr>
+        <p:style>
+          <a:lnRef idx="2">
+            <a:schemeClr val="accent1">
+              <a:shade val="50000"/>
+            </a:schemeClr>
+          </a:lnRef>
+          <a:fillRef idx="1">
+            <a:schemeClr val="accent1"/>
+          </a:fillRef>
+          <a:effectRef idx="0">
+            <a:schemeClr val="accent1"/>
+          </a:effectRef>
+          <a:fontRef idx="minor">
+            <a:schemeClr val="lt1"/>
+          </a:fontRef>
+        </p:style>
+        <p:txBody>
+          <a:bodyPr rtlCol="0" anchor="ctr"/>
+          <a:lstStyle/>
+          <a:p>
+            <a:pPr algn="ctr"/>
+            <a:endParaRPr lang="zh-TW" altLang="en-US" dirty="0">
+              <a:noFill/>
+            </a:endParaRPr>
+          </a:p>
+        </p:txBody>
+      </p:sp>
+      <p:sp>
+        <p:nvSpPr>
+          <p:cNvPr id="9" name="矩形 8">
+            <a:extLst>
+              <a:ext uri="{FF2B5EF4-FFF2-40B4-BE49-F238E27FC236}">
+                <a16:creationId xmlns:a16="http://schemas.microsoft.com/office/drawing/2014/main" id="{18F3B7A8-D849-42B6-8EE3-B04782717833}"/>
+              </a:ext>
+            </a:extLst>
+          </p:cNvPr>
+          <p:cNvSpPr/>
+          <p:nvPr/>
+        </p:nvSpPr>
+        <p:spPr>
+          <a:xfrm rot="5400000">
+            <a:off x="7584100" y="3906591"/>
+            <a:ext cx="1219202" cy="391239"/>
+          </a:xfrm>
+          <a:prstGeom prst="rect">
+            <a:avLst/>
+          </a:prstGeom>
+          <a:noFill/>
+          <a:ln w="28575">
+            <a:solidFill>
+              <a:srgbClr val="FF0000"/>
+            </a:solidFill>
+          </a:ln>
+        </p:spPr>
+        <p:style>
+          <a:lnRef idx="2">
+            <a:schemeClr val="accent1">
+              <a:shade val="50000"/>
+            </a:schemeClr>
+          </a:lnRef>
+          <a:fillRef idx="1">
+            <a:schemeClr val="accent1"/>
+          </a:fillRef>
+          <a:effectRef idx="0">
+            <a:schemeClr val="accent1"/>
+          </a:effectRef>
+          <a:fontRef idx="minor">
+            <a:schemeClr val="lt1"/>
+          </a:fontRef>
+        </p:style>
+        <p:txBody>
+          <a:bodyPr rtlCol="0" anchor="ctr"/>
+          <a:lstStyle/>
+          <a:p>
+            <a:pPr algn="ctr"/>
+            <a:endParaRPr lang="zh-TW" altLang="en-US" dirty="0">
+              <a:noFill/>
+            </a:endParaRPr>
+          </a:p>
+        </p:txBody>
+      </p:sp>
+    </p:spTree>
+    <p:extLst>
+      <p:ext uri="{BB962C8B-B14F-4D97-AF65-F5344CB8AC3E}">
+        <p14:creationId xmlns:p14="http://schemas.microsoft.com/office/powerpoint/2010/main" val="1820269441"/>
+      </p:ext>
+    </p:extLst>
+  </p:cSld>
+  <p:clrMapOvr>
+    <a:masterClrMapping/>
+  </p:clrMapOvr>
+</p:sld>
+</file>
+
+<file path=ppt/slides/slide25.xml><?xml version="1.0" encoding="utf-8"?>
+<p:sld xmlns:a="http://schemas.openxmlformats.org/drawingml/2006/main" xmlns:r="http://schemas.openxmlformats.org/officeDocument/2006/relationships" xmlns:p="http://schemas.openxmlformats.org/presentationml/2006/main">
+  <p:cSld>
+    <p:spTree>
+      <p:nvGrpSpPr>
+        <p:cNvPr id="1" name=""/>
+        <p:cNvGrpSpPr/>
+        <p:nvPr/>
+      </p:nvGrpSpPr>
+      <p:grpSpPr>
+        <a:xfrm>
+          <a:off x="0" y="0"/>
+          <a:ext cx="0" cy="0"/>
+          <a:chOff x="0" y="0"/>
+          <a:chExt cx="0" cy="0"/>
+        </a:xfrm>
+      </p:grpSpPr>
+      <p:sp>
+        <p:nvSpPr>
           <p:cNvPr id="2" name="內容版面配置區 1"/>
           <p:cNvSpPr>
             <a:spLocks noGrp="1"/>
@@ -10304,19 +12750,43 @@
           <a:p>
             <a:pPr lvl="2" fontAlgn="base"/>
             <a:r>
+              <a:rPr lang="en-US" altLang="zh-TW" sz="1800" dirty="0" err="1"/>
+              <a:t>Gaussian_wrapper</a:t>
+            </a:r>
+            <a:r>
               <a:rPr lang="en-US" altLang="zh-TW" sz="1800" dirty="0"/>
-              <a:t>Bram(640x480) + Sobel</a:t>
+              <a:t> </a:t>
             </a:r>
             <a:r>
               <a:rPr lang="zh-TW" altLang="en-US" sz="1800" dirty="0"/>
-              <a:t> </a:t>
-            </a:r>
-            <a:r>
-              <a:rPr lang="zh-TW" altLang="en-US" sz="1800" dirty="0">
-                <a:latin typeface="標楷體" panose="03000509000000000000" pitchFamily="65" charset="-120"/>
-              </a:rPr>
-              <a:t>燒錄驗證功能</a:t>
-            </a:r>
+              <a:t>波形模擬</a:t>
+            </a:r>
+            <a:endParaRPr lang="en-US" altLang="zh-TW" sz="1800" dirty="0"/>
+          </a:p>
+          <a:p>
+            <a:pPr lvl="3" fontAlgn="base"/>
+            <a:r>
+              <a:rPr lang="en-US" altLang="zh-TW" sz="1800" dirty="0"/>
+              <a:t>Gaussian</a:t>
+            </a:r>
+          </a:p>
+          <a:p>
+            <a:pPr lvl="3" fontAlgn="base"/>
+            <a:r>
+              <a:rPr lang="en-US" altLang="zh-TW" sz="1800" dirty="0"/>
+              <a:t>NMS</a:t>
+            </a:r>
+          </a:p>
+          <a:p>
+            <a:pPr lvl="3" fontAlgn="base"/>
+            <a:r>
+              <a:rPr lang="en-US" altLang="zh-TW" sz="1800" dirty="0" err="1"/>
+              <a:t>HysteresisThresholding</a:t>
+            </a:r>
+            <a:endParaRPr lang="en-US" altLang="zh-TW" sz="1800"/>
+          </a:p>
+          <a:p>
+            <a:pPr lvl="2" fontAlgn="base"/>
             <a:endParaRPr lang="en-US" altLang="zh-TW" sz="1800" dirty="0"/>
           </a:p>
           <a:p>
@@ -10375,7 +12845,7 @@
 </p:sld>
 </file>
 
-<file path=ppt/slides/slide21.xml><?xml version="1.0" encoding="utf-8"?>
+<file path=ppt/slides/slide26.xml><?xml version="1.0" encoding="utf-8"?>
 <p:sld xmlns:a="http://schemas.openxmlformats.org/drawingml/2006/main" xmlns:r="http://schemas.openxmlformats.org/officeDocument/2006/relationships" xmlns:p="http://schemas.openxmlformats.org/presentationml/2006/main">
   <p:cSld>
     <p:spTree>
@@ -10707,7 +13177,7 @@
 </p:sld>
 </file>
 
-<file path=ppt/slides/slide22.xml><?xml version="1.0" encoding="utf-8"?>
+<file path=ppt/slides/slide27.xml><?xml version="1.0" encoding="utf-8"?>
 <p:sld xmlns:a="http://schemas.openxmlformats.org/drawingml/2006/main" xmlns:r="http://schemas.openxmlformats.org/officeDocument/2006/relationships" xmlns:p="http://schemas.openxmlformats.org/presentationml/2006/main">
   <p:cSld>
     <p:spTree>
@@ -10984,7 +13454,7 @@
 </p:sld>
 </file>
 
-<file path=ppt/slides/slide23.xml><?xml version="1.0" encoding="utf-8"?>
+<file path=ppt/slides/slide28.xml><?xml version="1.0" encoding="utf-8"?>
 <p:sld xmlns:a="http://schemas.openxmlformats.org/drawingml/2006/main" xmlns:r="http://schemas.openxmlformats.org/officeDocument/2006/relationships" xmlns:p="http://schemas.openxmlformats.org/presentationml/2006/main">
   <p:cSld>
     <p:spTree>
@@ -11455,7 +13925,7 @@
 </p:sld>
 </file>
 
-<file path=ppt/slides/slide24.xml><?xml version="1.0" encoding="utf-8"?>
+<file path=ppt/slides/slide29.xml><?xml version="1.0" encoding="utf-8"?>
 <p:sld xmlns:a="http://schemas.openxmlformats.org/drawingml/2006/main" xmlns:r="http://schemas.openxmlformats.org/officeDocument/2006/relationships" xmlns:p="http://schemas.openxmlformats.org/presentationml/2006/main">
   <p:cSld>
     <p:spTree>
@@ -11484,185 +13954,98 @@
         </p:nvSpPr>
         <p:spPr>
           <a:xfrm>
-            <a:off x="838200" y="1201850"/>
-            <a:ext cx="10515600" cy="5037776"/>
+            <a:off x="838199" y="1186406"/>
+            <a:ext cx="11082947" cy="5041866"/>
           </a:xfrm>
         </p:spPr>
         <p:txBody>
           <a:bodyPr/>
           <a:lstStyle/>
           <a:p>
+            <a:endParaRPr lang="en-US" altLang="zh-TW" sz="1200" dirty="0"/>
+          </a:p>
+          <a:p>
             <a:pPr lvl="1"/>
-            <a:endParaRPr lang="en-US" altLang="zh-TW" dirty="0">
-              <a:solidFill>
-                <a:srgbClr val="0563C1"/>
-              </a:solidFill>
-              <a:cs typeface="Times New Roman" panose="02020603050405020304" pitchFamily="18" charset="0"/>
-            </a:endParaRPr>
+            <a:r>
+              <a:rPr lang="en-US" altLang="zh-TW" sz="1800" dirty="0"/>
+              <a:t>Q3: </a:t>
+            </a:r>
+            <a:r>
+              <a:rPr lang="zh-TW" altLang="en-US" sz="1800" dirty="0"/>
+              <a:t>輸出</a:t>
+            </a:r>
+            <a:r>
+              <a:rPr lang="en-US" altLang="zh-TW" sz="1800" dirty="0"/>
+              <a:t>sync</a:t>
+            </a:r>
+            <a:r>
+              <a:rPr lang="zh-TW" altLang="en-US" sz="1800" dirty="0"/>
+              <a:t>沒對正，</a:t>
+            </a:r>
+            <a:endParaRPr lang="en-US" altLang="zh-TW" sz="1800" dirty="0"/>
           </a:p>
           <a:p>
             <a:pPr lvl="1"/>
-            <a:endParaRPr lang="en-US" altLang="zh-TW" b="0" i="0" dirty="0">
-              <a:solidFill>
-                <a:srgbClr val="000000"/>
-              </a:solidFill>
-              <a:effectLst/>
-              <a:cs typeface="Times New Roman" panose="02020603050405020304" pitchFamily="18" charset="0"/>
-            </a:endParaRPr>
-          </a:p>
-          <a:p>
-            <a:pPr lvl="1"/>
-            <a:r>
-              <a:rPr lang="en-US" altLang="zh-TW" dirty="0">
-                <a:solidFill>
-                  <a:srgbClr val="0563C1"/>
-                </a:solidFill>
-                <a:cs typeface="Times New Roman" panose="02020603050405020304" pitchFamily="18" charset="0"/>
-              </a:rPr>
-              <a:t>img2.mif:</a:t>
-            </a:r>
+            <a:r>
+              <a:rPr lang="en-US" altLang="zh-TW" sz="1800" dirty="0"/>
+              <a:t>A3: </a:t>
+            </a:r>
+            <a:r>
+              <a:rPr lang="zh-TW" altLang="en-US" sz="1800" dirty="0"/>
+              <a:t>垂直有重複讀取、同步訊號失真的畫面。</a:t>
+            </a:r>
+            <a:endParaRPr lang="en-US" altLang="zh-TW" sz="1800" dirty="0"/>
           </a:p>
           <a:p>
             <a:pPr lvl="2"/>
             <a:r>
-              <a:rPr lang="en-US" altLang="zh-TW" dirty="0">
-                <a:solidFill>
-                  <a:srgbClr val="0563C1"/>
-                </a:solidFill>
-                <a:cs typeface="Times New Roman" panose="02020603050405020304" pitchFamily="18" charset="0"/>
-              </a:rPr>
-              <a:t>OS</a:t>
-            </a:r>
-            <a:r>
-              <a:rPr lang="zh-TW" altLang="en-US" dirty="0">
-                <a:solidFill>
-                  <a:srgbClr val="0563C1"/>
-                </a:solidFill>
-                <a:cs typeface="Times New Roman" panose="02020603050405020304" pitchFamily="18" charset="0"/>
-              </a:rPr>
-              <a:t> </a:t>
-            </a:r>
-            <a:r>
-              <a:rPr lang="en-US" altLang="zh-TW" dirty="0">
-                <a:solidFill>
-                  <a:srgbClr val="0563C1"/>
-                </a:solidFill>
-                <a:cs typeface="Times New Roman" panose="02020603050405020304" pitchFamily="18" charset="0"/>
-              </a:rPr>
-              <a:t>tool: </a:t>
-            </a:r>
-            <a:r>
-              <a:rPr lang="en-US" altLang="zh-TW" dirty="0">
-                <a:hlinkClick r:id="rId2"/>
-              </a:rPr>
-              <a:t>【</a:t>
-            </a:r>
-            <a:r>
-              <a:rPr lang="zh-TW" altLang="en-US" dirty="0">
-                <a:hlinkClick r:id="rId2"/>
-              </a:rPr>
-              <a:t>原創</a:t>
-            </a:r>
-            <a:r>
-              <a:rPr lang="en-US" altLang="zh-TW" dirty="0">
-                <a:hlinkClick r:id="rId2"/>
-              </a:rPr>
-              <a:t>】bmp</a:t>
-            </a:r>
-            <a:r>
-              <a:rPr lang="zh-TW" altLang="en-US" dirty="0">
-                <a:hlinkClick r:id="rId2"/>
-              </a:rPr>
-              <a:t>轉</a:t>
-            </a:r>
-            <a:r>
-              <a:rPr lang="en-US" altLang="zh-TW" dirty="0" err="1">
-                <a:hlinkClick r:id="rId2"/>
-              </a:rPr>
-              <a:t>mif</a:t>
-            </a:r>
-            <a:r>
-              <a:rPr lang="zh-TW" altLang="en-US" dirty="0">
-                <a:hlinkClick r:id="rId2"/>
-              </a:rPr>
-              <a:t>、</a:t>
-            </a:r>
-            <a:r>
-              <a:rPr lang="en-US" altLang="zh-TW" dirty="0" err="1">
-                <a:hlinkClick r:id="rId2"/>
-              </a:rPr>
-              <a:t>coe</a:t>
-            </a:r>
-            <a:r>
-              <a:rPr lang="zh-TW" altLang="en-US" dirty="0">
-                <a:hlinkClick r:id="rId2"/>
-              </a:rPr>
-              <a:t>或</a:t>
-            </a:r>
-            <a:r>
-              <a:rPr lang="en-US" altLang="zh-TW" dirty="0">
-                <a:hlinkClick r:id="rId2"/>
-              </a:rPr>
-              <a:t>hex</a:t>
-            </a:r>
-            <a:r>
-              <a:rPr lang="zh-TW" altLang="en-US" dirty="0">
-                <a:hlinkClick r:id="rId2"/>
-              </a:rPr>
-              <a:t>軟體發佈及使用介紹 </a:t>
-            </a:r>
-            <a:r>
-              <a:rPr lang="en-US" altLang="zh-TW" dirty="0">
-                <a:hlinkClick r:id="rId2"/>
-              </a:rPr>
-              <a:t>...</a:t>
-            </a:r>
-            <a:endParaRPr lang="en-US" altLang="zh-TW" dirty="0"/>
+              <a:rPr lang="zh-TW" altLang="en-US" sz="1800" dirty="0"/>
+              <a:t>每個模組都接到同個</a:t>
+            </a:r>
+            <a:r>
+              <a:rPr lang="en-US" altLang="zh-TW" sz="1800" dirty="0" err="1"/>
+              <a:t>hsync</a:t>
+            </a:r>
+            <a:r>
+              <a:rPr lang="en-US" altLang="zh-TW" sz="1800" dirty="0"/>
+              <a:t>, </a:t>
+            </a:r>
+            <a:r>
+              <a:rPr lang="en-US" altLang="zh-TW" sz="1800" dirty="0" err="1"/>
+              <a:t>vsync</a:t>
+            </a:r>
+            <a:endParaRPr lang="en-US" altLang="zh-TW" sz="1800" dirty="0"/>
           </a:p>
           <a:p>
             <a:pPr lvl="2"/>
-            <a:endParaRPr lang="en-US" altLang="zh-TW" dirty="0">
-              <a:solidFill>
-                <a:srgbClr val="0563C1"/>
-              </a:solidFill>
-              <a:cs typeface="Times New Roman" panose="02020603050405020304" pitchFamily="18" charset="0"/>
-            </a:endParaRPr>
-          </a:p>
-          <a:p>
-            <a:pPr lvl="1"/>
-            <a:r>
-              <a:rPr lang="en-US" altLang="zh-TW" dirty="0">
-                <a:solidFill>
-                  <a:srgbClr val="0563C1"/>
-                </a:solidFill>
-                <a:cs typeface="Times New Roman" panose="02020603050405020304" pitchFamily="18" charset="0"/>
-              </a:rPr>
-              <a:t>testbench error:</a:t>
-            </a:r>
-          </a:p>
-          <a:p>
-            <a:pPr lvl="2"/>
-            <a:r>
-              <a:rPr lang="en-US" altLang="zh-TW" dirty="0">
-                <a:hlinkClick r:id="rId3"/>
-              </a:rPr>
-              <a:t>https://support.xilinx.com/s/question/0D52E00006hpsIZSAY/usfxsim62-elaborate-step-failed-with-errors-at-vivado-20152-behavioural-simulation?language=en_US</a:t>
-            </a:r>
-            <a:endParaRPr lang="en-US" altLang="zh-TW" dirty="0">
-              <a:solidFill>
-                <a:srgbClr val="0563C1"/>
-              </a:solidFill>
-              <a:cs typeface="Times New Roman" panose="02020603050405020304" pitchFamily="18" charset="0"/>
-            </a:endParaRPr>
-          </a:p>
-          <a:p>
-            <a:pPr lvl="2"/>
-            <a:endParaRPr lang="en-US" altLang="zh-TW" dirty="0">
-              <a:solidFill>
-                <a:srgbClr val="0563C1"/>
-              </a:solidFill>
-              <a:cs typeface="Times New Roman" panose="02020603050405020304" pitchFamily="18" charset="0"/>
-            </a:endParaRPr>
+            <a:r>
+              <a:rPr lang="zh-TW" altLang="en-US" sz="1800" dirty="0"/>
+              <a:t>最尾端加上</a:t>
+            </a:r>
+            <a:r>
+              <a:rPr lang="en-US" altLang="zh-TW" sz="1800" dirty="0"/>
+              <a:t>“</a:t>
+            </a:r>
+            <a:r>
+              <a:rPr lang="en-US" altLang="zh-TW" sz="1800" dirty="0" err="1"/>
+              <a:t>VGA_sync_porch</a:t>
+            </a:r>
+            <a:r>
+              <a:rPr lang="zh-TW" altLang="en-US" sz="1800" dirty="0"/>
+              <a:t>，補充</a:t>
+            </a:r>
+            <a:r>
+              <a:rPr lang="en-US" altLang="zh-TW" sz="1800" dirty="0"/>
+              <a:t>640~800, 480~482</a:t>
+            </a:r>
+            <a:r>
+              <a:rPr lang="zh-TW" altLang="en-US" sz="1800" dirty="0"/>
+              <a:t>的</a:t>
+            </a:r>
+            <a:r>
+              <a:rPr lang="en-US" altLang="zh-TW" sz="1800" dirty="0"/>
+              <a:t>’0’</a:t>
+            </a:r>
           </a:p>
         </p:txBody>
       </p:sp>
@@ -11683,15 +14066,118 @@
           <a:p>
             <a:r>
               <a:rPr lang="zh-TW" altLang="en-US" dirty="0"/>
-              <a:t>參考資料</a:t>
-            </a:r>
-          </a:p>
-        </p:txBody>
-      </p:sp>
+              <a:t>問題記錄 </a:t>
+            </a:r>
+            <a:r>
+              <a:rPr lang="en-US" altLang="zh-TW" dirty="0"/>
+              <a:t>- (</a:t>
+            </a:r>
+            <a:r>
+              <a:rPr lang="zh-TW" altLang="en-US" dirty="0"/>
+              <a:t>軟體問題</a:t>
+            </a:r>
+            <a:r>
+              <a:rPr lang="en-US" altLang="zh-TW" dirty="0"/>
+              <a:t>)</a:t>
+            </a:r>
+            <a:endParaRPr lang="zh-TW" altLang="en-US" dirty="0"/>
+          </a:p>
+        </p:txBody>
+      </p:sp>
+      <p:sp>
+        <p:nvSpPr>
+          <p:cNvPr id="10" name="文字方塊 9">
+            <a:extLst>
+              <a:ext uri="{FF2B5EF4-FFF2-40B4-BE49-F238E27FC236}">
+                <a16:creationId xmlns:a16="http://schemas.microsoft.com/office/drawing/2014/main" id="{BB5CB510-3FAF-4E7E-8F5C-C436845458D1}"/>
+              </a:ext>
+            </a:extLst>
+          </p:cNvPr>
+          <p:cNvSpPr txBox="1"/>
+          <p:nvPr/>
+        </p:nvSpPr>
+        <p:spPr>
+          <a:xfrm>
+            <a:off x="5312523" y="5915831"/>
+            <a:ext cx="3837396" cy="369332"/>
+          </a:xfrm>
+          <a:prstGeom prst="rect">
+            <a:avLst/>
+          </a:prstGeom>
+          <a:noFill/>
+        </p:spPr>
+        <p:txBody>
+          <a:bodyPr wrap="square">
+            <a:spAutoFit/>
+          </a:bodyPr>
+          <a:lstStyle/>
+          <a:p>
+            <a:r>
+              <a:rPr lang="zh-TW" altLang="en-US" dirty="0">
+                <a:latin typeface="標楷體" panose="03000509000000000000" pitchFamily="65" charset="-120"/>
+                <a:ea typeface="標楷體" panose="03000509000000000000" pitchFamily="65" charset="-120"/>
+              </a:rPr>
+              <a:t>圖</a:t>
+            </a:r>
+            <a:r>
+              <a:rPr lang="en-US" altLang="zh-TW" dirty="0">
+                <a:latin typeface="標楷體" panose="03000509000000000000" pitchFamily="65" charset="-120"/>
+                <a:ea typeface="標楷體" panose="03000509000000000000" pitchFamily="65" charset="-120"/>
+              </a:rPr>
+              <a:t>3-1.</a:t>
+            </a:r>
+            <a:r>
+              <a:rPr lang="en-US" altLang="zh-TW" sz="1800" dirty="0"/>
+              <a:t> </a:t>
+            </a:r>
+            <a:r>
+              <a:rPr lang="zh-TW" altLang="en-US" dirty="0">
+                <a:ea typeface="標楷體" panose="03000509000000000000" pitchFamily="65" charset="-120"/>
+              </a:rPr>
+              <a:t>問題波型</a:t>
+            </a:r>
+            <a:endParaRPr lang="zh-TW" altLang="en-US" dirty="0">
+              <a:latin typeface="Times New Roman" panose="02020603050405020304" pitchFamily="18" charset="0"/>
+              <a:ea typeface="標楷體" panose="03000509000000000000" pitchFamily="65" charset="-120"/>
+              <a:cs typeface="Times New Roman" panose="02020603050405020304" pitchFamily="18" charset="0"/>
+            </a:endParaRPr>
+          </a:p>
+        </p:txBody>
+      </p:sp>
+      <p:pic>
+        <p:nvPicPr>
+          <p:cNvPr id="5" name="圖片 4">
+            <a:extLst>
+              <a:ext uri="{FF2B5EF4-FFF2-40B4-BE49-F238E27FC236}">
+                <a16:creationId xmlns:a16="http://schemas.microsoft.com/office/drawing/2014/main" id="{D399C5BF-D2B1-4E45-AB5F-B816D0E64B0E}"/>
+              </a:ext>
+            </a:extLst>
+          </p:cNvPr>
+          <p:cNvPicPr>
+            <a:picLocks noChangeAspect="1"/>
+          </p:cNvPicPr>
+          <p:nvPr/>
+        </p:nvPicPr>
+        <p:blipFill>
+          <a:blip r:embed="rId3"/>
+          <a:stretch>
+            <a:fillRect/>
+          </a:stretch>
+        </p:blipFill>
+        <p:spPr>
+          <a:xfrm>
+            <a:off x="2720652" y="2633855"/>
+            <a:ext cx="7264773" cy="3314870"/>
+          </a:xfrm>
+          <a:prstGeom prst="rect">
+            <a:avLst/>
+          </a:prstGeom>
+        </p:spPr>
+      </p:pic>
     </p:spTree>
     <p:extLst>
       <p:ext uri="{BB962C8B-B14F-4D97-AF65-F5344CB8AC3E}">
-        <p14:creationId xmlns:p14="http://schemas.microsoft.com/office/powerpoint/2010/main" val="1759100234"/>
+        <p14:creationId xmlns:p14="http://schemas.microsoft.com/office/powerpoint/2010/main" val="2244953904"/>
       </p:ext>
     </p:extLst>
   </p:cSld>
@@ -11739,6 +14225,600 @@
             </a:r>
             <a:r>
               <a:rPr lang="en-US" altLang="zh-TW" dirty="0"/>
+              <a:t>–</a:t>
+            </a:r>
+            <a:r>
+              <a:rPr lang="zh-TW" altLang="en-US" dirty="0"/>
+              <a:t> </a:t>
+            </a:r>
+            <a:r>
+              <a:rPr lang="en-US" altLang="zh-TW" dirty="0"/>
+              <a:t>NAS</a:t>
+            </a:r>
+            <a:r>
+              <a:rPr lang="zh-TW" altLang="en-US" dirty="0"/>
+              <a:t> </a:t>
+            </a:r>
+            <a:r>
+              <a:rPr lang="en-US" altLang="zh-TW" dirty="0"/>
+              <a:t>(</a:t>
+            </a:r>
+            <a:r>
+              <a:rPr lang="en-US" altLang="zh-TW" sz="4400" dirty="0"/>
+              <a:t>2023/6/1</a:t>
+            </a:r>
+            <a:r>
+              <a:rPr lang="en-US" altLang="zh-TW" dirty="0"/>
+              <a:t>)</a:t>
+            </a:r>
+            <a:endParaRPr lang="zh-TW" altLang="en-US" dirty="0"/>
+          </a:p>
+        </p:txBody>
+      </p:sp>
+      <p:sp>
+        <p:nvSpPr>
+          <p:cNvPr id="9" name="矩形 8">
+            <a:extLst>
+              <a:ext uri="{FF2B5EF4-FFF2-40B4-BE49-F238E27FC236}">
+                <a16:creationId xmlns:a16="http://schemas.microsoft.com/office/drawing/2014/main" id="{1F596EB5-194B-41DD-9405-83C981B5180E}"/>
+              </a:ext>
+            </a:extLst>
+          </p:cNvPr>
+          <p:cNvSpPr/>
+          <p:nvPr/>
+        </p:nvSpPr>
+        <p:spPr>
+          <a:xfrm>
+            <a:off x="92279" y="1235933"/>
+            <a:ext cx="3120704" cy="1323439"/>
+          </a:xfrm>
+          <a:prstGeom prst="rect">
+            <a:avLst/>
+          </a:prstGeom>
+        </p:spPr>
+        <p:txBody>
+          <a:bodyPr wrap="square">
+            <a:spAutoFit/>
+          </a:bodyPr>
+          <a:lstStyle/>
+          <a:p>
+            <a:pPr marL="285750" lvl="1" indent="-285750"/>
+            <a:r>
+              <a:rPr lang="zh-TW" altLang="en-US" sz="2000" dirty="0">
+                <a:latin typeface="Times New Roman" panose="02020603050405020304" pitchFamily="18" charset="0"/>
+                <a:ea typeface="標楷體" panose="03000509000000000000" pitchFamily="65" charset="-120"/>
+              </a:rPr>
+              <a:t>本週更新：</a:t>
+            </a:r>
+            <a:endParaRPr lang="en-US" altLang="zh-TW" sz="2000" dirty="0">
+              <a:latin typeface="Times New Roman" panose="02020603050405020304" pitchFamily="18" charset="0"/>
+              <a:ea typeface="標楷體" panose="03000509000000000000" pitchFamily="65" charset="-120"/>
+            </a:endParaRPr>
+          </a:p>
+          <a:p>
+            <a:pPr marL="285750" lvl="1" indent="-285750"/>
+            <a:r>
+              <a:rPr lang="en-US" altLang="zh-TW" sz="2000" dirty="0">
+                <a:latin typeface="Times New Roman" panose="02020603050405020304" pitchFamily="18" charset="0"/>
+                <a:ea typeface="標楷體" panose="03000509000000000000" pitchFamily="65" charset="-120"/>
+              </a:rPr>
+              <a:t>N02-Architecture</a:t>
+            </a:r>
+          </a:p>
+          <a:p>
+            <a:pPr marL="285750" lvl="1" indent="-285750"/>
+            <a:r>
+              <a:rPr lang="en-US" altLang="zh-TW" sz="2000" dirty="0">
+                <a:latin typeface="Times New Roman" panose="02020603050405020304" pitchFamily="18" charset="0"/>
+                <a:ea typeface="標楷體" panose="03000509000000000000" pitchFamily="65" charset="-120"/>
+              </a:rPr>
+              <a:t>N06-Demo&amp;ppt</a:t>
+            </a:r>
+          </a:p>
+          <a:p>
+            <a:pPr marL="285750" lvl="1" indent="-285750"/>
+            <a:endParaRPr lang="en-US" altLang="zh-TW" sz="2000" dirty="0">
+              <a:latin typeface="Times New Roman" panose="02020603050405020304" pitchFamily="18" charset="0"/>
+              <a:ea typeface="標楷體" panose="03000509000000000000" pitchFamily="65" charset="-120"/>
+            </a:endParaRPr>
+          </a:p>
+        </p:txBody>
+      </p:sp>
+      <p:pic>
+        <p:nvPicPr>
+          <p:cNvPr id="5" name="圖片 4">
+            <a:extLst>
+              <a:ext uri="{FF2B5EF4-FFF2-40B4-BE49-F238E27FC236}">
+                <a16:creationId xmlns:a16="http://schemas.microsoft.com/office/drawing/2014/main" id="{875D5362-990A-4C60-9B21-AD37D9258532}"/>
+              </a:ext>
+            </a:extLst>
+          </p:cNvPr>
+          <p:cNvPicPr>
+            <a:picLocks noChangeAspect="1"/>
+          </p:cNvPicPr>
+          <p:nvPr/>
+        </p:nvPicPr>
+        <p:blipFill>
+          <a:blip r:embed="rId2"/>
+          <a:stretch>
+            <a:fillRect/>
+          </a:stretch>
+        </p:blipFill>
+        <p:spPr>
+          <a:xfrm>
+            <a:off x="2207081" y="1327829"/>
+            <a:ext cx="7777838" cy="4539695"/>
+          </a:xfrm>
+          <a:prstGeom prst="rect">
+            <a:avLst/>
+          </a:prstGeom>
+        </p:spPr>
+      </p:pic>
+    </p:spTree>
+    <p:extLst>
+      <p:ext uri="{BB962C8B-B14F-4D97-AF65-F5344CB8AC3E}">
+        <p14:creationId xmlns:p14="http://schemas.microsoft.com/office/powerpoint/2010/main" val="3244666663"/>
+      </p:ext>
+    </p:extLst>
+  </p:cSld>
+  <p:clrMapOvr>
+    <a:masterClrMapping/>
+  </p:clrMapOvr>
+</p:sld>
+</file>
+
+<file path=ppt/slides/slide30.xml><?xml version="1.0" encoding="utf-8"?>
+<p:sld xmlns:a="http://schemas.openxmlformats.org/drawingml/2006/main" xmlns:r="http://schemas.openxmlformats.org/officeDocument/2006/relationships" xmlns:p="http://schemas.openxmlformats.org/presentationml/2006/main">
+  <p:cSld>
+    <p:spTree>
+      <p:nvGrpSpPr>
+        <p:cNvPr id="1" name=""/>
+        <p:cNvGrpSpPr/>
+        <p:nvPr/>
+      </p:nvGrpSpPr>
+      <p:grpSpPr>
+        <a:xfrm>
+          <a:off x="0" y="0"/>
+          <a:ext cx="0" cy="0"/>
+          <a:chOff x="0" y="0"/>
+          <a:chExt cx="0" cy="0"/>
+        </a:xfrm>
+      </p:grpSpPr>
+      <p:sp>
+        <p:nvSpPr>
+          <p:cNvPr id="2" name="內容版面配置區 1"/>
+          <p:cNvSpPr>
+            <a:spLocks noGrp="1"/>
+          </p:cNvSpPr>
+          <p:nvPr>
+            <p:ph idx="1"/>
+          </p:nvPr>
+        </p:nvSpPr>
+        <p:spPr>
+          <a:xfrm>
+            <a:off x="838199" y="1186406"/>
+            <a:ext cx="11082947" cy="5041866"/>
+          </a:xfrm>
+        </p:spPr>
+        <p:txBody>
+          <a:bodyPr/>
+          <a:lstStyle/>
+          <a:p>
+            <a:endParaRPr lang="en-US" altLang="zh-TW" sz="1200" dirty="0"/>
+          </a:p>
+          <a:p>
+            <a:pPr lvl="1"/>
+            <a:r>
+              <a:rPr lang="en-US" altLang="zh-TW" sz="1800" dirty="0"/>
+              <a:t>Q5: </a:t>
+            </a:r>
+            <a:r>
+              <a:rPr lang="zh-TW" altLang="en-US" sz="1800" dirty="0"/>
+              <a:t>輸出結果</a:t>
+            </a:r>
+            <a:endParaRPr lang="en-US" altLang="zh-TW" sz="1800" dirty="0"/>
+          </a:p>
+          <a:p>
+            <a:pPr lvl="1"/>
+            <a:r>
+              <a:rPr lang="en-US" altLang="zh-TW" sz="1800" dirty="0"/>
+              <a:t>A5: </a:t>
+            </a:r>
+          </a:p>
+        </p:txBody>
+      </p:sp>
+      <p:sp>
+        <p:nvSpPr>
+          <p:cNvPr id="3" name="標題 2"/>
+          <p:cNvSpPr>
+            <a:spLocks noGrp="1"/>
+          </p:cNvSpPr>
+          <p:nvPr>
+            <p:ph type="title"/>
+          </p:nvPr>
+        </p:nvSpPr>
+        <p:spPr/>
+        <p:txBody>
+          <a:bodyPr/>
+          <a:lstStyle/>
+          <a:p>
+            <a:r>
+              <a:rPr lang="zh-TW" altLang="en-US" dirty="0"/>
+              <a:t>問題記錄 </a:t>
+            </a:r>
+            <a:r>
+              <a:rPr lang="en-US" altLang="zh-TW" dirty="0"/>
+              <a:t>- (</a:t>
+            </a:r>
+            <a:r>
+              <a:rPr lang="zh-TW" altLang="en-US" dirty="0"/>
+              <a:t>軟體問題</a:t>
+            </a:r>
+            <a:r>
+              <a:rPr lang="en-US" altLang="zh-TW" dirty="0"/>
+              <a:t>)</a:t>
+            </a:r>
+            <a:endParaRPr lang="zh-TW" altLang="en-US" dirty="0"/>
+          </a:p>
+        </p:txBody>
+      </p:sp>
+      <p:sp>
+        <p:nvSpPr>
+          <p:cNvPr id="10" name="文字方塊 9">
+            <a:extLst>
+              <a:ext uri="{FF2B5EF4-FFF2-40B4-BE49-F238E27FC236}">
+                <a16:creationId xmlns:a16="http://schemas.microsoft.com/office/drawing/2014/main" id="{BB5CB510-3FAF-4E7E-8F5C-C436845458D1}"/>
+              </a:ext>
+            </a:extLst>
+          </p:cNvPr>
+          <p:cNvSpPr txBox="1"/>
+          <p:nvPr/>
+        </p:nvSpPr>
+        <p:spPr>
+          <a:xfrm>
+            <a:off x="5312523" y="5915831"/>
+            <a:ext cx="3837396" cy="369332"/>
+          </a:xfrm>
+          <a:prstGeom prst="rect">
+            <a:avLst/>
+          </a:prstGeom>
+          <a:noFill/>
+        </p:spPr>
+        <p:txBody>
+          <a:bodyPr wrap="square">
+            <a:spAutoFit/>
+          </a:bodyPr>
+          <a:lstStyle/>
+          <a:p>
+            <a:r>
+              <a:rPr lang="zh-TW" altLang="en-US" dirty="0">
+                <a:latin typeface="標楷體" panose="03000509000000000000" pitchFamily="65" charset="-120"/>
+                <a:ea typeface="標楷體" panose="03000509000000000000" pitchFamily="65" charset="-120"/>
+              </a:rPr>
+              <a:t>圖</a:t>
+            </a:r>
+            <a:r>
+              <a:rPr lang="en-US" altLang="zh-TW" dirty="0">
+                <a:latin typeface="標楷體" panose="03000509000000000000" pitchFamily="65" charset="-120"/>
+                <a:ea typeface="標楷體" panose="03000509000000000000" pitchFamily="65" charset="-120"/>
+              </a:rPr>
+              <a:t>3-1.</a:t>
+            </a:r>
+            <a:r>
+              <a:rPr lang="en-US" altLang="zh-TW" sz="1800" dirty="0"/>
+              <a:t> </a:t>
+            </a:r>
+            <a:r>
+              <a:rPr lang="zh-TW" altLang="en-US" dirty="0">
+                <a:ea typeface="標楷體" panose="03000509000000000000" pitchFamily="65" charset="-120"/>
+              </a:rPr>
+              <a:t>燒錄結果</a:t>
+            </a:r>
+            <a:endParaRPr lang="zh-TW" altLang="en-US" dirty="0">
+              <a:latin typeface="Times New Roman" panose="02020603050405020304" pitchFamily="18" charset="0"/>
+              <a:ea typeface="標楷體" panose="03000509000000000000" pitchFamily="65" charset="-120"/>
+              <a:cs typeface="Times New Roman" panose="02020603050405020304" pitchFamily="18" charset="0"/>
+            </a:endParaRPr>
+          </a:p>
+        </p:txBody>
+      </p:sp>
+    </p:spTree>
+    <p:extLst>
+      <p:ext uri="{BB962C8B-B14F-4D97-AF65-F5344CB8AC3E}">
+        <p14:creationId xmlns:p14="http://schemas.microsoft.com/office/powerpoint/2010/main" val="873884702"/>
+      </p:ext>
+    </p:extLst>
+  </p:cSld>
+  <p:clrMapOvr>
+    <a:masterClrMapping/>
+  </p:clrMapOvr>
+</p:sld>
+</file>
+
+<file path=ppt/slides/slide31.xml><?xml version="1.0" encoding="utf-8"?>
+<p:sld xmlns:a="http://schemas.openxmlformats.org/drawingml/2006/main" xmlns:r="http://schemas.openxmlformats.org/officeDocument/2006/relationships" xmlns:p="http://schemas.openxmlformats.org/presentationml/2006/main">
+  <p:cSld>
+    <p:spTree>
+      <p:nvGrpSpPr>
+        <p:cNvPr id="1" name=""/>
+        <p:cNvGrpSpPr/>
+        <p:nvPr/>
+      </p:nvGrpSpPr>
+      <p:grpSpPr>
+        <a:xfrm>
+          <a:off x="0" y="0"/>
+          <a:ext cx="0" cy="0"/>
+          <a:chOff x="0" y="0"/>
+          <a:chExt cx="0" cy="0"/>
+        </a:xfrm>
+      </p:grpSpPr>
+      <p:sp>
+        <p:nvSpPr>
+          <p:cNvPr id="2" name="內容版面配置區 1"/>
+          <p:cNvSpPr>
+            <a:spLocks noGrp="1"/>
+          </p:cNvSpPr>
+          <p:nvPr>
+            <p:ph idx="1"/>
+          </p:nvPr>
+        </p:nvSpPr>
+        <p:spPr>
+          <a:xfrm>
+            <a:off x="838200" y="1201850"/>
+            <a:ext cx="10515600" cy="5037776"/>
+          </a:xfrm>
+        </p:spPr>
+        <p:txBody>
+          <a:bodyPr/>
+          <a:lstStyle/>
+          <a:p>
+            <a:pPr lvl="1"/>
+            <a:endParaRPr lang="en-US" altLang="zh-TW" dirty="0">
+              <a:solidFill>
+                <a:srgbClr val="0563C1"/>
+              </a:solidFill>
+              <a:cs typeface="Times New Roman" panose="02020603050405020304" pitchFamily="18" charset="0"/>
+            </a:endParaRPr>
+          </a:p>
+          <a:p>
+            <a:pPr lvl="1"/>
+            <a:endParaRPr lang="en-US" altLang="zh-TW" b="0" i="0" dirty="0">
+              <a:solidFill>
+                <a:srgbClr val="000000"/>
+              </a:solidFill>
+              <a:effectLst/>
+              <a:cs typeface="Times New Roman" panose="02020603050405020304" pitchFamily="18" charset="0"/>
+            </a:endParaRPr>
+          </a:p>
+          <a:p>
+            <a:pPr lvl="1"/>
+            <a:r>
+              <a:rPr lang="en-US" altLang="zh-TW" dirty="0">
+                <a:solidFill>
+                  <a:srgbClr val="0563C1"/>
+                </a:solidFill>
+                <a:cs typeface="Times New Roman" panose="02020603050405020304" pitchFamily="18" charset="0"/>
+              </a:rPr>
+              <a:t>img2.mif:</a:t>
+            </a:r>
+          </a:p>
+          <a:p>
+            <a:pPr lvl="2"/>
+            <a:r>
+              <a:rPr lang="en-US" altLang="zh-TW" dirty="0">
+                <a:solidFill>
+                  <a:srgbClr val="0563C1"/>
+                </a:solidFill>
+                <a:cs typeface="Times New Roman" panose="02020603050405020304" pitchFamily="18" charset="0"/>
+              </a:rPr>
+              <a:t>OS</a:t>
+            </a:r>
+            <a:r>
+              <a:rPr lang="zh-TW" altLang="en-US" dirty="0">
+                <a:solidFill>
+                  <a:srgbClr val="0563C1"/>
+                </a:solidFill>
+                <a:cs typeface="Times New Roman" panose="02020603050405020304" pitchFamily="18" charset="0"/>
+              </a:rPr>
+              <a:t> </a:t>
+            </a:r>
+            <a:r>
+              <a:rPr lang="en-US" altLang="zh-TW" dirty="0">
+                <a:solidFill>
+                  <a:srgbClr val="0563C1"/>
+                </a:solidFill>
+                <a:cs typeface="Times New Roman" panose="02020603050405020304" pitchFamily="18" charset="0"/>
+              </a:rPr>
+              <a:t>tool: </a:t>
+            </a:r>
+            <a:r>
+              <a:rPr lang="en-US" altLang="zh-TW" dirty="0">
+                <a:hlinkClick r:id="rId2"/>
+              </a:rPr>
+              <a:t>【</a:t>
+            </a:r>
+            <a:r>
+              <a:rPr lang="zh-TW" altLang="en-US" dirty="0">
+                <a:hlinkClick r:id="rId2"/>
+              </a:rPr>
+              <a:t>原創</a:t>
+            </a:r>
+            <a:r>
+              <a:rPr lang="en-US" altLang="zh-TW" dirty="0">
+                <a:hlinkClick r:id="rId2"/>
+              </a:rPr>
+              <a:t>】bmp</a:t>
+            </a:r>
+            <a:r>
+              <a:rPr lang="zh-TW" altLang="en-US" dirty="0">
+                <a:hlinkClick r:id="rId2"/>
+              </a:rPr>
+              <a:t>轉</a:t>
+            </a:r>
+            <a:r>
+              <a:rPr lang="en-US" altLang="zh-TW" dirty="0" err="1">
+                <a:hlinkClick r:id="rId2"/>
+              </a:rPr>
+              <a:t>mif</a:t>
+            </a:r>
+            <a:r>
+              <a:rPr lang="zh-TW" altLang="en-US" dirty="0">
+                <a:hlinkClick r:id="rId2"/>
+              </a:rPr>
+              <a:t>、</a:t>
+            </a:r>
+            <a:r>
+              <a:rPr lang="en-US" altLang="zh-TW" dirty="0" err="1">
+                <a:hlinkClick r:id="rId2"/>
+              </a:rPr>
+              <a:t>coe</a:t>
+            </a:r>
+            <a:r>
+              <a:rPr lang="zh-TW" altLang="en-US" dirty="0">
+                <a:hlinkClick r:id="rId2"/>
+              </a:rPr>
+              <a:t>或</a:t>
+            </a:r>
+            <a:r>
+              <a:rPr lang="en-US" altLang="zh-TW" dirty="0">
+                <a:hlinkClick r:id="rId2"/>
+              </a:rPr>
+              <a:t>hex</a:t>
+            </a:r>
+            <a:r>
+              <a:rPr lang="zh-TW" altLang="en-US" dirty="0">
+                <a:hlinkClick r:id="rId2"/>
+              </a:rPr>
+              <a:t>軟體發佈及使用介紹 </a:t>
+            </a:r>
+            <a:r>
+              <a:rPr lang="en-US" altLang="zh-TW" dirty="0">
+                <a:hlinkClick r:id="rId2"/>
+              </a:rPr>
+              <a:t>...</a:t>
+            </a:r>
+            <a:endParaRPr lang="en-US" altLang="zh-TW" dirty="0"/>
+          </a:p>
+          <a:p>
+            <a:pPr lvl="2"/>
+            <a:endParaRPr lang="en-US" altLang="zh-TW" dirty="0">
+              <a:solidFill>
+                <a:srgbClr val="0563C1"/>
+              </a:solidFill>
+              <a:cs typeface="Times New Roman" panose="02020603050405020304" pitchFamily="18" charset="0"/>
+            </a:endParaRPr>
+          </a:p>
+          <a:p>
+            <a:pPr lvl="1"/>
+            <a:r>
+              <a:rPr lang="en-US" altLang="zh-TW" dirty="0">
+                <a:solidFill>
+                  <a:srgbClr val="0563C1"/>
+                </a:solidFill>
+                <a:cs typeface="Times New Roman" panose="02020603050405020304" pitchFamily="18" charset="0"/>
+              </a:rPr>
+              <a:t>testbench error:</a:t>
+            </a:r>
+          </a:p>
+          <a:p>
+            <a:pPr lvl="2"/>
+            <a:r>
+              <a:rPr lang="en-US" altLang="zh-TW" dirty="0">
+                <a:hlinkClick r:id="rId3"/>
+              </a:rPr>
+              <a:t>https://support.xilinx.com/s/question/0D52E00006hpsIZSAY/usfxsim62-elaborate-step-failed-with-errors-at-vivado-20152-behavioural-simulation?language=en_US</a:t>
+            </a:r>
+            <a:endParaRPr lang="en-US" altLang="zh-TW" dirty="0">
+              <a:solidFill>
+                <a:srgbClr val="0563C1"/>
+              </a:solidFill>
+              <a:cs typeface="Times New Roman" panose="02020603050405020304" pitchFamily="18" charset="0"/>
+            </a:endParaRPr>
+          </a:p>
+          <a:p>
+            <a:pPr lvl="2"/>
+            <a:endParaRPr lang="en-US" altLang="zh-TW" dirty="0">
+              <a:solidFill>
+                <a:srgbClr val="0563C1"/>
+              </a:solidFill>
+              <a:cs typeface="Times New Roman" panose="02020603050405020304" pitchFamily="18" charset="0"/>
+            </a:endParaRPr>
+          </a:p>
+        </p:txBody>
+      </p:sp>
+      <p:sp>
+        <p:nvSpPr>
+          <p:cNvPr id="3" name="標題 2"/>
+          <p:cNvSpPr>
+            <a:spLocks noGrp="1"/>
+          </p:cNvSpPr>
+          <p:nvPr>
+            <p:ph type="title"/>
+          </p:nvPr>
+        </p:nvSpPr>
+        <p:spPr/>
+        <p:txBody>
+          <a:bodyPr/>
+          <a:lstStyle/>
+          <a:p>
+            <a:r>
+              <a:rPr lang="zh-TW" altLang="en-US" dirty="0"/>
+              <a:t>參考資料</a:t>
+            </a:r>
+          </a:p>
+        </p:txBody>
+      </p:sp>
+    </p:spTree>
+    <p:extLst>
+      <p:ext uri="{BB962C8B-B14F-4D97-AF65-F5344CB8AC3E}">
+        <p14:creationId xmlns:p14="http://schemas.microsoft.com/office/powerpoint/2010/main" val="1759100234"/>
+      </p:ext>
+    </p:extLst>
+  </p:cSld>
+  <p:clrMapOvr>
+    <a:masterClrMapping/>
+  </p:clrMapOvr>
+</p:sld>
+</file>
+
+<file path=ppt/slides/slide4.xml><?xml version="1.0" encoding="utf-8"?>
+<p:sld xmlns:a="http://schemas.openxmlformats.org/drawingml/2006/main" xmlns:r="http://schemas.openxmlformats.org/officeDocument/2006/relationships" xmlns:p="http://schemas.openxmlformats.org/presentationml/2006/main">
+  <p:cSld>
+    <p:spTree>
+      <p:nvGrpSpPr>
+        <p:cNvPr id="1" name=""/>
+        <p:cNvGrpSpPr/>
+        <p:nvPr/>
+      </p:nvGrpSpPr>
+      <p:grpSpPr>
+        <a:xfrm>
+          <a:off x="0" y="0"/>
+          <a:ext cx="0" cy="0"/>
+          <a:chOff x="0" y="0"/>
+          <a:chExt cx="0" cy="0"/>
+        </a:xfrm>
+      </p:grpSpPr>
+      <p:sp>
+        <p:nvSpPr>
+          <p:cNvPr id="3" name="標題 2"/>
+          <p:cNvSpPr>
+            <a:spLocks noGrp="1"/>
+          </p:cNvSpPr>
+          <p:nvPr>
+            <p:ph type="title"/>
+          </p:nvPr>
+        </p:nvSpPr>
+        <p:spPr/>
+        <p:txBody>
+          <a:bodyPr/>
+          <a:lstStyle/>
+          <a:p>
+            <a:r>
+              <a:rPr lang="zh-TW" altLang="en-US" dirty="0"/>
+              <a:t>控管記錄 </a:t>
+            </a:r>
+            <a:r>
+              <a:rPr lang="en-US" altLang="zh-TW" dirty="0"/>
               <a:t>-</a:t>
             </a:r>
             <a:r>
@@ -11825,6 +14905,36 @@
           </a:p>
         </p:txBody>
       </p:sp>
+      <p:pic>
+        <p:nvPicPr>
+          <p:cNvPr id="5" name="圖片 4">
+            <a:extLst>
+              <a:ext uri="{FF2B5EF4-FFF2-40B4-BE49-F238E27FC236}">
+                <a16:creationId xmlns:a16="http://schemas.microsoft.com/office/drawing/2014/main" id="{0726BB33-C10C-44E8-8A6D-4D105DC63E0F}"/>
+              </a:ext>
+            </a:extLst>
+          </p:cNvPr>
+          <p:cNvPicPr>
+            <a:picLocks noChangeAspect="1"/>
+          </p:cNvPicPr>
+          <p:nvPr/>
+        </p:nvPicPr>
+        <p:blipFill>
+          <a:blip r:embed="rId2"/>
+          <a:stretch>
+            <a:fillRect/>
+          </a:stretch>
+        </p:blipFill>
+        <p:spPr>
+          <a:xfrm>
+            <a:off x="2714727" y="1447930"/>
+            <a:ext cx="8253994" cy="4471815"/>
+          </a:xfrm>
+          <a:prstGeom prst="rect">
+            <a:avLst/>
+          </a:prstGeom>
+        </p:spPr>
+      </p:pic>
     </p:spTree>
     <p:extLst>
       <p:ext uri="{BB962C8B-B14F-4D97-AF65-F5344CB8AC3E}">
@@ -11838,7 +14948,7 @@
 </p:sld>
 </file>
 
-<file path=ppt/slides/slide4.xml><?xml version="1.0" encoding="utf-8"?>
+<file path=ppt/slides/slide5.xml><?xml version="1.0" encoding="utf-8"?>
 <p:sld xmlns:a="http://schemas.openxmlformats.org/drawingml/2006/main" xmlns:r="http://schemas.openxmlformats.org/officeDocument/2006/relationships" xmlns:p="http://schemas.openxmlformats.org/presentationml/2006/main">
   <p:cSld>
     <p:spTree>
@@ -12504,7 +15614,7 @@
 </p:sld>
 </file>
 
-<file path=ppt/slides/slide5.xml><?xml version="1.0" encoding="utf-8"?>
+<file path=ppt/slides/slide6.xml><?xml version="1.0" encoding="utf-8"?>
 <p:sld xmlns:a="http://schemas.openxmlformats.org/drawingml/2006/main" xmlns:r="http://schemas.openxmlformats.org/officeDocument/2006/relationships" xmlns:p="http://schemas.openxmlformats.org/presentationml/2006/main">
   <p:cSld>
     <p:spTree>
@@ -12828,8 +15938,8 @@
               <a:t>按鈕調變</a:t>
             </a:r>
             <a:r>
-              <a:rPr lang="en-US" altLang="zh-TW" dirty="0" err="1"/>
-              <a:t>sobel</a:t>
+              <a:rPr lang="en-US" altLang="zh-TW" dirty="0"/>
+              <a:t>Sobel</a:t>
             </a:r>
             <a:r>
               <a:rPr lang="zh-TW" altLang="en-US" dirty="0"/>
@@ -12989,7 +16099,7 @@
 </p:sld>
 </file>
 
-<file path=ppt/slides/slide6.xml><?xml version="1.0" encoding="utf-8"?>
+<file path=ppt/slides/slide7.xml><?xml version="1.0" encoding="utf-8"?>
 <p:sld xmlns:a="http://schemas.openxmlformats.org/drawingml/2006/main" xmlns:r="http://schemas.openxmlformats.org/officeDocument/2006/relationships" xmlns:p="http://schemas.openxmlformats.org/presentationml/2006/main">
   <p:cSld>
     <p:spTree>
@@ -13694,7 +16804,7 @@
 </p:sld>
 </file>
 
-<file path=ppt/slides/slide7.xml><?xml version="1.0" encoding="utf-8"?>
+<file path=ppt/slides/slide8.xml><?xml version="1.0" encoding="utf-8"?>
 <p:sld xmlns:a="http://schemas.openxmlformats.org/drawingml/2006/main" xmlns:r="http://schemas.openxmlformats.org/officeDocument/2006/relationships" xmlns:p="http://schemas.openxmlformats.org/presentationml/2006/main">
   <p:cSld>
     <p:spTree>
@@ -14024,7 +17134,7 @@
 </p:sld>
 </file>
 
-<file path=ppt/slides/slide8.xml><?xml version="1.0" encoding="utf-8"?>
+<file path=ppt/slides/slide9.xml><?xml version="1.0" encoding="utf-8"?>
 <p:sld xmlns:a="http://schemas.openxmlformats.org/drawingml/2006/main" xmlns:r="http://schemas.openxmlformats.org/officeDocument/2006/relationships" xmlns:p="http://schemas.openxmlformats.org/presentationml/2006/main">
   <p:cSld>
     <p:spTree>
@@ -14109,7 +17219,7 @@
         <p:spPr>
           <a:xfrm>
             <a:off x="1247784" y="1399296"/>
-            <a:ext cx="6977848" cy="1323439"/>
+            <a:ext cx="3404115" cy="1569660"/>
           </a:xfrm>
           <a:prstGeom prst="rect">
             <a:avLst/>
@@ -14140,6 +17250,23 @@
               <a:buChar char="•"/>
             </a:pPr>
             <a:r>
+              <a:rPr lang="en-US" altLang="zh-TW" sz="1600" dirty="0" err="1">
+                <a:latin typeface="Times New Roman" panose="02020603050405020304" pitchFamily="18" charset="0"/>
+                <a:ea typeface="標楷體" panose="03000509000000000000" pitchFamily="65" charset="-120"/>
+              </a:rPr>
+              <a:t>Cachesystem</a:t>
+            </a:r>
+            <a:endParaRPr lang="en-US" altLang="zh-TW" sz="1600" dirty="0">
+              <a:latin typeface="Times New Roman" panose="02020603050405020304" pitchFamily="18" charset="0"/>
+              <a:ea typeface="標楷體" panose="03000509000000000000" pitchFamily="65" charset="-120"/>
+            </a:endParaRPr>
+          </a:p>
+          <a:p>
+            <a:pPr marL="1657350" lvl="3" indent="-285750">
+              <a:buFont typeface="Arial" panose="020B0604020202020204" pitchFamily="34" charset="0"/>
+              <a:buChar char="•"/>
+            </a:pPr>
+            <a:r>
               <a:rPr lang="en-US" altLang="zh-TW" sz="1600" dirty="0">
                 <a:latin typeface="Times New Roman" panose="02020603050405020304" pitchFamily="18" charset="0"/>
                 <a:ea typeface="標楷體" panose="03000509000000000000" pitchFamily="65" charset="-120"/>
@@ -14148,7 +17275,7 @@
             </a:r>
           </a:p>
           <a:p>
-            <a:pPr marL="1200150" lvl="2" indent="-285750">
+            <a:pPr marL="1657350" lvl="3" indent="-285750">
               <a:buFont typeface="Arial" panose="020B0604020202020204" pitchFamily="34" charset="0"/>
               <a:buChar char="•"/>
             </a:pPr>
@@ -14294,121 +17421,115 @@
           </a:p>
         </p:txBody>
       </p:sp>
+      <p:sp>
+        <p:nvSpPr>
+          <p:cNvPr id="9" name="文字方塊 8">
+            <a:extLst>
+              <a:ext uri="{FF2B5EF4-FFF2-40B4-BE49-F238E27FC236}">
+                <a16:creationId xmlns:a16="http://schemas.microsoft.com/office/drawing/2014/main" id="{E48BC8C5-F4E8-4F9F-97B7-E2969FED19E1}"/>
+              </a:ext>
+            </a:extLst>
+          </p:cNvPr>
+          <p:cNvSpPr txBox="1"/>
+          <p:nvPr/>
+        </p:nvSpPr>
+        <p:spPr>
+          <a:xfrm>
+            <a:off x="7864876" y="5398824"/>
+            <a:ext cx="3382244" cy="830997"/>
+          </a:xfrm>
+          <a:prstGeom prst="rect">
+            <a:avLst/>
+          </a:prstGeom>
+          <a:noFill/>
+        </p:spPr>
+        <p:txBody>
+          <a:bodyPr wrap="square" rtlCol="0">
+            <a:spAutoFit/>
+          </a:bodyPr>
+          <a:lstStyle/>
+          <a:p>
+            <a:pPr lvl="1"/>
+            <a:endParaRPr lang="en-US" altLang="zh-TW" sz="1600" dirty="0">
+              <a:latin typeface="Times New Roman" panose="02020603050405020304" pitchFamily="18" charset="0"/>
+              <a:ea typeface="標楷體" panose="03000509000000000000" pitchFamily="65" charset="-120"/>
+            </a:endParaRPr>
+          </a:p>
+          <a:p>
+            <a:pPr marL="742950" lvl="1" indent="-285750">
+              <a:buFont typeface="Arial" panose="020B0604020202020204" pitchFamily="34" charset="0"/>
+              <a:buChar char="•"/>
+            </a:pPr>
+            <a:r>
+              <a:rPr lang="en-US" altLang="zh-TW" sz="1600" dirty="0">
+                <a:latin typeface="Times New Roman" panose="02020603050405020304" pitchFamily="18" charset="0"/>
+                <a:ea typeface="標楷體" panose="03000509000000000000" pitchFamily="65" charset="-120"/>
+              </a:rPr>
+              <a:t>line buffer</a:t>
+            </a:r>
+          </a:p>
+          <a:p>
+            <a:pPr marL="742950" lvl="1" indent="-285750">
+              <a:buFont typeface="Arial" panose="020B0604020202020204" pitchFamily="34" charset="0"/>
+              <a:buChar char="•"/>
+            </a:pPr>
+            <a:endParaRPr lang="zh-TW" altLang="en-US" sz="1600" dirty="0">
+              <a:latin typeface="Times New Roman" panose="02020603050405020304" pitchFamily="18" charset="0"/>
+              <a:ea typeface="標楷體" panose="03000509000000000000" pitchFamily="65" charset="-120"/>
+            </a:endParaRPr>
+          </a:p>
+        </p:txBody>
+      </p:sp>
+      <p:sp>
+        <p:nvSpPr>
+          <p:cNvPr id="10" name="文字方塊 9">
+            <a:extLst>
+              <a:ext uri="{FF2B5EF4-FFF2-40B4-BE49-F238E27FC236}">
+                <a16:creationId xmlns:a16="http://schemas.microsoft.com/office/drawing/2014/main" id="{2BCA4371-94D4-41B0-B3B8-686C7B2B4746}"/>
+              </a:ext>
+            </a:extLst>
+          </p:cNvPr>
+          <p:cNvSpPr txBox="1"/>
+          <p:nvPr/>
+        </p:nvSpPr>
+        <p:spPr>
+          <a:xfrm>
+            <a:off x="3515982" y="5389070"/>
+            <a:ext cx="3404115" cy="338554"/>
+          </a:xfrm>
+          <a:prstGeom prst="rect">
+            <a:avLst/>
+          </a:prstGeom>
+          <a:noFill/>
+        </p:spPr>
+        <p:txBody>
+          <a:bodyPr wrap="square" rtlCol="0">
+            <a:spAutoFit/>
+          </a:bodyPr>
+          <a:lstStyle/>
+          <a:p>
+            <a:pPr marL="742950" lvl="1" indent="-285750">
+              <a:buFont typeface="Arial" panose="020B0604020202020204" pitchFamily="34" charset="0"/>
+              <a:buChar char="•"/>
+            </a:pPr>
+            <a:r>
+              <a:rPr lang="en-US" altLang="zh-TW" sz="1600" dirty="0" err="1">
+                <a:latin typeface="Times New Roman" panose="02020603050405020304" pitchFamily="18" charset="0"/>
+                <a:ea typeface="標楷體" panose="03000509000000000000" pitchFamily="65" charset="-120"/>
+              </a:rPr>
+              <a:t>Cachesystem</a:t>
+            </a:r>
+            <a:endParaRPr lang="zh-TW" altLang="en-US" sz="1600" dirty="0">
+              <a:latin typeface="Times New Roman" panose="02020603050405020304" pitchFamily="18" charset="0"/>
+              <a:ea typeface="標楷體" panose="03000509000000000000" pitchFamily="65" charset="-120"/>
+            </a:endParaRPr>
+          </a:p>
+        </p:txBody>
+      </p:sp>
     </p:spTree>
     <p:extLst>
       <p:ext uri="{BB962C8B-B14F-4D97-AF65-F5344CB8AC3E}">
         <p14:creationId xmlns:p14="http://schemas.microsoft.com/office/powerpoint/2010/main" val="4161202371"/>
-      </p:ext>
-    </p:extLst>
-  </p:cSld>
-  <p:clrMapOvr>
-    <a:masterClrMapping/>
-  </p:clrMapOvr>
-</p:sld>
-</file>
-
-<file path=ppt/slides/slide9.xml><?xml version="1.0" encoding="utf-8"?>
-<p:sld xmlns:a="http://schemas.openxmlformats.org/drawingml/2006/main" xmlns:r="http://schemas.openxmlformats.org/officeDocument/2006/relationships" xmlns:p="http://schemas.openxmlformats.org/presentationml/2006/main">
-  <p:cSld>
-    <p:spTree>
-      <p:nvGrpSpPr>
-        <p:cNvPr id="1" name=""/>
-        <p:cNvGrpSpPr/>
-        <p:nvPr/>
-      </p:nvGrpSpPr>
-      <p:grpSpPr>
-        <a:xfrm>
-          <a:off x="0" y="0"/>
-          <a:ext cx="0" cy="0"/>
-          <a:chOff x="0" y="0"/>
-          <a:chExt cx="0" cy="0"/>
-        </a:xfrm>
-      </p:grpSpPr>
-      <p:sp>
-        <p:nvSpPr>
-          <p:cNvPr id="4" name="標題 3"/>
-          <p:cNvSpPr>
-            <a:spLocks noGrp="1"/>
-          </p:cNvSpPr>
-          <p:nvPr>
-            <p:ph type="title"/>
-          </p:nvPr>
-        </p:nvSpPr>
-        <p:spPr/>
-        <p:txBody>
-          <a:bodyPr/>
-          <a:lstStyle/>
-          <a:p>
-            <a:r>
-              <a:rPr lang="zh-TW" altLang="en-US" dirty="0"/>
-              <a:t>系統分析 </a:t>
-            </a:r>
-            <a:r>
-              <a:rPr lang="en-US" altLang="zh-TW" dirty="0"/>
-              <a:t>–</a:t>
-            </a:r>
-            <a:r>
-              <a:rPr lang="zh-TW" altLang="en-US" dirty="0"/>
-              <a:t> </a:t>
-            </a:r>
-            <a:r>
-              <a:rPr lang="en-US" altLang="zh-TW" dirty="0"/>
-              <a:t>Break down</a:t>
-            </a:r>
-            <a:r>
-              <a:rPr lang="zh-TW" altLang="en-US" dirty="0"/>
-              <a:t> </a:t>
-            </a:r>
-            <a:r>
-              <a:rPr lang="en-US" altLang="zh-TW" dirty="0"/>
-              <a:t>(2023/5/27</a:t>
-            </a:r>
-            <a:r>
-              <a:rPr lang="zh-TW" altLang="en-US" dirty="0"/>
-              <a:t>更新</a:t>
-            </a:r>
-            <a:r>
-              <a:rPr lang="en-US" altLang="zh-TW" dirty="0"/>
-              <a:t>)</a:t>
-            </a:r>
-            <a:endParaRPr lang="zh-TW" altLang="en-US" dirty="0"/>
-          </a:p>
-        </p:txBody>
-      </p:sp>
-      <p:pic>
-        <p:nvPicPr>
-          <p:cNvPr id="5" name="圖片 4">
-            <a:extLst>
-              <a:ext uri="{FF2B5EF4-FFF2-40B4-BE49-F238E27FC236}">
-                <a16:creationId xmlns:a16="http://schemas.microsoft.com/office/drawing/2014/main" id="{4224F3C1-7E48-4A75-B190-A49AFF149A14}"/>
-              </a:ext>
-            </a:extLst>
-          </p:cNvPr>
-          <p:cNvPicPr>
-            <a:picLocks noChangeAspect="1"/>
-          </p:cNvPicPr>
-          <p:nvPr/>
-        </p:nvPicPr>
-        <p:blipFill>
-          <a:blip r:embed="rId2"/>
-          <a:stretch>
-            <a:fillRect/>
-          </a:stretch>
-        </p:blipFill>
-        <p:spPr>
-          <a:xfrm>
-            <a:off x="2861080" y="1476550"/>
-            <a:ext cx="6469840" cy="4579603"/>
-          </a:xfrm>
-          <a:prstGeom prst="rect">
-            <a:avLst/>
-          </a:prstGeom>
-        </p:spPr>
-      </p:pic>
-    </p:spTree>
-    <p:extLst>
-      <p:ext uri="{BB962C8B-B14F-4D97-AF65-F5344CB8AC3E}">
-        <p14:creationId xmlns:p14="http://schemas.microsoft.com/office/powerpoint/2010/main" val="4097681233"/>
       </p:ext>
     </p:extLst>
   </p:cSld>

--- a/HW7_sobel_BRam/N06-Tutorial/專案進度報告-Sobel_VGA-吳東穎-20230531.pptx
+++ b/HW7_sobel_BRam/N06-Tutorial/專案進度報告-Sobel_VGA-吳東穎-20230531.pptx
@@ -5,10 +5,10 @@
     <p:sldMasterId id="2147483648" r:id="rId1"/>
   </p:sldMasterIdLst>
   <p:notesMasterIdLst>
-    <p:notesMasterId r:id="rId33"/>
+    <p:notesMasterId r:id="rId32"/>
   </p:notesMasterIdLst>
   <p:handoutMasterIdLst>
-    <p:handoutMasterId r:id="rId34"/>
+    <p:handoutMasterId r:id="rId33"/>
   </p:handoutMasterIdLst>
   <p:sldIdLst>
     <p:sldId id="259" r:id="rId2"/>
@@ -32,16 +32,15 @@
     <p:sldId id="1306" r:id="rId20"/>
     <p:sldId id="1307" r:id="rId21"/>
     <p:sldId id="1300" r:id="rId22"/>
-    <p:sldId id="1310" r:id="rId23"/>
-    <p:sldId id="1311" r:id="rId24"/>
+    <p:sldId id="1311" r:id="rId23"/>
+    <p:sldId id="1310" r:id="rId24"/>
     <p:sldId id="1315" r:id="rId25"/>
     <p:sldId id="1258" r:id="rId26"/>
     <p:sldId id="1282" r:id="rId27"/>
     <p:sldId id="1303" r:id="rId28"/>
     <p:sldId id="1302" r:id="rId29"/>
     <p:sldId id="1308" r:id="rId30"/>
-    <p:sldId id="1312" r:id="rId31"/>
-    <p:sldId id="271" r:id="rId32"/>
+    <p:sldId id="271" r:id="rId31"/>
   </p:sldIdLst>
   <p:sldSz cx="12192000" cy="6858000"/>
   <p:notesSz cx="6858000" cy="9144000"/>
@@ -189,7 +188,7 @@
             <p14:sldId id="1316"/>
           </p14:sldIdLst>
         </p14:section>
-        <p14:section name="成果展示(2023/5/31)" id="{70DC3051-68F9-4DEC-9A31-AFAFBB0B0227}">
+        <p14:section name="成果展示(2023/6/1)" id="{70DC3051-68F9-4DEC-9A31-AFAFBB0B0227}">
           <p14:sldIdLst>
             <p14:sldId id="261"/>
           </p14:sldIdLst>
@@ -210,8 +209,8 @@
         </p14:section>
         <p14:section name="BRAM+Sobel" id="{2AF5666A-11D4-4EE5-A071-64CF2679CD10}">
           <p14:sldIdLst>
+            <p14:sldId id="1311"/>
             <p14:sldId id="1310"/>
-            <p14:sldId id="1311"/>
             <p14:sldId id="1315"/>
             <p14:sldId id="1258"/>
           </p14:sldIdLst>
@@ -222,7 +221,6 @@
             <p14:sldId id="1303"/>
             <p14:sldId id="1302"/>
             <p14:sldId id="1308"/>
-            <p14:sldId id="1312"/>
           </p14:sldIdLst>
         </p14:section>
         <p14:section name="參考資料" id="{45BCF316-EF51-4D48-B1BE-363829FB5D01}">
@@ -328,7 +326,7 @@
               <a:rPr lang="zh-TW" altLang="en-US" smtClean="0">
                 <a:ea typeface="標楷體" panose="03000509000000000000" pitchFamily="65" charset="-120"/>
               </a:rPr>
-              <a:t>2023/6/2</a:t>
+              <a:t>2023/6/9</a:t>
             </a:fld>
             <a:endParaRPr lang="zh-TW" altLang="en-US" dirty="0">
               <a:ea typeface="標楷體" panose="03000509000000000000" pitchFamily="65" charset="-120"/>
@@ -506,7 +504,7 @@
             <a:fld id="{2CB905C5-9D54-40E2-B40C-7996280CAB02}" type="datetimeFigureOut">
               <a:rPr lang="zh-TW" altLang="en-US" smtClean="0"/>
               <a:pPr/>
-              <a:t>2023/6/2</a:t>
+              <a:t>2023/6/9</a:t>
             </a:fld>
             <a:endParaRPr lang="zh-TW" altLang="en-US" dirty="0"/>
           </a:p>
@@ -936,7 +934,7 @@
     </p:spTree>
     <p:extLst>
       <p:ext uri="{BB962C8B-B14F-4D97-AF65-F5344CB8AC3E}">
-        <p14:creationId xmlns:p14="http://schemas.microsoft.com/office/powerpoint/2010/main" val="2267245453"/>
+        <p14:creationId xmlns:p14="http://schemas.microsoft.com/office/powerpoint/2010/main" val="3382032742"/>
       </p:ext>
     </p:extLst>
   </p:cSld>
@@ -1020,7 +1018,7 @@
     </p:spTree>
     <p:extLst>
       <p:ext uri="{BB962C8B-B14F-4D97-AF65-F5344CB8AC3E}">
-        <p14:creationId xmlns:p14="http://schemas.microsoft.com/office/powerpoint/2010/main" val="3382032742"/>
+        <p14:creationId xmlns:p14="http://schemas.microsoft.com/office/powerpoint/2010/main" val="2267245453"/>
       </p:ext>
     </p:extLst>
   </p:cSld>
@@ -1525,90 +1523,6 @@
     <p:extLst>
       <p:ext uri="{BB962C8B-B14F-4D97-AF65-F5344CB8AC3E}">
         <p14:creationId xmlns:p14="http://schemas.microsoft.com/office/powerpoint/2010/main" val="1974810248"/>
-      </p:ext>
-    </p:extLst>
-  </p:cSld>
-  <p:clrMapOvr>
-    <a:masterClrMapping/>
-  </p:clrMapOvr>
-</p:notes>
-</file>
-
-<file path=ppt/notesSlides/notesSlide18.xml><?xml version="1.0" encoding="utf-8"?>
-<p:notes xmlns:a="http://schemas.openxmlformats.org/drawingml/2006/main" xmlns:r="http://schemas.openxmlformats.org/officeDocument/2006/relationships" xmlns:p="http://schemas.openxmlformats.org/presentationml/2006/main">
-  <p:cSld>
-    <p:spTree>
-      <p:nvGrpSpPr>
-        <p:cNvPr id="1" name=""/>
-        <p:cNvGrpSpPr/>
-        <p:nvPr/>
-      </p:nvGrpSpPr>
-      <p:grpSpPr>
-        <a:xfrm>
-          <a:off x="0" y="0"/>
-          <a:ext cx="0" cy="0"/>
-          <a:chOff x="0" y="0"/>
-          <a:chExt cx="0" cy="0"/>
-        </a:xfrm>
-      </p:grpSpPr>
-      <p:sp>
-        <p:nvSpPr>
-          <p:cNvPr id="2" name="投影片圖像版面配置區 1"/>
-          <p:cNvSpPr>
-            <a:spLocks noGrp="1" noRot="1" noChangeAspect="1"/>
-          </p:cNvSpPr>
-          <p:nvPr>
-            <p:ph type="sldImg"/>
-          </p:nvPr>
-        </p:nvSpPr>
-        <p:spPr/>
-      </p:sp>
-      <p:sp>
-        <p:nvSpPr>
-          <p:cNvPr id="3" name="備忘稿版面配置區 2"/>
-          <p:cNvSpPr>
-            <a:spLocks noGrp="1"/>
-          </p:cNvSpPr>
-          <p:nvPr>
-            <p:ph type="body" idx="1"/>
-          </p:nvPr>
-        </p:nvSpPr>
-        <p:spPr/>
-        <p:txBody>
-          <a:bodyPr/>
-          <a:lstStyle/>
-          <a:p>
-            <a:endParaRPr lang="zh-TW" altLang="en-US" dirty="0"/>
-          </a:p>
-        </p:txBody>
-      </p:sp>
-      <p:sp>
-        <p:nvSpPr>
-          <p:cNvPr id="4" name="投影片編號版面配置區 3"/>
-          <p:cNvSpPr>
-            <a:spLocks noGrp="1"/>
-          </p:cNvSpPr>
-          <p:nvPr>
-            <p:ph type="sldNum" sz="quarter" idx="10"/>
-          </p:nvPr>
-        </p:nvSpPr>
-        <p:spPr/>
-        <p:txBody>
-          <a:bodyPr/>
-          <a:lstStyle/>
-          <a:p>
-            <a:fld id="{EF8A6B0B-A5FB-4629-B823-69B1A9EB3A43}" type="slidenum">
-              <a:rPr lang="zh-TW" altLang="en-US" smtClean="0"/>
-              <a:t>30</a:t>
-            </a:fld>
-            <a:endParaRPr lang="zh-TW" altLang="en-US"/>
-          </a:p>
-        </p:txBody>
-      </p:sp>
-    </p:spTree>
-    <p:extLst>
-      <p:ext uri="{BB962C8B-B14F-4D97-AF65-F5344CB8AC3E}">
-        <p14:creationId xmlns:p14="http://schemas.microsoft.com/office/powerpoint/2010/main" val="2739591269"/>
       </p:ext>
     </p:extLst>
   </p:cSld>
@@ -2424,7 +2338,7 @@
           <a:p>
             <a:fld id="{0C0CC965-A63A-473D-BEFB-C8F9714D5269}" type="datetimeFigureOut">
               <a:rPr lang="zh-TW" altLang="en-US" smtClean="0"/>
-              <a:t>2023/6/2</a:t>
+              <a:t>2023/6/9</a:t>
             </a:fld>
             <a:endParaRPr lang="zh-TW" altLang="en-US"/>
           </a:p>
@@ -2592,7 +2506,7 @@
           <a:p>
             <a:fld id="{0C0CC965-A63A-473D-BEFB-C8F9714D5269}" type="datetimeFigureOut">
               <a:rPr lang="zh-TW" altLang="en-US" smtClean="0"/>
-              <a:t>2023/6/2</a:t>
+              <a:t>2023/6/9</a:t>
             </a:fld>
             <a:endParaRPr lang="zh-TW" altLang="en-US"/>
           </a:p>
@@ -2770,7 +2684,7 @@
           <a:p>
             <a:fld id="{0C0CC965-A63A-473D-BEFB-C8F9714D5269}" type="datetimeFigureOut">
               <a:rPr lang="zh-TW" altLang="en-US" smtClean="0"/>
-              <a:t>2023/6/2</a:t>
+              <a:t>2023/6/9</a:t>
             </a:fld>
             <a:endParaRPr lang="zh-TW" altLang="en-US"/>
           </a:p>
@@ -2992,7 +2906,7 @@
           <a:p>
             <a:fld id="{0C0CC965-A63A-473D-BEFB-C8F9714D5269}" type="datetimeFigureOut">
               <a:rPr lang="zh-TW" altLang="en-US" smtClean="0"/>
-              <a:t>2023/6/2</a:t>
+              <a:t>2023/6/9</a:t>
             </a:fld>
             <a:endParaRPr lang="zh-TW" altLang="en-US"/>
           </a:p>
@@ -3187,7 +3101,7 @@
           <a:p>
             <a:fld id="{0C0CC965-A63A-473D-BEFB-C8F9714D5269}" type="datetimeFigureOut">
               <a:rPr lang="zh-TW" altLang="en-US" smtClean="0"/>
-              <a:t>2023/6/2</a:t>
+              <a:t>2023/6/9</a:t>
             </a:fld>
             <a:endParaRPr lang="zh-TW" altLang="en-US"/>
           </a:p>
@@ -3432,7 +3346,7 @@
           <a:p>
             <a:fld id="{0C0CC965-A63A-473D-BEFB-C8F9714D5269}" type="datetimeFigureOut">
               <a:rPr lang="zh-TW" altLang="en-US" smtClean="0"/>
-              <a:t>2023/6/2</a:t>
+              <a:t>2023/6/9</a:t>
             </a:fld>
             <a:endParaRPr lang="zh-TW" altLang="en-US"/>
           </a:p>
@@ -3661,7 +3575,7 @@
           <a:p>
             <a:fld id="{0C0CC965-A63A-473D-BEFB-C8F9714D5269}" type="datetimeFigureOut">
               <a:rPr lang="zh-TW" altLang="en-US" smtClean="0"/>
-              <a:t>2023/6/2</a:t>
+              <a:t>2023/6/9</a:t>
             </a:fld>
             <a:endParaRPr lang="zh-TW" altLang="en-US"/>
           </a:p>
@@ -4025,7 +3939,7 @@
           <a:p>
             <a:fld id="{0C0CC965-A63A-473D-BEFB-C8F9714D5269}" type="datetimeFigureOut">
               <a:rPr lang="zh-TW" altLang="en-US" smtClean="0"/>
-              <a:t>2023/6/2</a:t>
+              <a:t>2023/6/9</a:t>
             </a:fld>
             <a:endParaRPr lang="zh-TW" altLang="en-US"/>
           </a:p>
@@ -4142,7 +4056,7 @@
           <a:p>
             <a:fld id="{0C0CC965-A63A-473D-BEFB-C8F9714D5269}" type="datetimeFigureOut">
               <a:rPr lang="zh-TW" altLang="en-US" smtClean="0"/>
-              <a:t>2023/6/2</a:t>
+              <a:t>2023/6/9</a:t>
             </a:fld>
             <a:endParaRPr lang="zh-TW" altLang="en-US"/>
           </a:p>
@@ -4237,7 +4151,7 @@
           <a:p>
             <a:fld id="{0C0CC965-A63A-473D-BEFB-C8F9714D5269}" type="datetimeFigureOut">
               <a:rPr lang="zh-TW" altLang="en-US" smtClean="0"/>
-              <a:t>2023/6/2</a:t>
+              <a:t>2023/6/9</a:t>
             </a:fld>
             <a:endParaRPr lang="zh-TW" altLang="en-US"/>
           </a:p>
@@ -4512,7 +4426,7 @@
           <a:p>
             <a:fld id="{0C0CC965-A63A-473D-BEFB-C8F9714D5269}" type="datetimeFigureOut">
               <a:rPr lang="zh-TW" altLang="en-US" smtClean="0"/>
-              <a:t>2023/6/2</a:t>
+              <a:t>2023/6/9</a:t>
             </a:fld>
             <a:endParaRPr lang="zh-TW" altLang="en-US"/>
           </a:p>
@@ -4764,7 +4678,7 @@
           <a:p>
             <a:fld id="{0C0CC965-A63A-473D-BEFB-C8F9714D5269}" type="datetimeFigureOut">
               <a:rPr lang="zh-TW" altLang="en-US" smtClean="0"/>
-              <a:t>2023/6/2</a:t>
+              <a:t>2023/6/9</a:t>
             </a:fld>
             <a:endParaRPr lang="zh-TW" altLang="en-US"/>
           </a:p>
@@ -4978,7 +4892,7 @@
             <a:fld id="{0C0CC965-A63A-473D-BEFB-C8F9714D5269}" type="datetimeFigureOut">
               <a:rPr lang="zh-TW" altLang="en-US" smtClean="0"/>
               <a:pPr/>
-              <a:t>2023/6/2</a:t>
+              <a:t>2023/6/9</a:t>
             </a:fld>
             <a:endParaRPr lang="zh-TW" altLang="en-US"/>
           </a:p>
@@ -5519,6 +5433,10 @@
               <a:rPr lang="zh-TW" altLang="en-US" sz="4000" b="0" dirty="0"/>
               <a:t>專案進度報告</a:t>
             </a:r>
+            <a:r>
+              <a:rPr lang="en-US" altLang="zh-TW" sz="4000" b="0" dirty="0"/>
+              <a:t/>
+            </a:r>
             <a:br>
               <a:rPr lang="en-US" altLang="zh-TW" sz="4000" b="0" dirty="0"/>
             </a:br>
@@ -5581,7 +5499,7 @@
             </a:r>
             <a:r>
               <a:rPr lang="en-US" altLang="zh-TW" dirty="0"/>
-              <a:t>2023/6/8</a:t>
+              <a:t>2023/6/1</a:t>
             </a:r>
           </a:p>
           <a:p>
@@ -5591,7 +5509,7 @@
             </a:r>
             <a:r>
               <a:rPr lang="en-US" altLang="zh-TW" dirty="0"/>
-              <a:t>2023/5/31</a:t>
+              <a:t>2023/5/26</a:t>
             </a:r>
           </a:p>
           <a:p>
@@ -7576,10 +7494,10 @@
         </p:sp>
         <p:sp>
           <p:nvSpPr>
-            <p:cNvPr id="21" name="矩形: 圓角 20">
+            <p:cNvPr id="23" name="矩形: 圓角 22">
               <a:extLst>
                 <a:ext uri="{FF2B5EF4-FFF2-40B4-BE49-F238E27FC236}">
-                  <a16:creationId xmlns:a16="http://schemas.microsoft.com/office/drawing/2014/main" id="{6D14840B-B536-4728-9608-04CC50AEEA86}"/>
+                  <a16:creationId xmlns:a16="http://schemas.microsoft.com/office/drawing/2014/main" id="{C8D313AA-BE73-427F-846A-5B32E79686D5}"/>
                 </a:ext>
               </a:extLst>
             </p:cNvPr>
@@ -7588,8 +7506,8 @@
           </p:nvSpPr>
           <p:spPr>
             <a:xfrm>
-              <a:off x="9367774" y="3429372"/>
-              <a:ext cx="1639956" cy="1003391"/>
+              <a:off x="3739946" y="4748037"/>
+              <a:ext cx="2374544" cy="670210"/>
             </a:xfrm>
             <a:prstGeom prst="roundRect">
               <a:avLst/>
@@ -7615,99 +7533,11 @@
             <a:lstStyle/>
             <a:p>
               <a:r>
-                <a:rPr lang="en-US" altLang="zh-TW" dirty="0" err="1">
+                <a:rPr lang="zh-TW" altLang="en-US" dirty="0">
                   <a:ea typeface="標楷體" panose="03000509000000000000" pitchFamily="65" charset="-120"/>
                 </a:rPr>
-                <a:t>VGA_Red</a:t>
+                <a:t>對原圖</a:t>
               </a:r>
-              <a:r>
-                <a:rPr lang="en-US" altLang="zh-TW" dirty="0">
-                  <a:ea typeface="標楷體" panose="03000509000000000000" pitchFamily="65" charset="-120"/>
-                </a:rPr>
-                <a:t>[3],</a:t>
-              </a:r>
-            </a:p>
-            <a:p>
-              <a:r>
-                <a:rPr lang="en-US" altLang="zh-TW" dirty="0" err="1">
-                  <a:ea typeface="標楷體" panose="03000509000000000000" pitchFamily="65" charset="-120"/>
-                </a:rPr>
-                <a:t>VGA_Grn</a:t>
-              </a:r>
-              <a:r>
-                <a:rPr lang="en-US" altLang="zh-TW" dirty="0">
-                  <a:ea typeface="標楷體" panose="03000509000000000000" pitchFamily="65" charset="-120"/>
-                </a:rPr>
-                <a:t>[3],</a:t>
-              </a:r>
-            </a:p>
-            <a:p>
-              <a:r>
-                <a:rPr lang="en-US" altLang="zh-TW" dirty="0">
-                  <a:ea typeface="標楷體" panose="03000509000000000000" pitchFamily="65" charset="-120"/>
-                </a:rPr>
-                <a:t> </a:t>
-              </a:r>
-              <a:r>
-                <a:rPr lang="en-US" altLang="zh-TW" dirty="0" err="1">
-                  <a:ea typeface="標楷體" panose="03000509000000000000" pitchFamily="65" charset="-120"/>
-                </a:rPr>
-                <a:t>VGA_Blu</a:t>
-              </a:r>
-              <a:r>
-                <a:rPr lang="en-US" altLang="zh-TW" dirty="0">
-                  <a:ea typeface="標楷體" panose="03000509000000000000" pitchFamily="65" charset="-120"/>
-                </a:rPr>
-                <a:t>[2],</a:t>
-              </a:r>
-            </a:p>
-            <a:p>
-              <a:endParaRPr lang="zh-TW" altLang="en-US" dirty="0">
-                <a:ea typeface="標楷體" panose="03000509000000000000" pitchFamily="65" charset="-120"/>
-              </a:endParaRPr>
-            </a:p>
-          </p:txBody>
-        </p:sp>
-        <p:sp>
-          <p:nvSpPr>
-            <p:cNvPr id="23" name="矩形: 圓角 22">
-              <a:extLst>
-                <a:ext uri="{FF2B5EF4-FFF2-40B4-BE49-F238E27FC236}">
-                  <a16:creationId xmlns:a16="http://schemas.microsoft.com/office/drawing/2014/main" id="{C8D313AA-BE73-427F-846A-5B32E79686D5}"/>
-                </a:ext>
-              </a:extLst>
-            </p:cNvPr>
-            <p:cNvSpPr/>
-            <p:nvPr/>
-          </p:nvSpPr>
-          <p:spPr>
-            <a:xfrm>
-              <a:off x="3739946" y="4748036"/>
-              <a:ext cx="2374544" cy="696087"/>
-            </a:xfrm>
-            <a:prstGeom prst="roundRect">
-              <a:avLst/>
-            </a:prstGeom>
-            <a:ln w="28575"/>
-          </p:spPr>
-          <p:style>
-            <a:lnRef idx="2">
-              <a:schemeClr val="accent6"/>
-            </a:lnRef>
-            <a:fillRef idx="1">
-              <a:schemeClr val="lt1"/>
-            </a:fillRef>
-            <a:effectRef idx="0">
-              <a:schemeClr val="accent6"/>
-            </a:effectRef>
-            <a:fontRef idx="minor">
-              <a:schemeClr val="dk1"/>
-            </a:fontRef>
-          </p:style>
-          <p:txBody>
-            <a:bodyPr rtlCol="0" anchor="t"/>
-            <a:lstStyle/>
-            <a:p>
               <a:r>
                 <a:rPr lang="en-US" altLang="zh-TW" dirty="0">
                   <a:ea typeface="標楷體" panose="03000509000000000000" pitchFamily="65" charset="-120"/>
@@ -7721,7 +7551,7 @@
                 <a:t> </a:t>
               </a:r>
               <a:r>
-                <a:rPr lang="en-US" altLang="zh-TW">
+                <a:rPr lang="en-US" altLang="zh-TW" dirty="0">
                   <a:ea typeface="標楷體" panose="03000509000000000000" pitchFamily="65" charset="-120"/>
                 </a:rPr>
                 <a:t>‘1’</a:t>
@@ -7730,18 +7560,7 @@
                 <a:rPr lang="zh-TW" altLang="en-US" dirty="0">
                   <a:ea typeface="標楷體" panose="03000509000000000000" pitchFamily="65" charset="-120"/>
                 </a:rPr>
-                <a:t>並依序</a:t>
-              </a:r>
-              <a:endParaRPr lang="en-US" altLang="zh-TW" dirty="0">
-                <a:ea typeface="標楷體" panose="03000509000000000000" pitchFamily="65" charset="-120"/>
-              </a:endParaRPr>
-            </a:p>
-            <a:p>
-              <a:r>
-                <a:rPr lang="zh-TW" altLang="en-US" dirty="0">
-                  <a:ea typeface="標楷體" panose="03000509000000000000" pitchFamily="65" charset="-120"/>
-                </a:rPr>
-                <a:t>存進</a:t>
+                <a:t>並依序存進</a:t>
               </a:r>
               <a:r>
                 <a:rPr lang="en-US" altLang="zh-TW" dirty="0" err="1">
@@ -7769,8 +7588,8 @@
           </p:nvSpPr>
           <p:spPr>
             <a:xfrm rot="16200000">
-              <a:off x="8759797" y="3447272"/>
-              <a:ext cx="318822" cy="963735"/>
+              <a:off x="8784964" y="3399085"/>
+              <a:ext cx="318822" cy="1060109"/>
             </a:xfrm>
             <a:prstGeom prst="downArrow">
               <a:avLst/>
@@ -8032,6 +7851,64 @@
           </p:txBody>
         </p:sp>
       </p:grpSp>
+      <p:sp>
+        <p:nvSpPr>
+          <p:cNvPr id="26" name="矩形: 圓角 25">
+            <a:extLst>
+              <a:ext uri="{FF2B5EF4-FFF2-40B4-BE49-F238E27FC236}">
+                <a16:creationId xmlns:a16="http://schemas.microsoft.com/office/drawing/2014/main" id="{2D8E53EE-56C5-47A6-AA33-3E49CE0AACDB}"/>
+              </a:ext>
+            </a:extLst>
+          </p:cNvPr>
+          <p:cNvSpPr/>
+          <p:nvPr/>
+        </p:nvSpPr>
+        <p:spPr>
+          <a:xfrm>
+            <a:off x="9452656" y="3701407"/>
+            <a:ext cx="1355335" cy="483247"/>
+          </a:xfrm>
+          <a:prstGeom prst="roundRect">
+            <a:avLst/>
+          </a:prstGeom>
+          <a:ln w="28575"/>
+        </p:spPr>
+        <p:style>
+          <a:lnRef idx="2">
+            <a:schemeClr val="accent6"/>
+          </a:lnRef>
+          <a:fillRef idx="1">
+            <a:schemeClr val="lt1"/>
+          </a:fillRef>
+          <a:effectRef idx="0">
+            <a:schemeClr val="accent6"/>
+          </a:effectRef>
+          <a:fontRef idx="minor">
+            <a:schemeClr val="dk1"/>
+          </a:fontRef>
+        </p:style>
+        <p:txBody>
+          <a:bodyPr rtlCol="0" anchor="t"/>
+          <a:lstStyle/>
+          <a:p>
+            <a:r>
+              <a:rPr lang="en-US" altLang="zh-TW" dirty="0" err="1">
+                <a:ea typeface="標楷體" panose="03000509000000000000" pitchFamily="65" charset="-120"/>
+              </a:rPr>
+              <a:t>VGA_gray</a:t>
+            </a:r>
+            <a:r>
+              <a:rPr lang="en-US" altLang="zh-TW" dirty="0">
+                <a:ea typeface="標楷體" panose="03000509000000000000" pitchFamily="65" charset="-120"/>
+              </a:rPr>
+              <a:t>[8]</a:t>
+            </a:r>
+            <a:endParaRPr lang="zh-TW" altLang="en-US" dirty="0">
+              <a:ea typeface="標楷體" panose="03000509000000000000" pitchFamily="65" charset="-120"/>
+            </a:endParaRPr>
+          </a:p>
+        </p:txBody>
+      </p:sp>
     </p:spTree>
     <p:extLst>
       <p:ext uri="{BB962C8B-B14F-4D97-AF65-F5344CB8AC3E}">
@@ -9029,7 +8906,7 @@
                 <a:latin typeface="標楷體" panose="03000509000000000000" pitchFamily="65" charset="-120"/>
                 <a:ea typeface="標楷體" panose="03000509000000000000" pitchFamily="65" charset="-120"/>
               </a:rPr>
-              <a:t>2023/5/31</a:t>
+              <a:t>2023/5/27</a:t>
             </a:r>
             <a:r>
               <a:rPr lang="en-US" altLang="zh-TW" sz="1800" b="1" dirty="0">
@@ -9041,7 +8918,7 @@
                 <a:latin typeface="標楷體" panose="03000509000000000000" pitchFamily="65" charset="-120"/>
                 <a:ea typeface="標楷體" panose="03000509000000000000" pitchFamily="65" charset="-120"/>
               </a:rPr>
-              <a:t>~2023/6/6:</a:t>
+              <a:t>~2023/6/1:</a:t>
             </a:r>
             <a:endParaRPr lang="en-US" altLang="zh-TW" sz="1800" dirty="0">
               <a:latin typeface="標楷體" panose="03000509000000000000" pitchFamily="65" charset="-120"/>
@@ -11523,9 +11400,9 @@
             </a:r>
             <a:r>
               <a:rPr lang="en-US" altLang="zh-TW" sz="3200" dirty="0">
-                <a:latin typeface="標楷體" panose="03000509000000000000" pitchFamily="65" charset="-120"/>
-              </a:rPr>
-              <a:t>Bram(640x480) + Sobel </a:t>
+                <a:ea typeface="Tahoma" panose="020B0604030504040204" pitchFamily="34" charset="0"/>
+              </a:rPr>
+              <a:t>Bram(640x480) + Sobel</a:t>
             </a:r>
             <a:r>
               <a:rPr lang="zh-TW" altLang="en-US" sz="3200" dirty="0">
@@ -11535,123 +11412,9 @@
             </a:r>
             <a:r>
               <a:rPr lang="en-US" altLang="zh-TW" sz="3200" dirty="0"/>
-              <a:t>(1/2)</a:t>
+              <a:t>(1/3)</a:t>
             </a:r>
             <a:endParaRPr lang="zh-TW" altLang="en-US" sz="3200" dirty="0"/>
-          </a:p>
-        </p:txBody>
-      </p:sp>
-      <p:sp>
-        <p:nvSpPr>
-          <p:cNvPr id="14" name="文字方塊 13">
-            <a:extLst>
-              <a:ext uri="{FF2B5EF4-FFF2-40B4-BE49-F238E27FC236}">
-                <a16:creationId xmlns:a16="http://schemas.microsoft.com/office/drawing/2014/main" id="{E4E592F9-FC71-4DD1-9118-16844995CC7F}"/>
-              </a:ext>
-            </a:extLst>
-          </p:cNvPr>
-          <p:cNvSpPr txBox="1"/>
-          <p:nvPr/>
-        </p:nvSpPr>
-        <p:spPr>
-          <a:xfrm>
-            <a:off x="2013569" y="1289462"/>
-            <a:ext cx="5373306" cy="1200329"/>
-          </a:xfrm>
-          <a:prstGeom prst="rect">
-            <a:avLst/>
-          </a:prstGeom>
-          <a:noFill/>
-        </p:spPr>
-        <p:txBody>
-          <a:bodyPr wrap="square">
-            <a:spAutoFit/>
-          </a:bodyPr>
-          <a:lstStyle/>
-          <a:p>
-            <a:pPr marL="285750" indent="-285750">
-              <a:buFont typeface="Arial" panose="020B0604020202020204" pitchFamily="34" charset="0"/>
-              <a:buChar char="•"/>
-            </a:pPr>
-            <a:r>
-              <a:rPr lang="zh-TW" altLang="en-US" dirty="0">
-                <a:latin typeface="標楷體" panose="03000509000000000000" pitchFamily="65" charset="-120"/>
-                <a:ea typeface="標楷體" panose="03000509000000000000" pitchFamily="65" charset="-120"/>
-              </a:rPr>
-              <a:t>手繪方型</a:t>
-            </a:r>
-            <a:endParaRPr lang="en-US" altLang="zh-TW" dirty="0">
-              <a:latin typeface="標楷體" panose="03000509000000000000" pitchFamily="65" charset="-120"/>
-              <a:ea typeface="標楷體" panose="03000509000000000000" pitchFamily="65" charset="-120"/>
-            </a:endParaRPr>
-          </a:p>
-          <a:p>
-            <a:pPr marL="742950" lvl="1" indent="-285750">
-              <a:buFont typeface="Arial" panose="020B0604020202020204" pitchFamily="34" charset="0"/>
-              <a:buChar char="•"/>
-            </a:pPr>
-            <a:r>
-              <a:rPr lang="zh-TW" altLang="en-US" dirty="0">
-                <a:latin typeface="標楷體" panose="03000509000000000000" pitchFamily="65" charset="-120"/>
-                <a:ea typeface="標楷體" panose="03000509000000000000" pitchFamily="65" charset="-120"/>
-              </a:rPr>
-              <a:t>方型</a:t>
-            </a:r>
-            <a:r>
-              <a:rPr lang="en-US" altLang="zh-TW" dirty="0">
-                <a:latin typeface="標楷體" panose="03000509000000000000" pitchFamily="65" charset="-120"/>
-                <a:ea typeface="標楷體" panose="03000509000000000000" pitchFamily="65" charset="-120"/>
-              </a:rPr>
-              <a:t>: 200x200 (8</a:t>
-            </a:r>
-            <a:r>
-              <a:rPr lang="en-US" altLang="zh-TW" dirty="0">
-                <a:latin typeface="Times New Roman" panose="02020603050405020304" pitchFamily="18" charset="0"/>
-                <a:ea typeface="標楷體" panose="03000509000000000000" pitchFamily="65" charset="-120"/>
-              </a:rPr>
-              <a:t>bits</a:t>
-            </a:r>
-            <a:r>
-              <a:rPr lang="en-US" altLang="zh-TW" dirty="0">
-                <a:latin typeface="標楷體" panose="03000509000000000000" pitchFamily="65" charset="-120"/>
-                <a:ea typeface="標楷體" panose="03000509000000000000" pitchFamily="65" charset="-120"/>
-              </a:rPr>
-              <a:t>)</a:t>
-            </a:r>
-          </a:p>
-          <a:p>
-            <a:pPr marL="742950" lvl="1" indent="-285750">
-              <a:buFont typeface="Arial" panose="020B0604020202020204" pitchFamily="34" charset="0"/>
-              <a:buChar char="•"/>
-            </a:pPr>
-            <a:r>
-              <a:rPr lang="zh-TW" altLang="en-US" dirty="0">
-                <a:latin typeface="標楷體" panose="03000509000000000000" pitchFamily="65" charset="-120"/>
-                <a:ea typeface="標楷體" panose="03000509000000000000" pitchFamily="65" charset="-120"/>
-              </a:rPr>
-              <a:t>起點</a:t>
-            </a:r>
-            <a:r>
-              <a:rPr lang="en-US" altLang="zh-TW" dirty="0">
-                <a:latin typeface="標楷體" panose="03000509000000000000" pitchFamily="65" charset="-120"/>
-                <a:ea typeface="標楷體" panose="03000509000000000000" pitchFamily="65" charset="-120"/>
-              </a:rPr>
-              <a:t>: 200,200</a:t>
-            </a:r>
-            <a:endParaRPr lang="zh-TW" altLang="en-US" dirty="0">
-              <a:latin typeface="標楷體" panose="03000509000000000000" pitchFamily="65" charset="-120"/>
-              <a:ea typeface="標楷體" panose="03000509000000000000" pitchFamily="65" charset="-120"/>
-            </a:endParaRPr>
-          </a:p>
-          <a:p>
-            <a:pPr marL="285750" indent="-285750">
-              <a:buFont typeface="Arial" panose="020B0604020202020204" pitchFamily="34" charset="0"/>
-              <a:buChar char="•"/>
-            </a:pPr>
-            <a:endParaRPr lang="zh-TW" altLang="en-US" dirty="0">
-              <a:latin typeface="標楷體" panose="03000509000000000000" pitchFamily="65" charset="-120"/>
-              <a:ea typeface="標楷體" panose="03000509000000000000" pitchFamily="65" charset="-120"/>
-            </a:endParaRPr>
           </a:p>
         </p:txBody>
       </p:sp>
@@ -11669,8 +11432,8 @@
         </p:nvSpPr>
         <p:spPr>
           <a:xfrm>
-            <a:off x="5431388" y="5379372"/>
-            <a:ext cx="1648002" cy="401321"/>
+            <a:off x="5189599" y="5543193"/>
+            <a:ext cx="1812802" cy="369332"/>
           </a:xfrm>
           <a:prstGeom prst="rect">
             <a:avLst/>
@@ -11702,172 +11465,267 @@
                 <a:latin typeface="標楷體" panose="03000509000000000000" pitchFamily="65" charset="-120"/>
                 <a:ea typeface="標楷體" panose="03000509000000000000" pitchFamily="65" charset="-120"/>
               </a:rPr>
-              <a:t>圖形起點</a:t>
-            </a:r>
-          </a:p>
-        </p:txBody>
-      </p:sp>
-      <p:sp>
-        <p:nvSpPr>
-          <p:cNvPr id="6" name="文字方塊 5">
+              <a:t>麵包板接線</a:t>
+            </a:r>
+          </a:p>
+        </p:txBody>
+      </p:sp>
+      <p:grpSp>
+        <p:nvGrpSpPr>
+          <p:cNvPr id="5" name="群組 4">
             <a:extLst>
               <a:ext uri="{FF2B5EF4-FFF2-40B4-BE49-F238E27FC236}">
-                <a16:creationId xmlns:a16="http://schemas.microsoft.com/office/drawing/2014/main" id="{66A40BB8-D78D-42B6-B36F-19BCB3689F58}"/>
+                <a16:creationId xmlns:a16="http://schemas.microsoft.com/office/drawing/2014/main" id="{7C542407-C9F9-4F18-86BD-F7A92D183C0B}"/>
               </a:ext>
             </a:extLst>
           </p:cNvPr>
-          <p:cNvSpPr txBox="1"/>
+          <p:cNvGrpSpPr/>
           <p:nvPr/>
-        </p:nvSpPr>
-        <p:spPr>
+        </p:nvGrpSpPr>
+        <p:grpSpPr>
           <a:xfrm>
-            <a:off x="6877961" y="1552520"/>
-            <a:ext cx="5373306" cy="369332"/>
+            <a:off x="3257148" y="1810787"/>
+            <a:ext cx="5677705" cy="3732406"/>
+            <a:chOff x="3257147" y="1789299"/>
+            <a:chExt cx="5677705" cy="3732406"/>
           </a:xfrm>
-          <a:prstGeom prst="rect">
-            <a:avLst/>
-          </a:prstGeom>
-          <a:noFill/>
-        </p:spPr>
-        <p:txBody>
-          <a:bodyPr wrap="square">
-            <a:spAutoFit/>
-          </a:bodyPr>
-          <a:lstStyle/>
-          <a:p>
-            <a:pPr marL="285750" indent="-285750">
-              <a:buFont typeface="Arial" panose="020B0604020202020204" pitchFamily="34" charset="0"/>
-              <a:buChar char="•"/>
-            </a:pPr>
-            <a:r>
-              <a:rPr lang="en-US" altLang="zh-TW" dirty="0">
-                <a:latin typeface="Times New Roman" panose="02020603050405020304" pitchFamily="18" charset="0"/>
-                <a:ea typeface="Tahoma" panose="020B0604030504040204" pitchFamily="34" charset="0"/>
-              </a:rPr>
-              <a:t>Sobel</a:t>
-            </a:r>
-            <a:r>
-              <a:rPr lang="zh-TW" altLang="en-US" dirty="0">
+        </p:grpSpPr>
+        <p:pic>
+          <p:nvPicPr>
+            <p:cNvPr id="4" name="圖片 3">
+              <a:extLst>
+                <a:ext uri="{FF2B5EF4-FFF2-40B4-BE49-F238E27FC236}">
+                  <a16:creationId xmlns:a16="http://schemas.microsoft.com/office/drawing/2014/main" id="{B30A941D-1C4A-4355-8641-BF1C26A4C346}"/>
+                </a:ext>
+              </a:extLst>
+            </p:cNvPr>
+            <p:cNvPicPr>
+              <a:picLocks noChangeAspect="1"/>
+            </p:cNvPicPr>
+            <p:nvPr/>
+          </p:nvPicPr>
+          <p:blipFill rotWithShape="1">
+            <a:blip r:embed="rId3" cstate="print">
+              <a:extLst>
+                <a:ext uri="{28A0092B-C50C-407E-A947-70E740481C1C}">
+                  <a14:useLocalDpi xmlns:a14="http://schemas.microsoft.com/office/drawing/2010/main" val="0"/>
+                </a:ext>
+              </a:extLst>
+            </a:blip>
+            <a:srcRect b="12350"/>
+            <a:stretch/>
+          </p:blipFill>
+          <p:spPr>
+            <a:xfrm>
+              <a:off x="3257147" y="1789299"/>
+              <a:ext cx="5677705" cy="3732406"/>
+            </a:xfrm>
+            <a:prstGeom prst="rect">
+              <a:avLst/>
+            </a:prstGeom>
+          </p:spPr>
+        </p:pic>
+        <p:sp>
+          <p:nvSpPr>
+            <p:cNvPr id="7" name="矩形 6">
+              <a:extLst>
+                <a:ext uri="{FF2B5EF4-FFF2-40B4-BE49-F238E27FC236}">
+                  <a16:creationId xmlns:a16="http://schemas.microsoft.com/office/drawing/2014/main" id="{40EFB5A5-0A95-4E2D-8BF0-572456D65E3C}"/>
+                </a:ext>
+              </a:extLst>
+            </p:cNvPr>
+            <p:cNvSpPr/>
+            <p:nvPr/>
+          </p:nvSpPr>
+          <p:spPr>
+            <a:xfrm>
+              <a:off x="5184396" y="2831275"/>
+              <a:ext cx="810935" cy="338555"/>
+            </a:xfrm>
+            <a:prstGeom prst="rect">
+              <a:avLst/>
+            </a:prstGeom>
+            <a:noFill/>
+            <a:ln w="28575">
+              <a:solidFill>
+                <a:srgbClr val="FF0000"/>
+              </a:solidFill>
+            </a:ln>
+          </p:spPr>
+          <p:style>
+            <a:lnRef idx="2">
+              <a:schemeClr val="accent1">
+                <a:shade val="50000"/>
+              </a:schemeClr>
+            </a:lnRef>
+            <a:fillRef idx="1">
+              <a:schemeClr val="accent1"/>
+            </a:fillRef>
+            <a:effectRef idx="0">
+              <a:schemeClr val="accent1"/>
+            </a:effectRef>
+            <a:fontRef idx="minor">
+              <a:schemeClr val="lt1"/>
+            </a:fontRef>
+          </p:style>
+          <p:txBody>
+            <a:bodyPr rtlCol="0" anchor="ctr"/>
+            <a:lstStyle/>
+            <a:p>
+              <a:pPr algn="ctr"/>
+              <a:endParaRPr lang="zh-TW" altLang="en-US" dirty="0">
+                <a:noFill/>
+              </a:endParaRPr>
+            </a:p>
+          </p:txBody>
+        </p:sp>
+        <p:sp>
+          <p:nvSpPr>
+            <p:cNvPr id="10" name="文字方塊 9">
+              <a:extLst>
+                <a:ext uri="{FF2B5EF4-FFF2-40B4-BE49-F238E27FC236}">
+                  <a16:creationId xmlns:a16="http://schemas.microsoft.com/office/drawing/2014/main" id="{B2150919-E70B-4A92-A04A-A74DFE1F4472}"/>
+                </a:ext>
+              </a:extLst>
+            </p:cNvPr>
+            <p:cNvSpPr txBox="1"/>
+            <p:nvPr/>
+          </p:nvSpPr>
+          <p:spPr>
+            <a:xfrm>
+              <a:off x="3536185" y="2363674"/>
+              <a:ext cx="1812802" cy="338554"/>
+            </a:xfrm>
+            <a:prstGeom prst="rect">
+              <a:avLst/>
+            </a:prstGeom>
+          </p:spPr>
+          <p:style>
+            <a:lnRef idx="0">
+              <a:schemeClr val="dk1"/>
+            </a:lnRef>
+            <a:fillRef idx="3">
+              <a:schemeClr val="dk1"/>
+            </a:fillRef>
+            <a:effectRef idx="3">
+              <a:schemeClr val="dk1"/>
+            </a:effectRef>
+            <a:fontRef idx="minor">
+              <a:schemeClr val="lt1"/>
+            </a:fontRef>
+          </p:style>
+          <p:txBody>
+            <a:bodyPr wrap="square">
+              <a:spAutoFit/>
+            </a:bodyPr>
+            <a:lstStyle/>
+            <a:p>
+              <a:r>
+                <a:rPr lang="en-US" altLang="zh-TW" sz="1600" dirty="0" err="1">
+                  <a:solidFill>
+                    <a:srgbClr val="FF0000"/>
+                  </a:solidFill>
+                  <a:latin typeface="標楷體" panose="03000509000000000000" pitchFamily="65" charset="-120"/>
+                  <a:ea typeface="標楷體" panose="03000509000000000000" pitchFamily="65" charset="-120"/>
+                </a:rPr>
+                <a:t>O_VGA_gray</a:t>
+              </a:r>
+              <a:r>
+                <a:rPr lang="en-US" altLang="zh-TW" sz="1600" dirty="0">
+                  <a:solidFill>
+                    <a:srgbClr val="FF0000"/>
+                  </a:solidFill>
+                  <a:latin typeface="標楷體" panose="03000509000000000000" pitchFamily="65" charset="-120"/>
+                  <a:ea typeface="標楷體" panose="03000509000000000000" pitchFamily="65" charset="-120"/>
+                </a:rPr>
+                <a:t>[7]</a:t>
+              </a:r>
+              <a:endParaRPr lang="zh-TW" altLang="en-US" sz="1600" dirty="0">
+                <a:solidFill>
+                  <a:srgbClr val="FF0000"/>
+                </a:solidFill>
                 <a:latin typeface="標楷體" panose="03000509000000000000" pitchFamily="65" charset="-120"/>
                 <a:ea typeface="標楷體" panose="03000509000000000000" pitchFamily="65" charset="-120"/>
-              </a:rPr>
-              <a:t>頭兩行有加強邊線厚度</a:t>
-            </a:r>
-          </a:p>
-        </p:txBody>
-      </p:sp>
-      <p:sp>
-        <p:nvSpPr>
-          <p:cNvPr id="7" name="矩形 6">
-            <a:extLst>
-              <a:ext uri="{FF2B5EF4-FFF2-40B4-BE49-F238E27FC236}">
-                <a16:creationId xmlns:a16="http://schemas.microsoft.com/office/drawing/2014/main" id="{40EFB5A5-0A95-4E2D-8BF0-572456D65E3C}"/>
-              </a:ext>
-            </a:extLst>
-          </p:cNvPr>
-          <p:cNvSpPr/>
-          <p:nvPr/>
-        </p:nvSpPr>
-        <p:spPr>
-          <a:xfrm rot="5400000">
-            <a:off x="4892845" y="3842981"/>
-            <a:ext cx="1219203" cy="391239"/>
-          </a:xfrm>
-          <a:prstGeom prst="rect">
-            <a:avLst/>
-          </a:prstGeom>
-          <a:noFill/>
-          <a:ln w="28575">
-            <a:solidFill>
-              <a:srgbClr val="FF0000"/>
-            </a:solidFill>
-          </a:ln>
-        </p:spPr>
-        <p:style>
-          <a:lnRef idx="2">
-            <a:schemeClr val="accent1">
-              <a:shade val="50000"/>
-            </a:schemeClr>
-          </a:lnRef>
-          <a:fillRef idx="1">
-            <a:schemeClr val="accent1"/>
-          </a:fillRef>
-          <a:effectRef idx="0">
-            <a:schemeClr val="accent1"/>
-          </a:effectRef>
-          <a:fontRef idx="minor">
-            <a:schemeClr val="lt1"/>
-          </a:fontRef>
-        </p:style>
-        <p:txBody>
-          <a:bodyPr rtlCol="0" anchor="ctr"/>
-          <a:lstStyle/>
-          <a:p>
-            <a:pPr algn="ctr"/>
-            <a:endParaRPr lang="zh-TW" altLang="en-US" dirty="0">
-              <a:noFill/>
-            </a:endParaRPr>
-          </a:p>
-        </p:txBody>
-      </p:sp>
-      <p:sp>
-        <p:nvSpPr>
-          <p:cNvPr id="9" name="矩形 8">
-            <a:extLst>
-              <a:ext uri="{FF2B5EF4-FFF2-40B4-BE49-F238E27FC236}">
-                <a16:creationId xmlns:a16="http://schemas.microsoft.com/office/drawing/2014/main" id="{18F3B7A8-D849-42B6-8EE3-B04782717833}"/>
-              </a:ext>
-            </a:extLst>
-          </p:cNvPr>
-          <p:cNvSpPr/>
-          <p:nvPr/>
-        </p:nvSpPr>
-        <p:spPr>
-          <a:xfrm rot="5400000">
-            <a:off x="7584100" y="3906591"/>
-            <a:ext cx="1219202" cy="391239"/>
-          </a:xfrm>
-          <a:prstGeom prst="rect">
-            <a:avLst/>
-          </a:prstGeom>
-          <a:noFill/>
-          <a:ln w="28575">
-            <a:solidFill>
-              <a:srgbClr val="FF0000"/>
-            </a:solidFill>
-          </a:ln>
-        </p:spPr>
-        <p:style>
-          <a:lnRef idx="2">
-            <a:schemeClr val="accent1">
-              <a:shade val="50000"/>
-            </a:schemeClr>
-          </a:lnRef>
-          <a:fillRef idx="1">
-            <a:schemeClr val="accent1"/>
-          </a:fillRef>
-          <a:effectRef idx="0">
-            <a:schemeClr val="accent1"/>
-          </a:effectRef>
-          <a:fontRef idx="minor">
-            <a:schemeClr val="lt1"/>
-          </a:fontRef>
-        </p:style>
-        <p:txBody>
-          <a:bodyPr rtlCol="0" anchor="ctr"/>
-          <a:lstStyle/>
-          <a:p>
-            <a:pPr algn="ctr"/>
-            <a:endParaRPr lang="zh-TW" altLang="en-US" dirty="0">
-              <a:noFill/>
-            </a:endParaRPr>
-          </a:p>
-        </p:txBody>
-      </p:sp>
+              </a:endParaRPr>
+            </a:p>
+          </p:txBody>
+        </p:sp>
+        <p:sp>
+          <p:nvSpPr>
+            <p:cNvPr id="11" name="文字方塊 10">
+              <a:extLst>
+                <a:ext uri="{FF2B5EF4-FFF2-40B4-BE49-F238E27FC236}">
+                  <a16:creationId xmlns:a16="http://schemas.microsoft.com/office/drawing/2014/main" id="{E5741F68-78DE-4585-9520-B17BD0B5648E}"/>
+                </a:ext>
+              </a:extLst>
+            </p:cNvPr>
+            <p:cNvSpPr txBox="1"/>
+            <p:nvPr/>
+          </p:nvSpPr>
+          <p:spPr>
+            <a:xfrm>
+              <a:off x="5803070" y="2363674"/>
+              <a:ext cx="1812802" cy="338554"/>
+            </a:xfrm>
+            <a:prstGeom prst="rect">
+              <a:avLst/>
+            </a:prstGeom>
+          </p:spPr>
+          <p:style>
+            <a:lnRef idx="0">
+              <a:schemeClr val="dk1"/>
+            </a:lnRef>
+            <a:fillRef idx="3">
+              <a:schemeClr val="dk1"/>
+            </a:fillRef>
+            <a:effectRef idx="3">
+              <a:schemeClr val="dk1"/>
+            </a:effectRef>
+            <a:fontRef idx="minor">
+              <a:schemeClr val="lt1"/>
+            </a:fontRef>
+          </p:style>
+          <p:txBody>
+            <a:bodyPr wrap="square">
+              <a:spAutoFit/>
+            </a:bodyPr>
+            <a:lstStyle/>
+            <a:p>
+              <a:r>
+                <a:rPr lang="en-US" altLang="zh-TW" sz="1600" dirty="0" err="1">
+                  <a:solidFill>
+                    <a:srgbClr val="FF0000"/>
+                  </a:solidFill>
+                  <a:latin typeface="標楷體" panose="03000509000000000000" pitchFamily="65" charset="-120"/>
+                  <a:ea typeface="標楷體" panose="03000509000000000000" pitchFamily="65" charset="-120"/>
+                </a:rPr>
+                <a:t>O_VGA_gray</a:t>
+              </a:r>
+              <a:r>
+                <a:rPr lang="en-US" altLang="zh-TW" sz="1600" dirty="0">
+                  <a:solidFill>
+                    <a:srgbClr val="FF0000"/>
+                  </a:solidFill>
+                  <a:latin typeface="標楷體" panose="03000509000000000000" pitchFamily="65" charset="-120"/>
+                  <a:ea typeface="標楷體" panose="03000509000000000000" pitchFamily="65" charset="-120"/>
+                </a:rPr>
+                <a:t>[0]</a:t>
+              </a:r>
+              <a:endParaRPr lang="zh-TW" altLang="en-US" sz="1600" dirty="0">
+                <a:solidFill>
+                  <a:srgbClr val="FF0000"/>
+                </a:solidFill>
+                <a:latin typeface="標楷體" panose="03000509000000000000" pitchFamily="65" charset="-120"/>
+                <a:ea typeface="標楷體" panose="03000509000000000000" pitchFamily="65" charset="-120"/>
+              </a:endParaRPr>
+            </a:p>
+          </p:txBody>
+        </p:sp>
+      </p:grpSp>
     </p:spTree>
     <p:extLst>
       <p:ext uri="{BB962C8B-B14F-4D97-AF65-F5344CB8AC3E}">
-        <p14:creationId xmlns:p14="http://schemas.microsoft.com/office/powerpoint/2010/main" val="2809026845"/>
+        <p14:creationId xmlns:p14="http://schemas.microsoft.com/office/powerpoint/2010/main" val="1946347575"/>
       </p:ext>
     </p:extLst>
   </p:cSld>
@@ -11926,7 +11784,7 @@
             </a:r>
             <a:r>
               <a:rPr lang="en-US" altLang="zh-TW" sz="3200" dirty="0">
-                <a:latin typeface="標楷體" panose="03000509000000000000" pitchFamily="65" charset="-120"/>
+                <a:ea typeface="Tahoma" panose="020B0604030504040204" pitchFamily="34" charset="0"/>
               </a:rPr>
               <a:t>Bram(640x480) + Sobel </a:t>
             </a:r>
@@ -11938,7 +11796,7 @@
             </a:r>
             <a:r>
               <a:rPr lang="en-US" altLang="zh-TW" sz="3200" dirty="0"/>
-              <a:t>(1/2)</a:t>
+              <a:t>(2/3)</a:t>
             </a:r>
             <a:endParaRPr lang="zh-TW" altLang="en-US" sz="3200" dirty="0"/>
           </a:p>
@@ -11959,7 +11817,7 @@
         <p:spPr>
           <a:xfrm>
             <a:off x="2013569" y="1289462"/>
-            <a:ext cx="5373306" cy="923330"/>
+            <a:ext cx="5373306" cy="1200329"/>
           </a:xfrm>
           <a:prstGeom prst="rect">
             <a:avLst/>
@@ -11977,12 +11835,16 @@
               <a:buChar char="•"/>
             </a:pPr>
             <a:r>
-              <a:rPr lang="en-US" altLang="zh-TW" dirty="0">
+              <a:rPr lang="zh-TW" altLang="en-US" dirty="0">
                 <a:latin typeface="標楷體" panose="03000509000000000000" pitchFamily="65" charset="-120"/>
                 <a:ea typeface="標楷體" panose="03000509000000000000" pitchFamily="65" charset="-120"/>
               </a:rPr>
-              <a:t>BRAM:</a:t>
-            </a:r>
+              <a:t>手繪方型</a:t>
+            </a:r>
+            <a:endParaRPr lang="en-US" altLang="zh-TW" dirty="0">
+              <a:latin typeface="標楷體" panose="03000509000000000000" pitchFamily="65" charset="-120"/>
+              <a:ea typeface="標楷體" panose="03000509000000000000" pitchFamily="65" charset="-120"/>
+            </a:endParaRPr>
           </a:p>
           <a:p>
             <a:pPr marL="742950" lvl="1" indent="-285750">
@@ -12001,7 +11863,7 @@
                 <a:latin typeface="標楷體" panose="03000509000000000000" pitchFamily="65" charset="-120"/>
                 <a:ea typeface="標楷體" panose="03000509000000000000" pitchFamily="65" charset="-120"/>
               </a:rPr>
-              <a:t>: 640x480 (8</a:t>
+              <a:t>: 200x200 (8</a:t>
             </a:r>
             <a:r>
               <a:rPr lang="en-US" altLang="zh-TW" dirty="0">
@@ -12035,8 +11897,18 @@
                 <a:latin typeface="標楷體" panose="03000509000000000000" pitchFamily="65" charset="-120"/>
                 <a:ea typeface="標楷體" panose="03000509000000000000" pitchFamily="65" charset="-120"/>
               </a:rPr>
-              <a:t>: 0,0</a:t>
-            </a:r>
+              <a:t>: 200,200</a:t>
+            </a:r>
+            <a:endParaRPr lang="zh-TW" altLang="en-US" dirty="0">
+              <a:latin typeface="標楷體" panose="03000509000000000000" pitchFamily="65" charset="-120"/>
+              <a:ea typeface="標楷體" panose="03000509000000000000" pitchFamily="65" charset="-120"/>
+            </a:endParaRPr>
+          </a:p>
+          <a:p>
+            <a:pPr marL="285750" indent="-285750">
+              <a:buFont typeface="Arial" panose="020B0604020202020204" pitchFamily="34" charset="0"/>
+              <a:buChar char="•"/>
+            </a:pPr>
             <a:endParaRPr lang="zh-TW" altLang="en-US" dirty="0">
               <a:latin typeface="標楷體" panose="03000509000000000000" pitchFamily="65" charset="-120"/>
               <a:ea typeface="標楷體" panose="03000509000000000000" pitchFamily="65" charset="-120"/>
@@ -12058,8 +11930,8 @@
         </p:nvSpPr>
         <p:spPr>
           <a:xfrm>
-            <a:off x="5348988" y="5501877"/>
-            <a:ext cx="1812802" cy="401321"/>
+            <a:off x="2525926" y="5787074"/>
+            <a:ext cx="1648002" cy="369332"/>
           </a:xfrm>
           <a:prstGeom prst="rect">
             <a:avLst/>
@@ -12084,14 +11956,14 @@
                 <a:latin typeface="標楷體" panose="03000509000000000000" pitchFamily="65" charset="-120"/>
                 <a:ea typeface="標楷體" panose="03000509000000000000" pitchFamily="65" charset="-120"/>
               </a:rPr>
-              <a:t>2.</a:t>
+              <a:t>2-1.</a:t>
             </a:r>
             <a:r>
               <a:rPr lang="zh-TW" altLang="en-US" dirty="0">
                 <a:latin typeface="標楷體" panose="03000509000000000000" pitchFamily="65" charset="-120"/>
                 <a:ea typeface="標楷體" panose="03000509000000000000" pitchFamily="65" charset="-120"/>
               </a:rPr>
-              <a:t>麵包板接線</a:t>
+              <a:t>原圖</a:t>
             </a:r>
           </a:p>
         </p:txBody>
@@ -12111,7 +11983,7 @@
         <p:spPr>
           <a:xfrm>
             <a:off x="6877961" y="1552520"/>
-            <a:ext cx="5373306" cy="646331"/>
+            <a:ext cx="5373306" cy="369332"/>
           </a:xfrm>
           <a:prstGeom prst="rect">
             <a:avLst/>
@@ -12135,134 +12007,149 @@
               </a:rPr>
               <a:t>Sobel</a:t>
             </a:r>
-          </a:p>
-          <a:p>
-            <a:pPr marL="742950" lvl="1" indent="-285750">
-              <a:buFont typeface="Arial" panose="020B0604020202020204" pitchFamily="34" charset="0"/>
-              <a:buChar char="•"/>
-            </a:pPr>
             <a:r>
               <a:rPr lang="zh-TW" altLang="en-US" dirty="0">
                 <a:latin typeface="標楷體" panose="03000509000000000000" pitchFamily="65" charset="-120"/>
                 <a:ea typeface="標楷體" panose="03000509000000000000" pitchFamily="65" charset="-120"/>
               </a:rPr>
-              <a:t>有加強邊線厚度</a:t>
-            </a:r>
-          </a:p>
-        </p:txBody>
-      </p:sp>
-      <p:sp>
-        <p:nvSpPr>
-          <p:cNvPr id="7" name="矩形 6">
+              <a:t>上下邊線為兩行</a:t>
+            </a:r>
+          </a:p>
+        </p:txBody>
+      </p:sp>
+      <p:sp>
+        <p:nvSpPr>
+          <p:cNvPr id="10" name="文字方塊 9">
             <a:extLst>
               <a:ext uri="{FF2B5EF4-FFF2-40B4-BE49-F238E27FC236}">
-                <a16:creationId xmlns:a16="http://schemas.microsoft.com/office/drawing/2014/main" id="{40EFB5A5-0A95-4E2D-8BF0-572456D65E3C}"/>
+                <a16:creationId xmlns:a16="http://schemas.microsoft.com/office/drawing/2014/main" id="{02FA7F1C-A295-41D9-BB4B-677FF4A64F1F}"/>
               </a:ext>
             </a:extLst>
           </p:cNvPr>
-          <p:cNvSpPr/>
+          <p:cNvSpPr txBox="1"/>
           <p:nvPr/>
         </p:nvSpPr>
         <p:spPr>
-          <a:xfrm rot="5400000">
-            <a:off x="4892845" y="3842981"/>
-            <a:ext cx="1219203" cy="391239"/>
+          <a:xfrm>
+            <a:off x="7547371" y="5787074"/>
+            <a:ext cx="2118703" cy="369332"/>
           </a:xfrm>
           <a:prstGeom prst="rect">
             <a:avLst/>
           </a:prstGeom>
           <a:noFill/>
-          <a:ln w="28575">
-            <a:solidFill>
-              <a:srgbClr val="FF0000"/>
-            </a:solidFill>
-          </a:ln>
         </p:spPr>
-        <p:style>
-          <a:lnRef idx="2">
-            <a:schemeClr val="accent1">
-              <a:shade val="50000"/>
-            </a:schemeClr>
-          </a:lnRef>
-          <a:fillRef idx="1">
-            <a:schemeClr val="accent1"/>
-          </a:fillRef>
-          <a:effectRef idx="0">
-            <a:schemeClr val="accent1"/>
-          </a:effectRef>
-          <a:fontRef idx="minor">
-            <a:schemeClr val="lt1"/>
-          </a:fontRef>
-        </p:style>
-        <p:txBody>
-          <a:bodyPr rtlCol="0" anchor="ctr"/>
-          <a:lstStyle/>
-          <a:p>
-            <a:pPr algn="ctr"/>
-            <a:endParaRPr lang="zh-TW" altLang="en-US" dirty="0">
-              <a:noFill/>
-            </a:endParaRPr>
-          </a:p>
-        </p:txBody>
-      </p:sp>
-      <p:sp>
-        <p:nvSpPr>
-          <p:cNvPr id="9" name="矩形 8">
+        <p:txBody>
+          <a:bodyPr wrap="square">
+            <a:spAutoFit/>
+          </a:bodyPr>
+          <a:lstStyle/>
+          <a:p>
+            <a:r>
+              <a:rPr lang="zh-TW" altLang="en-US" dirty="0">
+                <a:latin typeface="標楷體" panose="03000509000000000000" pitchFamily="65" charset="-120"/>
+                <a:ea typeface="標楷體" panose="03000509000000000000" pitchFamily="65" charset="-120"/>
+              </a:rPr>
+              <a:t>圖</a:t>
+            </a:r>
+            <a:r>
+              <a:rPr lang="en-US" altLang="zh-TW" dirty="0">
+                <a:latin typeface="標楷體" panose="03000509000000000000" pitchFamily="65" charset="-120"/>
+                <a:ea typeface="標楷體" panose="03000509000000000000" pitchFamily="65" charset="-120"/>
+              </a:rPr>
+              <a:t>2-2.</a:t>
+            </a:r>
+            <a:r>
+              <a:rPr lang="en-US" altLang="zh-TW" dirty="0">
+                <a:latin typeface="Times New Roman" panose="02020603050405020304" pitchFamily="18" charset="0"/>
+                <a:ea typeface="Tahoma" panose="020B0604030504040204" pitchFamily="34" charset="0"/>
+              </a:rPr>
+              <a:t>Sobel </a:t>
+            </a:r>
+            <a:r>
+              <a:rPr lang="zh-TW" altLang="en-US" dirty="0">
+                <a:latin typeface="標楷體" panose="03000509000000000000" pitchFamily="65" charset="-120"/>
+                <a:ea typeface="標楷體" panose="03000509000000000000" pitchFamily="65" charset="-120"/>
+              </a:rPr>
+              <a:t>結果</a:t>
+            </a:r>
+          </a:p>
+        </p:txBody>
+      </p:sp>
+      <p:pic>
+        <p:nvPicPr>
+          <p:cNvPr id="4" name="圖片 3">
             <a:extLst>
               <a:ext uri="{FF2B5EF4-FFF2-40B4-BE49-F238E27FC236}">
-                <a16:creationId xmlns:a16="http://schemas.microsoft.com/office/drawing/2014/main" id="{18F3B7A8-D849-42B6-8EE3-B04782717833}"/>
+                <a16:creationId xmlns:a16="http://schemas.microsoft.com/office/drawing/2014/main" id="{EDCB4BFE-85E8-4336-A68F-8377D9CF3ADF}"/>
               </a:ext>
             </a:extLst>
           </p:cNvPr>
-          <p:cNvSpPr/>
+          <p:cNvPicPr>
+            <a:picLocks noChangeAspect="1"/>
+          </p:cNvPicPr>
           <p:nvPr/>
-        </p:nvSpPr>
+        </p:nvPicPr>
+        <p:blipFill rotWithShape="1">
+          <a:blip r:embed="rId3" cstate="print">
+            <a:extLst>
+              <a:ext uri="{28A0092B-C50C-407E-A947-70E740481C1C}">
+                <a14:useLocalDpi xmlns:a14="http://schemas.microsoft.com/office/drawing/2010/main" val="0"/>
+              </a:ext>
+            </a:extLst>
+          </a:blip>
+          <a:srcRect b="10864"/>
+          <a:stretch/>
+        </p:blipFill>
         <p:spPr>
-          <a:xfrm rot="5400000">
-            <a:off x="7584100" y="3906591"/>
-            <a:ext cx="1219202" cy="391239"/>
+          <a:xfrm>
+            <a:off x="616869" y="2336459"/>
+            <a:ext cx="5161550" cy="3450615"/>
           </a:xfrm>
           <a:prstGeom prst="rect">
             <a:avLst/>
           </a:prstGeom>
-          <a:noFill/>
-          <a:ln w="28575">
-            <a:solidFill>
-              <a:srgbClr val="FF0000"/>
-            </a:solidFill>
-          </a:ln>
         </p:spPr>
-        <p:style>
-          <a:lnRef idx="2">
-            <a:schemeClr val="accent1">
-              <a:shade val="50000"/>
-            </a:schemeClr>
-          </a:lnRef>
-          <a:fillRef idx="1">
-            <a:schemeClr val="accent1"/>
-          </a:fillRef>
-          <a:effectRef idx="0">
-            <a:schemeClr val="accent1"/>
-          </a:effectRef>
-          <a:fontRef idx="minor">
-            <a:schemeClr val="lt1"/>
-          </a:fontRef>
-        </p:style>
-        <p:txBody>
-          <a:bodyPr rtlCol="0" anchor="ctr"/>
-          <a:lstStyle/>
-          <a:p>
-            <a:pPr algn="ctr"/>
-            <a:endParaRPr lang="zh-TW" altLang="en-US" dirty="0">
-              <a:noFill/>
-            </a:endParaRPr>
-          </a:p>
-        </p:txBody>
-      </p:sp>
+      </p:pic>
+      <p:pic>
+        <p:nvPicPr>
+          <p:cNvPr id="11" name="圖片 10">
+            <a:extLst>
+              <a:ext uri="{FF2B5EF4-FFF2-40B4-BE49-F238E27FC236}">
+                <a16:creationId xmlns:a16="http://schemas.microsoft.com/office/drawing/2014/main" id="{CFE7528A-9622-4422-8705-15C982D1A22C}"/>
+              </a:ext>
+            </a:extLst>
+          </p:cNvPr>
+          <p:cNvPicPr>
+            <a:picLocks noChangeAspect="1"/>
+          </p:cNvPicPr>
+          <p:nvPr/>
+        </p:nvPicPr>
+        <p:blipFill rotWithShape="1">
+          <a:blip r:embed="rId4" cstate="print">
+            <a:extLst>
+              <a:ext uri="{28A0092B-C50C-407E-A947-70E740481C1C}">
+                <a14:useLocalDpi xmlns:a14="http://schemas.microsoft.com/office/drawing/2010/main" val="0"/>
+              </a:ext>
+            </a:extLst>
+          </a:blip>
+          <a:srcRect b="10864"/>
+          <a:stretch/>
+        </p:blipFill>
+        <p:spPr>
+          <a:xfrm>
+            <a:off x="6025948" y="2324104"/>
+            <a:ext cx="5161550" cy="3450615"/>
+          </a:xfrm>
+          <a:prstGeom prst="rect">
+            <a:avLst/>
+          </a:prstGeom>
+        </p:spPr>
+      </p:pic>
     </p:spTree>
     <p:extLst>
       <p:ext uri="{BB962C8B-B14F-4D97-AF65-F5344CB8AC3E}">
-        <p14:creationId xmlns:p14="http://schemas.microsoft.com/office/powerpoint/2010/main" val="1946347575"/>
+        <p14:creationId xmlns:p14="http://schemas.microsoft.com/office/powerpoint/2010/main" val="2809026845"/>
       </p:ext>
     </p:extLst>
   </p:cSld>
@@ -12321,9 +12208,9 @@
             </a:r>
             <a:r>
               <a:rPr lang="en-US" altLang="zh-TW" sz="3200" dirty="0">
-                <a:latin typeface="標楷體" panose="03000509000000000000" pitchFamily="65" charset="-120"/>
-              </a:rPr>
-              <a:t>Bram(640x480) + Sobel </a:t>
+                <a:ea typeface="Tahoma" panose="020B0604030504040204" pitchFamily="34" charset="0"/>
+              </a:rPr>
+              <a:t>Bram(640x480) + Sobel</a:t>
             </a:r>
             <a:r>
               <a:rPr lang="zh-TW" altLang="en-US" sz="3200" dirty="0">
@@ -12333,7 +12220,7 @@
             </a:r>
             <a:r>
               <a:rPr lang="en-US" altLang="zh-TW" sz="3200" dirty="0"/>
-              <a:t>(1/2)</a:t>
+              <a:t>(3/3)</a:t>
             </a:r>
             <a:endParaRPr lang="zh-TW" altLang="en-US" sz="3200" dirty="0"/>
           </a:p>
@@ -12453,7 +12340,7 @@
         </p:nvSpPr>
         <p:spPr>
           <a:xfrm>
-            <a:off x="5431388" y="5379372"/>
+            <a:off x="2721563" y="5713290"/>
             <a:ext cx="1648002" cy="369332"/>
           </a:xfrm>
           <a:prstGeom prst="rect">
@@ -12479,14 +12366,14 @@
                 <a:latin typeface="標楷體" panose="03000509000000000000" pitchFamily="65" charset="-120"/>
                 <a:ea typeface="標楷體" panose="03000509000000000000" pitchFamily="65" charset="-120"/>
               </a:rPr>
-              <a:t>3.</a:t>
+              <a:t>3-1.</a:t>
             </a:r>
             <a:r>
               <a:rPr lang="zh-TW" altLang="en-US" dirty="0">
                 <a:latin typeface="標楷體" panose="03000509000000000000" pitchFamily="65" charset="-120"/>
                 <a:ea typeface="標楷體" panose="03000509000000000000" pitchFamily="65" charset="-120"/>
               </a:rPr>
-              <a:t>圖形起點</a:t>
+              <a:t>原圖</a:t>
             </a:r>
           </a:p>
         </p:txBody>
@@ -12548,112 +12435,133 @@
       </p:sp>
       <p:sp>
         <p:nvSpPr>
-          <p:cNvPr id="7" name="矩形 6">
+          <p:cNvPr id="10" name="文字方塊 9">
             <a:extLst>
               <a:ext uri="{FF2B5EF4-FFF2-40B4-BE49-F238E27FC236}">
-                <a16:creationId xmlns:a16="http://schemas.microsoft.com/office/drawing/2014/main" id="{40EFB5A5-0A95-4E2D-8BF0-572456D65E3C}"/>
+                <a16:creationId xmlns:a16="http://schemas.microsoft.com/office/drawing/2014/main" id="{EA079CAB-A1F4-43DB-93EF-E2F2FB584251}"/>
               </a:ext>
             </a:extLst>
           </p:cNvPr>
-          <p:cNvSpPr/>
+          <p:cNvSpPr txBox="1"/>
           <p:nvPr/>
         </p:nvSpPr>
         <p:spPr>
-          <a:xfrm rot="5400000">
-            <a:off x="4892845" y="3842981"/>
-            <a:ext cx="1219203" cy="391239"/>
+          <a:xfrm>
+            <a:off x="7663100" y="5696413"/>
+            <a:ext cx="2304047" cy="369332"/>
           </a:xfrm>
           <a:prstGeom prst="rect">
             <a:avLst/>
           </a:prstGeom>
           <a:noFill/>
-          <a:ln w="28575">
-            <a:solidFill>
-              <a:srgbClr val="FF0000"/>
-            </a:solidFill>
-          </a:ln>
         </p:spPr>
-        <p:style>
-          <a:lnRef idx="2">
-            <a:schemeClr val="accent1">
-              <a:shade val="50000"/>
-            </a:schemeClr>
-          </a:lnRef>
-          <a:fillRef idx="1">
-            <a:schemeClr val="accent1"/>
-          </a:fillRef>
-          <a:effectRef idx="0">
-            <a:schemeClr val="accent1"/>
-          </a:effectRef>
-          <a:fontRef idx="minor">
-            <a:schemeClr val="lt1"/>
-          </a:fontRef>
-        </p:style>
-        <p:txBody>
-          <a:bodyPr rtlCol="0" anchor="ctr"/>
-          <a:lstStyle/>
-          <a:p>
-            <a:pPr algn="ctr"/>
-            <a:endParaRPr lang="zh-TW" altLang="en-US" dirty="0">
-              <a:noFill/>
-            </a:endParaRPr>
-          </a:p>
-        </p:txBody>
-      </p:sp>
-      <p:sp>
-        <p:nvSpPr>
-          <p:cNvPr id="9" name="矩形 8">
+        <p:txBody>
+          <a:bodyPr wrap="square">
+            <a:spAutoFit/>
+          </a:bodyPr>
+          <a:lstStyle/>
+          <a:p>
+            <a:r>
+              <a:rPr lang="zh-TW" altLang="en-US" dirty="0">
+                <a:latin typeface="標楷體" panose="03000509000000000000" pitchFamily="65" charset="-120"/>
+                <a:ea typeface="標楷體" panose="03000509000000000000" pitchFamily="65" charset="-120"/>
+              </a:rPr>
+              <a:t>圖</a:t>
+            </a:r>
+            <a:r>
+              <a:rPr lang="en-US" altLang="zh-TW" dirty="0">
+                <a:latin typeface="標楷體" panose="03000509000000000000" pitchFamily="65" charset="-120"/>
+                <a:ea typeface="標楷體" panose="03000509000000000000" pitchFamily="65" charset="-120"/>
+              </a:rPr>
+              <a:t>3-2.</a:t>
+            </a:r>
+            <a:r>
+              <a:rPr lang="en-US" altLang="zh-TW" dirty="0">
+                <a:latin typeface="Times New Roman" panose="02020603050405020304" pitchFamily="18" charset="0"/>
+                <a:ea typeface="Tahoma" panose="020B0604030504040204" pitchFamily="34" charset="0"/>
+              </a:rPr>
+              <a:t> Sobel </a:t>
+            </a:r>
+            <a:r>
+              <a:rPr lang="zh-TW" altLang="en-US" dirty="0">
+                <a:latin typeface="標楷體" panose="03000509000000000000" pitchFamily="65" charset="-120"/>
+                <a:ea typeface="標楷體" panose="03000509000000000000" pitchFamily="65" charset="-120"/>
+              </a:rPr>
+              <a:t>結果</a:t>
+            </a:r>
+          </a:p>
+        </p:txBody>
+      </p:sp>
+      <p:pic>
+        <p:nvPicPr>
+          <p:cNvPr id="4" name="圖片 3">
             <a:extLst>
               <a:ext uri="{FF2B5EF4-FFF2-40B4-BE49-F238E27FC236}">
-                <a16:creationId xmlns:a16="http://schemas.microsoft.com/office/drawing/2014/main" id="{18F3B7A8-D849-42B6-8EE3-B04782717833}"/>
+                <a16:creationId xmlns:a16="http://schemas.microsoft.com/office/drawing/2014/main" id="{FE0EFF0B-34C0-451E-A2BA-F6899B777848}"/>
               </a:ext>
             </a:extLst>
           </p:cNvPr>
-          <p:cNvSpPr/>
+          <p:cNvPicPr>
+            <a:picLocks noChangeAspect="1"/>
+          </p:cNvPicPr>
           <p:nvPr/>
-        </p:nvSpPr>
+        </p:nvPicPr>
+        <p:blipFill rotWithShape="1">
+          <a:blip r:embed="rId3" cstate="print">
+            <a:extLst>
+              <a:ext uri="{28A0092B-C50C-407E-A947-70E740481C1C}">
+                <a14:useLocalDpi xmlns:a14="http://schemas.microsoft.com/office/drawing/2010/main" val="0"/>
+              </a:ext>
+            </a:extLst>
+          </a:blip>
+          <a:srcRect b="12049"/>
+          <a:stretch/>
+        </p:blipFill>
         <p:spPr>
-          <a:xfrm rot="5400000">
-            <a:off x="7584100" y="3906591"/>
-            <a:ext cx="1219202" cy="391239"/>
+          <a:xfrm>
+            <a:off x="6275905" y="2581272"/>
+            <a:ext cx="4692318" cy="3095208"/>
           </a:xfrm>
           <a:prstGeom prst="rect">
             <a:avLst/>
           </a:prstGeom>
-          <a:noFill/>
-          <a:ln w="28575">
-            <a:solidFill>
-              <a:srgbClr val="FF0000"/>
-            </a:solidFill>
-          </a:ln>
         </p:spPr>
-        <p:style>
-          <a:lnRef idx="2">
-            <a:schemeClr val="accent1">
-              <a:shade val="50000"/>
-            </a:schemeClr>
-          </a:lnRef>
-          <a:fillRef idx="1">
-            <a:schemeClr val="accent1"/>
-          </a:fillRef>
-          <a:effectRef idx="0">
-            <a:schemeClr val="accent1"/>
-          </a:effectRef>
-          <a:fontRef idx="minor">
-            <a:schemeClr val="lt1"/>
-          </a:fontRef>
-        </p:style>
-        <p:txBody>
-          <a:bodyPr rtlCol="0" anchor="ctr"/>
-          <a:lstStyle/>
-          <a:p>
-            <a:pPr algn="ctr"/>
-            <a:endParaRPr lang="zh-TW" altLang="en-US" dirty="0">
-              <a:noFill/>
-            </a:endParaRPr>
-          </a:p>
-        </p:txBody>
-      </p:sp>
+      </p:pic>
+      <p:pic>
+        <p:nvPicPr>
+          <p:cNvPr id="11" name="圖片 10">
+            <a:extLst>
+              <a:ext uri="{FF2B5EF4-FFF2-40B4-BE49-F238E27FC236}">
+                <a16:creationId xmlns:a16="http://schemas.microsoft.com/office/drawing/2014/main" id="{47E391E3-3EB3-4F3D-99B8-B76962935E27}"/>
+              </a:ext>
+            </a:extLst>
+          </p:cNvPr>
+          <p:cNvPicPr>
+            <a:picLocks noChangeAspect="1"/>
+          </p:cNvPicPr>
+          <p:nvPr/>
+        </p:nvPicPr>
+        <p:blipFill rotWithShape="1">
+          <a:blip r:embed="rId4" cstate="print">
+            <a:extLst>
+              <a:ext uri="{28A0092B-C50C-407E-A947-70E740481C1C}">
+                <a14:useLocalDpi xmlns:a14="http://schemas.microsoft.com/office/drawing/2010/main" val="0"/>
+              </a:ext>
+            </a:extLst>
+          </a:blip>
+          <a:srcRect b="12032"/>
+          <a:stretch/>
+        </p:blipFill>
+        <p:spPr>
+          <a:xfrm>
+            <a:off x="716670" y="2319077"/>
+            <a:ext cx="5161550" cy="3405374"/>
+          </a:xfrm>
+          <a:prstGeom prst="rect">
+            <a:avLst/>
+          </a:prstGeom>
+        </p:spPr>
+      </p:pic>
     </p:spTree>
     <p:extLst>
       <p:ext uri="{BB962C8B-B14F-4D97-AF65-F5344CB8AC3E}">
@@ -12744,11 +12652,18 @@
                 <a:ea typeface="標楷體" panose="03000509000000000000" pitchFamily="65" charset="-120"/>
                 <a:cs typeface="Times New Roman" panose="02020603050405020304" pitchFamily="18" charset="0"/>
               </a:rPr>
-              <a:t>2023/6/7~2023/6/13:</a:t>
+              <a:t>2023/6/1~2023/6/7:</a:t>
             </a:r>
           </a:p>
           <a:p>
             <a:pPr lvl="2" fontAlgn="base"/>
+            <a:r>
+              <a:rPr lang="en-US" altLang="zh-TW" sz="1800" dirty="0"/>
+              <a:t>Canny</a:t>
+            </a:r>
+          </a:p>
+          <a:p>
+            <a:pPr lvl="3" fontAlgn="base"/>
             <a:r>
               <a:rPr lang="en-US" altLang="zh-TW" sz="1800" dirty="0" err="1"/>
               <a:t>Gaussian_wrapper</a:t>
@@ -12764,30 +12679,29 @@
             <a:endParaRPr lang="en-US" altLang="zh-TW" sz="1800" dirty="0"/>
           </a:p>
           <a:p>
-            <a:pPr lvl="3" fontAlgn="base"/>
+            <a:pPr lvl="4" fontAlgn="base"/>
+            <a:r>
+              <a:rPr lang="en-US" altLang="zh-TW" sz="1800" dirty="0" err="1"/>
+              <a:t>Cachesystem</a:t>
+            </a:r>
+            <a:endParaRPr lang="en-US" altLang="zh-TW" sz="1800" dirty="0"/>
+          </a:p>
+          <a:p>
+            <a:pPr lvl="5" fontAlgn="base"/>
+            <a:r>
+              <a:rPr lang="en-US" altLang="zh-TW" sz="1600" dirty="0">
+                <a:latin typeface="Times New Roman" panose="02020603050405020304" pitchFamily="18" charset="0"/>
+                <a:cs typeface="Times New Roman" panose="02020603050405020304" pitchFamily="18" charset="0"/>
+              </a:rPr>
+              <a:t>Line bufferx3</a:t>
+            </a:r>
+          </a:p>
+          <a:p>
+            <a:pPr lvl="4" fontAlgn="base"/>
             <a:r>
               <a:rPr lang="en-US" altLang="zh-TW" sz="1800" dirty="0"/>
-              <a:t>Gaussian</a:t>
-            </a:r>
-          </a:p>
-          <a:p>
-            <a:pPr lvl="3" fontAlgn="base"/>
-            <a:r>
-              <a:rPr lang="en-US" altLang="zh-TW" sz="1800" dirty="0"/>
-              <a:t>NMS</a:t>
-            </a:r>
-          </a:p>
-          <a:p>
-            <a:pPr lvl="3" fontAlgn="base"/>
-            <a:r>
-              <a:rPr lang="en-US" altLang="zh-TW" sz="1800" dirty="0" err="1"/>
-              <a:t>HysteresisThresholding</a:t>
-            </a:r>
-            <a:endParaRPr lang="en-US" altLang="zh-TW" sz="1800"/>
-          </a:p>
-          <a:p>
-            <a:pPr lvl="2" fontAlgn="base"/>
-            <a:endParaRPr lang="en-US" altLang="zh-TW" sz="1800" dirty="0"/>
+              <a:t>Gaussian filter</a:t>
+            </a:r>
           </a:p>
           <a:p>
             <a:pPr lvl="2" fontAlgn="base"/>
@@ -14396,174 +14310,6 @@
         </p:nvSpPr>
         <p:spPr>
           <a:xfrm>
-            <a:off x="838199" y="1186406"/>
-            <a:ext cx="11082947" cy="5041866"/>
-          </a:xfrm>
-        </p:spPr>
-        <p:txBody>
-          <a:bodyPr/>
-          <a:lstStyle/>
-          <a:p>
-            <a:endParaRPr lang="en-US" altLang="zh-TW" sz="1200" dirty="0"/>
-          </a:p>
-          <a:p>
-            <a:pPr lvl="1"/>
-            <a:r>
-              <a:rPr lang="en-US" altLang="zh-TW" sz="1800" dirty="0"/>
-              <a:t>Q5: </a:t>
-            </a:r>
-            <a:r>
-              <a:rPr lang="zh-TW" altLang="en-US" sz="1800" dirty="0"/>
-              <a:t>輸出結果</a:t>
-            </a:r>
-            <a:endParaRPr lang="en-US" altLang="zh-TW" sz="1800" dirty="0"/>
-          </a:p>
-          <a:p>
-            <a:pPr lvl="1"/>
-            <a:r>
-              <a:rPr lang="en-US" altLang="zh-TW" sz="1800" dirty="0"/>
-              <a:t>A5: </a:t>
-            </a:r>
-          </a:p>
-        </p:txBody>
-      </p:sp>
-      <p:sp>
-        <p:nvSpPr>
-          <p:cNvPr id="3" name="標題 2"/>
-          <p:cNvSpPr>
-            <a:spLocks noGrp="1"/>
-          </p:cNvSpPr>
-          <p:nvPr>
-            <p:ph type="title"/>
-          </p:nvPr>
-        </p:nvSpPr>
-        <p:spPr/>
-        <p:txBody>
-          <a:bodyPr/>
-          <a:lstStyle/>
-          <a:p>
-            <a:r>
-              <a:rPr lang="zh-TW" altLang="en-US" dirty="0"/>
-              <a:t>問題記錄 </a:t>
-            </a:r>
-            <a:r>
-              <a:rPr lang="en-US" altLang="zh-TW" dirty="0"/>
-              <a:t>- (</a:t>
-            </a:r>
-            <a:r>
-              <a:rPr lang="zh-TW" altLang="en-US" dirty="0"/>
-              <a:t>軟體問題</a:t>
-            </a:r>
-            <a:r>
-              <a:rPr lang="en-US" altLang="zh-TW" dirty="0"/>
-              <a:t>)</a:t>
-            </a:r>
-            <a:endParaRPr lang="zh-TW" altLang="en-US" dirty="0"/>
-          </a:p>
-        </p:txBody>
-      </p:sp>
-      <p:sp>
-        <p:nvSpPr>
-          <p:cNvPr id="10" name="文字方塊 9">
-            <a:extLst>
-              <a:ext uri="{FF2B5EF4-FFF2-40B4-BE49-F238E27FC236}">
-                <a16:creationId xmlns:a16="http://schemas.microsoft.com/office/drawing/2014/main" id="{BB5CB510-3FAF-4E7E-8F5C-C436845458D1}"/>
-              </a:ext>
-            </a:extLst>
-          </p:cNvPr>
-          <p:cNvSpPr txBox="1"/>
-          <p:nvPr/>
-        </p:nvSpPr>
-        <p:spPr>
-          <a:xfrm>
-            <a:off x="5312523" y="5915831"/>
-            <a:ext cx="3837396" cy="369332"/>
-          </a:xfrm>
-          <a:prstGeom prst="rect">
-            <a:avLst/>
-          </a:prstGeom>
-          <a:noFill/>
-        </p:spPr>
-        <p:txBody>
-          <a:bodyPr wrap="square">
-            <a:spAutoFit/>
-          </a:bodyPr>
-          <a:lstStyle/>
-          <a:p>
-            <a:r>
-              <a:rPr lang="zh-TW" altLang="en-US" dirty="0">
-                <a:latin typeface="標楷體" panose="03000509000000000000" pitchFamily="65" charset="-120"/>
-                <a:ea typeface="標楷體" panose="03000509000000000000" pitchFamily="65" charset="-120"/>
-              </a:rPr>
-              <a:t>圖</a:t>
-            </a:r>
-            <a:r>
-              <a:rPr lang="en-US" altLang="zh-TW" dirty="0">
-                <a:latin typeface="標楷體" panose="03000509000000000000" pitchFamily="65" charset="-120"/>
-                <a:ea typeface="標楷體" panose="03000509000000000000" pitchFamily="65" charset="-120"/>
-              </a:rPr>
-              <a:t>3-1.</a:t>
-            </a:r>
-            <a:r>
-              <a:rPr lang="en-US" altLang="zh-TW" sz="1800" dirty="0"/>
-              <a:t> </a:t>
-            </a:r>
-            <a:r>
-              <a:rPr lang="zh-TW" altLang="en-US" dirty="0">
-                <a:ea typeface="標楷體" panose="03000509000000000000" pitchFamily="65" charset="-120"/>
-              </a:rPr>
-              <a:t>燒錄結果</a:t>
-            </a:r>
-            <a:endParaRPr lang="zh-TW" altLang="en-US" dirty="0">
-              <a:latin typeface="Times New Roman" panose="02020603050405020304" pitchFamily="18" charset="0"/>
-              <a:ea typeface="標楷體" panose="03000509000000000000" pitchFamily="65" charset="-120"/>
-              <a:cs typeface="Times New Roman" panose="02020603050405020304" pitchFamily="18" charset="0"/>
-            </a:endParaRPr>
-          </a:p>
-        </p:txBody>
-      </p:sp>
-    </p:spTree>
-    <p:extLst>
-      <p:ext uri="{BB962C8B-B14F-4D97-AF65-F5344CB8AC3E}">
-        <p14:creationId xmlns:p14="http://schemas.microsoft.com/office/powerpoint/2010/main" val="873884702"/>
-      </p:ext>
-    </p:extLst>
-  </p:cSld>
-  <p:clrMapOvr>
-    <a:masterClrMapping/>
-  </p:clrMapOvr>
-</p:sld>
-</file>
-
-<file path=ppt/slides/slide31.xml><?xml version="1.0" encoding="utf-8"?>
-<p:sld xmlns:a="http://schemas.openxmlformats.org/drawingml/2006/main" xmlns:r="http://schemas.openxmlformats.org/officeDocument/2006/relationships" xmlns:p="http://schemas.openxmlformats.org/presentationml/2006/main">
-  <p:cSld>
-    <p:spTree>
-      <p:nvGrpSpPr>
-        <p:cNvPr id="1" name=""/>
-        <p:cNvGrpSpPr/>
-        <p:nvPr/>
-      </p:nvGrpSpPr>
-      <p:grpSpPr>
-        <a:xfrm>
-          <a:off x="0" y="0"/>
-          <a:ext cx="0" cy="0"/>
-          <a:chOff x="0" y="0"/>
-          <a:chExt cx="0" cy="0"/>
-        </a:xfrm>
-      </p:grpSpPr>
-      <p:sp>
-        <p:nvSpPr>
-          <p:cNvPr id="2" name="內容版面配置區 1"/>
-          <p:cNvSpPr>
-            <a:spLocks noGrp="1"/>
-          </p:cNvSpPr>
-          <p:nvPr>
-            <p:ph idx="1"/>
-          </p:nvPr>
-        </p:nvSpPr>
-        <p:spPr>
-          <a:xfrm>
             <a:off x="838200" y="1201850"/>
             <a:ext cx="10515600" cy="5037776"/>
           </a:xfrm>
@@ -15022,212 +14768,6 @@
       </p:sp>
       <p:sp>
         <p:nvSpPr>
-          <p:cNvPr id="12" name="內容版面配置區 1">
-            <a:extLst>
-              <a:ext uri="{FF2B5EF4-FFF2-40B4-BE49-F238E27FC236}">
-                <a16:creationId xmlns:a16="http://schemas.microsoft.com/office/drawing/2014/main" id="{EBC2BC77-5992-4C64-B714-8C13F0763125}"/>
-              </a:ext>
-            </a:extLst>
-          </p:cNvPr>
-          <p:cNvSpPr txBox="1">
-            <a:spLocks/>
-          </p:cNvSpPr>
-          <p:nvPr/>
-        </p:nvSpPr>
-        <p:spPr>
-          <a:xfrm>
-            <a:off x="6606622" y="4680752"/>
-            <a:ext cx="4863328" cy="1925541"/>
-          </a:xfrm>
-          <a:prstGeom prst="rect">
-            <a:avLst/>
-          </a:prstGeom>
-        </p:spPr>
-        <p:txBody>
-          <a:bodyPr vert="horz" lIns="91440" tIns="45720" rIns="91440" bIns="45720" numCol="2" rtlCol="0">
-            <a:normAutofit/>
-          </a:bodyPr>
-          <a:lstStyle>
-            <a:lvl1pPr marL="144000" indent="-144000" algn="l" defTabSz="914400" rtl="0" eaLnBrk="1" latinLnBrk="0" hangingPunct="0">
-              <a:lnSpc>
-                <a:spcPct val="90000"/>
-              </a:lnSpc>
-              <a:spcBef>
-                <a:spcPts val="300"/>
-              </a:spcBef>
-              <a:buFont typeface="Arial" panose="020B0604020202020204" pitchFamily="34" charset="0"/>
-              <a:buChar char="•"/>
-              <a:defRPr sz="1600" kern="1200" baseline="0">
-                <a:solidFill>
-                  <a:schemeClr val="tx1"/>
-                </a:solidFill>
-                <a:latin typeface="Times New Roman" panose="02020603050405020304" pitchFamily="18" charset="0"/>
-                <a:ea typeface="標楷體" panose="03000509000000000000" pitchFamily="65" charset="-120"/>
-                <a:cs typeface="+mn-cs"/>
-              </a:defRPr>
-            </a:lvl1pPr>
-            <a:lvl2pPr marL="685800" indent="-228600" algn="l" defTabSz="914400" rtl="0" eaLnBrk="1" latinLnBrk="0" hangingPunct="0">
-              <a:lnSpc>
-                <a:spcPct val="90000"/>
-              </a:lnSpc>
-              <a:spcBef>
-                <a:spcPts val="300"/>
-              </a:spcBef>
-              <a:buFont typeface="Arial" panose="020B0604020202020204" pitchFamily="34" charset="0"/>
-              <a:buChar char="•"/>
-              <a:defRPr sz="1600" kern="1200" baseline="0">
-                <a:solidFill>
-                  <a:schemeClr val="tx1"/>
-                </a:solidFill>
-                <a:latin typeface="Times New Roman" panose="02020603050405020304" pitchFamily="18" charset="0"/>
-                <a:ea typeface="標楷體" panose="03000509000000000000" pitchFamily="65" charset="-120"/>
-                <a:cs typeface="+mn-cs"/>
-              </a:defRPr>
-            </a:lvl2pPr>
-            <a:lvl3pPr marL="1143000" indent="-228600" algn="l" defTabSz="914400" rtl="0" eaLnBrk="1" latinLnBrk="0" hangingPunct="0">
-              <a:lnSpc>
-                <a:spcPct val="90000"/>
-              </a:lnSpc>
-              <a:spcBef>
-                <a:spcPts val="300"/>
-              </a:spcBef>
-              <a:buFont typeface="Arial" panose="020B0604020202020204" pitchFamily="34" charset="0"/>
-              <a:buChar char="•"/>
-              <a:defRPr sz="1600" kern="1200" baseline="0">
-                <a:solidFill>
-                  <a:schemeClr val="tx1"/>
-                </a:solidFill>
-                <a:latin typeface="Times New Roman" panose="02020603050405020304" pitchFamily="18" charset="0"/>
-                <a:ea typeface="標楷體" panose="03000509000000000000" pitchFamily="65" charset="-120"/>
-                <a:cs typeface="+mn-cs"/>
-              </a:defRPr>
-            </a:lvl3pPr>
-            <a:lvl4pPr marL="1600200" indent="-228600" algn="l" defTabSz="914400" rtl="0" eaLnBrk="1" latinLnBrk="0" hangingPunct="0">
-              <a:lnSpc>
-                <a:spcPct val="90000"/>
-              </a:lnSpc>
-              <a:spcBef>
-                <a:spcPts val="300"/>
-              </a:spcBef>
-              <a:buFont typeface="Arial" panose="020B0604020202020204" pitchFamily="34" charset="0"/>
-              <a:buChar char="•"/>
-              <a:defRPr sz="1600" kern="1200" baseline="0">
-                <a:solidFill>
-                  <a:schemeClr val="tx1"/>
-                </a:solidFill>
-                <a:latin typeface="Times New Roman" panose="02020603050405020304" pitchFamily="18" charset="0"/>
-                <a:ea typeface="標楷體" panose="03000509000000000000" pitchFamily="65" charset="-120"/>
-                <a:cs typeface="+mn-cs"/>
-              </a:defRPr>
-            </a:lvl4pPr>
-            <a:lvl5pPr marL="2057400" indent="-228600" algn="l" defTabSz="914400" rtl="0" eaLnBrk="1" latinLnBrk="0" hangingPunct="0">
-              <a:lnSpc>
-                <a:spcPct val="90000"/>
-              </a:lnSpc>
-              <a:spcBef>
-                <a:spcPts val="300"/>
-              </a:spcBef>
-              <a:buFont typeface="Arial" panose="020B0604020202020204" pitchFamily="34" charset="0"/>
-              <a:buChar char="•"/>
-              <a:defRPr sz="1600" kern="1200" baseline="0">
-                <a:solidFill>
-                  <a:schemeClr val="tx1"/>
-                </a:solidFill>
-                <a:latin typeface="Times New Roman" panose="02020603050405020304" pitchFamily="18" charset="0"/>
-                <a:ea typeface="標楷體" panose="03000509000000000000" pitchFamily="65" charset="-120"/>
-                <a:cs typeface="+mn-cs"/>
-              </a:defRPr>
-            </a:lvl5pPr>
-            <a:lvl6pPr marL="2514600" indent="-228600" algn="l" defTabSz="914400" rtl="0" eaLnBrk="1" latinLnBrk="0" hangingPunct="1">
-              <a:lnSpc>
-                <a:spcPct val="90000"/>
-              </a:lnSpc>
-              <a:spcBef>
-                <a:spcPts val="500"/>
-              </a:spcBef>
-              <a:buFont typeface="Arial" panose="020B0604020202020204" pitchFamily="34" charset="0"/>
-              <a:buChar char="•"/>
-              <a:defRPr sz="1800" kern="1200">
-                <a:solidFill>
-                  <a:schemeClr val="tx1"/>
-                </a:solidFill>
-                <a:latin typeface="+mn-lt"/>
-                <a:ea typeface="+mn-ea"/>
-                <a:cs typeface="+mn-cs"/>
-              </a:defRPr>
-            </a:lvl6pPr>
-            <a:lvl7pPr marL="2971800" indent="-228600" algn="l" defTabSz="914400" rtl="0" eaLnBrk="1" latinLnBrk="0" hangingPunct="1">
-              <a:lnSpc>
-                <a:spcPct val="90000"/>
-              </a:lnSpc>
-              <a:spcBef>
-                <a:spcPts val="500"/>
-              </a:spcBef>
-              <a:buFont typeface="Arial" panose="020B0604020202020204" pitchFamily="34" charset="0"/>
-              <a:buChar char="•"/>
-              <a:defRPr sz="1800" kern="1200">
-                <a:solidFill>
-                  <a:schemeClr val="tx1"/>
-                </a:solidFill>
-                <a:latin typeface="+mn-lt"/>
-                <a:ea typeface="+mn-ea"/>
-                <a:cs typeface="+mn-cs"/>
-              </a:defRPr>
-            </a:lvl7pPr>
-            <a:lvl8pPr marL="3429000" indent="-228600" algn="l" defTabSz="914400" rtl="0" eaLnBrk="1" latinLnBrk="0" hangingPunct="1">
-              <a:lnSpc>
-                <a:spcPct val="90000"/>
-              </a:lnSpc>
-              <a:spcBef>
-                <a:spcPts val="500"/>
-              </a:spcBef>
-              <a:buFont typeface="Arial" panose="020B0604020202020204" pitchFamily="34" charset="0"/>
-              <a:buChar char="•"/>
-              <a:defRPr sz="1800" kern="1200">
-                <a:solidFill>
-                  <a:schemeClr val="tx1"/>
-                </a:solidFill>
-                <a:latin typeface="+mn-lt"/>
-                <a:ea typeface="+mn-ea"/>
-                <a:cs typeface="+mn-cs"/>
-              </a:defRPr>
-            </a:lvl8pPr>
-            <a:lvl9pPr marL="3886200" indent="-228600" algn="l" defTabSz="914400" rtl="0" eaLnBrk="1" latinLnBrk="0" hangingPunct="1">
-              <a:lnSpc>
-                <a:spcPct val="90000"/>
-              </a:lnSpc>
-              <a:spcBef>
-                <a:spcPts val="500"/>
-              </a:spcBef>
-              <a:buFont typeface="Arial" panose="020B0604020202020204" pitchFamily="34" charset="0"/>
-              <a:buChar char="•"/>
-              <a:defRPr sz="1800" kern="1200">
-                <a:solidFill>
-                  <a:schemeClr val="tx1"/>
-                </a:solidFill>
-                <a:latin typeface="+mn-lt"/>
-                <a:ea typeface="+mn-ea"/>
-                <a:cs typeface="+mn-cs"/>
-              </a:defRPr>
-            </a:lvl9pPr>
-          </a:lstStyle>
-          <a:p>
-            <a:pPr marL="0" lvl="1" indent="0">
-              <a:buNone/>
-            </a:pPr>
-            <a:endParaRPr lang="en-US" altLang="zh-TW" dirty="0">
-              <a:latin typeface="標楷體" panose="03000509000000000000" pitchFamily="65" charset="-120"/>
-            </a:endParaRPr>
-          </a:p>
-          <a:p>
-            <a:endParaRPr lang="en-US" altLang="zh-TW" dirty="0">
-              <a:latin typeface="標楷體" panose="03000509000000000000" pitchFamily="65" charset="-120"/>
-            </a:endParaRPr>
-          </a:p>
-        </p:txBody>
-      </p:sp>
-      <p:sp>
-        <p:nvSpPr>
           <p:cNvPr id="7" name="文字方塊 6">
             <a:extLst>
               <a:ext uri="{FF2B5EF4-FFF2-40B4-BE49-F238E27FC236}">
@@ -15241,7 +14781,7 @@
         <p:spPr>
           <a:xfrm>
             <a:off x="2900509" y="1859581"/>
-            <a:ext cx="3359884" cy="2900794"/>
+            <a:ext cx="3359884" cy="2331407"/>
           </a:xfrm>
           <a:prstGeom prst="rect">
             <a:avLst/>
@@ -15310,8 +14850,9 @@
                 <a:effectLst/>
                 <a:latin typeface="標楷體" panose="03000509000000000000" pitchFamily="65" charset="-120"/>
                 <a:ea typeface="標楷體" panose="03000509000000000000" pitchFamily="65" charset="-120"/>
-              </a:rPr>
-              <a:t>2023/5/31</a:t>
+                <a:hlinkClick r:id="rId3" action="ppaction://hlinksldjump"/>
+              </a:rPr>
+              <a:t>2023/5/27</a:t>
             </a:r>
             <a:r>
               <a:rPr lang="en-US" altLang="zh-TW" sz="1600" b="1" dirty="0">
@@ -15322,8 +14863,21 @@
                 </a:solidFill>
                 <a:latin typeface="標楷體" panose="03000509000000000000" pitchFamily="65" charset="-120"/>
                 <a:ea typeface="標楷體" panose="03000509000000000000" pitchFamily="65" charset="-120"/>
-              </a:rPr>
-              <a:t>~2023/6/6:</a:t>
+                <a:hlinkClick r:id="rId3" action="ppaction://hlinksldjump"/>
+              </a:rPr>
+              <a:t>~2023/6/1</a:t>
+            </a:r>
+            <a:r>
+              <a:rPr lang="en-US" altLang="zh-TW" sz="1600" b="1" dirty="0">
+                <a:solidFill>
+                  <a:schemeClr val="accent6">
+                    <a:lumMod val="75000"/>
+                  </a:schemeClr>
+                </a:solidFill>
+                <a:latin typeface="標楷體" panose="03000509000000000000" pitchFamily="65" charset="-120"/>
+                <a:ea typeface="標楷體" panose="03000509000000000000" pitchFamily="65" charset="-120"/>
+              </a:rPr>
+              <a:t>:</a:t>
             </a:r>
           </a:p>
           <a:p>
@@ -15456,7 +15010,7 @@
               <a:buFont typeface="Arial" panose="020B0604020202020204" pitchFamily="34" charset="0"/>
               <a:buChar char="•"/>
             </a:pPr>
-            <a:endParaRPr lang="en-US" altLang="zh-TW" sz="1600" b="1" dirty="0">
+            <a:endParaRPr lang="en-US" altLang="zh-TW" sz="1600" dirty="0">
               <a:latin typeface="Times New Roman" panose="02020603050405020304" pitchFamily="18" charset="0"/>
               <a:ea typeface="標楷體" panose="03000509000000000000" pitchFamily="65" charset="-120"/>
               <a:cs typeface="Times New Roman" panose="02020603050405020304" pitchFamily="18" charset="0"/>
@@ -15471,38 +15025,22 @@
               <a:buChar char="•"/>
             </a:pPr>
             <a:r>
-              <a:rPr lang="zh-TW" altLang="en-US" sz="1600" b="1" dirty="0">
-                <a:solidFill>
-                  <a:srgbClr val="000000"/>
-                </a:solidFill>
-                <a:latin typeface="標楷體" panose="03000509000000000000" pitchFamily="65" charset="-120"/>
-                <a:ea typeface="標楷體" panose="03000509000000000000" pitchFamily="65" charset="-120"/>
-              </a:rPr>
-              <a:t>六</a:t>
-            </a:r>
-            <a:r>
-              <a:rPr lang="zh-TW" altLang="en-US" sz="1600" b="1" i="0" u="none" strike="noStrike" dirty="0">
-                <a:solidFill>
-                  <a:srgbClr val="000000"/>
-                </a:solidFill>
-                <a:effectLst/>
-                <a:latin typeface="標楷體" panose="03000509000000000000" pitchFamily="65" charset="-120"/>
-                <a:ea typeface="標楷體" panose="03000509000000000000" pitchFamily="65" charset="-120"/>
-              </a:rPr>
-              <a:t>月</a:t>
-            </a:r>
-            <a:r>
-              <a:rPr lang="en-US" altLang="zh-TW" sz="1600" b="1" i="0" u="none" strike="noStrike" dirty="0">
-                <a:solidFill>
-                  <a:srgbClr val="000000"/>
-                </a:solidFill>
-                <a:effectLst/>
-                <a:latin typeface="標楷體" panose="03000509000000000000" pitchFamily="65" charset="-120"/>
-                <a:ea typeface="標楷體" panose="03000509000000000000" pitchFamily="65" charset="-120"/>
-              </a:rPr>
-              <a:t>:</a:t>
-            </a:r>
-            <a:endParaRPr lang="en-US" altLang="zh-TW" sz="1600" b="1" dirty="0">
+              <a:rPr lang="en-US" altLang="zh-TW" sz="1600" dirty="0">
+                <a:latin typeface="Times New Roman" panose="02020603050405020304" pitchFamily="18" charset="0"/>
+                <a:ea typeface="標楷體" panose="03000509000000000000" pitchFamily="65" charset="-120"/>
+                <a:cs typeface="Times New Roman" panose="02020603050405020304" pitchFamily="18" charset="0"/>
+              </a:rPr>
+              <a:t>Sobel</a:t>
+            </a:r>
+            <a:r>
+              <a:rPr lang="zh-TW" altLang="en-US" sz="1600" dirty="0">
+                <a:latin typeface="Times New Roman" panose="02020603050405020304" pitchFamily="18" charset="0"/>
+                <a:ea typeface="標楷體" panose="03000509000000000000" pitchFamily="65" charset="-120"/>
+                <a:cs typeface="Times New Roman" panose="02020603050405020304" pitchFamily="18" charset="0"/>
+              </a:rPr>
+              <a:t>波型模擬</a:t>
+            </a:r>
+            <a:endParaRPr lang="en-US" altLang="zh-TW" sz="1600" dirty="0">
               <a:latin typeface="Times New Roman" panose="02020603050405020304" pitchFamily="18" charset="0"/>
               <a:ea typeface="標楷體" panose="03000509000000000000" pitchFamily="65" charset="-120"/>
               <a:cs typeface="Times New Roman" panose="02020603050405020304" pitchFamily="18" charset="0"/>
@@ -15517,43 +15055,12 @@
               <a:buChar char="•"/>
             </a:pPr>
             <a:r>
-              <a:rPr lang="en-US" altLang="zh-TW" sz="1600" b="1" dirty="0">
-                <a:solidFill>
-                  <a:schemeClr val="accent6">
-                    <a:lumMod val="75000"/>
-                  </a:schemeClr>
-                </a:solidFill>
-                <a:latin typeface="標楷體" panose="03000509000000000000" pitchFamily="65" charset="-120"/>
-                <a:ea typeface="標楷體" panose="03000509000000000000" pitchFamily="65" charset="-120"/>
-              </a:rPr>
-              <a:t>2023/6/7~2023/6/13:</a:t>
-            </a:r>
-            <a:endParaRPr lang="en-US" altLang="zh-TW" sz="1600" dirty="0">
-              <a:solidFill>
-                <a:schemeClr val="accent6">
-                  <a:lumMod val="75000"/>
-                </a:schemeClr>
-              </a:solidFill>
-              <a:latin typeface="Times New Roman" panose="02020603050405020304" pitchFamily="18" charset="0"/>
-              <a:ea typeface="標楷體" panose="03000509000000000000" pitchFamily="65" charset="-120"/>
-              <a:cs typeface="Times New Roman" panose="02020603050405020304" pitchFamily="18" charset="0"/>
-            </a:endParaRPr>
-          </a:p>
-          <a:p>
-            <a:pPr fontAlgn="base">
-              <a:spcBef>
-                <a:spcPts val="300"/>
-              </a:spcBef>
-              <a:buFont typeface="Arial" panose="020B0604020202020204" pitchFamily="34" charset="0"/>
-              <a:buChar char="•"/>
-            </a:pPr>
-            <a:r>
               <a:rPr lang="en-US" altLang="zh-TW" sz="1600" dirty="0">
                 <a:latin typeface="Times New Roman" panose="02020603050405020304" pitchFamily="18" charset="0"/>
                 <a:ea typeface="標楷體" panose="03000509000000000000" pitchFamily="65" charset="-120"/>
                 <a:cs typeface="Times New Roman" panose="02020603050405020304" pitchFamily="18" charset="0"/>
               </a:rPr>
-              <a:t>Sobel</a:t>
+              <a:t>Bram(640x480) + Sobel </a:t>
             </a:r>
             <a:r>
               <a:rPr lang="zh-TW" altLang="en-US" sz="1600" dirty="0">
@@ -15561,43 +15068,8 @@
                 <a:ea typeface="標楷體" panose="03000509000000000000" pitchFamily="65" charset="-120"/>
                 <a:cs typeface="Times New Roman" panose="02020603050405020304" pitchFamily="18" charset="0"/>
               </a:rPr>
-              <a:t>波型模擬</a:t>
-            </a:r>
-            <a:endParaRPr lang="en-US" altLang="zh-TW" sz="1600" dirty="0">
-              <a:latin typeface="Times New Roman" panose="02020603050405020304" pitchFamily="18" charset="0"/>
-              <a:ea typeface="標楷體" panose="03000509000000000000" pitchFamily="65" charset="-120"/>
-              <a:cs typeface="Times New Roman" panose="02020603050405020304" pitchFamily="18" charset="0"/>
-            </a:endParaRPr>
-          </a:p>
-          <a:p>
-            <a:pPr fontAlgn="base">
-              <a:spcBef>
-                <a:spcPts val="300"/>
-              </a:spcBef>
-              <a:buFont typeface="Arial" panose="020B0604020202020204" pitchFamily="34" charset="0"/>
-              <a:buChar char="•"/>
-            </a:pPr>
-            <a:r>
-              <a:rPr lang="en-US" altLang="zh-TW" sz="1600">
-                <a:latin typeface="Times New Roman" panose="02020603050405020304" pitchFamily="18" charset="0"/>
-                <a:ea typeface="標楷體" panose="03000509000000000000" pitchFamily="65" charset="-120"/>
-                <a:cs typeface="Times New Roman" panose="02020603050405020304" pitchFamily="18" charset="0"/>
-              </a:rPr>
-              <a:t>Bram(640x480) </a:t>
-            </a:r>
-            <a:r>
-              <a:rPr lang="en-US" altLang="zh-TW" sz="1600" dirty="0">
-                <a:latin typeface="Times New Roman" panose="02020603050405020304" pitchFamily="18" charset="0"/>
-                <a:ea typeface="標楷體" panose="03000509000000000000" pitchFamily="65" charset="-120"/>
-                <a:cs typeface="Times New Roman" panose="02020603050405020304" pitchFamily="18" charset="0"/>
-              </a:rPr>
-              <a:t>+ Sobel</a:t>
-            </a:r>
-            <a:endParaRPr lang="zh-TW" altLang="en-US" sz="1600" dirty="0">
-              <a:latin typeface="Times New Roman" panose="02020603050405020304" pitchFamily="18" charset="0"/>
-              <a:ea typeface="標楷體" panose="03000509000000000000" pitchFamily="65" charset="-120"/>
-              <a:cs typeface="Times New Roman" panose="02020603050405020304" pitchFamily="18" charset="0"/>
-            </a:endParaRPr>
+              <a:t>燒錄</a:t>
+            </a:r>
           </a:p>
         </p:txBody>
       </p:sp>
